--- a/GamePro/GameEngine/GamePro20150628.pptx
+++ b/GamePro/GameEngine/GamePro20150628.pptx
@@ -5,19 +5,27 @@
     <p:sldMasterId id="2147483660" r:id="rId1"/>
   </p:sldMasterIdLst>
   <p:notesMasterIdLst>
-    <p:notesMasterId r:id="rId12"/>
+    <p:notesMasterId r:id="rId20"/>
   </p:notesMasterIdLst>
   <p:sldIdLst>
     <p:sldId id="256" r:id="rId2"/>
     <p:sldId id="257" r:id="rId3"/>
-    <p:sldId id="258" r:id="rId4"/>
-    <p:sldId id="260" r:id="rId5"/>
-    <p:sldId id="262" r:id="rId6"/>
-    <p:sldId id="263" r:id="rId7"/>
-    <p:sldId id="264" r:id="rId8"/>
-    <p:sldId id="267" r:id="rId9"/>
-    <p:sldId id="265" r:id="rId10"/>
+    <p:sldId id="275" r:id="rId4"/>
+    <p:sldId id="258" r:id="rId5"/>
+    <p:sldId id="260" r:id="rId6"/>
+    <p:sldId id="262" r:id="rId7"/>
+    <p:sldId id="263" r:id="rId8"/>
+    <p:sldId id="264" r:id="rId9"/>
+    <p:sldId id="267" r:id="rId10"/>
     <p:sldId id="266" r:id="rId11"/>
+    <p:sldId id="269" r:id="rId12"/>
+    <p:sldId id="268" r:id="rId13"/>
+    <p:sldId id="270" r:id="rId14"/>
+    <p:sldId id="271" r:id="rId15"/>
+    <p:sldId id="272" r:id="rId16"/>
+    <p:sldId id="273" r:id="rId17"/>
+    <p:sldId id="265" r:id="rId18"/>
+    <p:sldId id="274" r:id="rId19"/>
   </p:sldIdLst>
   <p:sldSz cx="9144000" cy="6858000" type="screen4x3"/>
   <p:notesSz cx="6858000" cy="9144000"/>
@@ -123,14 +131,22 @@
           <p14:sldIdLst>
             <p14:sldId id="256"/>
             <p14:sldId id="257"/>
+            <p14:sldId id="275"/>
             <p14:sldId id="258"/>
             <p14:sldId id="260"/>
             <p14:sldId id="262"/>
             <p14:sldId id="263"/>
             <p14:sldId id="264"/>
             <p14:sldId id="267"/>
+            <p14:sldId id="266"/>
+            <p14:sldId id="269"/>
+            <p14:sldId id="268"/>
+            <p14:sldId id="270"/>
+            <p14:sldId id="271"/>
+            <p14:sldId id="272"/>
+            <p14:sldId id="273"/>
             <p14:sldId id="265"/>
-            <p14:sldId id="266"/>
+            <p14:sldId id="274"/>
           </p14:sldIdLst>
         </p14:section>
       </p14:sectionLst>
@@ -600,7 +616,7 @@
           <a:p>
             <a:fld id="{E03FE885-361D-0544-AA0D-DDF147C9C156}" type="slidenum">
               <a:rPr kumimoji="1" lang="ja-JP" altLang="en-US" smtClean="0"/>
-              <a:t>5</a:t>
+              <a:t>3</a:t>
             </a:fld>
             <a:endParaRPr kumimoji="1" lang="ja-JP" altLang="en-US"/>
           </a:p>
@@ -609,7 +625,7 @@
     </p:spTree>
     <p:extLst>
       <p:ext uri="{BB962C8B-B14F-4D97-AF65-F5344CB8AC3E}">
-        <p14:creationId xmlns:p14="http://schemas.microsoft.com/office/powerpoint/2010/main" val="2694189251"/>
+        <p14:creationId xmlns:p14="http://schemas.microsoft.com/office/powerpoint/2010/main" val="3972210505"/>
       </p:ext>
     </p:extLst>
   </p:cSld>
@@ -684,7 +700,7 @@
           <a:p>
             <a:fld id="{E03FE885-361D-0544-AA0D-DDF147C9C156}" type="slidenum">
               <a:rPr kumimoji="1" lang="ja-JP" altLang="en-US" smtClean="0"/>
-              <a:t>8</a:t>
+              <a:t>6</a:t>
             </a:fld>
             <a:endParaRPr kumimoji="1" lang="ja-JP" altLang="en-US"/>
           </a:p>
@@ -693,7 +709,7 @@
     </p:spTree>
     <p:extLst>
       <p:ext uri="{BB962C8B-B14F-4D97-AF65-F5344CB8AC3E}">
-        <p14:creationId xmlns:p14="http://schemas.microsoft.com/office/powerpoint/2010/main" val="1010089774"/>
+        <p14:creationId xmlns:p14="http://schemas.microsoft.com/office/powerpoint/2010/main" val="2694189251"/>
       </p:ext>
     </p:extLst>
   </p:cSld>
@@ -747,10 +763,6 @@
           <a:bodyPr/>
           <a:lstStyle/>
           <a:p>
-            <a:r>
-              <a:rPr kumimoji="1" lang="en-US" altLang="ja-JP" dirty="0" smtClean="0"/>
-              <a:t>http://www.spriters-resource.com/arcade/xevious/sheet/42387/</a:t>
-            </a:r>
             <a:endParaRPr kumimoji="1" lang="ja-JP" altLang="en-US" dirty="0"/>
           </a:p>
         </p:txBody>
@@ -781,7 +793,7 @@
     </p:spTree>
     <p:extLst>
       <p:ext uri="{BB962C8B-B14F-4D97-AF65-F5344CB8AC3E}">
-        <p14:creationId xmlns:p14="http://schemas.microsoft.com/office/powerpoint/2010/main" val="4089886"/>
+        <p14:creationId xmlns:p14="http://schemas.microsoft.com/office/powerpoint/2010/main" val="1010089774"/>
       </p:ext>
     </p:extLst>
   </p:cSld>
@@ -886,6 +898,94 @@
     <p:extLst>
       <p:ext uri="{BB962C8B-B14F-4D97-AF65-F5344CB8AC3E}">
         <p14:creationId xmlns:p14="http://schemas.microsoft.com/office/powerpoint/2010/main" val="3990404629"/>
+      </p:ext>
+    </p:extLst>
+  </p:cSld>
+  <p:clrMapOvr>
+    <a:masterClrMapping/>
+  </p:clrMapOvr>
+</p:notes>
+</file>
+
+<file path=ppt/notesSlides/notesSlide5.xml><?xml version="1.0" encoding="utf-8"?>
+<p:notes xmlns:a="http://schemas.openxmlformats.org/drawingml/2006/main" xmlns:r="http://schemas.openxmlformats.org/officeDocument/2006/relationships" xmlns:p="http://schemas.openxmlformats.org/presentationml/2006/main">
+  <p:cSld>
+    <p:spTree>
+      <p:nvGrpSpPr>
+        <p:cNvPr id="1" name=""/>
+        <p:cNvGrpSpPr/>
+        <p:nvPr/>
+      </p:nvGrpSpPr>
+      <p:grpSpPr>
+        <a:xfrm>
+          <a:off x="0" y="0"/>
+          <a:ext cx="0" cy="0"/>
+          <a:chOff x="0" y="0"/>
+          <a:chExt cx="0" cy="0"/>
+        </a:xfrm>
+      </p:grpSpPr>
+      <p:sp>
+        <p:nvSpPr>
+          <p:cNvPr id="2" name="スライド イメージ プレースホルダー 1"/>
+          <p:cNvSpPr>
+            <a:spLocks noGrp="1" noRot="1" noChangeAspect="1"/>
+          </p:cNvSpPr>
+          <p:nvPr>
+            <p:ph type="sldImg"/>
+          </p:nvPr>
+        </p:nvSpPr>
+        <p:spPr/>
+      </p:sp>
+      <p:sp>
+        <p:nvSpPr>
+          <p:cNvPr id="3" name="ノート プレースホルダー 2"/>
+          <p:cNvSpPr>
+            <a:spLocks noGrp="1"/>
+          </p:cNvSpPr>
+          <p:nvPr>
+            <p:ph type="body" idx="1"/>
+          </p:nvPr>
+        </p:nvSpPr>
+        <p:spPr/>
+        <p:txBody>
+          <a:bodyPr/>
+          <a:lstStyle/>
+          <a:p>
+            <a:r>
+              <a:rPr kumimoji="1" lang="en-US" altLang="ja-JP" dirty="0" smtClean="0"/>
+              <a:t>http://www.spriters-resource.com/arcade/xevious/sheet/42387/</a:t>
+            </a:r>
+            <a:endParaRPr kumimoji="1" lang="ja-JP" altLang="en-US" dirty="0"/>
+          </a:p>
+        </p:txBody>
+      </p:sp>
+      <p:sp>
+        <p:nvSpPr>
+          <p:cNvPr id="4" name="スライド番号プレースホルダー 3"/>
+          <p:cNvSpPr>
+            <a:spLocks noGrp="1"/>
+          </p:cNvSpPr>
+          <p:nvPr>
+            <p:ph type="sldNum" sz="quarter" idx="10"/>
+          </p:nvPr>
+        </p:nvSpPr>
+        <p:spPr/>
+        <p:txBody>
+          <a:bodyPr/>
+          <a:lstStyle/>
+          <a:p>
+            <a:fld id="{E03FE885-361D-0544-AA0D-DDF147C9C156}" type="slidenum">
+              <a:rPr kumimoji="1" lang="ja-JP" altLang="en-US" smtClean="0"/>
+              <a:t>17</a:t>
+            </a:fld>
+            <a:endParaRPr kumimoji="1" lang="ja-JP" altLang="en-US"/>
+          </a:p>
+        </p:txBody>
+      </p:sp>
+    </p:spTree>
+    <p:extLst>
+      <p:ext uri="{BB962C8B-B14F-4D97-AF65-F5344CB8AC3E}">
+        <p14:creationId xmlns:p14="http://schemas.microsoft.com/office/powerpoint/2010/main" val="4089886"/>
       </p:ext>
     </p:extLst>
   </p:cSld>
@@ -16029,8 +16129,8 @@
               <a:rPr kumimoji="1" lang="en-US" altLang="ja-JP" dirty="0" smtClean="0"/>
             </a:br>
             <a:r>
-              <a:rPr lang="ja-JP" altLang="en-US" dirty="0"/>
-              <a:t>応用</a:t>
+              <a:rPr lang="ja-JP" altLang="en-US" dirty="0" smtClean="0"/>
+              <a:t>応用編</a:t>
             </a:r>
             <a:endParaRPr kumimoji="1" lang="ja-JP" altLang="en-US" dirty="0"/>
           </a:p>
@@ -16409,7 +16509,690 @@
 </p:sld>
 </file>
 
-<file path=ppt/slides/slide2.xml><?xml version="1.0" encoding="utf-8"?>
+<file path=ppt/slides/slide11.xml><?xml version="1.0" encoding="utf-8"?>
+<p:sld xmlns:a="http://schemas.openxmlformats.org/drawingml/2006/main" xmlns:r="http://schemas.openxmlformats.org/officeDocument/2006/relationships" xmlns:p="http://schemas.openxmlformats.org/presentationml/2006/main">
+  <p:cSld>
+    <p:spTree>
+      <p:nvGrpSpPr>
+        <p:cNvPr id="1" name=""/>
+        <p:cNvGrpSpPr/>
+        <p:nvPr/>
+      </p:nvGrpSpPr>
+      <p:grpSpPr>
+        <a:xfrm>
+          <a:off x="0" y="0"/>
+          <a:ext cx="0" cy="0"/>
+          <a:chOff x="0" y="0"/>
+          <a:chExt cx="0" cy="0"/>
+        </a:xfrm>
+      </p:grpSpPr>
+      <p:sp>
+        <p:nvSpPr>
+          <p:cNvPr id="2" name="コンテンツ プレースホルダー 1"/>
+          <p:cNvSpPr>
+            <a:spLocks noGrp="1"/>
+          </p:cNvSpPr>
+          <p:nvPr>
+            <p:ph idx="1"/>
+          </p:nvPr>
+        </p:nvSpPr>
+        <p:spPr>
+          <a:xfrm>
+            <a:off x="211665" y="1484784"/>
+            <a:ext cx="8723376" cy="4968551"/>
+          </a:xfrm>
+        </p:spPr>
+        <p:txBody>
+          <a:bodyPr/>
+          <a:lstStyle/>
+          <a:p>
+            <a:r>
+              <a:rPr lang="en-US" altLang="ja-JP" dirty="0" err="1"/>
+              <a:t>CreateThis</a:t>
+            </a:r>
+            <a:r>
+              <a:rPr lang="en-US" altLang="ja-JP" dirty="0"/>
+              <a:t>::initialize</a:t>
+            </a:r>
+            <a:r>
+              <a:rPr lang="en-US" altLang="ja-JP" dirty="0" smtClean="0"/>
+              <a:t>()</a:t>
+            </a:r>
+            <a:endParaRPr lang="en-US" altLang="ja-JP" dirty="0"/>
+          </a:p>
+          <a:p>
+            <a:r>
+              <a:rPr lang="ja-JP" altLang="en-US" dirty="0" smtClean="0"/>
+              <a:t>最後のほうに</a:t>
+            </a:r>
+            <a:endParaRPr lang="en-US" altLang="ja-JP" dirty="0" smtClean="0"/>
+          </a:p>
+          <a:p>
+            <a:pPr marL="0" indent="0">
+              <a:buNone/>
+            </a:pPr>
+            <a:r>
+              <a:rPr lang="en-US" altLang="ja-JP" dirty="0"/>
+              <a:t> </a:t>
+            </a:r>
+            <a:r>
+              <a:rPr lang="en-US" altLang="ja-JP" dirty="0" smtClean="0"/>
+              <a:t>audio-&gt;</a:t>
+            </a:r>
+            <a:r>
+              <a:rPr lang="en-US" altLang="ja-JP" dirty="0" err="1" smtClean="0"/>
+              <a:t>playCue</a:t>
+            </a:r>
+            <a:r>
+              <a:rPr lang="en-US" altLang="ja-JP" dirty="0" smtClean="0"/>
+              <a:t>(BGM);</a:t>
+            </a:r>
+            <a:r>
+              <a:rPr lang="ja-JP" altLang="en-US" dirty="0" smtClean="0"/>
+              <a:t> を追加</a:t>
+            </a:r>
+            <a:endParaRPr lang="en-US" altLang="ja-JP" dirty="0" smtClean="0"/>
+          </a:p>
+          <a:p>
+            <a:endParaRPr lang="en-US" altLang="ja-JP" dirty="0" smtClean="0"/>
+          </a:p>
+          <a:p>
+            <a:endParaRPr lang="en-US" altLang="ja-JP" dirty="0"/>
+          </a:p>
+          <a:p>
+            <a:endParaRPr lang="en-US" altLang="ja-JP" dirty="0" smtClean="0"/>
+          </a:p>
+          <a:p>
+            <a:endParaRPr lang="en-US" altLang="ja-JP" dirty="0"/>
+          </a:p>
+          <a:p>
+            <a:endParaRPr lang="en-US" altLang="ja-JP" dirty="0" smtClean="0"/>
+          </a:p>
+          <a:p>
+            <a:endParaRPr lang="en-US" altLang="ja-JP" dirty="0"/>
+          </a:p>
+          <a:p>
+            <a:endParaRPr lang="en-US" altLang="ja-JP" dirty="0" smtClean="0"/>
+          </a:p>
+          <a:p>
+            <a:r>
+              <a:rPr lang="ja-JP" altLang="en-US" dirty="0" smtClean="0"/>
+              <a:t>正しくロードできていれば、起動時に再生されます</a:t>
+            </a:r>
+            <a:endParaRPr kumimoji="1" lang="ja-JP" altLang="en-US" dirty="0"/>
+          </a:p>
+        </p:txBody>
+      </p:sp>
+      <p:sp>
+        <p:nvSpPr>
+          <p:cNvPr id="3" name="タイトル 2"/>
+          <p:cNvSpPr>
+            <a:spLocks noGrp="1"/>
+          </p:cNvSpPr>
+          <p:nvPr>
+            <p:ph type="title"/>
+          </p:nvPr>
+        </p:nvSpPr>
+        <p:spPr/>
+        <p:txBody>
+          <a:bodyPr/>
+          <a:lstStyle/>
+          <a:p>
+            <a:r>
+              <a:rPr lang="ja-JP" altLang="en-US" dirty="0"/>
+              <a:t>せっかくなので</a:t>
+            </a:r>
+            <a:r>
+              <a:rPr lang="en-US" altLang="ja-JP" dirty="0"/>
+              <a:t>BGM</a:t>
+            </a:r>
+            <a:r>
+              <a:rPr lang="ja-JP" altLang="en-US" dirty="0"/>
+              <a:t>鳴らす</a:t>
+            </a:r>
+            <a:endParaRPr kumimoji="1" lang="ja-JP" altLang="en-US" dirty="0"/>
+          </a:p>
+        </p:txBody>
+      </p:sp>
+      <p:pic>
+        <p:nvPicPr>
+          <p:cNvPr id="5" name="図 4"/>
+          <p:cNvPicPr>
+            <a:picLocks noChangeAspect="1"/>
+          </p:cNvPicPr>
+          <p:nvPr/>
+        </p:nvPicPr>
+        <p:blipFill>
+          <a:blip r:embed="rId2"/>
+          <a:stretch>
+            <a:fillRect/>
+          </a:stretch>
+        </p:blipFill>
+        <p:spPr>
+          <a:xfrm>
+            <a:off x="4597670" y="1425458"/>
+            <a:ext cx="4394236" cy="4235790"/>
+          </a:xfrm>
+          <a:prstGeom prst="rect">
+            <a:avLst/>
+          </a:prstGeom>
+        </p:spPr>
+      </p:pic>
+    </p:spTree>
+    <p:extLst>
+      <p:ext uri="{BB962C8B-B14F-4D97-AF65-F5344CB8AC3E}">
+        <p14:creationId xmlns:p14="http://schemas.microsoft.com/office/powerpoint/2010/main" val="379191593"/>
+      </p:ext>
+    </p:extLst>
+  </p:cSld>
+  <p:clrMapOvr>
+    <a:masterClrMapping/>
+  </p:clrMapOvr>
+</p:sld>
+</file>
+
+<file path=ppt/slides/slide12.xml><?xml version="1.0" encoding="utf-8"?>
+<p:sld xmlns:a="http://schemas.openxmlformats.org/drawingml/2006/main" xmlns:r="http://schemas.openxmlformats.org/officeDocument/2006/relationships" xmlns:p="http://schemas.openxmlformats.org/presentationml/2006/main">
+  <p:cSld>
+    <p:spTree>
+      <p:nvGrpSpPr>
+        <p:cNvPr id="1" name=""/>
+        <p:cNvGrpSpPr/>
+        <p:nvPr/>
+      </p:nvGrpSpPr>
+      <p:grpSpPr>
+        <a:xfrm>
+          <a:off x="0" y="0"/>
+          <a:ext cx="0" cy="0"/>
+          <a:chOff x="0" y="0"/>
+          <a:chExt cx="0" cy="0"/>
+        </a:xfrm>
+      </p:grpSpPr>
+      <p:sp>
+        <p:nvSpPr>
+          <p:cNvPr id="2" name="コンテンツ プレースホルダー 1"/>
+          <p:cNvSpPr>
+            <a:spLocks noGrp="1"/>
+          </p:cNvSpPr>
+          <p:nvPr>
+            <p:ph idx="1"/>
+          </p:nvPr>
+        </p:nvSpPr>
+        <p:spPr>
+          <a:xfrm>
+            <a:off x="211665" y="5661248"/>
+            <a:ext cx="8723376" cy="792087"/>
+          </a:xfrm>
+        </p:spPr>
+        <p:txBody>
+          <a:bodyPr/>
+          <a:lstStyle/>
+          <a:p>
+            <a:r>
+              <a:rPr lang="ja-JP" altLang="en-US" dirty="0" smtClean="0"/>
+              <a:t>正しくロードできていれば、ループごとに再生されます</a:t>
+            </a:r>
+            <a:endParaRPr kumimoji="1" lang="ja-JP" altLang="en-US" dirty="0"/>
+          </a:p>
+        </p:txBody>
+      </p:sp>
+      <p:sp>
+        <p:nvSpPr>
+          <p:cNvPr id="3" name="タイトル 2"/>
+          <p:cNvSpPr>
+            <a:spLocks noGrp="1"/>
+          </p:cNvSpPr>
+          <p:nvPr>
+            <p:ph type="title"/>
+          </p:nvPr>
+        </p:nvSpPr>
+        <p:spPr/>
+        <p:txBody>
+          <a:bodyPr/>
+          <a:lstStyle/>
+          <a:p>
+            <a:r>
+              <a:rPr kumimoji="1" lang="ja-JP" altLang="en-US" dirty="0" smtClean="0"/>
+              <a:t>せっかくなのでループで鳴らす</a:t>
+            </a:r>
+            <a:endParaRPr kumimoji="1" lang="ja-JP" altLang="en-US" dirty="0"/>
+          </a:p>
+        </p:txBody>
+      </p:sp>
+      <p:pic>
+        <p:nvPicPr>
+          <p:cNvPr id="4" name="図 3"/>
+          <p:cNvPicPr>
+            <a:picLocks noChangeAspect="1"/>
+          </p:cNvPicPr>
+          <p:nvPr/>
+        </p:nvPicPr>
+        <p:blipFill>
+          <a:blip r:embed="rId2"/>
+          <a:stretch>
+            <a:fillRect/>
+          </a:stretch>
+        </p:blipFill>
+        <p:spPr>
+          <a:xfrm>
+            <a:off x="182432" y="1567982"/>
+            <a:ext cx="4593272" cy="4038041"/>
+          </a:xfrm>
+          <a:prstGeom prst="rect">
+            <a:avLst/>
+          </a:prstGeom>
+        </p:spPr>
+      </p:pic>
+      <p:sp>
+        <p:nvSpPr>
+          <p:cNvPr id="5" name="コンテンツ プレースホルダー 1"/>
+          <p:cNvSpPr txBox="1">
+            <a:spLocks/>
+          </p:cNvSpPr>
+          <p:nvPr/>
+        </p:nvSpPr>
+        <p:spPr>
+          <a:xfrm>
+            <a:off x="107504" y="1029414"/>
+            <a:ext cx="8723376" cy="792087"/>
+          </a:xfrm>
+          <a:prstGeom prst="rect">
+            <a:avLst/>
+          </a:prstGeom>
+        </p:spPr>
+        <p:txBody>
+          <a:bodyPr vert="horz" lIns="91440" tIns="45720" rIns="91440" bIns="45720" rtlCol="0">
+            <a:normAutofit/>
+          </a:bodyPr>
+          <a:lstStyle>
+            <a:lvl1pPr marL="274320" indent="-274320" algn="l" defTabSz="914400" rtl="0" eaLnBrk="1" latinLnBrk="0" hangingPunct="1">
+              <a:spcBef>
+                <a:spcPct val="20000"/>
+              </a:spcBef>
+              <a:buClr>
+                <a:schemeClr val="accent1"/>
+              </a:buClr>
+              <a:buSzPct val="100000"/>
+              <a:buFont typeface="Symbol" pitchFamily="18" charset="2"/>
+              <a:buChar char=""/>
+              <a:defRPr kumimoji="1" sz="2400" kern="1200">
+                <a:solidFill>
+                  <a:schemeClr val="tx2"/>
+                </a:solidFill>
+                <a:latin typeface="+mn-lt"/>
+                <a:ea typeface="+mn-ea"/>
+                <a:cs typeface="+mn-cs"/>
+              </a:defRPr>
+            </a:lvl1pPr>
+            <a:lvl2pPr marL="576263" indent="-274320" algn="l" defTabSz="914400" rtl="0" eaLnBrk="1" latinLnBrk="0" hangingPunct="1">
+              <a:spcBef>
+                <a:spcPct val="20000"/>
+              </a:spcBef>
+              <a:buClr>
+                <a:schemeClr val="accent1"/>
+              </a:buClr>
+              <a:buSzPct val="100000"/>
+              <a:buFont typeface="Symbol" pitchFamily="18" charset="2"/>
+              <a:buChar char=""/>
+              <a:defRPr kumimoji="1" sz="2200" kern="1200">
+                <a:solidFill>
+                  <a:schemeClr val="tx2"/>
+                </a:solidFill>
+                <a:latin typeface="+mn-lt"/>
+                <a:ea typeface="+mn-ea"/>
+                <a:cs typeface="+mn-cs"/>
+              </a:defRPr>
+            </a:lvl2pPr>
+            <a:lvl3pPr marL="855663" indent="-228600" algn="l" defTabSz="914400" rtl="0" eaLnBrk="1" latinLnBrk="0" hangingPunct="1">
+              <a:spcBef>
+                <a:spcPct val="20000"/>
+              </a:spcBef>
+              <a:buClr>
+                <a:schemeClr val="accent1"/>
+              </a:buClr>
+              <a:buSzPct val="100000"/>
+              <a:buFont typeface="Symbol" pitchFamily="18" charset="2"/>
+              <a:buChar char=""/>
+              <a:defRPr kumimoji="1" sz="2000" kern="1200">
+                <a:solidFill>
+                  <a:schemeClr val="tx2"/>
+                </a:solidFill>
+                <a:latin typeface="+mn-lt"/>
+                <a:ea typeface="+mn-ea"/>
+                <a:cs typeface="+mn-cs"/>
+              </a:defRPr>
+            </a:lvl3pPr>
+            <a:lvl4pPr marL="1143000" indent="-228600" algn="l" defTabSz="914400" rtl="0" eaLnBrk="1" latinLnBrk="0" hangingPunct="1">
+              <a:spcBef>
+                <a:spcPct val="20000"/>
+              </a:spcBef>
+              <a:buClr>
+                <a:schemeClr val="accent1"/>
+              </a:buClr>
+              <a:buSzPct val="100000"/>
+              <a:buFont typeface="Symbol" pitchFamily="18" charset="2"/>
+              <a:buChar char=""/>
+              <a:defRPr kumimoji="1" sz="1800" kern="1200">
+                <a:solidFill>
+                  <a:schemeClr val="tx2"/>
+                </a:solidFill>
+                <a:latin typeface="+mn-lt"/>
+                <a:ea typeface="+mn-ea"/>
+                <a:cs typeface="+mn-cs"/>
+              </a:defRPr>
+            </a:lvl4pPr>
+            <a:lvl5pPr marL="1463040" indent="-228600" algn="l" defTabSz="914400" rtl="0" eaLnBrk="1" latinLnBrk="0" hangingPunct="1">
+              <a:spcBef>
+                <a:spcPct val="20000"/>
+              </a:spcBef>
+              <a:buClr>
+                <a:schemeClr val="accent1"/>
+              </a:buClr>
+              <a:buSzPct val="100000"/>
+              <a:buFont typeface="Symbol" pitchFamily="18" charset="2"/>
+              <a:buChar char=""/>
+              <a:defRPr kumimoji="1" sz="1600" kern="1200">
+                <a:solidFill>
+                  <a:schemeClr val="tx2"/>
+                </a:solidFill>
+                <a:latin typeface="+mn-lt"/>
+                <a:ea typeface="+mn-ea"/>
+                <a:cs typeface="+mn-cs"/>
+              </a:defRPr>
+            </a:lvl5pPr>
+            <a:lvl6pPr marL="1783080" indent="-228600" algn="l" defTabSz="914400" rtl="0" eaLnBrk="1" latinLnBrk="0" hangingPunct="1">
+              <a:spcBef>
+                <a:spcPts val="384"/>
+              </a:spcBef>
+              <a:buClr>
+                <a:schemeClr val="accent1"/>
+              </a:buClr>
+              <a:buFont typeface="Symbol" pitchFamily="18" charset="2"/>
+              <a:buChar char="*"/>
+              <a:defRPr kumimoji="1" sz="1400" kern="1200">
+                <a:solidFill>
+                  <a:schemeClr val="tx2"/>
+                </a:solidFill>
+                <a:latin typeface="+mn-lt"/>
+                <a:ea typeface="+mn-ea"/>
+                <a:cs typeface="+mn-cs"/>
+              </a:defRPr>
+            </a:lvl6pPr>
+            <a:lvl7pPr marL="2103120" indent="-228600" algn="l" defTabSz="914400" rtl="0" eaLnBrk="1" latinLnBrk="0" hangingPunct="1">
+              <a:spcBef>
+                <a:spcPts val="384"/>
+              </a:spcBef>
+              <a:buClr>
+                <a:schemeClr val="accent1"/>
+              </a:buClr>
+              <a:buFont typeface="Symbol" pitchFamily="18" charset="2"/>
+              <a:buChar char="*"/>
+              <a:defRPr kumimoji="1" sz="1400" kern="1200">
+                <a:solidFill>
+                  <a:schemeClr val="tx2"/>
+                </a:solidFill>
+                <a:latin typeface="+mn-lt"/>
+                <a:ea typeface="+mn-ea"/>
+                <a:cs typeface="+mn-cs"/>
+              </a:defRPr>
+            </a:lvl7pPr>
+            <a:lvl8pPr marL="2423160" indent="-228600" algn="l" defTabSz="914400" rtl="0" eaLnBrk="1" latinLnBrk="0" hangingPunct="1">
+              <a:spcBef>
+                <a:spcPts val="384"/>
+              </a:spcBef>
+              <a:buClr>
+                <a:schemeClr val="accent1"/>
+              </a:buClr>
+              <a:buFont typeface="Symbol" pitchFamily="18" charset="2"/>
+              <a:buChar char="*"/>
+              <a:defRPr kumimoji="1" sz="1400" kern="1200">
+                <a:solidFill>
+                  <a:schemeClr val="tx2"/>
+                </a:solidFill>
+                <a:latin typeface="+mn-lt"/>
+                <a:ea typeface="+mn-ea"/>
+                <a:cs typeface="+mn-cs"/>
+              </a:defRPr>
+            </a:lvl8pPr>
+            <a:lvl9pPr marL="2743200" indent="-228600" algn="l" defTabSz="914400" rtl="0" eaLnBrk="1" latinLnBrk="0" hangingPunct="1">
+              <a:spcBef>
+                <a:spcPts val="384"/>
+              </a:spcBef>
+              <a:buClr>
+                <a:schemeClr val="accent1"/>
+              </a:buClr>
+              <a:buFont typeface="Symbol" pitchFamily="18" charset="2"/>
+              <a:buChar char="*"/>
+              <a:defRPr kumimoji="1" sz="1400" kern="1200">
+                <a:solidFill>
+                  <a:schemeClr val="tx2"/>
+                </a:solidFill>
+                <a:latin typeface="+mn-lt"/>
+                <a:ea typeface="+mn-ea"/>
+                <a:cs typeface="+mn-cs"/>
+              </a:defRPr>
+            </a:lvl9pPr>
+          </a:lstStyle>
+          <a:p>
+            <a:r>
+              <a:rPr lang="en-US" altLang="ja-JP" dirty="0" err="1"/>
+              <a:t>CreateThis</a:t>
+            </a:r>
+            <a:r>
+              <a:rPr lang="en-US" altLang="ja-JP" dirty="0"/>
+              <a:t>::update()</a:t>
+            </a:r>
+          </a:p>
+        </p:txBody>
+      </p:sp>
+    </p:spTree>
+    <p:extLst>
+      <p:ext uri="{BB962C8B-B14F-4D97-AF65-F5344CB8AC3E}">
+        <p14:creationId xmlns:p14="http://schemas.microsoft.com/office/powerpoint/2010/main" val="2463341215"/>
+      </p:ext>
+    </p:extLst>
+  </p:cSld>
+  <p:clrMapOvr>
+    <a:masterClrMapping/>
+  </p:clrMapOvr>
+</p:sld>
+</file>
+
+<file path=ppt/slides/slide13.xml><?xml version="1.0" encoding="utf-8"?>
+<p:sld xmlns:a="http://schemas.openxmlformats.org/drawingml/2006/main" xmlns:r="http://schemas.openxmlformats.org/officeDocument/2006/relationships" xmlns:p="http://schemas.openxmlformats.org/presentationml/2006/main">
+  <p:cSld>
+    <p:spTree>
+      <p:nvGrpSpPr>
+        <p:cNvPr id="1" name=""/>
+        <p:cNvGrpSpPr/>
+        <p:nvPr/>
+      </p:nvGrpSpPr>
+      <p:grpSpPr>
+        <a:xfrm>
+          <a:off x="0" y="0"/>
+          <a:ext cx="0" cy="0"/>
+          <a:chOff x="0" y="0"/>
+          <a:chExt cx="0" cy="0"/>
+        </a:xfrm>
+      </p:grpSpPr>
+      <p:sp>
+        <p:nvSpPr>
+          <p:cNvPr id="2" name="コンテンツ プレースホルダー 1"/>
+          <p:cNvSpPr>
+            <a:spLocks noGrp="1"/>
+          </p:cNvSpPr>
+          <p:nvPr>
+            <p:ph idx="1"/>
+          </p:nvPr>
+        </p:nvSpPr>
+        <p:spPr>
+          <a:xfrm>
+            <a:off x="211665" y="1425458"/>
+            <a:ext cx="8723376" cy="5027877"/>
+          </a:xfrm>
+        </p:spPr>
+        <p:txBody>
+          <a:bodyPr>
+            <a:normAutofit/>
+          </a:bodyPr>
+          <a:lstStyle/>
+          <a:p>
+            <a:r>
+              <a:rPr lang="en-US" altLang="ja-JP" dirty="0" smtClean="0">
+                <a:hlinkClick r:id="rId2"/>
+              </a:rPr>
+              <a:t>Music is VFR</a:t>
+            </a:r>
+            <a:r>
+              <a:rPr lang="ja-JP" altLang="en-US" dirty="0" smtClean="0">
+                <a:hlinkClick r:id="rId2"/>
+              </a:rPr>
+              <a:t>　</a:t>
+            </a:r>
+            <a:r>
+              <a:rPr lang="ja-JP" altLang="en-US" dirty="0"/>
+              <a:t>ＣＣライセンス</a:t>
+            </a:r>
+            <a:r>
+              <a:rPr lang="en-US" altLang="ja-JP" dirty="0" smtClean="0">
+                <a:hlinkClick r:id="rId2"/>
+              </a:rPr>
+              <a:t/>
+            </a:r>
+            <a:br>
+              <a:rPr lang="en-US" altLang="ja-JP" dirty="0" smtClean="0">
+                <a:hlinkClick r:id="rId2"/>
+              </a:rPr>
+            </a:br>
+            <a:r>
+              <a:rPr lang="en-US" altLang="ja-JP" dirty="0" smtClean="0">
+                <a:hlinkClick r:id="rId2"/>
+              </a:rPr>
+              <a:t>http</a:t>
+            </a:r>
+            <a:r>
+              <a:rPr lang="en-US" altLang="ja-JP" dirty="0">
+                <a:hlinkClick r:id="rId2"/>
+              </a:rPr>
+              <a:t>://</a:t>
+            </a:r>
+            <a:r>
+              <a:rPr lang="en-US" altLang="ja-JP" dirty="0" smtClean="0">
+                <a:hlinkClick r:id="rId2"/>
+              </a:rPr>
+              <a:t>musicisvfr.com/free/se/hit01.html</a:t>
+            </a:r>
+            <a:endParaRPr lang="en-US" altLang="ja-JP" dirty="0" smtClean="0"/>
+          </a:p>
+          <a:p>
+            <a:r>
+              <a:rPr lang="en-US" altLang="ja-JP" dirty="0" smtClean="0"/>
+              <a:t>Audacity</a:t>
+            </a:r>
+            <a:r>
+              <a:rPr lang="ja-JP" altLang="en-US" dirty="0" smtClean="0"/>
+              <a:t>で</a:t>
+            </a:r>
+            <a:r>
+              <a:rPr lang="en-US" altLang="ja-JP" dirty="0" smtClean="0"/>
+              <a:t>MP3</a:t>
+            </a:r>
+            <a:r>
+              <a:rPr lang="ja-JP" altLang="en-US" dirty="0" smtClean="0"/>
+              <a:t>から</a:t>
+            </a:r>
+            <a:r>
+              <a:rPr lang="en-US" altLang="ja-JP" dirty="0" smtClean="0"/>
+              <a:t>WAV</a:t>
+            </a:r>
+            <a:r>
+              <a:rPr lang="ja-JP" altLang="en-US" dirty="0" smtClean="0"/>
+              <a:t>に変換</a:t>
+            </a:r>
+            <a:endParaRPr kumimoji="1" lang="en-US" altLang="ja-JP" dirty="0" smtClean="0"/>
+          </a:p>
+          <a:p>
+            <a:r>
+              <a:rPr kumimoji="1" lang="en-US" altLang="ja-JP" dirty="0" smtClean="0"/>
+              <a:t>WAVE</a:t>
+            </a:r>
+            <a:r>
+              <a:rPr kumimoji="1" lang="ja-JP" altLang="en-US" dirty="0" smtClean="0"/>
+              <a:t>バンク、サウンドバンクに追加してビルドしなおすこと</a:t>
+            </a:r>
+            <a:endParaRPr kumimoji="1" lang="ja-JP" altLang="en-US" dirty="0"/>
+          </a:p>
+        </p:txBody>
+      </p:sp>
+      <p:sp>
+        <p:nvSpPr>
+          <p:cNvPr id="3" name="タイトル 2"/>
+          <p:cNvSpPr>
+            <a:spLocks noGrp="1"/>
+          </p:cNvSpPr>
+          <p:nvPr>
+            <p:ph type="title"/>
+          </p:nvPr>
+        </p:nvSpPr>
+        <p:spPr/>
+        <p:txBody>
+          <a:bodyPr/>
+          <a:lstStyle/>
+          <a:p>
+            <a:r>
+              <a:rPr kumimoji="1" lang="ja-JP" altLang="en-US" dirty="0" smtClean="0"/>
+              <a:t>せっかくなので</a:t>
+            </a:r>
+            <a:r>
+              <a:rPr kumimoji="1" lang="en-US" altLang="ja-JP" dirty="0" smtClean="0"/>
+              <a:t>SE</a:t>
+            </a:r>
+            <a:r>
+              <a:rPr kumimoji="1" lang="ja-JP" altLang="en-US" dirty="0" smtClean="0"/>
+              <a:t>を足す</a:t>
+            </a:r>
+            <a:endParaRPr kumimoji="1" lang="ja-JP" altLang="en-US" dirty="0"/>
+          </a:p>
+        </p:txBody>
+      </p:sp>
+      <p:pic>
+        <p:nvPicPr>
+          <p:cNvPr id="4" name="図 3"/>
+          <p:cNvPicPr>
+            <a:picLocks noChangeAspect="1"/>
+          </p:cNvPicPr>
+          <p:nvPr/>
+        </p:nvPicPr>
+        <p:blipFill>
+          <a:blip r:embed="rId3"/>
+          <a:stretch>
+            <a:fillRect/>
+          </a:stretch>
+        </p:blipFill>
+        <p:spPr>
+          <a:xfrm>
+            <a:off x="683568" y="3140968"/>
+            <a:ext cx="7272808" cy="6811789"/>
+          </a:xfrm>
+          <a:prstGeom prst="rect">
+            <a:avLst/>
+          </a:prstGeom>
+        </p:spPr>
+      </p:pic>
+    </p:spTree>
+    <p:extLst>
+      <p:ext uri="{BB962C8B-B14F-4D97-AF65-F5344CB8AC3E}">
+        <p14:creationId xmlns:p14="http://schemas.microsoft.com/office/powerpoint/2010/main" val="3691167539"/>
+      </p:ext>
+    </p:extLst>
+  </p:cSld>
+  <p:clrMapOvr>
+    <a:masterClrMapping/>
+  </p:clrMapOvr>
+</p:sld>
+</file>
+
+<file path=ppt/slides/slide14.xml><?xml version="1.0" encoding="utf-8"?>
 <p:sld xmlns:a="http://schemas.openxmlformats.org/drawingml/2006/main" xmlns:r="http://schemas.openxmlformats.org/officeDocument/2006/relationships" xmlns:p="http://schemas.openxmlformats.org/presentationml/2006/main">
   <p:cSld>
     <p:spTree>
@@ -16438,32 +17221,1106 @@
         </p:nvSpPr>
         <p:spPr/>
         <p:txBody>
+          <a:bodyPr/>
+          <a:lstStyle/>
+          <a:p>
+            <a:r>
+              <a:rPr lang="ja-JP" altLang="en-US" dirty="0" smtClean="0">
+                <a:hlinkClick r:id="rId4"/>
+              </a:rPr>
+              <a:t>ニコニ・コモンズ</a:t>
+            </a:r>
+            <a:endParaRPr lang="en-US" altLang="ja-JP" dirty="0" smtClean="0">
+              <a:hlinkClick r:id="rId4"/>
+            </a:endParaRPr>
+          </a:p>
+          <a:p>
+            <a:pPr lvl="1"/>
+            <a:r>
+              <a:rPr lang="en-US" altLang="ja-JP" dirty="0" smtClean="0">
+                <a:hlinkClick r:id="rId4"/>
+              </a:rPr>
+              <a:t>http</a:t>
+            </a:r>
+            <a:r>
+              <a:rPr lang="en-US" altLang="ja-JP" dirty="0">
+                <a:hlinkClick r:id="rId4"/>
+              </a:rPr>
+              <a:t>://</a:t>
+            </a:r>
+            <a:r>
+              <a:rPr lang="en-US" altLang="ja-JP" dirty="0" smtClean="0">
+                <a:hlinkClick r:id="rId4"/>
+              </a:rPr>
+              <a:t>commons.nicovideo.jp/material/nc69286</a:t>
+            </a:r>
+            <a:endParaRPr lang="en-US" altLang="ja-JP" dirty="0" smtClean="0"/>
+          </a:p>
+          <a:p>
+            <a:r>
+              <a:rPr kumimoji="1" lang="ja-JP" altLang="en-US" dirty="0" smtClean="0"/>
+              <a:t>ニコニコ動画に公開するなら可能</a:t>
+            </a:r>
+            <a:endParaRPr kumimoji="1" lang="en-US" altLang="ja-JP" dirty="0" smtClean="0"/>
+          </a:p>
+          <a:p>
+            <a:r>
+              <a:rPr lang="ja-JP" altLang="en-US" dirty="0" smtClean="0"/>
+              <a:t>この素材の場合は</a:t>
+            </a:r>
+            <a:r>
+              <a:rPr lang="en-US" altLang="ja-JP" dirty="0" smtClean="0"/>
+              <a:t/>
+            </a:r>
+            <a:br>
+              <a:rPr lang="en-US" altLang="ja-JP" dirty="0" smtClean="0"/>
+            </a:br>
+            <a:r>
+              <a:rPr lang="ja-JP" altLang="en-US" dirty="0" smtClean="0"/>
+              <a:t>別の</a:t>
+            </a:r>
+            <a:r>
+              <a:rPr lang="ja-JP" altLang="en-US" dirty="0"/>
+              <a:t>サイト</a:t>
+            </a:r>
+            <a:r>
+              <a:rPr lang="ja-JP" altLang="en-US" dirty="0" smtClean="0"/>
+              <a:t>で再配布する権利はない</a:t>
+            </a:r>
+            <a:endParaRPr kumimoji="1" lang="ja-JP" altLang="en-US" dirty="0"/>
+          </a:p>
+        </p:txBody>
+      </p:sp>
+      <p:sp>
+        <p:nvSpPr>
+          <p:cNvPr id="3" name="タイトル 2"/>
+          <p:cNvSpPr>
+            <a:spLocks noGrp="1"/>
+          </p:cNvSpPr>
+          <p:nvPr>
+            <p:ph type="title"/>
+          </p:nvPr>
+        </p:nvSpPr>
+        <p:spPr/>
+        <p:txBody>
+          <a:bodyPr/>
+          <a:lstStyle/>
+          <a:p>
+            <a:r>
+              <a:rPr kumimoji="1" lang="en-US" altLang="ja-JP" dirty="0" smtClean="0"/>
+              <a:t>“</a:t>
+            </a:r>
+            <a:r>
+              <a:rPr kumimoji="1" lang="ja-JP" altLang="en-US" dirty="0" smtClean="0"/>
+              <a:t>へぇボタン</a:t>
+            </a:r>
+            <a:r>
+              <a:rPr kumimoji="1" lang="en-US" altLang="ja-JP" dirty="0" smtClean="0"/>
+              <a:t>”</a:t>
+            </a:r>
+            <a:r>
+              <a:rPr kumimoji="1" lang="ja-JP" altLang="en-US" dirty="0" smtClean="0"/>
+              <a:t>の</a:t>
+            </a:r>
+            <a:r>
+              <a:rPr kumimoji="1" lang="en-US" altLang="ja-JP" dirty="0" smtClean="0"/>
+              <a:t>SE</a:t>
+            </a:r>
+            <a:r>
+              <a:rPr kumimoji="1" lang="ja-JP" altLang="en-US" dirty="0" smtClean="0"/>
+              <a:t>も足したいが</a:t>
+            </a:r>
+            <a:endParaRPr kumimoji="1" lang="ja-JP" altLang="en-US" dirty="0"/>
+          </a:p>
+        </p:txBody>
+      </p:sp>
+      <p:pic>
+        <p:nvPicPr>
+          <p:cNvPr id="5" name="nc69286">
+            <a:hlinkClick r:id="" action="ppaction://media"/>
+          </p:cNvPr>
+          <p:cNvPicPr>
+            <a:picLocks noChangeAspect="1"/>
+          </p:cNvPicPr>
+          <p:nvPr>
+            <a:audioFile r:link="rId2"/>
+            <p:extLst>
+              <p:ext uri="{DAA4B4D4-6D71-4841-9C94-3DE7FCFB9230}">
+                <p14:media xmlns:p14="http://schemas.microsoft.com/office/powerpoint/2010/main" r:embed="rId1"/>
+              </p:ext>
+            </p:extLst>
+          </p:nvPr>
+        </p:nvPicPr>
+        <p:blipFill>
+          <a:blip r:embed="rId5"/>
+          <a:stretch>
+            <a:fillRect/>
+          </a:stretch>
+        </p:blipFill>
+        <p:spPr>
+          <a:xfrm>
+            <a:off x="7812360" y="2636912"/>
+            <a:ext cx="406400" cy="406400"/>
+          </a:xfrm>
+          <a:prstGeom prst="rect">
+            <a:avLst/>
+          </a:prstGeom>
+        </p:spPr>
+      </p:pic>
+      <p:pic>
+        <p:nvPicPr>
+          <p:cNvPr id="6" name="図 5"/>
+          <p:cNvPicPr>
+            <a:picLocks noChangeAspect="1"/>
+          </p:cNvPicPr>
+          <p:nvPr/>
+        </p:nvPicPr>
+        <p:blipFill>
+          <a:blip r:embed="rId6"/>
+          <a:stretch>
+            <a:fillRect/>
+          </a:stretch>
+        </p:blipFill>
+        <p:spPr>
+          <a:xfrm>
+            <a:off x="487219" y="3717032"/>
+            <a:ext cx="8401984" cy="7908419"/>
+          </a:xfrm>
+          <a:prstGeom prst="rect">
+            <a:avLst/>
+          </a:prstGeom>
+        </p:spPr>
+      </p:pic>
+      <p:sp>
+        <p:nvSpPr>
+          <p:cNvPr id="7" name="円/楕円 6"/>
+          <p:cNvSpPr/>
+          <p:nvPr/>
+        </p:nvSpPr>
+        <p:spPr>
+          <a:xfrm>
+            <a:off x="4823146" y="5805264"/>
+            <a:ext cx="2053110" cy="718587"/>
+          </a:xfrm>
+          <a:prstGeom prst="ellipse">
+            <a:avLst/>
+          </a:prstGeom>
+          <a:noFill/>
+          <a:ln w="38100">
+            <a:solidFill>
+              <a:srgbClr val="FF0000"/>
+            </a:solidFill>
+          </a:ln>
+        </p:spPr>
+        <p:style>
+          <a:lnRef idx="2">
+            <a:schemeClr val="accent1"/>
+          </a:lnRef>
+          <a:fillRef idx="1">
+            <a:schemeClr val="lt1"/>
+          </a:fillRef>
+          <a:effectRef idx="0">
+            <a:schemeClr val="accent1"/>
+          </a:effectRef>
+          <a:fontRef idx="minor">
+            <a:schemeClr val="dk1"/>
+          </a:fontRef>
+        </p:style>
+        <p:txBody>
+          <a:bodyPr rtlCol="0" anchor="ctr"/>
+          <a:lstStyle/>
+          <a:p>
+            <a:pPr algn="ctr"/>
+            <a:endParaRPr kumimoji="1" lang="ja-JP" altLang="en-US"/>
+          </a:p>
+        </p:txBody>
+      </p:sp>
+    </p:spTree>
+    <p:extLst>
+      <p:ext uri="{BB962C8B-B14F-4D97-AF65-F5344CB8AC3E}">
+        <p14:creationId xmlns:p14="http://schemas.microsoft.com/office/powerpoint/2010/main" val="1263004002"/>
+      </p:ext>
+    </p:extLst>
+  </p:cSld>
+  <p:clrMapOvr>
+    <a:masterClrMapping/>
+  </p:clrMapOvr>
+  <p:timing>
+    <p:tnLst>
+      <p:par>
+        <p:cTn id="1" dur="indefinite" restart="never" nodeType="tmRoot">
+          <p:childTnLst>
+            <p:seq concurrent="1" nextAc="seek">
+              <p:cTn id="2" restart="whenNotActive" fill="hold" evtFilter="cancelBubble" nodeType="interactiveSeq">
+                <p:stCondLst>
+                  <p:cond evt="onClick" delay="0">
+                    <p:tgtEl>
+                      <p:spTgt spid="5"/>
+                    </p:tgtEl>
+                  </p:cond>
+                </p:stCondLst>
+                <p:endSync evt="end" delay="0">
+                  <p:rtn val="all"/>
+                </p:endSync>
+                <p:childTnLst>
+                  <p:par>
+                    <p:cTn id="3" fill="hold">
+                      <p:stCondLst>
+                        <p:cond delay="0"/>
+                      </p:stCondLst>
+                      <p:childTnLst>
+                        <p:par>
+                          <p:cTn id="4" fill="hold">
+                            <p:stCondLst>
+                              <p:cond delay="0"/>
+                            </p:stCondLst>
+                            <p:childTnLst>
+                              <p:par>
+                                <p:cTn id="5" presetID="1" presetClass="mediacall" presetSubtype="0" fill="hold" nodeType="clickEffect">
+                                  <p:stCondLst>
+                                    <p:cond delay="0"/>
+                                  </p:stCondLst>
+                                  <p:childTnLst>
+                                    <p:cmd type="call" cmd="playFrom(0.0)">
+                                      <p:cBhvr>
+                                        <p:cTn id="6" dur="1123" fill="hold"/>
+                                        <p:tgtEl>
+                                          <p:spTgt spid="5"/>
+                                        </p:tgtEl>
+                                      </p:cBhvr>
+                                    </p:cmd>
+                                  </p:childTnLst>
+                                </p:cTn>
+                              </p:par>
+                            </p:childTnLst>
+                          </p:cTn>
+                        </p:par>
+                      </p:childTnLst>
+                    </p:cTn>
+                  </p:par>
+                </p:childTnLst>
+              </p:cTn>
+              <p:nextCondLst>
+                <p:cond evt="onClick" delay="0">
+                  <p:tgtEl>
+                    <p:spTgt spid="5"/>
+                  </p:tgtEl>
+                </p:cond>
+              </p:nextCondLst>
+            </p:seq>
+            <p:audio>
+              <p:cMediaNode vol="80000">
+                <p:cTn id="7" fill="hold" display="0">
+                  <p:stCondLst>
+                    <p:cond delay="indefinite"/>
+                  </p:stCondLst>
+                  <p:endCondLst>
+                    <p:cond evt="onStopAudio" delay="0">
+                      <p:tgtEl>
+                        <p:sldTgt/>
+                      </p:tgtEl>
+                    </p:cond>
+                  </p:endCondLst>
+                </p:cTn>
+                <p:tgtEl>
+                  <p:spTgt spid="5"/>
+                </p:tgtEl>
+              </p:cMediaNode>
+            </p:audio>
+          </p:childTnLst>
+        </p:cTn>
+      </p:par>
+    </p:tnLst>
+  </p:timing>
+</p:sld>
+</file>
+
+<file path=ppt/slides/slide15.xml><?xml version="1.0" encoding="utf-8"?>
+<p:sld xmlns:a="http://schemas.openxmlformats.org/drawingml/2006/main" xmlns:r="http://schemas.openxmlformats.org/officeDocument/2006/relationships" xmlns:p="http://schemas.openxmlformats.org/presentationml/2006/main">
+  <p:cSld>
+    <p:spTree>
+      <p:nvGrpSpPr>
+        <p:cNvPr id="1" name=""/>
+        <p:cNvGrpSpPr/>
+        <p:nvPr/>
+      </p:nvGrpSpPr>
+      <p:grpSpPr>
+        <a:xfrm>
+          <a:off x="0" y="0"/>
+          <a:ext cx="0" cy="0"/>
+          <a:chOff x="0" y="0"/>
+          <a:chExt cx="0" cy="0"/>
+        </a:xfrm>
+      </p:grpSpPr>
+      <p:sp>
+        <p:nvSpPr>
+          <p:cNvPr id="2" name="コンテンツ プレースホルダー 1"/>
+          <p:cNvSpPr>
+            <a:spLocks noGrp="1"/>
+          </p:cNvSpPr>
+          <p:nvPr>
+            <p:ph idx="1"/>
+          </p:nvPr>
+        </p:nvSpPr>
+        <p:spPr>
+          <a:xfrm>
+            <a:off x="211665" y="1135933"/>
+            <a:ext cx="8723376" cy="4885353"/>
+          </a:xfrm>
+        </p:spPr>
+        <p:txBody>
           <a:bodyPr>
-            <a:normAutofit fontScale="40000" lnSpcReduction="20000"/>
+            <a:normAutofit/>
           </a:bodyPr>
           <a:lstStyle/>
+          <a:p>
+            <a:r>
+              <a:rPr kumimoji="1" lang="en-US" altLang="ja-JP" dirty="0" err="1" smtClean="0"/>
+              <a:t>Constants.h</a:t>
+            </a:r>
+            <a:r>
+              <a:rPr kumimoji="1" lang="ja-JP" altLang="en-US" dirty="0" smtClean="0"/>
+              <a:t>に定義を追加</a:t>
+            </a:r>
+            <a:endParaRPr kumimoji="1" lang="en-US" altLang="ja-JP" dirty="0" smtClean="0"/>
+          </a:p>
+          <a:p>
+            <a:endParaRPr lang="en-US" altLang="ja-JP" dirty="0"/>
+          </a:p>
+          <a:p>
+            <a:endParaRPr kumimoji="1" lang="en-US" altLang="ja-JP" dirty="0" smtClean="0"/>
+          </a:p>
+          <a:p>
+            <a:endParaRPr lang="en-US" altLang="ja-JP" dirty="0"/>
+          </a:p>
+          <a:p>
+            <a:endParaRPr kumimoji="1" lang="en-US" altLang="ja-JP" dirty="0" smtClean="0"/>
+          </a:p>
+          <a:p>
+            <a:endParaRPr lang="en-US" altLang="ja-JP" dirty="0"/>
+          </a:p>
+          <a:p>
+            <a:endParaRPr kumimoji="1" lang="en-US" altLang="ja-JP" dirty="0" smtClean="0"/>
+          </a:p>
+          <a:p>
+            <a:endParaRPr lang="en-US" altLang="ja-JP" dirty="0"/>
+          </a:p>
+          <a:p>
+            <a:r>
+              <a:rPr kumimoji="1" lang="en-US" altLang="ja-JP" dirty="0" smtClean="0"/>
+              <a:t>Space</a:t>
+            </a:r>
+            <a:r>
+              <a:rPr kumimoji="1" lang="ja-JP" altLang="en-US" dirty="0" smtClean="0"/>
+              <a:t>キーで</a:t>
+            </a:r>
+            <a:r>
+              <a:rPr kumimoji="1" lang="en-US" altLang="ja-JP" dirty="0" smtClean="0"/>
+              <a:t>HIT</a:t>
+            </a:r>
+            <a:r>
+              <a:rPr kumimoji="1" lang="ja-JP" altLang="en-US" dirty="0" smtClean="0"/>
+              <a:t>音を鳴らす</a:t>
+            </a:r>
+            <a:endParaRPr kumimoji="1" lang="en-US" altLang="ja-JP" dirty="0" smtClean="0"/>
+          </a:p>
           <a:p>
             <a:pPr marL="0" indent="0">
               <a:buNone/>
             </a:pPr>
+            <a:endParaRPr kumimoji="1" lang="en-US" altLang="ja-JP" dirty="0" smtClean="0"/>
+          </a:p>
+          <a:p>
+            <a:pPr marL="0" indent="0">
+              <a:buNone/>
+            </a:pPr>
+            <a:endParaRPr lang="en-US" altLang="ja-JP" dirty="0"/>
+          </a:p>
+        </p:txBody>
+      </p:sp>
+      <p:sp>
+        <p:nvSpPr>
+          <p:cNvPr id="3" name="タイトル 2"/>
+          <p:cNvSpPr>
+            <a:spLocks noGrp="1"/>
+          </p:cNvSpPr>
+          <p:nvPr>
+            <p:ph type="title"/>
+          </p:nvPr>
+        </p:nvSpPr>
+        <p:spPr/>
+        <p:txBody>
+          <a:bodyPr/>
+          <a:lstStyle/>
+          <a:p>
+            <a:r>
+              <a:rPr kumimoji="1" lang="ja-JP" altLang="en-US" dirty="0" smtClean="0"/>
+              <a:t>キーボードを押すと</a:t>
+            </a:r>
+            <a:r>
+              <a:rPr kumimoji="1" lang="en-US" altLang="ja-JP" dirty="0" smtClean="0"/>
+              <a:t>SE</a:t>
+            </a:r>
+            <a:r>
+              <a:rPr kumimoji="1" lang="ja-JP" altLang="en-US" dirty="0" smtClean="0"/>
+              <a:t>が鳴る</a:t>
+            </a:r>
+            <a:endParaRPr kumimoji="1" lang="ja-JP" altLang="en-US" dirty="0"/>
+          </a:p>
+        </p:txBody>
+      </p:sp>
+      <p:pic>
+        <p:nvPicPr>
+          <p:cNvPr id="5" name="図 4"/>
+          <p:cNvPicPr>
+            <a:picLocks noChangeAspect="1"/>
+          </p:cNvPicPr>
+          <p:nvPr/>
+        </p:nvPicPr>
+        <p:blipFill>
+          <a:blip r:embed="rId2"/>
+          <a:stretch>
+            <a:fillRect/>
+          </a:stretch>
+        </p:blipFill>
+        <p:spPr>
+          <a:xfrm>
+            <a:off x="395536" y="1628800"/>
+            <a:ext cx="7488832" cy="3056190"/>
+          </a:xfrm>
+          <a:prstGeom prst="rect">
+            <a:avLst/>
+          </a:prstGeom>
+        </p:spPr>
+      </p:pic>
+      <p:pic>
+        <p:nvPicPr>
+          <p:cNvPr id="6" name="図 5"/>
+          <p:cNvPicPr>
+            <a:picLocks noChangeAspect="1"/>
+          </p:cNvPicPr>
+          <p:nvPr/>
+        </p:nvPicPr>
+        <p:blipFill>
+          <a:blip r:embed="rId3"/>
+          <a:stretch>
+            <a:fillRect/>
+          </a:stretch>
+        </p:blipFill>
+        <p:spPr>
+          <a:xfrm>
+            <a:off x="395537" y="5174500"/>
+            <a:ext cx="3816424" cy="1055973"/>
+          </a:xfrm>
+          <a:prstGeom prst="rect">
+            <a:avLst/>
+          </a:prstGeom>
+        </p:spPr>
+      </p:pic>
+    </p:spTree>
+    <p:extLst>
+      <p:ext uri="{BB962C8B-B14F-4D97-AF65-F5344CB8AC3E}">
+        <p14:creationId xmlns:p14="http://schemas.microsoft.com/office/powerpoint/2010/main" val="4169330073"/>
+      </p:ext>
+    </p:extLst>
+  </p:cSld>
+  <p:clrMapOvr>
+    <a:masterClrMapping/>
+  </p:clrMapOvr>
+</p:sld>
+</file>
+
+<file path=ppt/slides/slide16.xml><?xml version="1.0" encoding="utf-8"?>
+<p:sld xmlns:a="http://schemas.openxmlformats.org/drawingml/2006/main" xmlns:r="http://schemas.openxmlformats.org/officeDocument/2006/relationships" xmlns:p="http://schemas.openxmlformats.org/presentationml/2006/main">
+  <p:cSld>
+    <p:spTree>
+      <p:nvGrpSpPr>
+        <p:cNvPr id="1" name=""/>
+        <p:cNvGrpSpPr/>
+        <p:nvPr/>
+      </p:nvGrpSpPr>
+      <p:grpSpPr>
+        <a:xfrm>
+          <a:off x="0" y="0"/>
+          <a:ext cx="0" cy="0"/>
+          <a:chOff x="0" y="0"/>
+          <a:chExt cx="0" cy="0"/>
+        </a:xfrm>
+      </p:grpSpPr>
+      <p:sp>
+        <p:nvSpPr>
+          <p:cNvPr id="2" name="コンテンツ プレースホルダー 1"/>
+          <p:cNvSpPr>
+            <a:spLocks noGrp="1"/>
+          </p:cNvSpPr>
+          <p:nvPr>
+            <p:ph idx="1"/>
+          </p:nvPr>
+        </p:nvSpPr>
+        <p:spPr/>
+        <p:txBody>
+          <a:bodyPr/>
+          <a:lstStyle/>
+          <a:p>
+            <a:r>
+              <a:rPr kumimoji="1" lang="ja-JP" altLang="en-US" dirty="0" smtClean="0"/>
+              <a:t>せめてゲームっぽいスプライト表示したい</a:t>
+            </a:r>
+            <a:endParaRPr kumimoji="1" lang="en-US" altLang="ja-JP" dirty="0" smtClean="0"/>
+          </a:p>
+          <a:p>
+            <a:r>
+              <a:rPr kumimoji="1" lang="ja-JP" altLang="en-US" dirty="0" smtClean="0"/>
+              <a:t>音を鳴らせるようになったのでオトゲーにしたい</a:t>
+            </a:r>
+            <a:endParaRPr kumimoji="1" lang="en-US" altLang="ja-JP" dirty="0" smtClean="0"/>
+          </a:p>
+          <a:p>
+            <a:r>
+              <a:rPr lang="ja-JP" altLang="en-US" dirty="0" smtClean="0"/>
+              <a:t>スクロールとかシューティングゲームっぽいことをしたい</a:t>
+            </a:r>
+            <a:endParaRPr lang="en-US" altLang="ja-JP" dirty="0" smtClean="0"/>
+          </a:p>
+          <a:p>
+            <a:r>
+              <a:rPr kumimoji="1" lang="ja-JP" altLang="en-US" dirty="0" smtClean="0"/>
+              <a:t>あまり</a:t>
+            </a:r>
+            <a:r>
+              <a:rPr kumimoji="1" lang="ja-JP" altLang="en-US" dirty="0"/>
+              <a:t>複雑</a:t>
+            </a:r>
+            <a:r>
+              <a:rPr kumimoji="1" lang="ja-JP" altLang="en-US" dirty="0" smtClean="0"/>
+              <a:t>なことをしたくない</a:t>
+            </a:r>
+            <a:endParaRPr kumimoji="1" lang="en-US" altLang="ja-JP" dirty="0" smtClean="0"/>
+          </a:p>
+          <a:p>
+            <a:r>
+              <a:rPr kumimoji="1" lang="ja-JP" altLang="en-US" dirty="0" smtClean="0"/>
+              <a:t>せめてスコアファイルぐらい読めないとゲームにならないかも</a:t>
+            </a:r>
+            <a:endParaRPr kumimoji="1" lang="ja-JP" altLang="en-US" dirty="0"/>
+          </a:p>
+        </p:txBody>
+      </p:sp>
+      <p:sp>
+        <p:nvSpPr>
+          <p:cNvPr id="3" name="タイトル 2"/>
+          <p:cNvSpPr>
+            <a:spLocks noGrp="1"/>
+          </p:cNvSpPr>
+          <p:nvPr>
+            <p:ph type="title"/>
+          </p:nvPr>
+        </p:nvSpPr>
+        <p:spPr/>
+        <p:txBody>
+          <a:bodyPr/>
+          <a:lstStyle/>
+          <a:p>
+            <a:r>
+              <a:rPr kumimoji="1" lang="ja-JP" altLang="en-US" dirty="0" smtClean="0"/>
+              <a:t>ここで再度</a:t>
+            </a:r>
+            <a:r>
+              <a:rPr kumimoji="1" lang="en-US" altLang="ja-JP" dirty="0" smtClean="0"/>
+              <a:t>,</a:t>
+            </a:r>
+            <a:r>
+              <a:rPr kumimoji="1" lang="ja-JP" altLang="en-US" dirty="0" smtClean="0"/>
+              <a:t>仕様について考える</a:t>
+            </a:r>
+            <a:endParaRPr kumimoji="1" lang="ja-JP" altLang="en-US" dirty="0"/>
+          </a:p>
+        </p:txBody>
+      </p:sp>
+    </p:spTree>
+    <p:extLst>
+      <p:ext uri="{BB962C8B-B14F-4D97-AF65-F5344CB8AC3E}">
+        <p14:creationId xmlns:p14="http://schemas.microsoft.com/office/powerpoint/2010/main" val="4221015346"/>
+      </p:ext>
+    </p:extLst>
+  </p:cSld>
+  <p:clrMapOvr>
+    <a:masterClrMapping/>
+  </p:clrMapOvr>
+</p:sld>
+</file>
+
+<file path=ppt/slides/slide17.xml><?xml version="1.0" encoding="utf-8"?>
+<p:sld xmlns:a="http://schemas.openxmlformats.org/drawingml/2006/main" xmlns:r="http://schemas.openxmlformats.org/officeDocument/2006/relationships" xmlns:p="http://schemas.openxmlformats.org/presentationml/2006/main">
+  <p:cSld>
+    <p:spTree>
+      <p:nvGrpSpPr>
+        <p:cNvPr id="1" name=""/>
+        <p:cNvGrpSpPr/>
+        <p:nvPr/>
+      </p:nvGrpSpPr>
+      <p:grpSpPr>
+        <a:xfrm>
+          <a:off x="0" y="0"/>
+          <a:ext cx="0" cy="0"/>
+          <a:chOff x="0" y="0"/>
+          <a:chExt cx="0" cy="0"/>
+        </a:xfrm>
+      </p:grpSpPr>
+      <p:sp>
+        <p:nvSpPr>
+          <p:cNvPr id="2" name="コンテンツ プレースホルダー 1"/>
+          <p:cNvSpPr>
+            <a:spLocks noGrp="1"/>
+          </p:cNvSpPr>
+          <p:nvPr>
+            <p:ph idx="1"/>
+          </p:nvPr>
+        </p:nvSpPr>
+        <p:spPr>
+          <a:xfrm>
+            <a:off x="211665" y="908720"/>
+            <a:ext cx="8723376" cy="5544615"/>
+          </a:xfrm>
+        </p:spPr>
+        <p:txBody>
+          <a:bodyPr/>
+          <a:lstStyle/>
+          <a:p>
+            <a:r>
+              <a:rPr lang="en-US" altLang="ja-JP" dirty="0"/>
+              <a:t>http://www.spriters-resource.com/arcade/xevious/sheet/42387/</a:t>
+            </a:r>
+            <a:endParaRPr lang="ja-JP" altLang="en-US" dirty="0"/>
+          </a:p>
+          <a:p>
+            <a:endParaRPr kumimoji="1" lang="ja-JP" altLang="en-US" dirty="0"/>
+          </a:p>
+        </p:txBody>
+      </p:sp>
+      <p:sp>
+        <p:nvSpPr>
+          <p:cNvPr id="3" name="タイトル 2"/>
+          <p:cNvSpPr>
+            <a:spLocks noGrp="1"/>
+          </p:cNvSpPr>
+          <p:nvPr>
+            <p:ph type="title"/>
+          </p:nvPr>
+        </p:nvSpPr>
+        <p:spPr/>
+        <p:txBody>
+          <a:bodyPr/>
+          <a:lstStyle/>
+          <a:p>
+            <a:r>
+              <a:rPr kumimoji="1" lang="ja-JP" altLang="en-US" dirty="0" smtClean="0"/>
+              <a:t>スプライトファイルを頂いてくる</a:t>
+            </a:r>
+            <a:endParaRPr kumimoji="1" lang="ja-JP" altLang="en-US" dirty="0"/>
+          </a:p>
+        </p:txBody>
+      </p:sp>
+      <p:pic>
+        <p:nvPicPr>
+          <p:cNvPr id="4" name="図 3"/>
+          <p:cNvPicPr>
+            <a:picLocks noChangeAspect="1"/>
+          </p:cNvPicPr>
+          <p:nvPr/>
+        </p:nvPicPr>
+        <p:blipFill>
+          <a:blip r:embed="rId3"/>
+          <a:stretch>
+            <a:fillRect/>
+          </a:stretch>
+        </p:blipFill>
+        <p:spPr>
+          <a:xfrm>
+            <a:off x="395536" y="1425458"/>
+            <a:ext cx="5688632" cy="5402633"/>
+          </a:xfrm>
+          <a:prstGeom prst="rect">
+            <a:avLst/>
+          </a:prstGeom>
+        </p:spPr>
+      </p:pic>
+      <p:sp>
+        <p:nvSpPr>
+          <p:cNvPr id="5" name="テキスト ボックス 4"/>
+          <p:cNvSpPr txBox="1"/>
+          <p:nvPr/>
+        </p:nvSpPr>
+        <p:spPr>
+          <a:xfrm>
+            <a:off x="6732240" y="2780928"/>
+            <a:ext cx="2304256" cy="1754326"/>
+          </a:xfrm>
+          <a:prstGeom prst="rect">
+            <a:avLst/>
+          </a:prstGeom>
+          <a:noFill/>
+        </p:spPr>
+        <p:txBody>
+          <a:bodyPr wrap="square" rtlCol="0">
+            <a:spAutoFit/>
+          </a:bodyPr>
+          <a:lstStyle/>
+          <a:p>
+            <a:r>
+              <a:rPr kumimoji="1" lang="en-US" altLang="ja-JP" dirty="0" smtClean="0"/>
+              <a:t>Thanks </a:t>
+            </a:r>
+            <a:r>
+              <a:rPr lang="en-US" altLang="ja-JP" dirty="0" err="1" smtClean="0">
+                <a:hlinkClick r:id="rId4"/>
+              </a:rPr>
+              <a:t>CrazyCarl</a:t>
+            </a:r>
+            <a:r>
+              <a:rPr lang="en-US" altLang="ja-JP" dirty="0" smtClean="0"/>
+              <a:t>,</a:t>
+            </a:r>
+          </a:p>
+          <a:p>
+            <a:endParaRPr kumimoji="1" lang="en-US" altLang="ja-JP" dirty="0" smtClean="0"/>
+          </a:p>
+          <a:p>
+            <a:r>
+              <a:rPr kumimoji="1" lang="ja-JP" altLang="en-US" dirty="0" smtClean="0"/>
+              <a:t>抜き色は</a:t>
+            </a:r>
+            <a:r>
+              <a:rPr kumimoji="1" lang="en-US" altLang="ja-JP" dirty="0" smtClean="0"/>
+              <a:t/>
+            </a:r>
+            <a:br>
+              <a:rPr kumimoji="1" lang="en-US" altLang="ja-JP" dirty="0" smtClean="0"/>
+            </a:br>
+            <a:r>
+              <a:rPr kumimoji="1" lang="ja-JP" altLang="en-US" dirty="0" smtClean="0"/>
+              <a:t>ペイントのスポイトで</a:t>
+            </a:r>
+            <a:r>
+              <a:rPr kumimoji="1" lang="en-US" altLang="ja-JP" dirty="0" smtClean="0"/>
+              <a:t/>
+            </a:r>
+            <a:br>
+              <a:rPr kumimoji="1" lang="en-US" altLang="ja-JP" dirty="0" smtClean="0"/>
+            </a:br>
+            <a:r>
+              <a:rPr kumimoji="1" lang="ja-JP" altLang="en-US" dirty="0" smtClean="0"/>
+              <a:t>調べることができる</a:t>
+            </a:r>
+            <a:r>
+              <a:rPr kumimoji="1" lang="en-US" altLang="ja-JP" dirty="0" smtClean="0"/>
+              <a:t/>
+            </a:r>
+            <a:br>
+              <a:rPr kumimoji="1" lang="en-US" altLang="ja-JP" dirty="0" smtClean="0"/>
+            </a:br>
+            <a:r>
+              <a:rPr kumimoji="1" lang="ja-JP" altLang="en-US" dirty="0" smtClean="0"/>
+              <a:t> → </a:t>
+            </a:r>
+            <a:r>
+              <a:rPr kumimoji="1" lang="en-US" altLang="ja-JP" dirty="0" smtClean="0"/>
+              <a:t>(0,128,0)</a:t>
+            </a:r>
+            <a:endParaRPr kumimoji="1" lang="ja-JP" altLang="en-US" dirty="0"/>
+          </a:p>
+        </p:txBody>
+      </p:sp>
+      <p:sp>
+        <p:nvSpPr>
+          <p:cNvPr id="6" name="円/楕円 5"/>
+          <p:cNvSpPr/>
+          <p:nvPr/>
+        </p:nvSpPr>
+        <p:spPr>
+          <a:xfrm>
+            <a:off x="4860032" y="4149080"/>
+            <a:ext cx="1080120" cy="1008112"/>
+          </a:xfrm>
+          <a:prstGeom prst="ellipse">
+            <a:avLst/>
+          </a:prstGeom>
+          <a:noFill/>
+          <a:ln w="76200">
+            <a:solidFill>
+              <a:srgbClr val="FF0000"/>
+            </a:solidFill>
+          </a:ln>
+        </p:spPr>
+        <p:style>
+          <a:lnRef idx="2">
+            <a:schemeClr val="accent1">
+              <a:shade val="50000"/>
+            </a:schemeClr>
+          </a:lnRef>
+          <a:fillRef idx="1">
+            <a:schemeClr val="accent1"/>
+          </a:fillRef>
+          <a:effectRef idx="0">
+            <a:schemeClr val="accent1"/>
+          </a:effectRef>
+          <a:fontRef idx="minor">
+            <a:schemeClr val="lt1"/>
+          </a:fontRef>
+        </p:style>
+        <p:txBody>
+          <a:bodyPr rtlCol="0" anchor="ctr"/>
+          <a:lstStyle/>
+          <a:p>
+            <a:pPr algn="ctr"/>
+            <a:endParaRPr kumimoji="1" lang="ja-JP" altLang="en-US"/>
+          </a:p>
+        </p:txBody>
+      </p:sp>
+    </p:spTree>
+    <p:extLst>
+      <p:ext uri="{BB962C8B-B14F-4D97-AF65-F5344CB8AC3E}">
+        <p14:creationId xmlns:p14="http://schemas.microsoft.com/office/powerpoint/2010/main" val="358131904"/>
+      </p:ext>
+    </p:extLst>
+  </p:cSld>
+  <p:clrMapOvr>
+    <a:masterClrMapping/>
+  </p:clrMapOvr>
+</p:sld>
+</file>
+
+<file path=ppt/slides/slide18.xml><?xml version="1.0" encoding="utf-8"?>
+<p:sld xmlns:a="http://schemas.openxmlformats.org/drawingml/2006/main" xmlns:r="http://schemas.openxmlformats.org/officeDocument/2006/relationships" xmlns:p="http://schemas.openxmlformats.org/presentationml/2006/main">
+  <p:cSld>
+    <p:spTree>
+      <p:nvGrpSpPr>
+        <p:cNvPr id="1" name=""/>
+        <p:cNvGrpSpPr/>
+        <p:nvPr/>
+      </p:nvGrpSpPr>
+      <p:grpSpPr>
+        <a:xfrm>
+          <a:off x="0" y="0"/>
+          <a:ext cx="0" cy="0"/>
+          <a:chOff x="0" y="0"/>
+          <a:chExt cx="0" cy="0"/>
+        </a:xfrm>
+      </p:grpSpPr>
+      <p:sp>
+        <p:nvSpPr>
+          <p:cNvPr id="2" name="コンテンツ プレースホルダー 1"/>
+          <p:cNvSpPr>
+            <a:spLocks noGrp="1"/>
+          </p:cNvSpPr>
+          <p:nvPr>
+            <p:ph idx="1"/>
+          </p:nvPr>
+        </p:nvSpPr>
+        <p:spPr/>
+        <p:txBody>
+          <a:bodyPr/>
+          <a:lstStyle/>
+          <a:p>
+            <a:r>
+              <a:rPr kumimoji="1" lang="en-US" altLang="ja-JP" dirty="0" err="1" smtClean="0"/>
+              <a:t>createThisClass.h</a:t>
+            </a:r>
+            <a:r>
+              <a:rPr kumimoji="1" lang="ja-JP" altLang="en-US" dirty="0" smtClean="0"/>
+              <a:t>にメンバ追加</a:t>
+            </a:r>
+            <a:endParaRPr lang="en-US" altLang="ja-JP" dirty="0" smtClean="0"/>
+          </a:p>
+          <a:p>
+            <a:pPr marL="0" indent="0">
+              <a:buNone/>
+            </a:pPr>
+            <a:r>
+              <a:rPr lang="en-US" altLang="ja-JP" dirty="0" err="1"/>
+              <a:t>TextureManager</a:t>
+            </a:r>
+            <a:r>
+              <a:rPr lang="en-US" altLang="ja-JP" dirty="0"/>
+              <a:t> </a:t>
+            </a:r>
+            <a:r>
+              <a:rPr lang="en-US" altLang="ja-JP" dirty="0" err="1"/>
+              <a:t>shipTexture</a:t>
+            </a:r>
+            <a:r>
+              <a:rPr lang="en-US" altLang="ja-JP" dirty="0"/>
+              <a:t>;     </a:t>
+            </a:r>
+            <a:r>
+              <a:rPr lang="en-US" altLang="ja-JP" b="1" dirty="0"/>
+              <a:t>// ship texture</a:t>
+            </a:r>
+            <a:endParaRPr lang="en-US" altLang="ja-JP" dirty="0"/>
+          </a:p>
+          <a:p>
+            <a:pPr marL="0" indent="0">
+              <a:buNone/>
+            </a:pPr>
+            <a:r>
+              <a:rPr lang="en-US" altLang="ja-JP" dirty="0"/>
+              <a:t>Image   ship;                   </a:t>
+            </a:r>
+            <a:r>
+              <a:rPr lang="en-US" altLang="ja-JP" b="1" dirty="0"/>
+              <a:t>// ship image</a:t>
+            </a:r>
+            <a:endParaRPr lang="en-US" altLang="ja-JP" dirty="0"/>
+          </a:p>
+          <a:p>
+            <a:r>
+              <a:rPr lang="en-US" altLang="ja-JP" dirty="0" err="1" smtClean="0"/>
+              <a:t>CreateThis</a:t>
+            </a:r>
+            <a:r>
+              <a:rPr lang="en-US" altLang="ja-JP" dirty="0" smtClean="0"/>
+              <a:t>::render()</a:t>
+            </a:r>
+            <a:r>
+              <a:rPr lang="ja-JP" altLang="en-US" dirty="0" smtClean="0"/>
+              <a:t>に追加</a:t>
+            </a:r>
+            <a:endParaRPr lang="ja-JP" altLang="en-US" dirty="0"/>
+          </a:p>
+          <a:p>
+            <a:endParaRPr kumimoji="1" lang="ja-JP" altLang="en-US" dirty="0"/>
+          </a:p>
+        </p:txBody>
+      </p:sp>
+      <p:sp>
+        <p:nvSpPr>
+          <p:cNvPr id="3" name="タイトル 2"/>
+          <p:cNvSpPr>
+            <a:spLocks noGrp="1"/>
+          </p:cNvSpPr>
+          <p:nvPr>
+            <p:ph type="title"/>
+          </p:nvPr>
+        </p:nvSpPr>
+        <p:spPr/>
+        <p:txBody>
+          <a:bodyPr/>
+          <a:lstStyle/>
+          <a:p>
+            <a:r>
+              <a:rPr kumimoji="1" lang="en-US" altLang="ja-JP" dirty="0" err="1" smtClean="0"/>
+              <a:t>SpaceshipControl</a:t>
+            </a:r>
+            <a:r>
+              <a:rPr kumimoji="1" lang="ja-JP" altLang="en-US" dirty="0" smtClean="0"/>
+              <a:t>を参考に</a:t>
+            </a:r>
+            <a:r>
+              <a:rPr lang="en-US" altLang="ja-JP" dirty="0" smtClean="0"/>
+              <a:t>…</a:t>
+            </a:r>
+            <a:endParaRPr kumimoji="1" lang="ja-JP" altLang="en-US" dirty="0"/>
+          </a:p>
+        </p:txBody>
+      </p:sp>
+      <p:pic>
+        <p:nvPicPr>
+          <p:cNvPr id="4" name="図 3"/>
+          <p:cNvPicPr>
+            <a:picLocks noChangeAspect="1"/>
+          </p:cNvPicPr>
+          <p:nvPr/>
+        </p:nvPicPr>
+        <p:blipFill>
+          <a:blip r:embed="rId2"/>
+          <a:stretch>
+            <a:fillRect/>
+          </a:stretch>
+        </p:blipFill>
+        <p:spPr>
+          <a:xfrm>
+            <a:off x="3643123" y="3789040"/>
+            <a:ext cx="5470773" cy="2394110"/>
+          </a:xfrm>
+          <a:prstGeom prst="rect">
+            <a:avLst/>
+          </a:prstGeom>
+        </p:spPr>
+      </p:pic>
+    </p:spTree>
+    <p:extLst>
+      <p:ext uri="{BB962C8B-B14F-4D97-AF65-F5344CB8AC3E}">
+        <p14:creationId xmlns:p14="http://schemas.microsoft.com/office/powerpoint/2010/main" val="2141837680"/>
+      </p:ext>
+    </p:extLst>
+  </p:cSld>
+  <p:clrMapOvr>
+    <a:masterClrMapping/>
+  </p:clrMapOvr>
+</p:sld>
+</file>
+
+<file path=ppt/slides/slide2.xml><?xml version="1.0" encoding="utf-8"?>
+<p:sld xmlns:a="http://schemas.openxmlformats.org/drawingml/2006/main" xmlns:r="http://schemas.openxmlformats.org/officeDocument/2006/relationships" xmlns:p="http://schemas.openxmlformats.org/presentationml/2006/main">
+  <p:cSld>
+    <p:spTree>
+      <p:nvGrpSpPr>
+        <p:cNvPr id="1" name=""/>
+        <p:cNvGrpSpPr/>
+        <p:nvPr/>
+      </p:nvGrpSpPr>
+      <p:grpSpPr>
+        <a:xfrm>
+          <a:off x="0" y="0"/>
+          <a:ext cx="0" cy="0"/>
+          <a:chOff x="0" y="0"/>
+          <a:chExt cx="0" cy="0"/>
+        </a:xfrm>
+      </p:grpSpPr>
+      <p:sp>
+        <p:nvSpPr>
+          <p:cNvPr id="2" name="コンテンツ プレースホルダー 1"/>
+          <p:cNvSpPr>
+            <a:spLocks noGrp="1"/>
+          </p:cNvSpPr>
+          <p:nvPr>
+            <p:ph idx="1"/>
+          </p:nvPr>
+        </p:nvSpPr>
+        <p:spPr>
+          <a:xfrm>
+            <a:off x="211665" y="1567982"/>
+            <a:ext cx="8697659" cy="5290018"/>
+          </a:xfrm>
+        </p:spPr>
+        <p:txBody>
+          <a:bodyPr>
+            <a:normAutofit fontScale="85000" lnSpcReduction="20000"/>
+          </a:bodyPr>
+          <a:lstStyle/>
+          <a:p>
+            <a:pPr marL="0" indent="0">
+              <a:buNone/>
+            </a:pPr>
+            <a:r>
+              <a:rPr lang="ja-JP" altLang="en-US" sz="2800" dirty="0" smtClean="0"/>
+              <a:t>いま</a:t>
+            </a:r>
+            <a:r>
+              <a:rPr lang="ja-JP" altLang="en-US" sz="2800" dirty="0"/>
+              <a:t>までのゲームエンジンの知識を</a:t>
+            </a:r>
+            <a:r>
+              <a:rPr lang="ja-JP" altLang="en-US" sz="2800" dirty="0" smtClean="0"/>
+              <a:t>使ってゲーム</a:t>
+            </a:r>
+            <a:r>
+              <a:rPr lang="ja-JP" altLang="en-US" sz="2800" dirty="0"/>
+              <a:t>を作ってみよう</a:t>
+            </a:r>
             <a:r>
               <a:rPr lang="ja-JP" altLang="en-US" dirty="0"/>
-              <a:t>第</a:t>
-            </a:r>
-            <a:r>
-              <a:rPr lang="en-US" altLang="ja-JP" dirty="0"/>
-              <a:t>10</a:t>
-            </a:r>
-            <a:r>
-              <a:rPr lang="ja-JP" altLang="en-US" dirty="0"/>
-              <a:t>回課題 応用：いままでのゲームエンジンの知識を使って</a:t>
-            </a:r>
-            <a:br>
-              <a:rPr lang="ja-JP" altLang="en-US" dirty="0"/>
-            </a:br>
-            <a:r>
-              <a:rPr lang="ja-JP" altLang="en-US" dirty="0"/>
-              <a:t>ゲームを作ってみよう</a:t>
+              <a:t/>
             </a:r>
             <a:br>
               <a:rPr lang="ja-JP" altLang="en-US" dirty="0"/>
@@ -16510,9 +18367,19 @@
             <a:br>
               <a:rPr lang="ja-JP" altLang="en-US" dirty="0"/>
             </a:br>
+            <a:endParaRPr lang="en-US" altLang="ja-JP" dirty="0" smtClean="0"/>
+          </a:p>
+          <a:p>
+            <a:pPr marL="0" indent="0">
+              <a:buNone/>
+            </a:pPr>
+            <a:r>
+              <a:rPr lang="en-US" altLang="ja-JP" dirty="0" smtClean="0"/>
+              <a:t>1</a:t>
+            </a:r>
             <a:r>
               <a:rPr lang="en-US" altLang="ja-JP" dirty="0"/>
-              <a:t>1. PowerPoint</a:t>
+              <a:t>. PowerPoint</a:t>
             </a:r>
             <a:r>
               <a:rPr lang="ja-JP" altLang="en-US" dirty="0"/>
@@ -16560,8 +18427,14 @@
             <a:br>
               <a:rPr lang="ja-JP" altLang="en-US" dirty="0"/>
             </a:br>
-            <a:r>
-              <a:rPr lang="en-US" altLang="ja-JP" dirty="0"/>
+            <a:endParaRPr lang="en-US" altLang="ja-JP" dirty="0" smtClean="0"/>
+          </a:p>
+          <a:p>
+            <a:pPr marL="0" indent="0">
+              <a:buNone/>
+            </a:pPr>
+            <a:r>
+              <a:rPr lang="en-US" altLang="ja-JP" dirty="0" smtClean="0"/>
               <a:t>- </a:t>
             </a:r>
             <a:r>
@@ -16739,296 +18612,12 @@
             </a:r>
             <a:r>
               <a:rPr lang="ja-JP" altLang="en-US" dirty="0"/>
-              <a:t>で。</a:t>
-            </a:r>
-            <a:br>
-              <a:rPr lang="ja-JP" altLang="en-US" dirty="0"/>
-            </a:br>
-            <a:r>
-              <a:rPr lang="ja-JP" altLang="en-US" dirty="0"/>
-              <a:t>■評価のポイント</a:t>
-            </a:r>
-            <a:br>
-              <a:rPr lang="ja-JP" altLang="en-US" dirty="0"/>
-            </a:br>
-            <a:r>
-              <a:rPr lang="ja-JP" altLang="en-US" dirty="0"/>
-              <a:t>・応用として「ゲームが作れるか？」</a:t>
-            </a:r>
-            <a:br>
-              <a:rPr lang="ja-JP" altLang="en-US" dirty="0"/>
-            </a:br>
-            <a:r>
-              <a:rPr lang="ja-JP" altLang="en-US" dirty="0"/>
-              <a:t>・時間内に作れるか？</a:t>
-            </a:r>
-            <a:br>
-              <a:rPr lang="ja-JP" altLang="en-US" dirty="0"/>
-            </a:br>
-            <a:r>
-              <a:rPr lang="ja-JP" altLang="en-US" dirty="0"/>
-              <a:t>・「学んだ技術を生かしているか？」</a:t>
-            </a:r>
-          </a:p>
-          <a:p>
-            <a:pPr marL="0" indent="0">
-              <a:buNone/>
-            </a:pPr>
-            <a:r>
-              <a:rPr lang="ja-JP" altLang="en-US" dirty="0"/>
-              <a:t>・バンダイナムコ カタログ</a:t>
-            </a:r>
-            <a:r>
-              <a:rPr lang="en-US" altLang="ja-JP" dirty="0"/>
-              <a:t>IP</a:t>
-            </a:r>
-            <a:r>
-              <a:rPr lang="ja-JP" altLang="en-US" dirty="0"/>
-              <a:t>オープン化プロジェクト</a:t>
-            </a:r>
-            <a:br>
-              <a:rPr lang="ja-JP" altLang="en-US" dirty="0"/>
-            </a:br>
-            <a:r>
-              <a:rPr lang="en-US" altLang="ja-JP" dirty="0">
-                <a:hlinkClick r:id="rId3"/>
-              </a:rPr>
-              <a:t>http://open.channel.or.jp/terms_user.php</a:t>
-            </a:r>
-            <a:endParaRPr lang="ja-JP" altLang="en-US" dirty="0"/>
-          </a:p>
-          <a:p>
-            <a:pPr marL="0" indent="0">
-              <a:buNone/>
-            </a:pPr>
-            <a:r>
-              <a:rPr lang="ja-JP" altLang="en-US" dirty="0"/>
-              <a:t>・株式会社バンダイナムコエンターテインメント クリエイター奨励プログラム</a:t>
-            </a:r>
-            <a:br>
-              <a:rPr lang="ja-JP" altLang="en-US" dirty="0"/>
-            </a:br>
-            <a:r>
-              <a:rPr lang="ja-JP" altLang="en-US" dirty="0"/>
-              <a:t>親作品動画 </a:t>
-            </a:r>
-            <a:r>
-              <a:rPr lang="en-US" altLang="ja-JP" dirty="0">
-                <a:hlinkClick r:id="rId4"/>
-              </a:rPr>
-              <a:t>http://nico.ms/1432620077</a:t>
-            </a:r>
-            <a:endParaRPr lang="ja-JP" altLang="en-US" dirty="0"/>
-          </a:p>
-          <a:p>
-            <a:pPr marL="0" indent="0">
-              <a:buNone/>
-            </a:pPr>
-            <a:r>
-              <a:rPr lang="ja-JP" altLang="en-US" dirty="0"/>
-              <a:t>・任天堂株式会社の著作物利用について </a:t>
-            </a:r>
-            <a:br>
-              <a:rPr lang="ja-JP" altLang="en-US" dirty="0"/>
-            </a:br>
-            <a:r>
-              <a:rPr lang="en-US" altLang="ja-JP" dirty="0">
-                <a:hlinkClick r:id="rId5"/>
-              </a:rPr>
-              <a:t>http://faq.nicovideo.jp/EokpControl?&amp;tid=289717&amp;event=FE0006</a:t>
-            </a:r>
-            <a:r>
-              <a:rPr lang="ja-JP" altLang="en-US" dirty="0"/>
-              <a:t/>
-            </a:r>
-            <a:br>
-              <a:rPr lang="ja-JP" altLang="en-US" dirty="0"/>
-            </a:br>
-            <a:r>
-              <a:rPr lang="ja-JP" altLang="en-US" dirty="0"/>
-              <a:t>実は任天堂のタイトルもかなり幅広く使えます。</a:t>
-            </a:r>
-          </a:p>
-          <a:p>
-            <a:pPr marL="0" indent="0">
-              <a:buNone/>
-            </a:pPr>
-            <a:r>
-              <a:rPr lang="ja-JP" altLang="en-US" dirty="0"/>
-              <a:t>ドット絵を利用する場合は作業者に感謝の気持ちも伝えたい</a:t>
-            </a:r>
-            <a:br>
-              <a:rPr lang="ja-JP" altLang="en-US" dirty="0"/>
-            </a:br>
-            <a:r>
-              <a:rPr lang="en-US" altLang="ja-JP" dirty="0">
-                <a:hlinkClick r:id="rId6"/>
-              </a:rPr>
-              <a:t>http://babsika.cocolog-nifty.com/…/20…/04/mame_icons_09.html</a:t>
-            </a:r>
-            <a:r>
-              <a:rPr lang="ja-JP" altLang="en-US" dirty="0"/>
-              <a:t/>
-            </a:r>
-            <a:br>
-              <a:rPr lang="ja-JP" altLang="en-US" dirty="0"/>
-            </a:br>
-            <a:r>
-              <a:rPr lang="en-US" altLang="ja-JP" dirty="0">
-                <a:hlinkClick r:id="rId7"/>
-              </a:rPr>
-              <a:t>http://park12.wakwak.com/~non/atelier/XEVI.htm</a:t>
-            </a:r>
-            <a:endParaRPr lang="ja-JP" altLang="en-US" dirty="0"/>
-          </a:p>
-          <a:p>
-            <a:pPr marL="0" indent="0">
-              <a:buNone/>
-            </a:pPr>
-            <a:r>
-              <a:rPr lang="ja-JP" altLang="en-US" dirty="0"/>
-              <a:t/>
-            </a:r>
-            <a:br>
-              <a:rPr lang="ja-JP" altLang="en-US" dirty="0"/>
-            </a:br>
-            <a:r>
-              <a:rPr lang="ja-JP" altLang="en-US" dirty="0"/>
-              <a:t>提出</a:t>
-            </a:r>
-            <a:r>
-              <a:rPr lang="en-US" altLang="ja-JP" dirty="0"/>
-              <a:t>URL</a:t>
-            </a:r>
-            <a:r>
-              <a:rPr lang="ja-JP" altLang="en-US" dirty="0"/>
-              <a:t>はいつもの通り</a:t>
-            </a:r>
-            <a:br>
-              <a:rPr lang="ja-JP" altLang="en-US" dirty="0"/>
-            </a:br>
-            <a:r>
-              <a:rPr lang="en-US" altLang="ja-JP" dirty="0">
-                <a:hlinkClick r:id="rId8"/>
-              </a:rPr>
-              <a:t>http://j.mp/KAIT2015GP</a:t>
-            </a:r>
-            <a:endParaRPr lang="ja-JP" altLang="en-US" dirty="0"/>
-          </a:p>
-          <a:p>
-            <a:pPr marL="0" indent="0">
-              <a:buNone/>
-            </a:pPr>
-            <a:r>
-              <a:rPr lang="ja-JP" altLang="en-US" dirty="0"/>
-              <a:t>提出期限は</a:t>
-            </a:r>
-            <a:r>
-              <a:rPr lang="en-US" altLang="ja-JP" dirty="0"/>
-              <a:t>6/28(</a:t>
-            </a:r>
-            <a:r>
-              <a:rPr lang="ja-JP" altLang="en-US" dirty="0"/>
-              <a:t>日</a:t>
-            </a:r>
-            <a:r>
-              <a:rPr lang="en-US" altLang="ja-JP" dirty="0"/>
-              <a:t>) 20:59 </a:t>
-            </a:r>
-            <a:r>
-              <a:rPr lang="ja-JP" altLang="en-US" dirty="0"/>
-              <a:t>とします（講義準備の都合上、それ以降は評価・講評の保障なし）。</a:t>
-            </a:r>
-          </a:p>
-          <a:p>
-            <a:pPr marL="0" indent="0">
-              <a:buNone/>
-            </a:pPr>
-            <a:r>
-              <a:rPr lang="ja-JP" altLang="en-US" dirty="0"/>
-              <a:t>なお、第</a:t>
-            </a:r>
-            <a:r>
-              <a:rPr lang="en-US" altLang="ja-JP" dirty="0"/>
-              <a:t>11</a:t>
-            </a:r>
-            <a:r>
-              <a:rPr lang="ja-JP" altLang="en-US" dirty="0"/>
-              <a:t>回は</a:t>
-            </a:r>
-            <a:r>
-              <a:rPr lang="en-US" altLang="ja-JP" dirty="0"/>
-              <a:t>6/29(</a:t>
-            </a:r>
-            <a:r>
-              <a:rPr lang="ja-JP" altLang="en-US" dirty="0"/>
-              <a:t>月</a:t>
-            </a:r>
-            <a:r>
-              <a:rPr lang="en-US" altLang="ja-JP" dirty="0"/>
-              <a:t>),</a:t>
-            </a:r>
-            <a:r>
-              <a:rPr lang="ja-JP" altLang="en-US" dirty="0"/>
-              <a:t>第</a:t>
-            </a:r>
-            <a:r>
-              <a:rPr lang="en-US" altLang="ja-JP" dirty="0"/>
-              <a:t>12</a:t>
-            </a:r>
-            <a:r>
-              <a:rPr lang="ja-JP" altLang="en-US" dirty="0"/>
-              <a:t>回は</a:t>
-            </a:r>
-            <a:r>
-              <a:rPr lang="en-US" altLang="ja-JP" dirty="0"/>
-              <a:t>7/6(</a:t>
-            </a:r>
-            <a:r>
-              <a:rPr lang="ja-JP" altLang="en-US" dirty="0"/>
-              <a:t>月</a:t>
-            </a:r>
-            <a:r>
-              <a:rPr lang="en-US" altLang="ja-JP" dirty="0"/>
-              <a:t>)</a:t>
-            </a:r>
-            <a:r>
-              <a:rPr lang="ja-JP" altLang="en-US" dirty="0" err="1"/>
-              <a:t>、</a:t>
-            </a:r>
-            <a:r>
-              <a:rPr lang="ja-JP" altLang="en-US" dirty="0"/>
-              <a:t>第</a:t>
-            </a:r>
-            <a:r>
-              <a:rPr lang="en-US" altLang="ja-JP" dirty="0"/>
-              <a:t>13</a:t>
-            </a:r>
-            <a:r>
-              <a:rPr lang="ja-JP" altLang="en-US" dirty="0"/>
-              <a:t>回は</a:t>
-            </a:r>
-            <a:r>
-              <a:rPr lang="en-US" altLang="ja-JP" dirty="0"/>
-              <a:t>7/9(</a:t>
-            </a:r>
-            <a:r>
-              <a:rPr lang="ja-JP" altLang="en-US" dirty="0"/>
-              <a:t>木</a:t>
-            </a:r>
-            <a:r>
-              <a:rPr lang="en-US" altLang="ja-JP" dirty="0"/>
-              <a:t>)</a:t>
-            </a:r>
-            <a:r>
-              <a:rPr lang="ja-JP" altLang="en-US" dirty="0"/>
-              <a:t>の補講になる見込みです。</a:t>
-            </a:r>
-          </a:p>
-          <a:p>
-            <a:pPr marL="0" indent="0">
-              <a:buNone/>
-            </a:pPr>
+              <a:t>で</a:t>
+            </a:r>
+            <a:r>
+              <a:rPr lang="ja-JP" altLang="en-US" dirty="0" smtClean="0"/>
+              <a:t>。</a:t>
+            </a:r>
             <a:endParaRPr kumimoji="1" lang="ja-JP" altLang="en-US" dirty="0"/>
           </a:p>
         </p:txBody>
@@ -17096,51 +18685,6 @@
       </p:grpSpPr>
       <p:sp>
         <p:nvSpPr>
-          <p:cNvPr id="2" name="コンテンツ プレースホルダー 1"/>
-          <p:cNvSpPr>
-            <a:spLocks noGrp="1"/>
-          </p:cNvSpPr>
-          <p:nvPr>
-            <p:ph idx="1"/>
-          </p:nvPr>
-        </p:nvSpPr>
-        <p:spPr/>
-        <p:txBody>
-          <a:bodyPr/>
-          <a:lstStyle/>
-          <a:p>
-            <a:r>
-              <a:rPr lang="en-US" altLang="ja-JP" dirty="0" err="1" smtClean="0"/>
-              <a:t>SampleCode</a:t>
-            </a:r>
-            <a:r>
-              <a:rPr lang="en-US" altLang="ja-JP" dirty="0" smtClean="0"/>
-              <a:t>\Chapter11\</a:t>
-            </a:r>
-            <a:r>
-              <a:rPr lang="en-US" altLang="ja-JP" dirty="0" err="1" smtClean="0"/>
-              <a:t>GameEngine</a:t>
-            </a:r>
-            <a:r>
-              <a:rPr lang="en-US" altLang="ja-JP" dirty="0" smtClean="0"/>
-              <a:t>\GameEngineV3.1</a:t>
-            </a:r>
-          </a:p>
-          <a:p>
-            <a:r>
-              <a:rPr kumimoji="1" lang="en-US" altLang="ja-JP" dirty="0" smtClean="0"/>
-              <a:t>CC</a:t>
-            </a:r>
-            <a:r>
-              <a:rPr kumimoji="1" lang="ja-JP" altLang="en-US" dirty="0" smtClean="0"/>
-              <a:t>ライセンス</a:t>
-            </a:r>
-            <a:endParaRPr kumimoji="1" lang="ja-JP" altLang="en-US" dirty="0"/>
-          </a:p>
-        </p:txBody>
-      </p:sp>
-      <p:sp>
-        <p:nvSpPr>
           <p:cNvPr id="3" name="タイトル 2"/>
           <p:cNvSpPr>
             <a:spLocks noGrp="1"/>
@@ -17155,45 +18699,545 @@
           <a:lstStyle/>
           <a:p>
             <a:r>
-              <a:rPr lang="en-US" altLang="ja-JP" dirty="0" smtClean="0"/>
-              <a:t>GameEngineV3.1</a:t>
-            </a:r>
-            <a:r>
-              <a:rPr lang="ja-JP" altLang="en-US" dirty="0" smtClean="0"/>
-              <a:t>をつかってみる</a:t>
+              <a:rPr lang="ja-JP" altLang="en-US" dirty="0"/>
+              <a:t>第</a:t>
+            </a:r>
+            <a:r>
+              <a:rPr lang="en-US" altLang="ja-JP" dirty="0"/>
+              <a:t>10</a:t>
+            </a:r>
+            <a:r>
+              <a:rPr lang="ja-JP" altLang="en-US" dirty="0"/>
+              <a:t>回課題 応用</a:t>
             </a:r>
             <a:endParaRPr kumimoji="1" lang="ja-JP" altLang="en-US" dirty="0"/>
           </a:p>
         </p:txBody>
       </p:sp>
-      <p:pic>
-        <p:nvPicPr>
-          <p:cNvPr id="4" name="図 3"/>
-          <p:cNvPicPr>
-            <a:picLocks noChangeAspect="1"/>
-          </p:cNvPicPr>
+      <p:sp>
+        <p:nvSpPr>
+          <p:cNvPr id="4" name="コンテンツ プレースホルダー 1"/>
+          <p:cNvSpPr txBox="1">
+            <a:spLocks/>
+          </p:cNvSpPr>
           <p:nvPr/>
-        </p:nvPicPr>
-        <p:blipFill>
-          <a:blip r:embed="rId2"/>
-          <a:stretch>
-            <a:fillRect/>
-          </a:stretch>
-        </p:blipFill>
+        </p:nvSpPr>
         <p:spPr>
           <a:xfrm>
-            <a:off x="3295707" y="2096962"/>
-            <a:ext cx="5613617" cy="4498897"/>
+            <a:off x="4932041" y="1589865"/>
+            <a:ext cx="3977284" cy="4885353"/>
           </a:xfrm>
           <a:prstGeom prst="rect">
             <a:avLst/>
           </a:prstGeom>
         </p:spPr>
-      </p:pic>
+        <p:txBody>
+          <a:bodyPr vert="horz" lIns="91440" tIns="45720" rIns="91440" bIns="45720" rtlCol="0">
+            <a:normAutofit/>
+          </a:bodyPr>
+          <a:lstStyle>
+            <a:lvl1pPr marL="274320" indent="-274320" algn="l" defTabSz="914400" rtl="0" eaLnBrk="1" latinLnBrk="0" hangingPunct="1">
+              <a:spcBef>
+                <a:spcPct val="20000"/>
+              </a:spcBef>
+              <a:buClr>
+                <a:schemeClr val="accent1"/>
+              </a:buClr>
+              <a:buSzPct val="100000"/>
+              <a:buFont typeface="Symbol" pitchFamily="18" charset="2"/>
+              <a:buChar char=""/>
+              <a:defRPr kumimoji="1" sz="2400" kern="1200">
+                <a:solidFill>
+                  <a:schemeClr val="tx2"/>
+                </a:solidFill>
+                <a:latin typeface="+mn-lt"/>
+                <a:ea typeface="+mn-ea"/>
+                <a:cs typeface="+mn-cs"/>
+              </a:defRPr>
+            </a:lvl1pPr>
+            <a:lvl2pPr marL="576263" indent="-274320" algn="l" defTabSz="914400" rtl="0" eaLnBrk="1" latinLnBrk="0" hangingPunct="1">
+              <a:spcBef>
+                <a:spcPct val="20000"/>
+              </a:spcBef>
+              <a:buClr>
+                <a:schemeClr val="accent1"/>
+              </a:buClr>
+              <a:buSzPct val="100000"/>
+              <a:buFont typeface="Symbol" pitchFamily="18" charset="2"/>
+              <a:buChar char=""/>
+              <a:defRPr kumimoji="1" sz="2200" kern="1200">
+                <a:solidFill>
+                  <a:schemeClr val="tx2"/>
+                </a:solidFill>
+                <a:latin typeface="+mn-lt"/>
+                <a:ea typeface="+mn-ea"/>
+                <a:cs typeface="+mn-cs"/>
+              </a:defRPr>
+            </a:lvl2pPr>
+            <a:lvl3pPr marL="855663" indent="-228600" algn="l" defTabSz="914400" rtl="0" eaLnBrk="1" latinLnBrk="0" hangingPunct="1">
+              <a:spcBef>
+                <a:spcPct val="20000"/>
+              </a:spcBef>
+              <a:buClr>
+                <a:schemeClr val="accent1"/>
+              </a:buClr>
+              <a:buSzPct val="100000"/>
+              <a:buFont typeface="Symbol" pitchFamily="18" charset="2"/>
+              <a:buChar char=""/>
+              <a:defRPr kumimoji="1" sz="2000" kern="1200">
+                <a:solidFill>
+                  <a:schemeClr val="tx2"/>
+                </a:solidFill>
+                <a:latin typeface="+mn-lt"/>
+                <a:ea typeface="+mn-ea"/>
+                <a:cs typeface="+mn-cs"/>
+              </a:defRPr>
+            </a:lvl3pPr>
+            <a:lvl4pPr marL="1143000" indent="-228600" algn="l" defTabSz="914400" rtl="0" eaLnBrk="1" latinLnBrk="0" hangingPunct="1">
+              <a:spcBef>
+                <a:spcPct val="20000"/>
+              </a:spcBef>
+              <a:buClr>
+                <a:schemeClr val="accent1"/>
+              </a:buClr>
+              <a:buSzPct val="100000"/>
+              <a:buFont typeface="Symbol" pitchFamily="18" charset="2"/>
+              <a:buChar char=""/>
+              <a:defRPr kumimoji="1" sz="1800" kern="1200">
+                <a:solidFill>
+                  <a:schemeClr val="tx2"/>
+                </a:solidFill>
+                <a:latin typeface="+mn-lt"/>
+                <a:ea typeface="+mn-ea"/>
+                <a:cs typeface="+mn-cs"/>
+              </a:defRPr>
+            </a:lvl4pPr>
+            <a:lvl5pPr marL="1463040" indent="-228600" algn="l" defTabSz="914400" rtl="0" eaLnBrk="1" latinLnBrk="0" hangingPunct="1">
+              <a:spcBef>
+                <a:spcPct val="20000"/>
+              </a:spcBef>
+              <a:buClr>
+                <a:schemeClr val="accent1"/>
+              </a:buClr>
+              <a:buSzPct val="100000"/>
+              <a:buFont typeface="Symbol" pitchFamily="18" charset="2"/>
+              <a:buChar char=""/>
+              <a:defRPr kumimoji="1" sz="1600" kern="1200">
+                <a:solidFill>
+                  <a:schemeClr val="tx2"/>
+                </a:solidFill>
+                <a:latin typeface="+mn-lt"/>
+                <a:ea typeface="+mn-ea"/>
+                <a:cs typeface="+mn-cs"/>
+              </a:defRPr>
+            </a:lvl5pPr>
+            <a:lvl6pPr marL="1783080" indent="-228600" algn="l" defTabSz="914400" rtl="0" eaLnBrk="1" latinLnBrk="0" hangingPunct="1">
+              <a:spcBef>
+                <a:spcPts val="384"/>
+              </a:spcBef>
+              <a:buClr>
+                <a:schemeClr val="accent1"/>
+              </a:buClr>
+              <a:buFont typeface="Symbol" pitchFamily="18" charset="2"/>
+              <a:buChar char="*"/>
+              <a:defRPr kumimoji="1" sz="1400" kern="1200">
+                <a:solidFill>
+                  <a:schemeClr val="tx2"/>
+                </a:solidFill>
+                <a:latin typeface="+mn-lt"/>
+                <a:ea typeface="+mn-ea"/>
+                <a:cs typeface="+mn-cs"/>
+              </a:defRPr>
+            </a:lvl6pPr>
+            <a:lvl7pPr marL="2103120" indent="-228600" algn="l" defTabSz="914400" rtl="0" eaLnBrk="1" latinLnBrk="0" hangingPunct="1">
+              <a:spcBef>
+                <a:spcPts val="384"/>
+              </a:spcBef>
+              <a:buClr>
+                <a:schemeClr val="accent1"/>
+              </a:buClr>
+              <a:buFont typeface="Symbol" pitchFamily="18" charset="2"/>
+              <a:buChar char="*"/>
+              <a:defRPr kumimoji="1" sz="1400" kern="1200">
+                <a:solidFill>
+                  <a:schemeClr val="tx2"/>
+                </a:solidFill>
+                <a:latin typeface="+mn-lt"/>
+                <a:ea typeface="+mn-ea"/>
+                <a:cs typeface="+mn-cs"/>
+              </a:defRPr>
+            </a:lvl7pPr>
+            <a:lvl8pPr marL="2423160" indent="-228600" algn="l" defTabSz="914400" rtl="0" eaLnBrk="1" latinLnBrk="0" hangingPunct="1">
+              <a:spcBef>
+                <a:spcPts val="384"/>
+              </a:spcBef>
+              <a:buClr>
+                <a:schemeClr val="accent1"/>
+              </a:buClr>
+              <a:buFont typeface="Symbol" pitchFamily="18" charset="2"/>
+              <a:buChar char="*"/>
+              <a:defRPr kumimoji="1" sz="1400" kern="1200">
+                <a:solidFill>
+                  <a:schemeClr val="tx2"/>
+                </a:solidFill>
+                <a:latin typeface="+mn-lt"/>
+                <a:ea typeface="+mn-ea"/>
+                <a:cs typeface="+mn-cs"/>
+              </a:defRPr>
+            </a:lvl8pPr>
+            <a:lvl9pPr marL="2743200" indent="-228600" algn="l" defTabSz="914400" rtl="0" eaLnBrk="1" latinLnBrk="0" hangingPunct="1">
+              <a:spcBef>
+                <a:spcPts val="384"/>
+              </a:spcBef>
+              <a:buClr>
+                <a:schemeClr val="accent1"/>
+              </a:buClr>
+              <a:buFont typeface="Symbol" pitchFamily="18" charset="2"/>
+              <a:buChar char="*"/>
+              <a:defRPr kumimoji="1" sz="1400" kern="1200">
+                <a:solidFill>
+                  <a:schemeClr val="tx2"/>
+                </a:solidFill>
+                <a:latin typeface="+mn-lt"/>
+                <a:ea typeface="+mn-ea"/>
+                <a:cs typeface="+mn-cs"/>
+              </a:defRPr>
+            </a:lvl9pPr>
+          </a:lstStyle>
+          <a:p>
+            <a:pPr marL="0" indent="0">
+              <a:buFont typeface="Symbol" pitchFamily="18" charset="2"/>
+              <a:buNone/>
+            </a:pPr>
+            <a:endParaRPr lang="ja-JP" altLang="en-US" dirty="0"/>
+          </a:p>
+        </p:txBody>
+      </p:sp>
+      <p:sp>
+        <p:nvSpPr>
+          <p:cNvPr id="5" name="コンテンツ プレースホルダー 4"/>
+          <p:cNvSpPr>
+            <a:spLocks noGrp="1"/>
+          </p:cNvSpPr>
+          <p:nvPr>
+            <p:ph idx="1"/>
+          </p:nvPr>
+        </p:nvSpPr>
+        <p:spPr>
+          <a:xfrm>
+            <a:off x="211665" y="1567982"/>
+            <a:ext cx="8608807" cy="4885353"/>
+          </a:xfrm>
+        </p:spPr>
+        <p:txBody>
+          <a:bodyPr>
+            <a:normAutofit fontScale="70000" lnSpcReduction="20000"/>
+          </a:bodyPr>
+          <a:lstStyle/>
+          <a:p>
+            <a:pPr marL="0" indent="0">
+              <a:buNone/>
+            </a:pPr>
+            <a:r>
+              <a:rPr lang="ja-JP" altLang="en-US" sz="3400" dirty="0" smtClean="0"/>
+              <a:t>■</a:t>
+            </a:r>
+            <a:r>
+              <a:rPr lang="ja-JP" altLang="en-US" sz="3400" dirty="0"/>
+              <a:t>評価のポイント</a:t>
+            </a:r>
+            <a:br>
+              <a:rPr lang="ja-JP" altLang="en-US" sz="3400" dirty="0"/>
+            </a:br>
+            <a:r>
+              <a:rPr lang="ja-JP" altLang="en-US" dirty="0"/>
+              <a:t>・応用として「ゲームが作れるか？」</a:t>
+            </a:r>
+            <a:br>
+              <a:rPr lang="ja-JP" altLang="en-US" dirty="0"/>
+            </a:br>
+            <a:r>
+              <a:rPr lang="ja-JP" altLang="en-US" dirty="0"/>
+              <a:t>・時間内に作れるか？</a:t>
+            </a:r>
+            <a:br>
+              <a:rPr lang="ja-JP" altLang="en-US" dirty="0"/>
+            </a:br>
+            <a:r>
+              <a:rPr lang="ja-JP" altLang="en-US" dirty="0"/>
+              <a:t>・「学んだ技術を生かしているか？」</a:t>
+            </a:r>
+          </a:p>
+          <a:p>
+            <a:pPr marL="0" indent="0">
+              <a:buNone/>
+            </a:pPr>
+            <a:r>
+              <a:rPr lang="ja-JP" altLang="en-US" dirty="0"/>
+              <a:t>・バンダイナムコ カタログ</a:t>
+            </a:r>
+            <a:r>
+              <a:rPr lang="en-US" altLang="ja-JP" dirty="0"/>
+              <a:t>IP</a:t>
+            </a:r>
+            <a:r>
+              <a:rPr lang="ja-JP" altLang="en-US" dirty="0"/>
+              <a:t>オープン化プロジェクト</a:t>
+            </a:r>
+            <a:br>
+              <a:rPr lang="ja-JP" altLang="en-US" dirty="0"/>
+            </a:br>
+            <a:r>
+              <a:rPr lang="en-US" altLang="ja-JP" dirty="0">
+                <a:hlinkClick r:id="rId3"/>
+              </a:rPr>
+              <a:t>http://open.channel.or.jp/terms_user.php</a:t>
+            </a:r>
+            <a:endParaRPr lang="ja-JP" altLang="en-US" dirty="0"/>
+          </a:p>
+          <a:p>
+            <a:pPr marL="0" indent="0">
+              <a:buNone/>
+            </a:pPr>
+            <a:r>
+              <a:rPr lang="ja-JP" altLang="en-US" dirty="0"/>
+              <a:t>・株式会社バンダイナムコエンターテインメント クリエイター奨励プログラム</a:t>
+            </a:r>
+            <a:br>
+              <a:rPr lang="ja-JP" altLang="en-US" dirty="0"/>
+            </a:br>
+            <a:r>
+              <a:rPr lang="ja-JP" altLang="en-US" dirty="0"/>
+              <a:t>親作品動画 </a:t>
+            </a:r>
+            <a:r>
+              <a:rPr lang="en-US" altLang="ja-JP" dirty="0">
+                <a:hlinkClick r:id="rId4"/>
+              </a:rPr>
+              <a:t>http://nico.ms/1432620077</a:t>
+            </a:r>
+            <a:endParaRPr lang="ja-JP" altLang="en-US" dirty="0"/>
+          </a:p>
+          <a:p>
+            <a:pPr marL="0" indent="0">
+              <a:buNone/>
+            </a:pPr>
+            <a:r>
+              <a:rPr lang="ja-JP" altLang="en-US" dirty="0"/>
+              <a:t>・任天堂株式会社の著作物利用について </a:t>
+            </a:r>
+            <a:br>
+              <a:rPr lang="ja-JP" altLang="en-US" dirty="0"/>
+            </a:br>
+            <a:r>
+              <a:rPr lang="en-US" altLang="ja-JP" dirty="0">
+                <a:hlinkClick r:id="rId5"/>
+              </a:rPr>
+              <a:t>http://faq.nicovideo.jp/EokpControl?&amp;tid=289717&amp;event=FE0006</a:t>
+            </a:r>
+            <a:r>
+              <a:rPr lang="ja-JP" altLang="en-US" dirty="0"/>
+              <a:t/>
+            </a:r>
+            <a:br>
+              <a:rPr lang="ja-JP" altLang="en-US" dirty="0"/>
+            </a:br>
+            <a:r>
+              <a:rPr lang="ja-JP" altLang="en-US" dirty="0"/>
+              <a:t>実は任天堂のタイトルもかなり幅広く使えます。</a:t>
+            </a:r>
+          </a:p>
+          <a:p>
+            <a:pPr marL="0" indent="0">
+              <a:buNone/>
+            </a:pPr>
+            <a:r>
+              <a:rPr lang="ja-JP" altLang="en-US" dirty="0"/>
+              <a:t>ドット絵を利用する場合は作業者に感謝の気持ちも伝えたい</a:t>
+            </a:r>
+            <a:br>
+              <a:rPr lang="ja-JP" altLang="en-US" dirty="0"/>
+            </a:br>
+            <a:r>
+              <a:rPr lang="en-US" altLang="ja-JP" dirty="0">
+                <a:hlinkClick r:id="rId6"/>
+              </a:rPr>
+              <a:t>http://babsika.cocolog-nifty.com/…/20…/04/mame_icons_09.html</a:t>
+            </a:r>
+            <a:r>
+              <a:rPr lang="ja-JP" altLang="en-US" dirty="0"/>
+              <a:t/>
+            </a:r>
+            <a:br>
+              <a:rPr lang="ja-JP" altLang="en-US" dirty="0"/>
+            </a:br>
+            <a:r>
+              <a:rPr lang="en-US" altLang="ja-JP" dirty="0">
+                <a:hlinkClick r:id="rId7"/>
+              </a:rPr>
+              <a:t>http://park12.wakwak.com/~non/atelier/XEVI.htm</a:t>
+            </a:r>
+            <a:endParaRPr lang="ja-JP" altLang="en-US" dirty="0"/>
+          </a:p>
+          <a:p>
+            <a:pPr marL="0" indent="0">
+              <a:buNone/>
+            </a:pPr>
+            <a:r>
+              <a:rPr lang="ja-JP" altLang="en-US" dirty="0"/>
+              <a:t/>
+            </a:r>
+            <a:br>
+              <a:rPr lang="ja-JP" altLang="en-US" dirty="0"/>
+            </a:br>
+            <a:r>
+              <a:rPr lang="ja-JP" altLang="en-US" dirty="0"/>
+              <a:t>提出</a:t>
+            </a:r>
+            <a:r>
+              <a:rPr lang="en-US" altLang="ja-JP" dirty="0"/>
+              <a:t>URL</a:t>
+            </a:r>
+            <a:r>
+              <a:rPr lang="ja-JP" altLang="en-US" dirty="0"/>
+              <a:t>はいつもの通り</a:t>
+            </a:r>
+            <a:br>
+              <a:rPr lang="ja-JP" altLang="en-US" dirty="0"/>
+            </a:br>
+            <a:r>
+              <a:rPr lang="en-US" altLang="ja-JP" dirty="0">
+                <a:hlinkClick r:id="rId8"/>
+              </a:rPr>
+              <a:t>http://j.mp/KAIT2015GP</a:t>
+            </a:r>
+            <a:endParaRPr lang="ja-JP" altLang="en-US" dirty="0"/>
+          </a:p>
+          <a:p>
+            <a:pPr marL="0" indent="0">
+              <a:buNone/>
+            </a:pPr>
+            <a:r>
+              <a:rPr lang="ja-JP" altLang="en-US" dirty="0"/>
+              <a:t>提出期限は</a:t>
+            </a:r>
+            <a:r>
+              <a:rPr lang="en-US" altLang="ja-JP" dirty="0"/>
+              <a:t>6/28(</a:t>
+            </a:r>
+            <a:r>
+              <a:rPr lang="ja-JP" altLang="en-US" dirty="0"/>
+              <a:t>日</a:t>
+            </a:r>
+            <a:r>
+              <a:rPr lang="en-US" altLang="ja-JP" dirty="0"/>
+              <a:t>) 20:59 </a:t>
+            </a:r>
+            <a:r>
+              <a:rPr lang="ja-JP" altLang="en-US" dirty="0"/>
+              <a:t>とします（講義準備の都合上、それ以降は評価・講評の保障なし）。</a:t>
+            </a:r>
+          </a:p>
+          <a:p>
+            <a:pPr marL="0" indent="0">
+              <a:buNone/>
+            </a:pPr>
+            <a:r>
+              <a:rPr lang="ja-JP" altLang="en-US" dirty="0"/>
+              <a:t>なお、第</a:t>
+            </a:r>
+            <a:r>
+              <a:rPr lang="en-US" altLang="ja-JP" dirty="0"/>
+              <a:t>11</a:t>
+            </a:r>
+            <a:r>
+              <a:rPr lang="ja-JP" altLang="en-US" dirty="0"/>
+              <a:t>回は</a:t>
+            </a:r>
+            <a:r>
+              <a:rPr lang="en-US" altLang="ja-JP" dirty="0"/>
+              <a:t>6/29(</a:t>
+            </a:r>
+            <a:r>
+              <a:rPr lang="ja-JP" altLang="en-US" dirty="0"/>
+              <a:t>月</a:t>
+            </a:r>
+            <a:r>
+              <a:rPr lang="en-US" altLang="ja-JP" dirty="0"/>
+              <a:t>),</a:t>
+            </a:r>
+            <a:r>
+              <a:rPr lang="ja-JP" altLang="en-US" dirty="0"/>
+              <a:t>第</a:t>
+            </a:r>
+            <a:r>
+              <a:rPr lang="en-US" altLang="ja-JP" dirty="0"/>
+              <a:t>12</a:t>
+            </a:r>
+            <a:r>
+              <a:rPr lang="ja-JP" altLang="en-US" dirty="0"/>
+              <a:t>回は</a:t>
+            </a:r>
+            <a:r>
+              <a:rPr lang="en-US" altLang="ja-JP" dirty="0"/>
+              <a:t>7/6(</a:t>
+            </a:r>
+            <a:r>
+              <a:rPr lang="ja-JP" altLang="en-US" dirty="0"/>
+              <a:t>月</a:t>
+            </a:r>
+            <a:r>
+              <a:rPr lang="en-US" altLang="ja-JP" dirty="0"/>
+              <a:t>)</a:t>
+            </a:r>
+            <a:r>
+              <a:rPr lang="ja-JP" altLang="en-US" dirty="0" err="1"/>
+              <a:t>、</a:t>
+            </a:r>
+            <a:r>
+              <a:rPr lang="ja-JP" altLang="en-US" dirty="0"/>
+              <a:t>第</a:t>
+            </a:r>
+            <a:r>
+              <a:rPr lang="en-US" altLang="ja-JP" dirty="0"/>
+              <a:t>13</a:t>
+            </a:r>
+            <a:r>
+              <a:rPr lang="ja-JP" altLang="en-US" dirty="0"/>
+              <a:t>回は</a:t>
+            </a:r>
+            <a:r>
+              <a:rPr lang="en-US" altLang="ja-JP" dirty="0"/>
+              <a:t>7/9(</a:t>
+            </a:r>
+            <a:r>
+              <a:rPr lang="ja-JP" altLang="en-US" dirty="0"/>
+              <a:t>木</a:t>
+            </a:r>
+            <a:r>
+              <a:rPr lang="en-US" altLang="ja-JP" dirty="0"/>
+              <a:t>)</a:t>
+            </a:r>
+            <a:r>
+              <a:rPr lang="ja-JP" altLang="en-US" dirty="0"/>
+              <a:t>の補講になる見込みです。</a:t>
+            </a:r>
+          </a:p>
+          <a:p>
+            <a:pPr marL="0" indent="0">
+              <a:buNone/>
+            </a:pPr>
+            <a:endParaRPr lang="ja-JP" altLang="en-US" dirty="0"/>
+          </a:p>
+          <a:p>
+            <a:endParaRPr kumimoji="1" lang="ja-JP" altLang="en-US" dirty="0"/>
+          </a:p>
+        </p:txBody>
+      </p:sp>
     </p:spTree>
     <p:extLst>
       <p:ext uri="{BB962C8B-B14F-4D97-AF65-F5344CB8AC3E}">
-        <p14:creationId xmlns:p14="http://schemas.microsoft.com/office/powerpoint/2010/main" val="4244170038"/>
+        <p14:creationId xmlns:p14="http://schemas.microsoft.com/office/powerpoint/2010/main" val="1934534835"/>
       </p:ext>
     </p:extLst>
   </p:cSld>
@@ -17236,6 +19280,132 @@
           <a:lstStyle/>
           <a:p>
             <a:r>
+              <a:rPr lang="en-US" altLang="ja-JP" dirty="0" err="1" smtClean="0"/>
+              <a:t>SampleCode</a:t>
+            </a:r>
+            <a:r>
+              <a:rPr lang="en-US" altLang="ja-JP" dirty="0" smtClean="0"/>
+              <a:t>\Chapter11\</a:t>
+            </a:r>
+            <a:r>
+              <a:rPr lang="en-US" altLang="ja-JP" dirty="0" err="1" smtClean="0"/>
+              <a:t>GameEngine</a:t>
+            </a:r>
+            <a:r>
+              <a:rPr lang="en-US" altLang="ja-JP" dirty="0" smtClean="0"/>
+              <a:t>\GameEngineV3.1</a:t>
+            </a:r>
+          </a:p>
+          <a:p>
+            <a:r>
+              <a:rPr kumimoji="1" lang="en-US" altLang="ja-JP" dirty="0" smtClean="0"/>
+              <a:t>CC</a:t>
+            </a:r>
+            <a:r>
+              <a:rPr kumimoji="1" lang="ja-JP" altLang="en-US" dirty="0" smtClean="0"/>
+              <a:t>ライセンス</a:t>
+            </a:r>
+            <a:endParaRPr kumimoji="1" lang="ja-JP" altLang="en-US" dirty="0"/>
+          </a:p>
+        </p:txBody>
+      </p:sp>
+      <p:sp>
+        <p:nvSpPr>
+          <p:cNvPr id="3" name="タイトル 2"/>
+          <p:cNvSpPr>
+            <a:spLocks noGrp="1"/>
+          </p:cNvSpPr>
+          <p:nvPr>
+            <p:ph type="title"/>
+          </p:nvPr>
+        </p:nvSpPr>
+        <p:spPr/>
+        <p:txBody>
+          <a:bodyPr/>
+          <a:lstStyle/>
+          <a:p>
+            <a:r>
+              <a:rPr lang="en-US" altLang="ja-JP" dirty="0" smtClean="0"/>
+              <a:t>GameEngineV3.1</a:t>
+            </a:r>
+            <a:r>
+              <a:rPr lang="ja-JP" altLang="en-US" dirty="0" smtClean="0"/>
+              <a:t>をつかってみる</a:t>
+            </a:r>
+            <a:endParaRPr kumimoji="1" lang="ja-JP" altLang="en-US" dirty="0"/>
+          </a:p>
+        </p:txBody>
+      </p:sp>
+      <p:pic>
+        <p:nvPicPr>
+          <p:cNvPr id="4" name="図 3"/>
+          <p:cNvPicPr>
+            <a:picLocks noChangeAspect="1"/>
+          </p:cNvPicPr>
+          <p:nvPr/>
+        </p:nvPicPr>
+        <p:blipFill>
+          <a:blip r:embed="rId2"/>
+          <a:stretch>
+            <a:fillRect/>
+          </a:stretch>
+        </p:blipFill>
+        <p:spPr>
+          <a:xfrm>
+            <a:off x="3295707" y="2096962"/>
+            <a:ext cx="5613617" cy="4498897"/>
+          </a:xfrm>
+          <a:prstGeom prst="rect">
+            <a:avLst/>
+          </a:prstGeom>
+        </p:spPr>
+      </p:pic>
+    </p:spTree>
+    <p:extLst>
+      <p:ext uri="{BB962C8B-B14F-4D97-AF65-F5344CB8AC3E}">
+        <p14:creationId xmlns:p14="http://schemas.microsoft.com/office/powerpoint/2010/main" val="4244170038"/>
+      </p:ext>
+    </p:extLst>
+  </p:cSld>
+  <p:clrMapOvr>
+    <a:masterClrMapping/>
+  </p:clrMapOvr>
+</p:sld>
+</file>
+
+<file path=ppt/slides/slide5.xml><?xml version="1.0" encoding="utf-8"?>
+<p:sld xmlns:a="http://schemas.openxmlformats.org/drawingml/2006/main" xmlns:r="http://schemas.openxmlformats.org/officeDocument/2006/relationships" xmlns:p="http://schemas.openxmlformats.org/presentationml/2006/main">
+  <p:cSld>
+    <p:spTree>
+      <p:nvGrpSpPr>
+        <p:cNvPr id="1" name=""/>
+        <p:cNvGrpSpPr/>
+        <p:nvPr/>
+      </p:nvGrpSpPr>
+      <p:grpSpPr>
+        <a:xfrm>
+          <a:off x="0" y="0"/>
+          <a:ext cx="0" cy="0"/>
+          <a:chOff x="0" y="0"/>
+          <a:chExt cx="0" cy="0"/>
+        </a:xfrm>
+      </p:grpSpPr>
+      <p:sp>
+        <p:nvSpPr>
+          <p:cNvPr id="2" name="コンテンツ プレースホルダー 1"/>
+          <p:cNvSpPr>
+            <a:spLocks noGrp="1"/>
+          </p:cNvSpPr>
+          <p:nvPr>
+            <p:ph idx="1"/>
+          </p:nvPr>
+        </p:nvSpPr>
+        <p:spPr/>
+        <p:txBody>
+          <a:bodyPr/>
+          <a:lstStyle/>
+          <a:p>
+            <a:r>
               <a:rPr lang="en-US" altLang="ja-JP" dirty="0" err="1"/>
               <a:t>createThisClass</a:t>
             </a:r>
@@ -17306,7 +19476,7 @@
 </p:sld>
 </file>
 
-<file path=ppt/slides/slide5.xml><?xml version="1.0" encoding="utf-8"?>
+<file path=ppt/slides/slide6.xml><?xml version="1.0" encoding="utf-8"?>
 <p:sld xmlns:a="http://schemas.openxmlformats.org/drawingml/2006/main" xmlns:r="http://schemas.openxmlformats.org/officeDocument/2006/relationships" xmlns:p="http://schemas.openxmlformats.org/presentationml/2006/main">
   <p:cSld>
     <p:spTree>
@@ -17339,8 +19509,8 @@
         </p:blipFill>
         <p:spPr>
           <a:xfrm>
-            <a:off x="3491880" y="908720"/>
-            <a:ext cx="5443161" cy="4835058"/>
+            <a:off x="467544" y="1628799"/>
+            <a:ext cx="5976664" cy="5308959"/>
           </a:xfrm>
           <a:prstGeom prst="rect">
             <a:avLst/>
@@ -17359,7 +19529,7 @@
         </p:nvSpPr>
         <p:spPr>
           <a:xfrm>
-            <a:off x="211665" y="5805264"/>
+            <a:off x="211665" y="908720"/>
             <a:ext cx="8723376" cy="883885"/>
           </a:xfrm>
         </p:spPr>
@@ -17415,120 +19585,6 @@
     <p:extLst>
       <p:ext uri="{BB962C8B-B14F-4D97-AF65-F5344CB8AC3E}">
         <p14:creationId xmlns:p14="http://schemas.microsoft.com/office/powerpoint/2010/main" val="1055416987"/>
-      </p:ext>
-    </p:extLst>
-  </p:cSld>
-  <p:clrMapOvr>
-    <a:masterClrMapping/>
-  </p:clrMapOvr>
-</p:sld>
-</file>
-
-<file path=ppt/slides/slide6.xml><?xml version="1.0" encoding="utf-8"?>
-<p:sld xmlns:a="http://schemas.openxmlformats.org/drawingml/2006/main" xmlns:r="http://schemas.openxmlformats.org/officeDocument/2006/relationships" xmlns:p="http://schemas.openxmlformats.org/presentationml/2006/main">
-  <p:cSld>
-    <p:spTree>
-      <p:nvGrpSpPr>
-        <p:cNvPr id="1" name=""/>
-        <p:cNvGrpSpPr/>
-        <p:nvPr/>
-      </p:nvGrpSpPr>
-      <p:grpSpPr>
-        <a:xfrm>
-          <a:off x="0" y="0"/>
-          <a:ext cx="0" cy="0"/>
-          <a:chOff x="0" y="0"/>
-          <a:chExt cx="0" cy="0"/>
-        </a:xfrm>
-      </p:grpSpPr>
-      <p:sp>
-        <p:nvSpPr>
-          <p:cNvPr id="2" name="コンテンツ プレースホルダー 1"/>
-          <p:cNvSpPr>
-            <a:spLocks noGrp="1"/>
-          </p:cNvSpPr>
-          <p:nvPr>
-            <p:ph idx="1"/>
-          </p:nvPr>
-        </p:nvSpPr>
-        <p:spPr/>
-        <p:txBody>
-          <a:bodyPr/>
-          <a:lstStyle/>
-          <a:p>
-            <a:r>
-              <a:rPr kumimoji="1" lang="en-US" altLang="ja-JP" dirty="0" smtClean="0"/>
-              <a:t>[`] @+Shift</a:t>
-            </a:r>
-          </a:p>
-          <a:p>
-            <a:r>
-              <a:rPr lang="en-US" altLang="ja-JP" dirty="0"/>
-              <a:t>h</a:t>
-            </a:r>
-            <a:r>
-              <a:rPr lang="en-US" altLang="ja-JP" dirty="0" smtClean="0"/>
-              <a:t>elp, fps</a:t>
-            </a:r>
-            <a:r>
-              <a:rPr lang="ja-JP" altLang="en-US" dirty="0" smtClean="0"/>
-              <a:t>表示</a:t>
-            </a:r>
-            <a:endParaRPr kumimoji="1" lang="ja-JP" altLang="en-US" dirty="0"/>
-          </a:p>
-        </p:txBody>
-      </p:sp>
-      <p:sp>
-        <p:nvSpPr>
-          <p:cNvPr id="3" name="タイトル 2"/>
-          <p:cNvSpPr>
-            <a:spLocks noGrp="1"/>
-          </p:cNvSpPr>
-          <p:nvPr>
-            <p:ph type="title"/>
-          </p:nvPr>
-        </p:nvSpPr>
-        <p:spPr/>
-        <p:txBody>
-          <a:bodyPr/>
-          <a:lstStyle/>
-          <a:p>
-            <a:r>
-              <a:rPr kumimoji="1" lang="ja-JP" altLang="en-US" dirty="0" smtClean="0"/>
-              <a:t>コマンドモードなんかもある</a:t>
-            </a:r>
-            <a:endParaRPr kumimoji="1" lang="ja-JP" altLang="en-US" dirty="0"/>
-          </a:p>
-        </p:txBody>
-      </p:sp>
-      <p:pic>
-        <p:nvPicPr>
-          <p:cNvPr id="4" name="図 3"/>
-          <p:cNvPicPr>
-            <a:picLocks noChangeAspect="1"/>
-          </p:cNvPicPr>
-          <p:nvPr/>
-        </p:nvPicPr>
-        <p:blipFill>
-          <a:blip r:embed="rId2"/>
-          <a:stretch>
-            <a:fillRect/>
-          </a:stretch>
-        </p:blipFill>
-        <p:spPr>
-          <a:xfrm>
-            <a:off x="2771800" y="1567982"/>
-            <a:ext cx="6334222" cy="5292140"/>
-          </a:xfrm>
-          <a:prstGeom prst="rect">
-            <a:avLst/>
-          </a:prstGeom>
-        </p:spPr>
-      </p:pic>
-    </p:spTree>
-    <p:extLst>
-      <p:ext uri="{BB962C8B-B14F-4D97-AF65-F5344CB8AC3E}">
-        <p14:creationId xmlns:p14="http://schemas.microsoft.com/office/powerpoint/2010/main" val="1532441219"/>
       </p:ext>
     </p:extLst>
   </p:cSld>
@@ -17571,42 +19627,24 @@
           <a:lstStyle/>
           <a:p>
             <a:r>
-              <a:rPr kumimoji="1" lang="ja-JP" altLang="en-US" dirty="0" smtClean="0"/>
-              <a:t>自由にスプライト表示したい</a:t>
-            </a:r>
-            <a:endParaRPr kumimoji="1" lang="en-US" altLang="ja-JP" dirty="0" smtClean="0"/>
-          </a:p>
-          <a:p>
-            <a:r>
-              <a:rPr kumimoji="1" lang="ja-JP" altLang="en-US" dirty="0" smtClean="0"/>
-              <a:t>音を鳴らしたい</a:t>
-            </a:r>
-            <a:endParaRPr kumimoji="1" lang="en-US" altLang="ja-JP" dirty="0" smtClean="0"/>
-          </a:p>
-          <a:p>
+              <a:rPr kumimoji="1" lang="en-US" altLang="ja-JP" dirty="0" smtClean="0"/>
+              <a:t>[`] @+Shift</a:t>
+            </a:r>
+          </a:p>
+          <a:p>
+            <a:r>
+              <a:rPr lang="en-US" altLang="ja-JP" dirty="0"/>
+              <a:t>h</a:t>
+            </a:r>
+            <a:r>
+              <a:rPr lang="en-US" altLang="ja-JP" dirty="0" smtClean="0"/>
+              <a:t>elp, fps</a:t>
+            </a:r>
             <a:r>
               <a:rPr lang="ja-JP" altLang="en-US" dirty="0" smtClean="0"/>
-              <a:t>スクロールとかシューティングゲームっぽいことをしたい</a:t>
-            </a:r>
-            <a:endParaRPr lang="en-US" altLang="ja-JP" dirty="0" smtClean="0"/>
-          </a:p>
-          <a:p>
-            <a:r>
-              <a:rPr kumimoji="1" lang="ja-JP" altLang="en-US" dirty="0" smtClean="0"/>
-              <a:t>あまり</a:t>
-            </a:r>
-            <a:r>
-              <a:rPr kumimoji="1" lang="ja-JP" altLang="en-US" dirty="0"/>
-              <a:t>複雑</a:t>
-            </a:r>
-            <a:r>
-              <a:rPr kumimoji="1" lang="ja-JP" altLang="en-US" dirty="0" smtClean="0"/>
-              <a:t>なことをしたくな</a:t>
-            </a:r>
-            <a:r>
-              <a:rPr kumimoji="1" lang="ja-JP" altLang="en-US" dirty="0"/>
-              <a:t>い</a:t>
-            </a:r>
+              <a:t>表示</a:t>
+            </a:r>
+            <a:endParaRPr kumimoji="1" lang="ja-JP" altLang="en-US" dirty="0"/>
           </a:p>
         </p:txBody>
       </p:sp>
@@ -17627,7 +19665,139 @@
           <a:p>
             <a:r>
               <a:rPr kumimoji="1" lang="ja-JP" altLang="en-US" dirty="0" smtClean="0"/>
-              <a:t>やりたいことをもんやり列挙</a:t>
+              <a:t>コマンドモードなんかもある</a:t>
+            </a:r>
+            <a:endParaRPr kumimoji="1" lang="ja-JP" altLang="en-US" dirty="0"/>
+          </a:p>
+        </p:txBody>
+      </p:sp>
+      <p:pic>
+        <p:nvPicPr>
+          <p:cNvPr id="4" name="図 3"/>
+          <p:cNvPicPr>
+            <a:picLocks noChangeAspect="1"/>
+          </p:cNvPicPr>
+          <p:nvPr/>
+        </p:nvPicPr>
+        <p:blipFill>
+          <a:blip r:embed="rId2"/>
+          <a:stretch>
+            <a:fillRect/>
+          </a:stretch>
+        </p:blipFill>
+        <p:spPr>
+          <a:xfrm>
+            <a:off x="2771800" y="1567982"/>
+            <a:ext cx="6334222" cy="5292140"/>
+          </a:xfrm>
+          <a:prstGeom prst="rect">
+            <a:avLst/>
+          </a:prstGeom>
+        </p:spPr>
+      </p:pic>
+    </p:spTree>
+    <p:extLst>
+      <p:ext uri="{BB962C8B-B14F-4D97-AF65-F5344CB8AC3E}">
+        <p14:creationId xmlns:p14="http://schemas.microsoft.com/office/powerpoint/2010/main" val="1532441219"/>
+      </p:ext>
+    </p:extLst>
+  </p:cSld>
+  <p:clrMapOvr>
+    <a:masterClrMapping/>
+  </p:clrMapOvr>
+</p:sld>
+</file>
+
+<file path=ppt/slides/slide8.xml><?xml version="1.0" encoding="utf-8"?>
+<p:sld xmlns:a="http://schemas.openxmlformats.org/drawingml/2006/main" xmlns:r="http://schemas.openxmlformats.org/officeDocument/2006/relationships" xmlns:p="http://schemas.openxmlformats.org/presentationml/2006/main">
+  <p:cSld>
+    <p:spTree>
+      <p:nvGrpSpPr>
+        <p:cNvPr id="1" name=""/>
+        <p:cNvGrpSpPr/>
+        <p:nvPr/>
+      </p:nvGrpSpPr>
+      <p:grpSpPr>
+        <a:xfrm>
+          <a:off x="0" y="0"/>
+          <a:ext cx="0" cy="0"/>
+          <a:chOff x="0" y="0"/>
+          <a:chExt cx="0" cy="0"/>
+        </a:xfrm>
+      </p:grpSpPr>
+      <p:sp>
+        <p:nvSpPr>
+          <p:cNvPr id="2" name="コンテンツ プレースホルダー 1"/>
+          <p:cNvSpPr>
+            <a:spLocks noGrp="1"/>
+          </p:cNvSpPr>
+          <p:nvPr>
+            <p:ph idx="1"/>
+          </p:nvPr>
+        </p:nvSpPr>
+        <p:spPr/>
+        <p:txBody>
+          <a:bodyPr/>
+          <a:lstStyle/>
+          <a:p>
+            <a:r>
+              <a:rPr kumimoji="1" lang="ja-JP" altLang="en-US" dirty="0" smtClean="0"/>
+              <a:t>自由にスプライト表示したい</a:t>
+            </a:r>
+            <a:endParaRPr kumimoji="1" lang="en-US" altLang="ja-JP" dirty="0" smtClean="0"/>
+          </a:p>
+          <a:p>
+            <a:r>
+              <a:rPr kumimoji="1" lang="ja-JP" altLang="en-US" dirty="0" smtClean="0"/>
+              <a:t>音を鳴らしたい</a:t>
+            </a:r>
+            <a:endParaRPr kumimoji="1" lang="en-US" altLang="ja-JP" dirty="0" smtClean="0"/>
+          </a:p>
+          <a:p>
+            <a:r>
+              <a:rPr lang="ja-JP" altLang="en-US" dirty="0" smtClean="0"/>
+              <a:t>スクロールとかシューティングゲームっぽいことをしたい</a:t>
+            </a:r>
+            <a:endParaRPr lang="en-US" altLang="ja-JP" dirty="0" smtClean="0"/>
+          </a:p>
+          <a:p>
+            <a:r>
+              <a:rPr kumimoji="1" lang="ja-JP" altLang="en-US" dirty="0" smtClean="0"/>
+              <a:t>あまり</a:t>
+            </a:r>
+            <a:r>
+              <a:rPr kumimoji="1" lang="ja-JP" altLang="en-US" dirty="0"/>
+              <a:t>複雑</a:t>
+            </a:r>
+            <a:r>
+              <a:rPr kumimoji="1" lang="ja-JP" altLang="en-US" dirty="0" smtClean="0"/>
+              <a:t>なことをしたくな</a:t>
+            </a:r>
+            <a:r>
+              <a:rPr kumimoji="1" lang="ja-JP" altLang="en-US" dirty="0"/>
+              <a:t>い</a:t>
+            </a:r>
+          </a:p>
+        </p:txBody>
+      </p:sp>
+      <p:sp>
+        <p:nvSpPr>
+          <p:cNvPr id="3" name="タイトル 2"/>
+          <p:cNvSpPr>
+            <a:spLocks noGrp="1"/>
+          </p:cNvSpPr>
+          <p:nvPr>
+            <p:ph type="title"/>
+          </p:nvPr>
+        </p:nvSpPr>
+        <p:spPr/>
+        <p:txBody>
+          <a:bodyPr/>
+          <a:lstStyle/>
+          <a:p>
+            <a:r>
+              <a:rPr kumimoji="1" lang="ja-JP" altLang="en-US" dirty="0" smtClean="0"/>
+              <a:t>やりたいことを もんやり 列挙</a:t>
             </a:r>
             <a:endParaRPr kumimoji="1" lang="ja-JP" altLang="en-US" dirty="0"/>
           </a:p>
@@ -17646,7 +19816,7 @@
 </p:sld>
 </file>
 
-<file path=ppt/slides/slide8.xml><?xml version="1.0" encoding="utf-8"?>
+<file path=ppt/slides/slide9.xml><?xml version="1.0" encoding="utf-8"?>
 <p:sld xmlns:a="http://schemas.openxmlformats.org/drawingml/2006/main" xmlns:r="http://schemas.openxmlformats.org/officeDocument/2006/relationships" xmlns:p="http://schemas.openxmlformats.org/presentationml/2006/main">
   <p:cSld>
     <p:spTree>
@@ -17890,98 +20060,6 @@
     <p:extLst>
       <p:ext uri="{BB962C8B-B14F-4D97-AF65-F5344CB8AC3E}">
         <p14:creationId xmlns:p14="http://schemas.microsoft.com/office/powerpoint/2010/main" val="3052917078"/>
-      </p:ext>
-    </p:extLst>
-  </p:cSld>
-  <p:clrMapOvr>
-    <a:masterClrMapping/>
-  </p:clrMapOvr>
-</p:sld>
-</file>
-
-<file path=ppt/slides/slide9.xml><?xml version="1.0" encoding="utf-8"?>
-<p:sld xmlns:a="http://schemas.openxmlformats.org/drawingml/2006/main" xmlns:r="http://schemas.openxmlformats.org/officeDocument/2006/relationships" xmlns:p="http://schemas.openxmlformats.org/presentationml/2006/main">
-  <p:cSld>
-    <p:spTree>
-      <p:nvGrpSpPr>
-        <p:cNvPr id="1" name=""/>
-        <p:cNvGrpSpPr/>
-        <p:nvPr/>
-      </p:nvGrpSpPr>
-      <p:grpSpPr>
-        <a:xfrm>
-          <a:off x="0" y="0"/>
-          <a:ext cx="0" cy="0"/>
-          <a:chOff x="0" y="0"/>
-          <a:chExt cx="0" cy="0"/>
-        </a:xfrm>
-      </p:grpSpPr>
-      <p:sp>
-        <p:nvSpPr>
-          <p:cNvPr id="2" name="コンテンツ プレースホルダー 1"/>
-          <p:cNvSpPr>
-            <a:spLocks noGrp="1"/>
-          </p:cNvSpPr>
-          <p:nvPr>
-            <p:ph idx="1"/>
-          </p:nvPr>
-        </p:nvSpPr>
-        <p:spPr/>
-        <p:txBody>
-          <a:bodyPr/>
-          <a:lstStyle/>
-          <a:p>
-            <a:endParaRPr kumimoji="1" lang="ja-JP" altLang="en-US" dirty="0"/>
-          </a:p>
-        </p:txBody>
-      </p:sp>
-      <p:sp>
-        <p:nvSpPr>
-          <p:cNvPr id="3" name="タイトル 2"/>
-          <p:cNvSpPr>
-            <a:spLocks noGrp="1"/>
-          </p:cNvSpPr>
-          <p:nvPr>
-            <p:ph type="title"/>
-          </p:nvPr>
-        </p:nvSpPr>
-        <p:spPr/>
-        <p:txBody>
-          <a:bodyPr/>
-          <a:lstStyle/>
-          <a:p>
-            <a:endParaRPr kumimoji="1" lang="ja-JP" altLang="en-US"/>
-          </a:p>
-        </p:txBody>
-      </p:sp>
-      <p:pic>
-        <p:nvPicPr>
-          <p:cNvPr id="4" name="図 3"/>
-          <p:cNvPicPr>
-            <a:picLocks noChangeAspect="1"/>
-          </p:cNvPicPr>
-          <p:nvPr/>
-        </p:nvPicPr>
-        <p:blipFill>
-          <a:blip r:embed="rId3"/>
-          <a:stretch>
-            <a:fillRect/>
-          </a:stretch>
-        </p:blipFill>
-        <p:spPr>
-          <a:xfrm>
-            <a:off x="176729" y="1425458"/>
-            <a:ext cx="5929577" cy="5631465"/>
-          </a:xfrm>
-          <a:prstGeom prst="rect">
-            <a:avLst/>
-          </a:prstGeom>
-        </p:spPr>
-      </p:pic>
-    </p:spTree>
-    <p:extLst>
-      <p:ext uri="{BB962C8B-B14F-4D97-AF65-F5344CB8AC3E}">
-        <p14:creationId xmlns:p14="http://schemas.microsoft.com/office/powerpoint/2010/main" val="358131904"/>
       </p:ext>
     </p:extLst>
   </p:cSld>

--- a/GamePro/GameEngine/GamePro20150628.pptx
+++ b/GamePro/GameEngine/GamePro20150628.pptx
@@ -5,7 +5,7 @@
     <p:sldMasterId id="2147483660" r:id="rId1"/>
   </p:sldMasterIdLst>
   <p:notesMasterIdLst>
-    <p:notesMasterId r:id="rId20"/>
+    <p:notesMasterId r:id="rId22"/>
   </p:notesMasterIdLst>
   <p:sldIdLst>
     <p:sldId id="256" r:id="rId2"/>
@@ -26,6 +26,8 @@
     <p:sldId id="273" r:id="rId17"/>
     <p:sldId id="265" r:id="rId18"/>
     <p:sldId id="274" r:id="rId19"/>
+    <p:sldId id="276" r:id="rId20"/>
+    <p:sldId id="277" r:id="rId21"/>
   </p:sldIdLst>
   <p:sldSz cx="9144000" cy="6858000" type="screen4x3"/>
   <p:notesSz cx="6858000" cy="9144000"/>
@@ -147,6 +149,8 @@
             <p14:sldId id="273"/>
             <p14:sldId id="265"/>
             <p14:sldId id="274"/>
+            <p14:sldId id="276"/>
+            <p14:sldId id="277"/>
           </p14:sldIdLst>
         </p14:section>
       </p14:sectionLst>
@@ -986,6 +990,90 @@
     <p:extLst>
       <p:ext uri="{BB962C8B-B14F-4D97-AF65-F5344CB8AC3E}">
         <p14:creationId xmlns:p14="http://schemas.microsoft.com/office/powerpoint/2010/main" val="4089886"/>
+      </p:ext>
+    </p:extLst>
+  </p:cSld>
+  <p:clrMapOvr>
+    <a:masterClrMapping/>
+  </p:clrMapOvr>
+</p:notes>
+</file>
+
+<file path=ppt/notesSlides/notesSlide6.xml><?xml version="1.0" encoding="utf-8"?>
+<p:notes xmlns:a="http://schemas.openxmlformats.org/drawingml/2006/main" xmlns:r="http://schemas.openxmlformats.org/officeDocument/2006/relationships" xmlns:p="http://schemas.openxmlformats.org/presentationml/2006/main">
+  <p:cSld>
+    <p:spTree>
+      <p:nvGrpSpPr>
+        <p:cNvPr id="1" name=""/>
+        <p:cNvGrpSpPr/>
+        <p:nvPr/>
+      </p:nvGrpSpPr>
+      <p:grpSpPr>
+        <a:xfrm>
+          <a:off x="0" y="0"/>
+          <a:ext cx="0" cy="0"/>
+          <a:chOff x="0" y="0"/>
+          <a:chExt cx="0" cy="0"/>
+        </a:xfrm>
+      </p:grpSpPr>
+      <p:sp>
+        <p:nvSpPr>
+          <p:cNvPr id="2" name="スライド イメージ プレースホルダー 1"/>
+          <p:cNvSpPr>
+            <a:spLocks noGrp="1" noRot="1" noChangeAspect="1"/>
+          </p:cNvSpPr>
+          <p:nvPr>
+            <p:ph type="sldImg"/>
+          </p:nvPr>
+        </p:nvSpPr>
+        <p:spPr/>
+      </p:sp>
+      <p:sp>
+        <p:nvSpPr>
+          <p:cNvPr id="3" name="ノート プレースホルダー 2"/>
+          <p:cNvSpPr>
+            <a:spLocks noGrp="1"/>
+          </p:cNvSpPr>
+          <p:nvPr>
+            <p:ph type="body" idx="1"/>
+          </p:nvPr>
+        </p:nvSpPr>
+        <p:spPr/>
+        <p:txBody>
+          <a:bodyPr/>
+          <a:lstStyle/>
+          <a:p>
+            <a:endParaRPr kumimoji="1" lang="ja-JP" altLang="en-US" dirty="0"/>
+          </a:p>
+        </p:txBody>
+      </p:sp>
+      <p:sp>
+        <p:nvSpPr>
+          <p:cNvPr id="4" name="スライド番号プレースホルダー 3"/>
+          <p:cNvSpPr>
+            <a:spLocks noGrp="1"/>
+          </p:cNvSpPr>
+          <p:nvPr>
+            <p:ph type="sldNum" sz="quarter" idx="10"/>
+          </p:nvPr>
+        </p:nvSpPr>
+        <p:spPr/>
+        <p:txBody>
+          <a:bodyPr/>
+          <a:lstStyle/>
+          <a:p>
+            <a:fld id="{E03FE885-361D-0544-AA0D-DDF147C9C156}" type="slidenum">
+              <a:rPr kumimoji="1" lang="ja-JP" altLang="en-US" smtClean="0"/>
+              <a:t>19</a:t>
+            </a:fld>
+            <a:endParaRPr kumimoji="1" lang="ja-JP" altLang="en-US"/>
+          </a:p>
+        </p:txBody>
+      </p:sp>
+    </p:spTree>
+    <p:extLst>
+      <p:ext uri="{BB962C8B-B14F-4D97-AF65-F5344CB8AC3E}">
+        <p14:creationId xmlns:p14="http://schemas.microsoft.com/office/powerpoint/2010/main" val="1543885398"/>
       </p:ext>
     </p:extLst>
   </p:cSld>
@@ -18260,6 +18348,274 @@
 </p:sld>
 </file>
 
+<file path=ppt/slides/slide19.xml><?xml version="1.0" encoding="utf-8"?>
+<p:sld xmlns:a="http://schemas.openxmlformats.org/drawingml/2006/main" xmlns:r="http://schemas.openxmlformats.org/officeDocument/2006/relationships" xmlns:p="http://schemas.openxmlformats.org/presentationml/2006/main">
+  <p:cSld>
+    <p:spTree>
+      <p:nvGrpSpPr>
+        <p:cNvPr id="1" name=""/>
+        <p:cNvGrpSpPr/>
+        <p:nvPr/>
+      </p:nvGrpSpPr>
+      <p:grpSpPr>
+        <a:xfrm>
+          <a:off x="0" y="0"/>
+          <a:ext cx="0" cy="0"/>
+          <a:chOff x="0" y="0"/>
+          <a:chExt cx="0" cy="0"/>
+        </a:xfrm>
+      </p:grpSpPr>
+      <p:pic>
+        <p:nvPicPr>
+          <p:cNvPr id="4" name="図 3"/>
+          <p:cNvPicPr>
+            <a:picLocks noChangeAspect="1"/>
+          </p:cNvPicPr>
+          <p:nvPr/>
+        </p:nvPicPr>
+        <p:blipFill>
+          <a:blip r:embed="rId3"/>
+          <a:stretch>
+            <a:fillRect/>
+          </a:stretch>
+        </p:blipFill>
+        <p:spPr>
+          <a:xfrm>
+            <a:off x="-11506" y="620688"/>
+            <a:ext cx="9144000" cy="5958686"/>
+          </a:xfrm>
+          <a:prstGeom prst="rect">
+            <a:avLst/>
+          </a:prstGeom>
+        </p:spPr>
+      </p:pic>
+      <p:pic>
+        <p:nvPicPr>
+          <p:cNvPr id="6" name="コンテンツ プレースホルダー 5"/>
+          <p:cNvPicPr>
+            <a:picLocks noGrp="1" noChangeAspect="1"/>
+          </p:cNvPicPr>
+          <p:nvPr>
+            <p:ph idx="1"/>
+          </p:nvPr>
+        </p:nvPicPr>
+        <p:blipFill>
+          <a:blip r:embed="rId4">
+            <a:extLst>
+              <a:ext uri="{28A0092B-C50C-407E-A947-70E740481C1C}">
+                <a14:useLocalDpi xmlns:a14="http://schemas.microsoft.com/office/drawing/2010/main" val="0"/>
+              </a:ext>
+            </a:extLst>
+          </a:blip>
+          <a:stretch>
+            <a:fillRect/>
+          </a:stretch>
+        </p:blipFill>
+        <p:spPr>
+          <a:xfrm>
+            <a:off x="3561626" y="976903"/>
+            <a:ext cx="5472688" cy="2193253"/>
+          </a:xfrm>
+        </p:spPr>
+      </p:pic>
+      <p:sp>
+        <p:nvSpPr>
+          <p:cNvPr id="3" name="タイトル 2"/>
+          <p:cNvSpPr>
+            <a:spLocks noGrp="1"/>
+          </p:cNvSpPr>
+          <p:nvPr>
+            <p:ph type="title"/>
+          </p:nvPr>
+        </p:nvSpPr>
+        <p:spPr/>
+        <p:txBody>
+          <a:bodyPr/>
+          <a:lstStyle/>
+          <a:p>
+            <a:r>
+              <a:rPr kumimoji="1" lang="ja-JP" altLang="en-US" dirty="0" smtClean="0"/>
+              <a:t>抜き色指定</a:t>
+            </a:r>
+            <a:endParaRPr kumimoji="1" lang="ja-JP" altLang="en-US" dirty="0"/>
+          </a:p>
+        </p:txBody>
+      </p:sp>
+      <p:sp>
+        <p:nvSpPr>
+          <p:cNvPr id="5" name="テキスト ボックス 4"/>
+          <p:cNvSpPr txBox="1"/>
+          <p:nvPr/>
+        </p:nvSpPr>
+        <p:spPr>
+          <a:xfrm>
+            <a:off x="5474381" y="3600031"/>
+            <a:ext cx="3426937" cy="1015663"/>
+          </a:xfrm>
+          <a:prstGeom prst="rect">
+            <a:avLst/>
+          </a:prstGeom>
+          <a:ln w="38100">
+            <a:solidFill>
+              <a:schemeClr val="tx2"/>
+            </a:solidFill>
+          </a:ln>
+        </p:spPr>
+        <p:style>
+          <a:lnRef idx="2">
+            <a:schemeClr val="accent1"/>
+          </a:lnRef>
+          <a:fillRef idx="1">
+            <a:schemeClr val="lt1"/>
+          </a:fillRef>
+          <a:effectRef idx="0">
+            <a:schemeClr val="accent1"/>
+          </a:effectRef>
+          <a:fontRef idx="minor">
+            <a:schemeClr val="dk1"/>
+          </a:fontRef>
+        </p:style>
+        <p:txBody>
+          <a:bodyPr wrap="square" rtlCol="0">
+            <a:spAutoFit/>
+          </a:bodyPr>
+          <a:lstStyle/>
+          <a:p>
+            <a:r>
+              <a:rPr kumimoji="1" lang="en-US" altLang="ja-JP" sz="2000" dirty="0" err="1" smtClean="0">
+                <a:solidFill>
+                  <a:srgbClr val="FF0000"/>
+                </a:solidFill>
+              </a:rPr>
+              <a:t>Graphics.h</a:t>
+            </a:r>
+            <a:r>
+              <a:rPr kumimoji="1" lang="ja-JP" altLang="en-US" sz="2000" dirty="0" smtClean="0">
+                <a:solidFill>
+                  <a:srgbClr val="FF0000"/>
+                </a:solidFill>
+              </a:rPr>
+              <a:t>で抜き色指定を</a:t>
+            </a:r>
+            <a:r>
+              <a:rPr kumimoji="1" lang="en-US" altLang="ja-JP" sz="2000" dirty="0" smtClean="0">
+                <a:solidFill>
+                  <a:srgbClr val="FF0000"/>
+                </a:solidFill>
+              </a:rPr>
+              <a:t/>
+            </a:r>
+            <a:br>
+              <a:rPr kumimoji="1" lang="en-US" altLang="ja-JP" sz="2000" dirty="0" smtClean="0">
+                <a:solidFill>
+                  <a:srgbClr val="FF0000"/>
+                </a:solidFill>
+              </a:rPr>
+            </a:br>
+            <a:r>
+              <a:rPr kumimoji="1" lang="en-US" altLang="ja-JP" sz="2000" dirty="0" smtClean="0">
+                <a:solidFill>
+                  <a:srgbClr val="FF0000"/>
+                </a:solidFill>
+              </a:rPr>
+              <a:t>MANGENTA</a:t>
+            </a:r>
+            <a:r>
+              <a:rPr kumimoji="1" lang="ja-JP" altLang="en-US" sz="2000" dirty="0" smtClean="0">
+                <a:solidFill>
+                  <a:srgbClr val="FF0000"/>
+                </a:solidFill>
+              </a:rPr>
+              <a:t> から</a:t>
+            </a:r>
+            <a:r>
+              <a:rPr kumimoji="1" lang="en-US" altLang="ja-JP" sz="2000" dirty="0" smtClean="0">
+                <a:solidFill>
+                  <a:srgbClr val="FF0000"/>
+                </a:solidFill>
+              </a:rPr>
+              <a:t/>
+            </a:r>
+            <a:br>
+              <a:rPr kumimoji="1" lang="en-US" altLang="ja-JP" sz="2000" dirty="0" smtClean="0">
+                <a:solidFill>
+                  <a:srgbClr val="FF0000"/>
+                </a:solidFill>
+              </a:rPr>
+            </a:br>
+            <a:r>
+              <a:rPr kumimoji="1" lang="en-US" altLang="ja-JP" sz="2000" dirty="0" smtClean="0">
+                <a:solidFill>
+                  <a:srgbClr val="FF0000"/>
+                </a:solidFill>
+              </a:rPr>
+              <a:t>ARGB(255,0,128,0) </a:t>
+            </a:r>
+            <a:r>
+              <a:rPr kumimoji="1" lang="ja-JP" altLang="en-US" sz="2000" dirty="0" smtClean="0">
+                <a:solidFill>
+                  <a:srgbClr val="FF0000"/>
+                </a:solidFill>
+              </a:rPr>
+              <a:t>に変更</a:t>
+            </a:r>
+            <a:endParaRPr kumimoji="1" lang="ja-JP" altLang="en-US" sz="2000" dirty="0">
+              <a:solidFill>
+                <a:srgbClr val="FF0000"/>
+              </a:solidFill>
+            </a:endParaRPr>
+          </a:p>
+        </p:txBody>
+      </p:sp>
+      <p:cxnSp>
+        <p:nvCxnSpPr>
+          <p:cNvPr id="8" name="直線矢印コネクタ 7"/>
+          <p:cNvCxnSpPr/>
+          <p:nvPr/>
+        </p:nvCxnSpPr>
+        <p:spPr>
+          <a:xfrm flipH="1">
+            <a:off x="4860032" y="4615694"/>
+            <a:ext cx="614349" cy="1117562"/>
+          </a:xfrm>
+          <a:prstGeom prst="straightConnector1">
+            <a:avLst/>
+          </a:prstGeom>
+          <a:ln w="28575">
+            <a:solidFill>
+              <a:schemeClr val="tx2"/>
+            </a:solidFill>
+            <a:tailEnd type="triangle"/>
+          </a:ln>
+        </p:spPr>
+        <p:style>
+          <a:lnRef idx="1">
+            <a:schemeClr val="accent1"/>
+          </a:lnRef>
+          <a:fillRef idx="0">
+            <a:schemeClr val="accent1"/>
+          </a:fillRef>
+          <a:effectRef idx="0">
+            <a:schemeClr val="accent1"/>
+          </a:effectRef>
+          <a:fontRef idx="minor">
+            <a:schemeClr val="tx1"/>
+          </a:fontRef>
+        </p:style>
+      </p:cxnSp>
+    </p:spTree>
+    <p:extLst>
+      <p:ext uri="{BB962C8B-B14F-4D97-AF65-F5344CB8AC3E}">
+        <p14:creationId xmlns:p14="http://schemas.microsoft.com/office/powerpoint/2010/main" val="303356828"/>
+      </p:ext>
+    </p:extLst>
+  </p:cSld>
+  <p:clrMapOvr>
+    <a:masterClrMapping/>
+  </p:clrMapOvr>
+</p:sld>
+</file>
+
 <file path=ppt/slides/slide2.xml><?xml version="1.0" encoding="utf-8"?>
 <p:sld xmlns:a="http://schemas.openxmlformats.org/drawingml/2006/main" xmlns:r="http://schemas.openxmlformats.org/officeDocument/2006/relationships" xmlns:p="http://schemas.openxmlformats.org/presentationml/2006/main">
   <p:cSld>
@@ -18657,6 +19013,306 @@
     <p:extLst>
       <p:ext uri="{BB962C8B-B14F-4D97-AF65-F5344CB8AC3E}">
         <p14:creationId xmlns:p14="http://schemas.microsoft.com/office/powerpoint/2010/main" val="3950376182"/>
+      </p:ext>
+    </p:extLst>
+  </p:cSld>
+  <p:clrMapOvr>
+    <a:masterClrMapping/>
+  </p:clrMapOvr>
+</p:sld>
+</file>
+
+<file path=ppt/slides/slide20.xml><?xml version="1.0" encoding="utf-8"?>
+<p:sld xmlns:a="http://schemas.openxmlformats.org/drawingml/2006/main" xmlns:r="http://schemas.openxmlformats.org/officeDocument/2006/relationships" xmlns:p="http://schemas.openxmlformats.org/presentationml/2006/main">
+  <p:cSld>
+    <p:spTree>
+      <p:nvGrpSpPr>
+        <p:cNvPr id="1" name=""/>
+        <p:cNvGrpSpPr/>
+        <p:nvPr/>
+      </p:nvGrpSpPr>
+      <p:grpSpPr>
+        <a:xfrm>
+          <a:off x="0" y="0"/>
+          <a:ext cx="0" cy="0"/>
+          <a:chOff x="0" y="0"/>
+          <a:chExt cx="0" cy="0"/>
+        </a:xfrm>
+      </p:grpSpPr>
+      <p:sp>
+        <p:nvSpPr>
+          <p:cNvPr id="2" name="コンテンツ プレースホルダー 1"/>
+          <p:cNvSpPr>
+            <a:spLocks noGrp="1"/>
+          </p:cNvSpPr>
+          <p:nvPr>
+            <p:ph idx="1"/>
+          </p:nvPr>
+        </p:nvSpPr>
+        <p:spPr/>
+        <p:txBody>
+          <a:bodyPr/>
+          <a:lstStyle/>
+          <a:p>
+            <a:r>
+              <a:rPr lang="ja-JP" altLang="en-US" dirty="0" smtClean="0"/>
+              <a:t>レトロゲーム好きが楽しめそうな音ゲー（リズム</a:t>
+            </a:r>
+            <a:r>
+              <a:rPr lang="ja-JP" altLang="en-US" dirty="0"/>
+              <a:t>ゲーム</a:t>
+            </a:r>
+            <a:r>
+              <a:rPr lang="ja-JP" altLang="en-US" dirty="0" smtClean="0"/>
+              <a:t>）</a:t>
+            </a:r>
+            <a:endParaRPr lang="en-US" altLang="ja-JP" dirty="0" smtClean="0"/>
+          </a:p>
+          <a:p>
+            <a:r>
+              <a:rPr kumimoji="1" lang="ja-JP" altLang="en-US" dirty="0" smtClean="0"/>
+              <a:t>自分がボスになって敵機を蹴散らすゲーム</a:t>
+            </a:r>
+            <a:endParaRPr kumimoji="1" lang="en-US" altLang="ja-JP" dirty="0" smtClean="0"/>
+          </a:p>
+          <a:p>
+            <a:r>
+              <a:rPr kumimoji="1" lang="ja-JP" altLang="en-US" dirty="0" smtClean="0"/>
+              <a:t>音楽に合わせて敵機が飛んでくる</a:t>
+            </a:r>
+            <a:endParaRPr kumimoji="1" lang="en-US" altLang="ja-JP" dirty="0" smtClean="0"/>
+          </a:p>
+          <a:p>
+            <a:r>
+              <a:rPr kumimoji="1" lang="ja-JP" altLang="en-US" dirty="0" smtClean="0"/>
+              <a:t>←</a:t>
+            </a:r>
+            <a:r>
+              <a:rPr kumimoji="1" lang="en-US" altLang="ja-JP" dirty="0" smtClean="0"/>
+              <a:t>, </a:t>
+            </a:r>
+            <a:r>
+              <a:rPr kumimoji="1" lang="ja-JP" altLang="en-US" dirty="0" smtClean="0"/>
+              <a:t>↑</a:t>
+            </a:r>
+            <a:r>
+              <a:rPr kumimoji="1" lang="en-US" altLang="ja-JP" dirty="0" smtClean="0"/>
+              <a:t>, </a:t>
+            </a:r>
+            <a:r>
+              <a:rPr kumimoji="1" lang="ja-JP" altLang="en-US" dirty="0" smtClean="0"/>
+              <a:t>→ キーで</a:t>
+            </a:r>
+            <a:r>
+              <a:rPr kumimoji="1" lang="en-US" altLang="ja-JP" dirty="0" smtClean="0"/>
+              <a:t>3</a:t>
+            </a:r>
+            <a:r>
+              <a:rPr kumimoji="1" lang="ja-JP" altLang="en-US" dirty="0" smtClean="0"/>
+              <a:t>方向を打つ（タイミングだけ）</a:t>
+            </a:r>
+            <a:endParaRPr kumimoji="1" lang="en-US" altLang="ja-JP" dirty="0" smtClean="0"/>
+          </a:p>
+          <a:p>
+            <a:r>
+              <a:rPr lang="ja-JP" altLang="en-US" dirty="0" smtClean="0"/>
+              <a:t>タイミング</a:t>
+            </a:r>
+            <a:r>
+              <a:rPr lang="ja-JP" altLang="en-US" dirty="0"/>
+              <a:t>ミス</a:t>
+            </a:r>
+            <a:r>
+              <a:rPr lang="ja-JP" altLang="en-US" dirty="0" err="1" smtClean="0"/>
+              <a:t>ると</a:t>
+            </a:r>
+            <a:r>
+              <a:rPr lang="ja-JP" altLang="en-US" dirty="0" smtClean="0"/>
+              <a:t>ダメージ</a:t>
+            </a:r>
+            <a:endParaRPr lang="en-US" altLang="ja-JP" dirty="0" smtClean="0"/>
+          </a:p>
+          <a:p>
+            <a:r>
+              <a:rPr kumimoji="1" lang="ja-JP" altLang="en-US" dirty="0"/>
+              <a:t>曲</a:t>
+            </a:r>
+            <a:r>
+              <a:rPr kumimoji="1" lang="ja-JP" altLang="en-US" dirty="0" smtClean="0"/>
+              <a:t>の</a:t>
+            </a:r>
+            <a:r>
+              <a:rPr kumimoji="1" lang="en-US" altLang="ja-JP" dirty="0" smtClean="0"/>
+              <a:t/>
+            </a:r>
+            <a:br>
+              <a:rPr kumimoji="1" lang="en-US" altLang="ja-JP" dirty="0" smtClean="0"/>
+            </a:br>
+            <a:r>
+              <a:rPr kumimoji="1" lang="ja-JP" altLang="en-US" dirty="0" smtClean="0"/>
+              <a:t>終わりまで</a:t>
+            </a:r>
+            <a:r>
+              <a:rPr kumimoji="1" lang="en-US" altLang="ja-JP" dirty="0" smtClean="0"/>
+              <a:t/>
+            </a:r>
+            <a:br>
+              <a:rPr kumimoji="1" lang="en-US" altLang="ja-JP" dirty="0" smtClean="0"/>
+            </a:br>
+            <a:r>
+              <a:rPr kumimoji="1" lang="ja-JP" altLang="en-US" smtClean="0"/>
+              <a:t>耐えるだけのゲーム</a:t>
+            </a:r>
+            <a:endParaRPr kumimoji="1" lang="ja-JP" altLang="en-US" dirty="0"/>
+          </a:p>
+        </p:txBody>
+      </p:sp>
+      <p:sp>
+        <p:nvSpPr>
+          <p:cNvPr id="3" name="タイトル 2"/>
+          <p:cNvSpPr>
+            <a:spLocks noGrp="1"/>
+          </p:cNvSpPr>
+          <p:nvPr>
+            <p:ph type="title"/>
+          </p:nvPr>
+        </p:nvSpPr>
+        <p:spPr/>
+        <p:txBody>
+          <a:bodyPr/>
+          <a:lstStyle/>
+          <a:p>
+            <a:r>
+              <a:rPr kumimoji="1" lang="ja-JP" altLang="en-US" dirty="0" smtClean="0"/>
+              <a:t>そろそろ何がやりたいか決める</a:t>
+            </a:r>
+            <a:endParaRPr kumimoji="1" lang="ja-JP" altLang="en-US" dirty="0"/>
+          </a:p>
+        </p:txBody>
+      </p:sp>
+      <p:pic>
+        <p:nvPicPr>
+          <p:cNvPr id="4" name="図 3"/>
+          <p:cNvPicPr>
+            <a:picLocks noChangeAspect="1"/>
+          </p:cNvPicPr>
+          <p:nvPr/>
+        </p:nvPicPr>
+        <p:blipFill>
+          <a:blip r:embed="rId2">
+            <a:extLst>
+              <a:ext uri="{28A0092B-C50C-407E-A947-70E740481C1C}">
+                <a14:useLocalDpi xmlns:a14="http://schemas.microsoft.com/office/drawing/2010/main" val="0"/>
+              </a:ext>
+            </a:extLst>
+          </a:blip>
+          <a:stretch>
+            <a:fillRect/>
+          </a:stretch>
+        </p:blipFill>
+        <p:spPr>
+          <a:xfrm rot="8100000">
+            <a:off x="2496467" y="3736481"/>
+            <a:ext cx="601465" cy="601465"/>
+          </a:xfrm>
+          <a:prstGeom prst="rect">
+            <a:avLst/>
+          </a:prstGeom>
+        </p:spPr>
+      </p:pic>
+      <p:pic>
+        <p:nvPicPr>
+          <p:cNvPr id="5" name="図 4"/>
+          <p:cNvPicPr>
+            <a:picLocks noChangeAspect="1"/>
+          </p:cNvPicPr>
+          <p:nvPr/>
+        </p:nvPicPr>
+        <p:blipFill rotWithShape="1">
+          <a:blip r:embed="rId3">
+            <a:extLst>
+              <a:ext uri="{28A0092B-C50C-407E-A947-70E740481C1C}">
+                <a14:useLocalDpi xmlns:a14="http://schemas.microsoft.com/office/drawing/2010/main" val="0"/>
+              </a:ext>
+            </a:extLst>
+          </a:blip>
+          <a:srcRect r="87511" b="66800"/>
+          <a:stretch/>
+        </p:blipFill>
+        <p:spPr>
+          <a:xfrm>
+            <a:off x="3732402" y="4829530"/>
+            <a:ext cx="1656184" cy="1764444"/>
+          </a:xfrm>
+          <a:prstGeom prst="rect">
+            <a:avLst/>
+          </a:prstGeom>
+        </p:spPr>
+      </p:pic>
+      <p:pic>
+        <p:nvPicPr>
+          <p:cNvPr id="6" name="図 5"/>
+          <p:cNvPicPr>
+            <a:picLocks noChangeAspect="1"/>
+          </p:cNvPicPr>
+          <p:nvPr/>
+        </p:nvPicPr>
+        <p:blipFill>
+          <a:blip r:embed="rId2">
+            <a:extLst>
+              <a:ext uri="{28A0092B-C50C-407E-A947-70E740481C1C}">
+                <a14:useLocalDpi xmlns:a14="http://schemas.microsoft.com/office/drawing/2010/main" val="0"/>
+              </a:ext>
+            </a:extLst>
+          </a:blip>
+          <a:stretch>
+            <a:fillRect/>
+          </a:stretch>
+        </p:blipFill>
+        <p:spPr>
+          <a:xfrm rot="13500000">
+            <a:off x="5828052" y="3736482"/>
+            <a:ext cx="601465" cy="601465"/>
+          </a:xfrm>
+          <a:prstGeom prst="rect">
+            <a:avLst/>
+          </a:prstGeom>
+        </p:spPr>
+      </p:pic>
+      <p:pic>
+        <p:nvPicPr>
+          <p:cNvPr id="7" name="図 6"/>
+          <p:cNvPicPr>
+            <a:picLocks noChangeAspect="1"/>
+          </p:cNvPicPr>
+          <p:nvPr/>
+        </p:nvPicPr>
+        <p:blipFill>
+          <a:blip r:embed="rId2">
+            <a:extLst>
+              <a:ext uri="{28A0092B-C50C-407E-A947-70E740481C1C}">
+                <a14:useLocalDpi xmlns:a14="http://schemas.microsoft.com/office/drawing/2010/main" val="0"/>
+              </a:ext>
+            </a:extLst>
+          </a:blip>
+          <a:stretch>
+            <a:fillRect/>
+          </a:stretch>
+        </p:blipFill>
+        <p:spPr>
+          <a:xfrm rot="10800000">
+            <a:off x="4272622" y="3481560"/>
+            <a:ext cx="601465" cy="601465"/>
+          </a:xfrm>
+          <a:prstGeom prst="rect">
+            <a:avLst/>
+          </a:prstGeom>
+        </p:spPr>
+      </p:pic>
+    </p:spTree>
+    <p:extLst>
+      <p:ext uri="{BB962C8B-B14F-4D97-AF65-F5344CB8AC3E}">
+        <p14:creationId xmlns:p14="http://schemas.microsoft.com/office/powerpoint/2010/main" val="1607517187"/>
       </p:ext>
     </p:extLst>
   </p:cSld>

--- a/GamePro/GameEngine/GamePro20150628.pptx
+++ b/GamePro/GameEngine/GamePro20150628.pptx
@@ -5,7 +5,7 @@
     <p:sldMasterId id="2147483660" r:id="rId1"/>
   </p:sldMasterIdLst>
   <p:notesMasterIdLst>
-    <p:notesMasterId r:id="rId22"/>
+    <p:notesMasterId r:id="rId26"/>
   </p:notesMasterIdLst>
   <p:sldIdLst>
     <p:sldId id="256" r:id="rId2"/>
@@ -18,16 +18,20 @@
     <p:sldId id="264" r:id="rId9"/>
     <p:sldId id="267" r:id="rId10"/>
     <p:sldId id="266" r:id="rId11"/>
-    <p:sldId id="269" r:id="rId12"/>
-    <p:sldId id="268" r:id="rId13"/>
-    <p:sldId id="270" r:id="rId14"/>
-    <p:sldId id="271" r:id="rId15"/>
-    <p:sldId id="272" r:id="rId16"/>
-    <p:sldId id="273" r:id="rId17"/>
-    <p:sldId id="265" r:id="rId18"/>
-    <p:sldId id="274" r:id="rId19"/>
-    <p:sldId id="276" r:id="rId20"/>
-    <p:sldId id="277" r:id="rId21"/>
+    <p:sldId id="278" r:id="rId12"/>
+    <p:sldId id="269" r:id="rId13"/>
+    <p:sldId id="268" r:id="rId14"/>
+    <p:sldId id="270" r:id="rId15"/>
+    <p:sldId id="271" r:id="rId16"/>
+    <p:sldId id="272" r:id="rId17"/>
+    <p:sldId id="279" r:id="rId18"/>
+    <p:sldId id="280" r:id="rId19"/>
+    <p:sldId id="273" r:id="rId20"/>
+    <p:sldId id="265" r:id="rId21"/>
+    <p:sldId id="274" r:id="rId22"/>
+    <p:sldId id="276" r:id="rId23"/>
+    <p:sldId id="277" r:id="rId24"/>
+    <p:sldId id="281" r:id="rId25"/>
   </p:sldIdLst>
   <p:sldSz cx="9144000" cy="6858000" type="screen4x3"/>
   <p:notesSz cx="6858000" cy="9144000"/>
@@ -141,16 +145,20 @@
             <p14:sldId id="264"/>
             <p14:sldId id="267"/>
             <p14:sldId id="266"/>
+            <p14:sldId id="278"/>
             <p14:sldId id="269"/>
             <p14:sldId id="268"/>
             <p14:sldId id="270"/>
             <p14:sldId id="271"/>
             <p14:sldId id="272"/>
+            <p14:sldId id="279"/>
+            <p14:sldId id="280"/>
             <p14:sldId id="273"/>
             <p14:sldId id="265"/>
             <p14:sldId id="274"/>
             <p14:sldId id="276"/>
             <p14:sldId id="277"/>
+            <p14:sldId id="281"/>
           </p14:sldIdLst>
         </p14:section>
       </p14:sectionLst>
@@ -255,7 +263,7 @@
           <a:p>
             <a:fld id="{928E9CEE-D4D7-BA40-B1A9-1FF5AAC5A8EE}" type="datetimeFigureOut">
               <a:rPr kumimoji="1" lang="ja-JP" altLang="en-US" smtClean="0"/>
-              <a:t>2015/6/28</a:t>
+              <a:t>2015/6/29</a:t>
             </a:fld>
             <a:endParaRPr kumimoji="1" lang="ja-JP" altLang="en-US"/>
           </a:p>
@@ -955,10 +963,6 @@
           <a:bodyPr/>
           <a:lstStyle/>
           <a:p>
-            <a:r>
-              <a:rPr kumimoji="1" lang="en-US" altLang="ja-JP" dirty="0" smtClean="0"/>
-              <a:t>http://www.spriters-resource.com/arcade/xevious/sheet/42387/</a:t>
-            </a:r>
             <a:endParaRPr kumimoji="1" lang="ja-JP" altLang="en-US" dirty="0"/>
           </a:p>
         </p:txBody>
@@ -989,7 +993,7 @@
     </p:spTree>
     <p:extLst>
       <p:ext uri="{BB962C8B-B14F-4D97-AF65-F5344CB8AC3E}">
-        <p14:creationId xmlns:p14="http://schemas.microsoft.com/office/powerpoint/2010/main" val="4089886"/>
+        <p14:creationId xmlns:p14="http://schemas.microsoft.com/office/powerpoint/2010/main" val="4132172217"/>
       </p:ext>
     </p:extLst>
   </p:cSld>
@@ -1064,7 +1068,179 @@
           <a:p>
             <a:fld id="{E03FE885-361D-0544-AA0D-DDF147C9C156}" type="slidenum">
               <a:rPr kumimoji="1" lang="ja-JP" altLang="en-US" smtClean="0"/>
-              <a:t>19</a:t>
+              <a:t>18</a:t>
+            </a:fld>
+            <a:endParaRPr kumimoji="1" lang="ja-JP" altLang="en-US"/>
+          </a:p>
+        </p:txBody>
+      </p:sp>
+    </p:spTree>
+    <p:extLst>
+      <p:ext uri="{BB962C8B-B14F-4D97-AF65-F5344CB8AC3E}">
+        <p14:creationId xmlns:p14="http://schemas.microsoft.com/office/powerpoint/2010/main" val="3485710953"/>
+      </p:ext>
+    </p:extLst>
+  </p:cSld>
+  <p:clrMapOvr>
+    <a:masterClrMapping/>
+  </p:clrMapOvr>
+</p:notes>
+</file>
+
+<file path=ppt/notesSlides/notesSlide7.xml><?xml version="1.0" encoding="utf-8"?>
+<p:notes xmlns:a="http://schemas.openxmlformats.org/drawingml/2006/main" xmlns:r="http://schemas.openxmlformats.org/officeDocument/2006/relationships" xmlns:p="http://schemas.openxmlformats.org/presentationml/2006/main">
+  <p:cSld>
+    <p:spTree>
+      <p:nvGrpSpPr>
+        <p:cNvPr id="1" name=""/>
+        <p:cNvGrpSpPr/>
+        <p:nvPr/>
+      </p:nvGrpSpPr>
+      <p:grpSpPr>
+        <a:xfrm>
+          <a:off x="0" y="0"/>
+          <a:ext cx="0" cy="0"/>
+          <a:chOff x="0" y="0"/>
+          <a:chExt cx="0" cy="0"/>
+        </a:xfrm>
+      </p:grpSpPr>
+      <p:sp>
+        <p:nvSpPr>
+          <p:cNvPr id="2" name="スライド イメージ プレースホルダー 1"/>
+          <p:cNvSpPr>
+            <a:spLocks noGrp="1" noRot="1" noChangeAspect="1"/>
+          </p:cNvSpPr>
+          <p:nvPr>
+            <p:ph type="sldImg"/>
+          </p:nvPr>
+        </p:nvSpPr>
+        <p:spPr/>
+      </p:sp>
+      <p:sp>
+        <p:nvSpPr>
+          <p:cNvPr id="3" name="ノート プレースホルダー 2"/>
+          <p:cNvSpPr>
+            <a:spLocks noGrp="1"/>
+          </p:cNvSpPr>
+          <p:nvPr>
+            <p:ph type="body" idx="1"/>
+          </p:nvPr>
+        </p:nvSpPr>
+        <p:spPr/>
+        <p:txBody>
+          <a:bodyPr/>
+          <a:lstStyle/>
+          <a:p>
+            <a:r>
+              <a:rPr kumimoji="1" lang="en-US" altLang="ja-JP" dirty="0" smtClean="0"/>
+              <a:t>http://www.spriters-resource.com/arcade/xevious/sheet/42387/</a:t>
+            </a:r>
+            <a:endParaRPr kumimoji="1" lang="ja-JP" altLang="en-US" dirty="0"/>
+          </a:p>
+        </p:txBody>
+      </p:sp>
+      <p:sp>
+        <p:nvSpPr>
+          <p:cNvPr id="4" name="スライド番号プレースホルダー 3"/>
+          <p:cNvSpPr>
+            <a:spLocks noGrp="1"/>
+          </p:cNvSpPr>
+          <p:nvPr>
+            <p:ph type="sldNum" sz="quarter" idx="10"/>
+          </p:nvPr>
+        </p:nvSpPr>
+        <p:spPr/>
+        <p:txBody>
+          <a:bodyPr/>
+          <a:lstStyle/>
+          <a:p>
+            <a:fld id="{E03FE885-361D-0544-AA0D-DDF147C9C156}" type="slidenum">
+              <a:rPr kumimoji="1" lang="ja-JP" altLang="en-US" smtClean="0"/>
+              <a:t>20</a:t>
+            </a:fld>
+            <a:endParaRPr kumimoji="1" lang="ja-JP" altLang="en-US"/>
+          </a:p>
+        </p:txBody>
+      </p:sp>
+    </p:spTree>
+    <p:extLst>
+      <p:ext uri="{BB962C8B-B14F-4D97-AF65-F5344CB8AC3E}">
+        <p14:creationId xmlns:p14="http://schemas.microsoft.com/office/powerpoint/2010/main" val="4089886"/>
+      </p:ext>
+    </p:extLst>
+  </p:cSld>
+  <p:clrMapOvr>
+    <a:masterClrMapping/>
+  </p:clrMapOvr>
+</p:notes>
+</file>
+
+<file path=ppt/notesSlides/notesSlide8.xml><?xml version="1.0" encoding="utf-8"?>
+<p:notes xmlns:a="http://schemas.openxmlformats.org/drawingml/2006/main" xmlns:r="http://schemas.openxmlformats.org/officeDocument/2006/relationships" xmlns:p="http://schemas.openxmlformats.org/presentationml/2006/main">
+  <p:cSld>
+    <p:spTree>
+      <p:nvGrpSpPr>
+        <p:cNvPr id="1" name=""/>
+        <p:cNvGrpSpPr/>
+        <p:nvPr/>
+      </p:nvGrpSpPr>
+      <p:grpSpPr>
+        <a:xfrm>
+          <a:off x="0" y="0"/>
+          <a:ext cx="0" cy="0"/>
+          <a:chOff x="0" y="0"/>
+          <a:chExt cx="0" cy="0"/>
+        </a:xfrm>
+      </p:grpSpPr>
+      <p:sp>
+        <p:nvSpPr>
+          <p:cNvPr id="2" name="スライド イメージ プレースホルダー 1"/>
+          <p:cNvSpPr>
+            <a:spLocks noGrp="1" noRot="1" noChangeAspect="1"/>
+          </p:cNvSpPr>
+          <p:nvPr>
+            <p:ph type="sldImg"/>
+          </p:nvPr>
+        </p:nvSpPr>
+        <p:spPr/>
+      </p:sp>
+      <p:sp>
+        <p:nvSpPr>
+          <p:cNvPr id="3" name="ノート プレースホルダー 2"/>
+          <p:cNvSpPr>
+            <a:spLocks noGrp="1"/>
+          </p:cNvSpPr>
+          <p:nvPr>
+            <p:ph type="body" idx="1"/>
+          </p:nvPr>
+        </p:nvSpPr>
+        <p:spPr/>
+        <p:txBody>
+          <a:bodyPr/>
+          <a:lstStyle/>
+          <a:p>
+            <a:endParaRPr kumimoji="1" lang="ja-JP" altLang="en-US" dirty="0"/>
+          </a:p>
+        </p:txBody>
+      </p:sp>
+      <p:sp>
+        <p:nvSpPr>
+          <p:cNvPr id="4" name="スライド番号プレースホルダー 3"/>
+          <p:cNvSpPr>
+            <a:spLocks noGrp="1"/>
+          </p:cNvSpPr>
+          <p:nvPr>
+            <p:ph type="sldNum" sz="quarter" idx="10"/>
+          </p:nvPr>
+        </p:nvSpPr>
+        <p:spPr/>
+        <p:txBody>
+          <a:bodyPr/>
+          <a:lstStyle/>
+          <a:p>
+            <a:fld id="{E03FE885-361D-0544-AA0D-DDF147C9C156}" type="slidenum">
+              <a:rPr kumimoji="1" lang="ja-JP" altLang="en-US" smtClean="0"/>
+              <a:t>22</a:t>
             </a:fld>
             <a:endParaRPr kumimoji="1" lang="ja-JP" altLang="en-US"/>
           </a:p>
@@ -2900,7 +3076,7 @@
           <a:p>
             <a:fld id="{778836B9-35F6-4ABB-8A4C-88BA7CCD9FB3}" type="datetimeFigureOut">
               <a:rPr kumimoji="1" lang="ja-JP" altLang="en-US" smtClean="0"/>
-              <a:t>2015/6/28</a:t>
+              <a:t>2015/6/29</a:t>
             </a:fld>
             <a:endParaRPr kumimoji="1" lang="ja-JP" altLang="en-US"/>
           </a:p>
@@ -3374,7 +3550,7 @@
           <a:p>
             <a:fld id="{778836B9-35F6-4ABB-8A4C-88BA7CCD9FB3}" type="datetimeFigureOut">
               <a:rPr kumimoji="1" lang="ja-JP" altLang="en-US" smtClean="0"/>
-              <a:t>2015/6/28</a:t>
+              <a:t>2015/6/29</a:t>
             </a:fld>
             <a:endParaRPr kumimoji="1" lang="ja-JP" altLang="en-US"/>
           </a:p>
@@ -3525,7 +3701,7 @@
           <a:p>
             <a:fld id="{778836B9-35F6-4ABB-8A4C-88BA7CCD9FB3}" type="datetimeFigureOut">
               <a:rPr kumimoji="1" lang="ja-JP" altLang="en-US" smtClean="0"/>
-              <a:t>2015/6/28</a:t>
+              <a:t>2015/6/29</a:t>
             </a:fld>
             <a:endParaRPr kumimoji="1" lang="ja-JP" altLang="en-US"/>
           </a:p>
@@ -5415,7 +5591,7 @@
           <a:p>
             <a:fld id="{778836B9-35F6-4ABB-8A4C-88BA7CCD9FB3}" type="datetimeFigureOut">
               <a:rPr kumimoji="1" lang="ja-JP" altLang="en-US" smtClean="0"/>
-              <a:t>2015/6/28</a:t>
+              <a:t>2015/6/29</a:t>
             </a:fld>
             <a:endParaRPr kumimoji="1" lang="ja-JP" altLang="en-US"/>
           </a:p>
@@ -7285,7 +7461,7 @@
           <a:p>
             <a:fld id="{778836B9-35F6-4ABB-8A4C-88BA7CCD9FB3}" type="datetimeFigureOut">
               <a:rPr kumimoji="1" lang="ja-JP" altLang="en-US" smtClean="0"/>
-              <a:t>2015/6/28</a:t>
+              <a:t>2015/6/29</a:t>
             </a:fld>
             <a:endParaRPr kumimoji="1" lang="ja-JP" altLang="en-US"/>
           </a:p>
@@ -7398,7 +7574,7 @@
           <a:p>
             <a:fld id="{778836B9-35F6-4ABB-8A4C-88BA7CCD9FB3}" type="datetimeFigureOut">
               <a:rPr kumimoji="1" lang="ja-JP" altLang="en-US" smtClean="0"/>
-              <a:t>2015/6/28</a:t>
+              <a:t>2015/6/29</a:t>
             </a:fld>
             <a:endParaRPr kumimoji="1" lang="ja-JP" altLang="en-US"/>
           </a:p>
@@ -8067,7 +8243,7 @@
           <a:p>
             <a:fld id="{778836B9-35F6-4ABB-8A4C-88BA7CCD9FB3}" type="datetimeFigureOut">
               <a:rPr kumimoji="1" lang="ja-JP" altLang="en-US" smtClean="0"/>
-              <a:t>2015/6/28</a:t>
+              <a:t>2015/6/29</a:t>
             </a:fld>
             <a:endParaRPr kumimoji="1" lang="ja-JP" altLang="en-US"/>
           </a:p>
@@ -8180,7 +8356,7 @@
           <a:p>
             <a:fld id="{778836B9-35F6-4ABB-8A4C-88BA7CCD9FB3}" type="datetimeFigureOut">
               <a:rPr kumimoji="1" lang="ja-JP" altLang="en-US" smtClean="0"/>
-              <a:t>2015/6/28</a:t>
+              <a:t>2015/6/29</a:t>
             </a:fld>
             <a:endParaRPr kumimoji="1" lang="ja-JP" altLang="en-US"/>
           </a:p>
@@ -9891,7 +10067,7 @@
           <a:p>
             <a:fld id="{778836B9-35F6-4ABB-8A4C-88BA7CCD9FB3}" type="datetimeFigureOut">
               <a:rPr kumimoji="1" lang="ja-JP" altLang="en-US" smtClean="0"/>
-              <a:t>2015/6/28</a:t>
+              <a:t>2015/6/29</a:t>
             </a:fld>
             <a:endParaRPr kumimoji="1" lang="ja-JP" altLang="en-US"/>
           </a:p>
@@ -10042,7 +10218,7 @@
           <a:p>
             <a:fld id="{778836B9-35F6-4ABB-8A4C-88BA7CCD9FB3}" type="datetimeFigureOut">
               <a:rPr kumimoji="1" lang="ja-JP" altLang="en-US" smtClean="0"/>
-              <a:t>2015/6/28</a:t>
+              <a:t>2015/6/29</a:t>
             </a:fld>
             <a:endParaRPr kumimoji="1" lang="ja-JP" altLang="en-US"/>
           </a:p>
@@ -13689,7 +13865,7 @@
           <a:p>
             <a:fld id="{778836B9-35F6-4ABB-8A4C-88BA7CCD9FB3}" type="datetimeFigureOut">
               <a:rPr kumimoji="1" lang="ja-JP" altLang="en-US" smtClean="0"/>
-              <a:t>2015/6/28</a:t>
+              <a:t>2015/6/29</a:t>
             </a:fld>
             <a:endParaRPr kumimoji="1" lang="ja-JP" altLang="en-US"/>
           </a:p>
@@ -15555,7 +15731,7 @@
           <a:p>
             <a:fld id="{778836B9-35F6-4ABB-8A4C-88BA7CCD9FB3}" type="datetimeFigureOut">
               <a:rPr kumimoji="1" lang="ja-JP" altLang="en-US" smtClean="0"/>
-              <a:t>2015/6/28</a:t>
+              <a:t>2015/6/29</a:t>
             </a:fld>
             <a:endParaRPr kumimoji="1" lang="ja-JP" altLang="en-US"/>
           </a:p>
@@ -16594,10 +16770,116 @@
   <p:clrMapOvr>
     <a:masterClrMapping/>
   </p:clrMapOvr>
+  <p:timing>
+    <p:tnLst>
+      <p:par>
+        <p:cTn id="1" dur="indefinite" restart="never" nodeType="tmRoot"/>
+      </p:par>
+    </p:tnLst>
+  </p:timing>
 </p:sld>
 </file>
 
 <file path=ppt/slides/slide11.xml><?xml version="1.0" encoding="utf-8"?>
+<p:sld xmlns:a="http://schemas.openxmlformats.org/drawingml/2006/main" xmlns:r="http://schemas.openxmlformats.org/officeDocument/2006/relationships" xmlns:p="http://schemas.openxmlformats.org/presentationml/2006/main">
+  <p:cSld>
+    <p:spTree>
+      <p:nvGrpSpPr>
+        <p:cNvPr id="1" name=""/>
+        <p:cNvGrpSpPr/>
+        <p:nvPr/>
+      </p:nvGrpSpPr>
+      <p:grpSpPr>
+        <a:xfrm>
+          <a:off x="0" y="0"/>
+          <a:ext cx="0" cy="0"/>
+          <a:chOff x="0" y="0"/>
+          <a:chExt cx="0" cy="0"/>
+        </a:xfrm>
+      </p:grpSpPr>
+      <p:sp>
+        <p:nvSpPr>
+          <p:cNvPr id="2" name="コンテンツ プレースホルダー 1"/>
+          <p:cNvSpPr>
+            <a:spLocks noGrp="1"/>
+          </p:cNvSpPr>
+          <p:nvPr>
+            <p:ph idx="1"/>
+          </p:nvPr>
+        </p:nvSpPr>
+        <p:spPr/>
+        <p:txBody>
+          <a:bodyPr/>
+          <a:lstStyle/>
+          <a:p>
+            <a:endParaRPr kumimoji="1" lang="ja-JP" altLang="en-US"/>
+          </a:p>
+        </p:txBody>
+      </p:sp>
+      <p:sp>
+        <p:nvSpPr>
+          <p:cNvPr id="3" name="タイトル 2"/>
+          <p:cNvSpPr>
+            <a:spLocks noGrp="1"/>
+          </p:cNvSpPr>
+          <p:nvPr>
+            <p:ph type="title"/>
+          </p:nvPr>
+        </p:nvSpPr>
+        <p:spPr/>
+        <p:txBody>
+          <a:bodyPr/>
+          <a:lstStyle/>
+          <a:p>
+            <a:endParaRPr kumimoji="1" lang="ja-JP" altLang="en-US"/>
+          </a:p>
+        </p:txBody>
+      </p:sp>
+      <p:pic>
+        <p:nvPicPr>
+          <p:cNvPr id="4" name="図 3"/>
+          <p:cNvPicPr>
+            <a:picLocks noChangeAspect="1"/>
+          </p:cNvPicPr>
+          <p:nvPr/>
+        </p:nvPicPr>
+        <p:blipFill>
+          <a:blip r:embed="rId2"/>
+          <a:stretch>
+            <a:fillRect/>
+          </a:stretch>
+        </p:blipFill>
+        <p:spPr>
+          <a:xfrm>
+            <a:off x="109905" y="0"/>
+            <a:ext cx="8857899" cy="6572225"/>
+          </a:xfrm>
+          <a:prstGeom prst="rect">
+            <a:avLst/>
+          </a:prstGeom>
+        </p:spPr>
+      </p:pic>
+    </p:spTree>
+    <p:extLst>
+      <p:ext uri="{BB962C8B-B14F-4D97-AF65-F5344CB8AC3E}">
+        <p14:creationId xmlns:p14="http://schemas.microsoft.com/office/powerpoint/2010/main" val="2649955686"/>
+      </p:ext>
+    </p:extLst>
+  </p:cSld>
+  <p:clrMapOvr>
+    <a:masterClrMapping/>
+  </p:clrMapOvr>
+  <p:timing>
+    <p:tnLst>
+      <p:par>
+        <p:cTn id="1" dur="indefinite" restart="never" nodeType="tmRoot"/>
+      </p:par>
+    </p:tnLst>
+  </p:timing>
+</p:sld>
+</file>
+
+<file path=ppt/slides/slide12.xml><?xml version="1.0" encoding="utf-8"?>
 <p:sld xmlns:a="http://schemas.openxmlformats.org/drawingml/2006/main" xmlns:r="http://schemas.openxmlformats.org/officeDocument/2006/relationships" xmlns:p="http://schemas.openxmlformats.org/presentationml/2006/main">
   <p:cSld>
     <p:spTree>
@@ -16631,7 +16913,9 @@
           </a:xfrm>
         </p:spPr>
         <p:txBody>
-          <a:bodyPr/>
+          <a:bodyPr>
+            <a:normAutofit/>
+          </a:bodyPr>
           <a:lstStyle/>
           <a:p>
             <a:r>
@@ -16685,10 +16969,10 @@
             <a:endParaRPr lang="en-US" altLang="ja-JP" dirty="0" smtClean="0"/>
           </a:p>
           <a:p>
+            <a:endParaRPr lang="en-US" altLang="ja-JP" dirty="0" smtClean="0"/>
+          </a:p>
+          <a:p>
             <a:endParaRPr lang="en-US" altLang="ja-JP" dirty="0"/>
-          </a:p>
-          <a:p>
-            <a:endParaRPr lang="en-US" altLang="ja-JP" dirty="0" smtClean="0"/>
           </a:p>
           <a:p>
             <a:endParaRPr lang="en-US" altLang="ja-JP" dirty="0"/>
@@ -16776,10 +17060,17 @@
   <p:clrMapOvr>
     <a:masterClrMapping/>
   </p:clrMapOvr>
+  <p:timing>
+    <p:tnLst>
+      <p:par>
+        <p:cTn id="1" dur="indefinite" restart="never" nodeType="tmRoot"/>
+      </p:par>
+    </p:tnLst>
+  </p:timing>
 </p:sld>
 </file>
 
-<file path=ppt/slides/slide12.xml><?xml version="1.0" encoding="utf-8"?>
+<file path=ppt/slides/slide13.xml><?xml version="1.0" encoding="utf-8"?>
 <p:sld xmlns:a="http://schemas.openxmlformats.org/drawingml/2006/main" xmlns:r="http://schemas.openxmlformats.org/officeDocument/2006/relationships" xmlns:p="http://schemas.openxmlformats.org/presentationml/2006/main">
   <p:cSld>
     <p:spTree>
@@ -17083,10 +17374,17 @@
   <p:clrMapOvr>
     <a:masterClrMapping/>
   </p:clrMapOvr>
+  <p:timing>
+    <p:tnLst>
+      <p:par>
+        <p:cTn id="1" dur="indefinite" restart="never" nodeType="tmRoot"/>
+      </p:par>
+    </p:tnLst>
+  </p:timing>
 </p:sld>
 </file>
 
-<file path=ppt/slides/slide13.xml><?xml version="1.0" encoding="utf-8"?>
+<file path=ppt/slides/slide14.xml><?xml version="1.0" encoding="utf-8"?>
 <p:sld xmlns:a="http://schemas.openxmlformats.org/drawingml/2006/main" xmlns:r="http://schemas.openxmlformats.org/officeDocument/2006/relationships" xmlns:p="http://schemas.openxmlformats.org/presentationml/2006/main">
   <p:cSld>
     <p:spTree>
@@ -17277,10 +17575,17 @@
   <p:clrMapOvr>
     <a:masterClrMapping/>
   </p:clrMapOvr>
+  <p:timing>
+    <p:tnLst>
+      <p:par>
+        <p:cTn id="1" dur="indefinite" restart="never" nodeType="tmRoot"/>
+      </p:par>
+    </p:tnLst>
+  </p:timing>
 </p:sld>
 </file>
 
-<file path=ppt/slides/slide14.xml><?xml version="1.0" encoding="utf-8"?>
+<file path=ppt/slides/slide15.xml><?xml version="1.0" encoding="utf-8"?>
 <p:sld xmlns:a="http://schemas.openxmlformats.org/drawingml/2006/main" xmlns:r="http://schemas.openxmlformats.org/officeDocument/2006/relationships" xmlns:p="http://schemas.openxmlformats.org/presentationml/2006/main">
   <p:cSld>
     <p:spTree>
@@ -17623,7 +17928,7 @@
 </p:sld>
 </file>
 
-<file path=ppt/slides/slide15.xml><?xml version="1.0" encoding="utf-8"?>
+<file path=ppt/slides/slide16.xml><?xml version="1.0" encoding="utf-8"?>
 <p:sld xmlns:a="http://schemas.openxmlformats.org/drawingml/2006/main" xmlns:r="http://schemas.openxmlformats.org/officeDocument/2006/relationships" xmlns:p="http://schemas.openxmlformats.org/presentationml/2006/main">
   <p:cSld>
     <p:spTree>
@@ -17815,10 +18120,240 @@
   <p:clrMapOvr>
     <a:masterClrMapping/>
   </p:clrMapOvr>
+  <p:timing>
+    <p:tnLst>
+      <p:par>
+        <p:cTn id="1" dur="indefinite" restart="never" nodeType="tmRoot"/>
+      </p:par>
+    </p:tnLst>
+  </p:timing>
 </p:sld>
 </file>
 
-<file path=ppt/slides/slide16.xml><?xml version="1.0" encoding="utf-8"?>
+<file path=ppt/slides/slide17.xml><?xml version="1.0" encoding="utf-8"?>
+<p:sld xmlns:a="http://schemas.openxmlformats.org/drawingml/2006/main" xmlns:r="http://schemas.openxmlformats.org/officeDocument/2006/relationships" xmlns:p="http://schemas.openxmlformats.org/presentationml/2006/main">
+  <p:cSld>
+    <p:spTree>
+      <p:nvGrpSpPr>
+        <p:cNvPr id="1" name=""/>
+        <p:cNvGrpSpPr/>
+        <p:nvPr/>
+      </p:nvGrpSpPr>
+      <p:grpSpPr>
+        <a:xfrm>
+          <a:off x="0" y="0"/>
+          <a:ext cx="0" cy="0"/>
+          <a:chOff x="0" y="0"/>
+          <a:chExt cx="0" cy="0"/>
+        </a:xfrm>
+      </p:grpSpPr>
+      <p:pic>
+        <p:nvPicPr>
+          <p:cNvPr id="4" name="図 3"/>
+          <p:cNvPicPr>
+            <a:picLocks noChangeAspect="1"/>
+          </p:cNvPicPr>
+          <p:nvPr/>
+        </p:nvPicPr>
+        <p:blipFill>
+          <a:blip r:embed="rId3"/>
+          <a:stretch>
+            <a:fillRect/>
+          </a:stretch>
+        </p:blipFill>
+        <p:spPr>
+          <a:xfrm>
+            <a:off x="4644008" y="1181694"/>
+            <a:ext cx="4473090" cy="4191522"/>
+          </a:xfrm>
+          <a:prstGeom prst="rect">
+            <a:avLst/>
+          </a:prstGeom>
+        </p:spPr>
+      </p:pic>
+      <p:sp>
+        <p:nvSpPr>
+          <p:cNvPr id="2" name="コンテンツ プレースホルダー 1"/>
+          <p:cNvSpPr>
+            <a:spLocks noGrp="1"/>
+          </p:cNvSpPr>
+          <p:nvPr>
+            <p:ph idx="1"/>
+          </p:nvPr>
+        </p:nvSpPr>
+        <p:spPr/>
+        <p:txBody>
+          <a:bodyPr/>
+          <a:lstStyle/>
+          <a:p>
+            <a:r>
+              <a:rPr kumimoji="1" lang="ja-JP" altLang="en-US" dirty="0" smtClean="0"/>
+              <a:t>キーが押されたら</a:t>
+            </a:r>
+            <a:r>
+              <a:rPr kumimoji="1" lang="en-US" altLang="ja-JP" dirty="0" smtClean="0"/>
+              <a:t>2</a:t>
+            </a:r>
+            <a:r>
+              <a:rPr kumimoji="1" lang="ja-JP" altLang="en-US" dirty="0" smtClean="0"/>
+              <a:t>つ目のスプライトを表示する</a:t>
+            </a:r>
+            <a:endParaRPr kumimoji="1" lang="en-US" altLang="ja-JP" dirty="0" smtClean="0"/>
+          </a:p>
+          <a:p>
+            <a:r>
+              <a:rPr kumimoji="1" lang="en-US" altLang="ja-JP" dirty="0" err="1" smtClean="0"/>
+              <a:t>CreateThis.Classh</a:t>
+            </a:r>
+            <a:r>
+              <a:rPr kumimoji="1" lang="ja-JP" altLang="en-US" dirty="0" smtClean="0"/>
+              <a:t>に</a:t>
+            </a:r>
+            <a:r>
+              <a:rPr kumimoji="1" lang="en-US" altLang="ja-JP" dirty="0" smtClean="0"/>
+              <a:t/>
+            </a:r>
+            <a:br>
+              <a:rPr kumimoji="1" lang="en-US" altLang="ja-JP" dirty="0" smtClean="0"/>
+            </a:br>
+            <a:r>
+              <a:rPr kumimoji="1" lang="en-US" altLang="ja-JP" dirty="0" smtClean="0"/>
+              <a:t>Texture Manager</a:t>
+            </a:r>
+            <a:br>
+              <a:rPr kumimoji="1" lang="en-US" altLang="ja-JP" dirty="0" smtClean="0"/>
+            </a:br>
+            <a:r>
+              <a:rPr kumimoji="1" lang="en-US" altLang="ja-JP" dirty="0" smtClean="0"/>
+              <a:t>              </a:t>
+            </a:r>
+            <a:r>
+              <a:rPr kumimoji="1" lang="en-US" altLang="ja-JP" dirty="0" err="1" smtClean="0"/>
+              <a:t>heeTexture</a:t>
+            </a:r>
+            <a:r>
+              <a:rPr kumimoji="1" lang="en-US" altLang="ja-JP" dirty="0" smtClean="0"/>
+              <a:t>;</a:t>
+            </a:r>
+            <a:br>
+              <a:rPr kumimoji="1" lang="en-US" altLang="ja-JP" dirty="0" smtClean="0"/>
+            </a:br>
+            <a:r>
+              <a:rPr kumimoji="1" lang="en-US" altLang="ja-JP" dirty="0" smtClean="0"/>
+              <a:t>Image  </a:t>
+            </a:r>
+            <a:r>
+              <a:rPr kumimoji="1" lang="en-US" altLang="ja-JP" dirty="0" err="1" smtClean="0"/>
+              <a:t>hee</a:t>
+            </a:r>
+            <a:r>
+              <a:rPr kumimoji="1" lang="en-US" altLang="ja-JP" dirty="0" smtClean="0"/>
+              <a:t>;</a:t>
+            </a:r>
+            <a:br>
+              <a:rPr kumimoji="1" lang="en-US" altLang="ja-JP" dirty="0" smtClean="0"/>
+            </a:br>
+            <a:r>
+              <a:rPr kumimoji="1" lang="ja-JP" altLang="en-US" dirty="0" smtClean="0"/>
+              <a:t>を追加</a:t>
+            </a:r>
+            <a:endParaRPr kumimoji="1" lang="en-US" altLang="ja-JP" dirty="0" smtClean="0"/>
+          </a:p>
+          <a:p>
+            <a:r>
+              <a:rPr kumimoji="1" lang="ja-JP" altLang="en-US" dirty="0" smtClean="0"/>
+              <a:t>「へぇ画像」を用意</a:t>
+            </a:r>
+            <a:endParaRPr kumimoji="1" lang="en-US" altLang="ja-JP" dirty="0" smtClean="0"/>
+          </a:p>
+          <a:p>
+            <a:r>
+              <a:rPr kumimoji="1" lang="en-US" altLang="ja-JP" dirty="0" err="1" smtClean="0"/>
+              <a:t>Constants.h</a:t>
+            </a:r>
+            <a:r>
+              <a:rPr kumimoji="1" lang="ja-JP" altLang="en-US" dirty="0" smtClean="0"/>
+              <a:t>に</a:t>
+            </a:r>
+            <a:r>
+              <a:rPr kumimoji="1" lang="en-US" altLang="ja-JP" dirty="0" smtClean="0"/>
+              <a:t>HEE_IMAGE</a:t>
+            </a:r>
+            <a:r>
+              <a:rPr kumimoji="1" lang="ja-JP" altLang="en-US" dirty="0" smtClean="0"/>
+              <a:t>追加</a:t>
+            </a:r>
+            <a:endParaRPr kumimoji="1" lang="ja-JP" altLang="en-US" dirty="0"/>
+          </a:p>
+        </p:txBody>
+      </p:sp>
+      <p:sp>
+        <p:nvSpPr>
+          <p:cNvPr id="3" name="タイトル 2"/>
+          <p:cNvSpPr>
+            <a:spLocks noGrp="1"/>
+          </p:cNvSpPr>
+          <p:nvPr>
+            <p:ph type="title"/>
+          </p:nvPr>
+        </p:nvSpPr>
+        <p:spPr/>
+        <p:txBody>
+          <a:bodyPr/>
+          <a:lstStyle/>
+          <a:p>
+            <a:r>
+              <a:rPr kumimoji="1" lang="ja-JP" altLang="en-US" dirty="0" smtClean="0"/>
+              <a:t>へぇボタン的なものを作る</a:t>
+            </a:r>
+            <a:endParaRPr kumimoji="1" lang="ja-JP" altLang="en-US" dirty="0"/>
+          </a:p>
+        </p:txBody>
+      </p:sp>
+      <p:pic>
+        <p:nvPicPr>
+          <p:cNvPr id="5" name="図 4"/>
+          <p:cNvPicPr>
+            <a:picLocks noChangeAspect="1"/>
+          </p:cNvPicPr>
+          <p:nvPr/>
+        </p:nvPicPr>
+        <p:blipFill rotWithShape="1">
+          <a:blip r:embed="rId4"/>
+          <a:srcRect t="44092"/>
+          <a:stretch/>
+        </p:blipFill>
+        <p:spPr>
+          <a:xfrm>
+            <a:off x="946060" y="5515740"/>
+            <a:ext cx="8080010" cy="1095243"/>
+          </a:xfrm>
+          <a:prstGeom prst="rect">
+            <a:avLst/>
+          </a:prstGeom>
+        </p:spPr>
+      </p:pic>
+    </p:spTree>
+    <p:extLst>
+      <p:ext uri="{BB962C8B-B14F-4D97-AF65-F5344CB8AC3E}">
+        <p14:creationId xmlns:p14="http://schemas.microsoft.com/office/powerpoint/2010/main" val="3953826092"/>
+      </p:ext>
+    </p:extLst>
+  </p:cSld>
+  <p:clrMapOvr>
+    <a:masterClrMapping/>
+  </p:clrMapOvr>
+  <p:timing>
+    <p:tnLst>
+      <p:par>
+        <p:cTn id="1" dur="indefinite" restart="never" nodeType="tmRoot"/>
+      </p:par>
+    </p:tnLst>
+  </p:timing>
+</p:sld>
+</file>
+
+<file path=ppt/slides/slide18.xml><?xml version="1.0" encoding="utf-8"?>
 <p:sld xmlns:a="http://schemas.openxmlformats.org/drawingml/2006/main" xmlns:r="http://schemas.openxmlformats.org/officeDocument/2006/relationships" xmlns:p="http://schemas.openxmlformats.org/presentationml/2006/main">
   <p:cSld>
     <p:spTree>
@@ -17851,45 +18386,60 @@
           <a:lstStyle/>
           <a:p>
             <a:r>
+              <a:rPr lang="en-US" altLang="ja-JP" dirty="0" err="1" smtClean="0"/>
+              <a:t>CreateThis</a:t>
+            </a:r>
+            <a:r>
+              <a:rPr lang="en-US" altLang="ja-JP" dirty="0" smtClean="0"/>
+              <a:t>::</a:t>
+            </a:r>
+            <a:br>
+              <a:rPr lang="en-US" altLang="ja-JP" dirty="0" smtClean="0"/>
+            </a:br>
+            <a:r>
+              <a:rPr lang="en-US" altLang="ja-JP" dirty="0" smtClean="0"/>
+              <a:t>initialize(HWND </a:t>
+            </a:r>
+            <a:r>
+              <a:rPr lang="en-US" altLang="ja-JP" dirty="0" err="1"/>
+              <a:t>hwnd</a:t>
+            </a:r>
+            <a:r>
+              <a:rPr lang="en-US" altLang="ja-JP" dirty="0"/>
+              <a:t>)</a:t>
+            </a:r>
+          </a:p>
+          <a:p>
+            <a:pPr marL="0" indent="0">
+              <a:buNone/>
+            </a:pPr>
+            <a:r>
               <a:rPr kumimoji="1" lang="ja-JP" altLang="en-US" dirty="0" smtClean="0"/>
-              <a:t>せめてゲームっぽいスプライト表示したい</a:t>
+              <a:t>にロード、初期化を追加</a:t>
             </a:r>
             <a:endParaRPr kumimoji="1" lang="en-US" altLang="ja-JP" dirty="0" smtClean="0"/>
           </a:p>
           <a:p>
             <a:r>
+              <a:rPr kumimoji="1" lang="en-US" altLang="ja-JP" dirty="0" smtClean="0"/>
+              <a:t>Update()</a:t>
+            </a:r>
+          </a:p>
+          <a:p>
+            <a:endParaRPr kumimoji="1" lang="en-US" altLang="ja-JP" dirty="0" smtClean="0"/>
+          </a:p>
+          <a:p>
+            <a:r>
+              <a:rPr kumimoji="1" lang="en-US" altLang="ja-JP" dirty="0" smtClean="0"/>
+              <a:t>Render()</a:t>
+            </a:r>
+            <a:r>
               <a:rPr kumimoji="1" lang="ja-JP" altLang="en-US" dirty="0" smtClean="0"/>
-              <a:t>音を鳴らせるようになったのでオトゲーにしたい</a:t>
+              <a:t>に追加</a:t>
             </a:r>
             <a:endParaRPr kumimoji="1" lang="en-US" altLang="ja-JP" dirty="0" smtClean="0"/>
           </a:p>
           <a:p>
-            <a:r>
-              <a:rPr lang="ja-JP" altLang="en-US" dirty="0" smtClean="0"/>
-              <a:t>スクロールとかシューティングゲームっぽいことをしたい</a:t>
-            </a:r>
-            <a:endParaRPr lang="en-US" altLang="ja-JP" dirty="0" smtClean="0"/>
-          </a:p>
-          <a:p>
-            <a:r>
-              <a:rPr kumimoji="1" lang="ja-JP" altLang="en-US" dirty="0" smtClean="0"/>
-              <a:t>あまり</a:t>
-            </a:r>
-            <a:r>
-              <a:rPr kumimoji="1" lang="ja-JP" altLang="en-US" dirty="0"/>
-              <a:t>複雑</a:t>
-            </a:r>
-            <a:r>
-              <a:rPr kumimoji="1" lang="ja-JP" altLang="en-US" dirty="0" smtClean="0"/>
-              <a:t>なことをしたくない</a:t>
-            </a:r>
-            <a:endParaRPr kumimoji="1" lang="en-US" altLang="ja-JP" dirty="0" smtClean="0"/>
-          </a:p>
-          <a:p>
-            <a:r>
-              <a:rPr kumimoji="1" lang="ja-JP" altLang="en-US" dirty="0" smtClean="0"/>
-              <a:t>せめてスコアファイルぐらい読めないとゲームにならないかも</a:t>
-            </a:r>
             <a:endParaRPr kumimoji="1" lang="ja-JP" altLang="en-US" dirty="0"/>
           </a:p>
         </p:txBody>
@@ -17909,6 +18459,237 @@
           <a:bodyPr/>
           <a:lstStyle/>
           <a:p>
+            <a:endParaRPr kumimoji="1" lang="ja-JP" altLang="en-US"/>
+          </a:p>
+        </p:txBody>
+      </p:sp>
+      <p:pic>
+        <p:nvPicPr>
+          <p:cNvPr id="4" name="図 3"/>
+          <p:cNvPicPr>
+            <a:picLocks noChangeAspect="1"/>
+          </p:cNvPicPr>
+          <p:nvPr/>
+        </p:nvPicPr>
+        <p:blipFill>
+          <a:blip r:embed="rId3"/>
+          <a:stretch>
+            <a:fillRect/>
+          </a:stretch>
+        </p:blipFill>
+        <p:spPr>
+          <a:xfrm>
+            <a:off x="3359491" y="2671166"/>
+            <a:ext cx="5608044" cy="3782169"/>
+          </a:xfrm>
+          <a:prstGeom prst="rect">
+            <a:avLst/>
+          </a:prstGeom>
+        </p:spPr>
+      </p:pic>
+      <p:pic>
+        <p:nvPicPr>
+          <p:cNvPr id="5" name="図 4"/>
+          <p:cNvPicPr>
+            <a:picLocks noChangeAspect="1"/>
+          </p:cNvPicPr>
+          <p:nvPr/>
+        </p:nvPicPr>
+        <p:blipFill>
+          <a:blip r:embed="rId4"/>
+          <a:stretch>
+            <a:fillRect/>
+          </a:stretch>
+        </p:blipFill>
+        <p:spPr>
+          <a:xfrm>
+            <a:off x="3465461" y="1666800"/>
+            <a:ext cx="5396104" cy="1723684"/>
+          </a:xfrm>
+          <a:prstGeom prst="rect">
+            <a:avLst/>
+          </a:prstGeom>
+        </p:spPr>
+      </p:pic>
+      <p:pic>
+        <p:nvPicPr>
+          <p:cNvPr id="6" name="図 5"/>
+          <p:cNvPicPr>
+            <a:picLocks noChangeAspect="1"/>
+          </p:cNvPicPr>
+          <p:nvPr/>
+        </p:nvPicPr>
+        <p:blipFill>
+          <a:blip r:embed="rId5"/>
+          <a:stretch>
+            <a:fillRect/>
+          </a:stretch>
+        </p:blipFill>
+        <p:spPr>
+          <a:xfrm>
+            <a:off x="179172" y="4672182"/>
+            <a:ext cx="3286290" cy="2060479"/>
+          </a:xfrm>
+          <a:prstGeom prst="rect">
+            <a:avLst/>
+          </a:prstGeom>
+        </p:spPr>
+      </p:pic>
+    </p:spTree>
+    <p:extLst>
+      <p:ext uri="{BB962C8B-B14F-4D97-AF65-F5344CB8AC3E}">
+        <p14:creationId xmlns:p14="http://schemas.microsoft.com/office/powerpoint/2010/main" val="2656093204"/>
+      </p:ext>
+    </p:extLst>
+  </p:cSld>
+  <p:clrMapOvr>
+    <a:masterClrMapping/>
+  </p:clrMapOvr>
+  <p:timing>
+    <p:tnLst>
+      <p:par>
+        <p:cTn id="1" dur="indefinite" restart="never" nodeType="tmRoot"/>
+      </p:par>
+    </p:tnLst>
+  </p:timing>
+</p:sld>
+</file>
+
+<file path=ppt/slides/slide19.xml><?xml version="1.0" encoding="utf-8"?>
+<p:sld xmlns:a="http://schemas.openxmlformats.org/drawingml/2006/main" xmlns:r="http://schemas.openxmlformats.org/officeDocument/2006/relationships" xmlns:p="http://schemas.openxmlformats.org/presentationml/2006/main">
+  <p:cSld>
+    <p:spTree>
+      <p:nvGrpSpPr>
+        <p:cNvPr id="1" name=""/>
+        <p:cNvGrpSpPr/>
+        <p:nvPr/>
+      </p:nvGrpSpPr>
+      <p:grpSpPr>
+        <a:xfrm>
+          <a:off x="0" y="0"/>
+          <a:ext cx="0" cy="0"/>
+          <a:chOff x="0" y="0"/>
+          <a:chExt cx="0" cy="0"/>
+        </a:xfrm>
+      </p:grpSpPr>
+      <p:sp>
+        <p:nvSpPr>
+          <p:cNvPr id="2" name="コンテンツ プレースホルダー 1"/>
+          <p:cNvSpPr>
+            <a:spLocks noGrp="1"/>
+          </p:cNvSpPr>
+          <p:nvPr>
+            <p:ph idx="1"/>
+          </p:nvPr>
+        </p:nvSpPr>
+        <p:spPr/>
+        <p:txBody>
+          <a:bodyPr/>
+          <a:lstStyle/>
+          <a:p>
+            <a:r>
+              <a:rPr kumimoji="1" lang="ja-JP" altLang="en-US" dirty="0" smtClean="0"/>
+              <a:t>せめてゲームっぽいスプライト表示したい</a:t>
+            </a:r>
+            <a:endParaRPr kumimoji="1" lang="en-US" altLang="ja-JP" dirty="0" smtClean="0"/>
+          </a:p>
+          <a:p>
+            <a:r>
+              <a:rPr kumimoji="1" lang="ja-JP" altLang="en-US" dirty="0" smtClean="0"/>
+              <a:t>音を鳴らせるようになったのでオトゲーにしたい</a:t>
+            </a:r>
+            <a:endParaRPr kumimoji="1" lang="en-US" altLang="ja-JP" dirty="0" smtClean="0"/>
+          </a:p>
+          <a:p>
+            <a:r>
+              <a:rPr lang="ja-JP" altLang="en-US" dirty="0" smtClean="0"/>
+              <a:t>スクロールとかシューティングゲームっぽいことをしたい</a:t>
+            </a:r>
+            <a:endParaRPr lang="en-US" altLang="ja-JP" dirty="0" smtClean="0"/>
+          </a:p>
+          <a:p>
+            <a:r>
+              <a:rPr kumimoji="1" lang="ja-JP" altLang="en-US" dirty="0" smtClean="0"/>
+              <a:t>あまり</a:t>
+            </a:r>
+            <a:r>
+              <a:rPr kumimoji="1" lang="ja-JP" altLang="en-US" dirty="0"/>
+              <a:t>複雑</a:t>
+            </a:r>
+            <a:r>
+              <a:rPr kumimoji="1" lang="ja-JP" altLang="en-US" dirty="0" smtClean="0"/>
+              <a:t>なことをしたくない</a:t>
+            </a:r>
+            <a:endParaRPr kumimoji="1" lang="en-US" altLang="ja-JP" dirty="0" smtClean="0"/>
+          </a:p>
+          <a:p>
+            <a:r>
+              <a:rPr kumimoji="1" lang="ja-JP" altLang="en-US" dirty="0" smtClean="0"/>
+              <a:t>せめてスコアファイルぐらい読めないとゲームにならないか</a:t>
+            </a:r>
+            <a:r>
+              <a:rPr kumimoji="1" lang="ja-JP" altLang="en-US" dirty="0" smtClean="0"/>
+              <a:t>も</a:t>
+            </a:r>
+            <a:endParaRPr kumimoji="1" lang="en-US" altLang="ja-JP" dirty="0" smtClean="0"/>
+          </a:p>
+          <a:p>
+            <a:r>
+              <a:rPr lang="en-US" altLang="ja-JP" sz="2000" dirty="0"/>
+              <a:t>Processing</a:t>
+            </a:r>
+            <a:r>
+              <a:rPr lang="ja-JP" altLang="en-US" sz="2000" dirty="0"/>
+              <a:t>をつかってスコア作成</a:t>
+            </a:r>
+            <a:endParaRPr lang="en-US" altLang="ja-JP" sz="2000" dirty="0"/>
+          </a:p>
+          <a:p>
+            <a:pPr lvl="1"/>
+            <a:r>
+              <a:rPr lang="en-US" altLang="ja-JP" sz="1800" dirty="0" err="1"/>
+              <a:t>Example:minim</a:t>
+            </a:r>
+            <a:r>
+              <a:rPr lang="en-US" altLang="ja-JP" sz="1800" dirty="0"/>
+              <a:t>: </a:t>
+            </a:r>
+            <a:r>
+              <a:rPr lang="en-US" altLang="ja-JP" sz="1800" dirty="0" err="1"/>
+              <a:t>FrequencyEnergy</a:t>
+            </a:r>
+            <a:r>
+              <a:rPr lang="en-US" altLang="ja-JP" sz="1800" dirty="0"/>
+              <a:t> </a:t>
+            </a:r>
+          </a:p>
+          <a:p>
+            <a:pPr lvl="1"/>
+            <a:r>
+              <a:rPr lang="en-US" altLang="ja-JP" dirty="0"/>
+              <a:t>I/O:SaveFile2</a:t>
+            </a:r>
+          </a:p>
+          <a:p>
+            <a:endParaRPr kumimoji="1" lang="ja-JP" altLang="en-US" dirty="0"/>
+          </a:p>
+        </p:txBody>
+      </p:sp>
+      <p:sp>
+        <p:nvSpPr>
+          <p:cNvPr id="3" name="タイトル 2"/>
+          <p:cNvSpPr>
+            <a:spLocks noGrp="1"/>
+          </p:cNvSpPr>
+          <p:nvPr>
+            <p:ph type="title"/>
+          </p:nvPr>
+        </p:nvSpPr>
+        <p:spPr/>
+        <p:txBody>
+          <a:bodyPr/>
+          <a:lstStyle/>
+          <a:p>
             <a:r>
               <a:rPr kumimoji="1" lang="ja-JP" altLang="en-US" dirty="0" smtClean="0"/>
               <a:t>ここで再度</a:t>
@@ -17935,10 +18716,430 @@
   <p:clrMapOvr>
     <a:masterClrMapping/>
   </p:clrMapOvr>
+  <p:timing>
+    <p:tnLst>
+      <p:par>
+        <p:cTn id="1" dur="indefinite" restart="never" nodeType="tmRoot"/>
+      </p:par>
+    </p:tnLst>
+  </p:timing>
 </p:sld>
 </file>
 
-<file path=ppt/slides/slide17.xml><?xml version="1.0" encoding="utf-8"?>
+<file path=ppt/slides/slide2.xml><?xml version="1.0" encoding="utf-8"?>
+<p:sld xmlns:a="http://schemas.openxmlformats.org/drawingml/2006/main" xmlns:r="http://schemas.openxmlformats.org/officeDocument/2006/relationships" xmlns:p="http://schemas.openxmlformats.org/presentationml/2006/main">
+  <p:cSld>
+    <p:spTree>
+      <p:nvGrpSpPr>
+        <p:cNvPr id="1" name=""/>
+        <p:cNvGrpSpPr/>
+        <p:nvPr/>
+      </p:nvGrpSpPr>
+      <p:grpSpPr>
+        <a:xfrm>
+          <a:off x="0" y="0"/>
+          <a:ext cx="0" cy="0"/>
+          <a:chOff x="0" y="0"/>
+          <a:chExt cx="0" cy="0"/>
+        </a:xfrm>
+      </p:grpSpPr>
+      <p:sp>
+        <p:nvSpPr>
+          <p:cNvPr id="2" name="コンテンツ プレースホルダー 1"/>
+          <p:cNvSpPr>
+            <a:spLocks noGrp="1"/>
+          </p:cNvSpPr>
+          <p:nvPr>
+            <p:ph idx="1"/>
+          </p:nvPr>
+        </p:nvSpPr>
+        <p:spPr>
+          <a:xfrm>
+            <a:off x="211665" y="1567982"/>
+            <a:ext cx="8697659" cy="5290018"/>
+          </a:xfrm>
+        </p:spPr>
+        <p:txBody>
+          <a:bodyPr>
+            <a:normAutofit fontScale="85000" lnSpcReduction="20000"/>
+          </a:bodyPr>
+          <a:lstStyle/>
+          <a:p>
+            <a:pPr marL="0" indent="0">
+              <a:buNone/>
+            </a:pPr>
+            <a:r>
+              <a:rPr lang="ja-JP" altLang="en-US" sz="2800" dirty="0" smtClean="0"/>
+              <a:t>いま</a:t>
+            </a:r>
+            <a:r>
+              <a:rPr lang="ja-JP" altLang="en-US" sz="2800" dirty="0"/>
+              <a:t>までのゲームエンジンの知識を</a:t>
+            </a:r>
+            <a:r>
+              <a:rPr lang="ja-JP" altLang="en-US" sz="2800" dirty="0" smtClean="0"/>
+              <a:t>使ってゲーム</a:t>
+            </a:r>
+            <a:r>
+              <a:rPr lang="ja-JP" altLang="en-US" sz="2800" dirty="0"/>
+              <a:t>を作ってみよう</a:t>
+            </a:r>
+            <a:r>
+              <a:rPr lang="ja-JP" altLang="en-US" dirty="0"/>
+              <a:t/>
+            </a:r>
+            <a:br>
+              <a:rPr lang="ja-JP" altLang="en-US" dirty="0"/>
+            </a:br>
+            <a:r>
+              <a:rPr lang="ja-JP" altLang="en-US" dirty="0"/>
+              <a:t>・オリジナルでなくてかまいません</a:t>
+            </a:r>
+            <a:br>
+              <a:rPr lang="ja-JP" altLang="en-US" dirty="0"/>
+            </a:br>
+            <a:r>
+              <a:rPr lang="ja-JP" altLang="en-US" dirty="0"/>
+              <a:t>・プログラムを提出しなくてよい</a:t>
+            </a:r>
+            <a:br>
+              <a:rPr lang="ja-JP" altLang="en-US" dirty="0"/>
+            </a:br>
+            <a:r>
+              <a:rPr lang="ja-JP" altLang="en-US" dirty="0"/>
+              <a:t>・</a:t>
+            </a:r>
+            <a:r>
+              <a:rPr lang="en-US" altLang="ja-JP" dirty="0"/>
+              <a:t>UGC</a:t>
+            </a:r>
+            <a:r>
+              <a:rPr lang="ja-JP" altLang="en-US" dirty="0"/>
+              <a:t>奨励プログラムを使いこなそう</a:t>
+            </a:r>
+            <a:br>
+              <a:rPr lang="ja-JP" altLang="en-US" dirty="0"/>
+            </a:br>
+            <a:r>
+              <a:rPr lang="en-US" altLang="ja-JP" dirty="0">
+                <a:hlinkClick r:id="rId2"/>
+              </a:rPr>
+              <a:t>http://open.channel.or.jp/</a:t>
+            </a:r>
+            <a:r>
+              <a:rPr lang="ja-JP" altLang="en-US" dirty="0"/>
+              <a:t/>
+            </a:r>
+            <a:br>
+              <a:rPr lang="ja-JP" altLang="en-US" dirty="0"/>
+            </a:br>
+            <a:endParaRPr lang="en-US" altLang="ja-JP" dirty="0" smtClean="0"/>
+          </a:p>
+          <a:p>
+            <a:pPr marL="0" indent="0">
+              <a:buNone/>
+            </a:pPr>
+            <a:r>
+              <a:rPr lang="en-US" altLang="ja-JP" dirty="0" smtClean="0"/>
+              <a:t>1</a:t>
+            </a:r>
+            <a:r>
+              <a:rPr lang="en-US" altLang="ja-JP" dirty="0"/>
+              <a:t>. PowerPoint</a:t>
+            </a:r>
+            <a:r>
+              <a:rPr lang="ja-JP" altLang="en-US" dirty="0"/>
+              <a:t>で仕様を書く</a:t>
+            </a:r>
+            <a:br>
+              <a:rPr lang="ja-JP" altLang="en-US" dirty="0"/>
+            </a:br>
+            <a:r>
+              <a:rPr lang="en-US" altLang="ja-JP" dirty="0"/>
+              <a:t>2. </a:t>
+            </a:r>
+            <a:r>
+              <a:rPr lang="ja-JP" altLang="en-US" dirty="0"/>
+              <a:t>今までの知識技術を使って実装してみる</a:t>
+            </a:r>
+            <a:br>
+              <a:rPr lang="ja-JP" altLang="en-US" dirty="0"/>
+            </a:br>
+            <a:r>
+              <a:rPr lang="en-US" altLang="ja-JP" dirty="0"/>
+              <a:t>3. </a:t>
+            </a:r>
+            <a:r>
+              <a:rPr lang="ja-JP" altLang="en-US" dirty="0"/>
+              <a:t>動画にして公開できるようにがんばってみる</a:t>
+            </a:r>
+          </a:p>
+          <a:p>
+            <a:pPr marL="0" indent="0">
+              <a:buNone/>
+            </a:pPr>
+            <a:r>
+              <a:rPr lang="ja-JP" altLang="en-US" dirty="0"/>
+              <a:t>以上の期限が</a:t>
+            </a:r>
+            <a:r>
+              <a:rPr lang="en-US" altLang="ja-JP" dirty="0"/>
+              <a:t>1</a:t>
+            </a:r>
+            <a:r>
+              <a:rPr lang="ja-JP" altLang="en-US" dirty="0"/>
+              <a:t>週間</a:t>
+            </a:r>
+            <a:br>
+              <a:rPr lang="ja-JP" altLang="en-US" dirty="0"/>
+            </a:br>
+            <a:endParaRPr lang="en-US" altLang="ja-JP" dirty="0" smtClean="0"/>
+          </a:p>
+          <a:p>
+            <a:pPr marL="0" indent="0">
+              <a:buNone/>
+            </a:pPr>
+            <a:r>
+              <a:rPr lang="en-US" altLang="ja-JP" dirty="0" smtClean="0"/>
+              <a:t>- </a:t>
+            </a:r>
+            <a:r>
+              <a:rPr lang="ja-JP" altLang="en-US" dirty="0"/>
+              <a:t>当たり判定のルールなどをまず明記</a:t>
+            </a:r>
+            <a:br>
+              <a:rPr lang="ja-JP" altLang="en-US" dirty="0"/>
+            </a:br>
+            <a:r>
+              <a:rPr lang="en-US" altLang="ja-JP" dirty="0"/>
+              <a:t>- </a:t>
+            </a:r>
+            <a:r>
+              <a:rPr lang="ja-JP" altLang="en-US" dirty="0"/>
+              <a:t>オリジナルでなくてもよい（目コピ歓迎）</a:t>
+            </a:r>
+            <a:br>
+              <a:rPr lang="ja-JP" altLang="en-US" dirty="0"/>
+            </a:br>
+            <a:r>
+              <a:rPr lang="ja-JP" altLang="en-US" dirty="0"/>
+              <a:t>　</a:t>
+            </a:r>
+            <a:r>
+              <a:rPr lang="en-US" altLang="ja-JP" dirty="0"/>
+              <a:t>- </a:t>
+            </a:r>
+            <a:r>
+              <a:rPr lang="ja-JP" altLang="en-US" dirty="0"/>
+              <a:t>たとえば</a:t>
+            </a:r>
+            <a:r>
+              <a:rPr lang="en-US" altLang="ja-JP" dirty="0"/>
+              <a:t>…</a:t>
+            </a:r>
+            <a:r>
+              <a:rPr lang="ja-JP" altLang="en-US" dirty="0"/>
+              <a:t>「</a:t>
+            </a:r>
+            <a:r>
+              <a:rPr lang="en-US" altLang="ja-JP" dirty="0"/>
+              <a:t>2048</a:t>
+            </a:r>
+            <a:r>
+              <a:rPr lang="ja-JP" altLang="en-US" dirty="0"/>
+              <a:t>」とか「クッキークリッカー」</a:t>
+            </a:r>
+            <a:br>
+              <a:rPr lang="ja-JP" altLang="en-US" dirty="0"/>
+            </a:br>
+            <a:r>
+              <a:rPr lang="ja-JP" altLang="en-US" dirty="0"/>
+              <a:t>　</a:t>
+            </a:r>
+            <a:r>
+              <a:rPr lang="en-US" altLang="ja-JP" dirty="0"/>
+              <a:t>- </a:t>
+            </a:r>
+            <a:r>
+              <a:rPr lang="ja-JP" altLang="en-US" dirty="0"/>
+              <a:t>グラフィックに凝りすぎない。アスキーアートでもよい</a:t>
+            </a:r>
+            <a:br>
+              <a:rPr lang="ja-JP" altLang="en-US" dirty="0"/>
+            </a:br>
+            <a:r>
+              <a:rPr lang="ja-JP" altLang="en-US" dirty="0"/>
+              <a:t>　</a:t>
+            </a:r>
+            <a:r>
+              <a:rPr lang="en-US" altLang="ja-JP" dirty="0"/>
+              <a:t>- </a:t>
+            </a:r>
+            <a:r>
+              <a:rPr lang="ja-JP" altLang="en-US" dirty="0"/>
+              <a:t>画像素材、音素材を使った場合は、ライセンスか</a:t>
+            </a:r>
+            <a:r>
+              <a:rPr lang="en-US" altLang="ja-JP" dirty="0"/>
+              <a:t>URL</a:t>
+            </a:r>
+            <a:r>
+              <a:rPr lang="ja-JP" altLang="en-US" dirty="0"/>
+              <a:t>を明記</a:t>
+            </a:r>
+            <a:br>
+              <a:rPr lang="ja-JP" altLang="en-US" dirty="0"/>
+            </a:br>
+            <a:r>
+              <a:rPr lang="en-US" altLang="ja-JP" dirty="0"/>
+              <a:t>- </a:t>
+            </a:r>
+            <a:r>
+              <a:rPr lang="ja-JP" altLang="en-US" dirty="0"/>
+              <a:t>提出できるのは</a:t>
+            </a:r>
+            <a:r>
+              <a:rPr lang="en-US" altLang="ja-JP" dirty="0"/>
+              <a:t>URL</a:t>
+            </a:r>
+            <a:r>
+              <a:rPr lang="ja-JP" altLang="en-US" dirty="0"/>
+              <a:t>が</a:t>
+            </a:r>
+            <a:r>
+              <a:rPr lang="en-US" altLang="ja-JP" dirty="0"/>
+              <a:t>2</a:t>
+            </a:r>
+            <a:r>
+              <a:rPr lang="ja-JP" altLang="en-US" dirty="0"/>
+              <a:t>つだけ。</a:t>
+            </a:r>
+            <a:br>
+              <a:rPr lang="ja-JP" altLang="en-US" dirty="0"/>
+            </a:br>
+            <a:r>
+              <a:rPr lang="en-US" altLang="ja-JP" dirty="0"/>
+              <a:t>1. </a:t>
+            </a:r>
+            <a:r>
+              <a:rPr lang="ja-JP" altLang="en-US" dirty="0"/>
+              <a:t>動画の</a:t>
+            </a:r>
+            <a:r>
+              <a:rPr lang="en-US" altLang="ja-JP" dirty="0"/>
+              <a:t>URL(</a:t>
+            </a:r>
+            <a:r>
+              <a:rPr lang="en-US" altLang="ja-JP" dirty="0" err="1"/>
+              <a:t>Youtube,nicovideo</a:t>
+            </a:r>
+            <a:r>
+              <a:rPr lang="en-US" altLang="ja-JP" dirty="0"/>
+              <a:t>, mp4</a:t>
+            </a:r>
+            <a:r>
+              <a:rPr lang="ja-JP" altLang="en-US" dirty="0"/>
+              <a:t>などの</a:t>
+            </a:r>
+            <a:r>
+              <a:rPr lang="en-US" altLang="ja-JP" dirty="0"/>
+              <a:t>file) , </a:t>
+            </a:r>
+            <a:br>
+              <a:rPr lang="en-US" altLang="ja-JP" dirty="0"/>
+            </a:br>
+            <a:r>
+              <a:rPr lang="en-US" altLang="ja-JP" dirty="0"/>
+              <a:t>2. </a:t>
+            </a:r>
+            <a:r>
+              <a:rPr lang="ja-JP" altLang="en-US" dirty="0"/>
+              <a:t>ソースや</a:t>
+            </a:r>
+            <a:r>
+              <a:rPr lang="en-US" altLang="ja-JP" dirty="0"/>
+              <a:t>PowerPoint</a:t>
+            </a:r>
+            <a:r>
+              <a:rPr lang="ja-JP" altLang="en-US" dirty="0"/>
+              <a:t>資料等の</a:t>
+            </a:r>
+            <a:r>
+              <a:rPr lang="en-US" altLang="ja-JP" dirty="0"/>
+              <a:t>ZIP</a:t>
+            </a:r>
+            <a:r>
+              <a:rPr lang="ja-JP" altLang="en-US" dirty="0"/>
+              <a:t>圧縮を</a:t>
+            </a:r>
+            <a:r>
+              <a:rPr lang="en-US" altLang="ja-JP" dirty="0"/>
+              <a:t>URL</a:t>
+            </a:r>
+            <a:r>
+              <a:rPr lang="ja-JP" altLang="en-US" dirty="0"/>
+              <a:t>で</a:t>
+            </a:r>
+            <a:r>
+              <a:rPr lang="ja-JP" altLang="en-US" dirty="0" smtClean="0"/>
+              <a:t>。</a:t>
+            </a:r>
+            <a:endParaRPr kumimoji="1" lang="ja-JP" altLang="en-US" dirty="0"/>
+          </a:p>
+        </p:txBody>
+      </p:sp>
+      <p:sp>
+        <p:nvSpPr>
+          <p:cNvPr id="3" name="タイトル 2"/>
+          <p:cNvSpPr>
+            <a:spLocks noGrp="1"/>
+          </p:cNvSpPr>
+          <p:nvPr>
+            <p:ph type="title"/>
+          </p:nvPr>
+        </p:nvSpPr>
+        <p:spPr/>
+        <p:txBody>
+          <a:bodyPr/>
+          <a:lstStyle/>
+          <a:p>
+            <a:r>
+              <a:rPr lang="ja-JP" altLang="en-US" dirty="0"/>
+              <a:t>第</a:t>
+            </a:r>
+            <a:r>
+              <a:rPr lang="en-US" altLang="ja-JP" dirty="0"/>
+              <a:t>10</a:t>
+            </a:r>
+            <a:r>
+              <a:rPr lang="ja-JP" altLang="en-US" dirty="0"/>
+              <a:t>回課題 応用</a:t>
+            </a:r>
+            <a:endParaRPr kumimoji="1" lang="ja-JP" altLang="en-US" dirty="0"/>
+          </a:p>
+        </p:txBody>
+      </p:sp>
+    </p:spTree>
+    <p:extLst>
+      <p:ext uri="{BB962C8B-B14F-4D97-AF65-F5344CB8AC3E}">
+        <p14:creationId xmlns:p14="http://schemas.microsoft.com/office/powerpoint/2010/main" val="3950376182"/>
+      </p:ext>
+    </p:extLst>
+  </p:cSld>
+  <p:clrMapOvr>
+    <a:masterClrMapping/>
+  </p:clrMapOvr>
+  <p:timing>
+    <p:tnLst>
+      <p:par>
+        <p:cTn id="1" dur="indefinite" restart="never" nodeType="tmRoot"/>
+      </p:par>
+    </p:tnLst>
+  </p:timing>
+</p:sld>
+</file>
+
+<file path=ppt/slides/slide20.xml><?xml version="1.0" encoding="utf-8"?>
 <p:sld xmlns:a="http://schemas.openxmlformats.org/drawingml/2006/main" xmlns:r="http://schemas.openxmlformats.org/officeDocument/2006/relationships" xmlns:p="http://schemas.openxmlformats.org/presentationml/2006/main">
   <p:cSld>
     <p:spTree>
@@ -18175,10 +19376,17 @@
   <p:clrMapOvr>
     <a:masterClrMapping/>
   </p:clrMapOvr>
+  <p:timing>
+    <p:tnLst>
+      <p:par>
+        <p:cTn id="1" dur="indefinite" restart="never" nodeType="tmRoot"/>
+      </p:par>
+    </p:tnLst>
+  </p:timing>
 </p:sld>
 </file>
 
-<file path=ppt/slides/slide18.xml><?xml version="1.0" encoding="utf-8"?>
+<file path=ppt/slides/slide21.xml><?xml version="1.0" encoding="utf-8"?>
 <p:sld xmlns:a="http://schemas.openxmlformats.org/drawingml/2006/main" xmlns:r="http://schemas.openxmlformats.org/officeDocument/2006/relationships" xmlns:p="http://schemas.openxmlformats.org/presentationml/2006/main">
   <p:cSld>
     <p:spTree>
@@ -18345,10 +19553,17 @@
   <p:clrMapOvr>
     <a:masterClrMapping/>
   </p:clrMapOvr>
+  <p:timing>
+    <p:tnLst>
+      <p:par>
+        <p:cTn id="1" dur="indefinite" restart="never" nodeType="tmRoot"/>
+      </p:par>
+    </p:tnLst>
+  </p:timing>
 </p:sld>
 </file>
 
-<file path=ppt/slides/slide19.xml><?xml version="1.0" encoding="utf-8"?>
+<file path=ppt/slides/slide22.xml><?xml version="1.0" encoding="utf-8"?>
 <p:sld xmlns:a="http://schemas.openxmlformats.org/drawingml/2006/main" xmlns:r="http://schemas.openxmlformats.org/officeDocument/2006/relationships" xmlns:p="http://schemas.openxmlformats.org/presentationml/2006/main">
   <p:cSld>
     <p:spTree>
@@ -18613,416 +19828,17 @@
   <p:clrMapOvr>
     <a:masterClrMapping/>
   </p:clrMapOvr>
+  <p:timing>
+    <p:tnLst>
+      <p:par>
+        <p:cTn id="1" dur="indefinite" restart="never" nodeType="tmRoot"/>
+      </p:par>
+    </p:tnLst>
+  </p:timing>
 </p:sld>
 </file>
 
-<file path=ppt/slides/slide2.xml><?xml version="1.0" encoding="utf-8"?>
-<p:sld xmlns:a="http://schemas.openxmlformats.org/drawingml/2006/main" xmlns:r="http://schemas.openxmlformats.org/officeDocument/2006/relationships" xmlns:p="http://schemas.openxmlformats.org/presentationml/2006/main">
-  <p:cSld>
-    <p:spTree>
-      <p:nvGrpSpPr>
-        <p:cNvPr id="1" name=""/>
-        <p:cNvGrpSpPr/>
-        <p:nvPr/>
-      </p:nvGrpSpPr>
-      <p:grpSpPr>
-        <a:xfrm>
-          <a:off x="0" y="0"/>
-          <a:ext cx="0" cy="0"/>
-          <a:chOff x="0" y="0"/>
-          <a:chExt cx="0" cy="0"/>
-        </a:xfrm>
-      </p:grpSpPr>
-      <p:sp>
-        <p:nvSpPr>
-          <p:cNvPr id="2" name="コンテンツ プレースホルダー 1"/>
-          <p:cNvSpPr>
-            <a:spLocks noGrp="1"/>
-          </p:cNvSpPr>
-          <p:nvPr>
-            <p:ph idx="1"/>
-          </p:nvPr>
-        </p:nvSpPr>
-        <p:spPr>
-          <a:xfrm>
-            <a:off x="211665" y="1567982"/>
-            <a:ext cx="8697659" cy="5290018"/>
-          </a:xfrm>
-        </p:spPr>
-        <p:txBody>
-          <a:bodyPr>
-            <a:normAutofit fontScale="85000" lnSpcReduction="20000"/>
-          </a:bodyPr>
-          <a:lstStyle/>
-          <a:p>
-            <a:pPr marL="0" indent="0">
-              <a:buNone/>
-            </a:pPr>
-            <a:r>
-              <a:rPr lang="ja-JP" altLang="en-US" sz="2800" dirty="0" smtClean="0"/>
-              <a:t>いま</a:t>
-            </a:r>
-            <a:r>
-              <a:rPr lang="ja-JP" altLang="en-US" sz="2800" dirty="0"/>
-              <a:t>までのゲームエンジンの知識を</a:t>
-            </a:r>
-            <a:r>
-              <a:rPr lang="ja-JP" altLang="en-US" sz="2800" dirty="0" smtClean="0"/>
-              <a:t>使ってゲーム</a:t>
-            </a:r>
-            <a:r>
-              <a:rPr lang="ja-JP" altLang="en-US" sz="2800" dirty="0"/>
-              <a:t>を作ってみよう</a:t>
-            </a:r>
-            <a:r>
-              <a:rPr lang="ja-JP" altLang="en-US" dirty="0"/>
-              <a:t/>
-            </a:r>
-            <a:br>
-              <a:rPr lang="ja-JP" altLang="en-US" dirty="0"/>
-            </a:br>
-            <a:r>
-              <a:rPr lang="ja-JP" altLang="en-US" dirty="0"/>
-              <a:t>・オリジナルでなくてかまいません</a:t>
-            </a:r>
-            <a:br>
-              <a:rPr lang="ja-JP" altLang="en-US" dirty="0"/>
-            </a:br>
-            <a:r>
-              <a:rPr lang="ja-JP" altLang="en-US" dirty="0"/>
-              <a:t>・プログラムを提出しなくてよい</a:t>
-            </a:r>
-            <a:br>
-              <a:rPr lang="ja-JP" altLang="en-US" dirty="0"/>
-            </a:br>
-            <a:r>
-              <a:rPr lang="ja-JP" altLang="en-US" dirty="0"/>
-              <a:t>・</a:t>
-            </a:r>
-            <a:r>
-              <a:rPr lang="en-US" altLang="ja-JP" dirty="0"/>
-              <a:t>UGC</a:t>
-            </a:r>
-            <a:r>
-              <a:rPr lang="ja-JP" altLang="en-US" dirty="0"/>
-              <a:t>奨励プログラムを使いこなそう</a:t>
-            </a:r>
-            <a:br>
-              <a:rPr lang="ja-JP" altLang="en-US" dirty="0"/>
-            </a:br>
-            <a:r>
-              <a:rPr lang="en-US" altLang="ja-JP" dirty="0">
-                <a:hlinkClick r:id="rId2"/>
-              </a:rPr>
-              <a:t>http://open.channel.or.jp/</a:t>
-            </a:r>
-            <a:r>
-              <a:rPr lang="ja-JP" altLang="en-US" dirty="0"/>
-              <a:t/>
-            </a:r>
-            <a:br>
-              <a:rPr lang="ja-JP" altLang="en-US" dirty="0"/>
-            </a:br>
-            <a:endParaRPr lang="en-US" altLang="ja-JP" dirty="0" smtClean="0"/>
-          </a:p>
-          <a:p>
-            <a:pPr marL="0" indent="0">
-              <a:buNone/>
-            </a:pPr>
-            <a:r>
-              <a:rPr lang="en-US" altLang="ja-JP" dirty="0" smtClean="0"/>
-              <a:t>1</a:t>
-            </a:r>
-            <a:r>
-              <a:rPr lang="en-US" altLang="ja-JP" dirty="0"/>
-              <a:t>. PowerPoint</a:t>
-            </a:r>
-            <a:r>
-              <a:rPr lang="ja-JP" altLang="en-US" dirty="0"/>
-              <a:t>で仕様を書く</a:t>
-            </a:r>
-            <a:br>
-              <a:rPr lang="ja-JP" altLang="en-US" dirty="0"/>
-            </a:br>
-            <a:r>
-              <a:rPr lang="en-US" altLang="ja-JP" dirty="0"/>
-              <a:t>2. </a:t>
-            </a:r>
-            <a:r>
-              <a:rPr lang="ja-JP" altLang="en-US" dirty="0"/>
-              <a:t>今までの知識技術を使って実装してみる</a:t>
-            </a:r>
-            <a:br>
-              <a:rPr lang="ja-JP" altLang="en-US" dirty="0"/>
-            </a:br>
-            <a:r>
-              <a:rPr lang="en-US" altLang="ja-JP" dirty="0"/>
-              <a:t>3. </a:t>
-            </a:r>
-            <a:r>
-              <a:rPr lang="ja-JP" altLang="en-US" dirty="0"/>
-              <a:t>動画にして公開できるようにがんばってみる</a:t>
-            </a:r>
-          </a:p>
-          <a:p>
-            <a:pPr marL="0" indent="0">
-              <a:buNone/>
-            </a:pPr>
-            <a:r>
-              <a:rPr lang="ja-JP" altLang="en-US" dirty="0"/>
-              <a:t>以上の期限が</a:t>
-            </a:r>
-            <a:r>
-              <a:rPr lang="en-US" altLang="ja-JP" dirty="0"/>
-              <a:t>1</a:t>
-            </a:r>
-            <a:r>
-              <a:rPr lang="ja-JP" altLang="en-US" dirty="0"/>
-              <a:t>週間</a:t>
-            </a:r>
-            <a:br>
-              <a:rPr lang="ja-JP" altLang="en-US" dirty="0"/>
-            </a:br>
-            <a:endParaRPr lang="en-US" altLang="ja-JP" dirty="0" smtClean="0"/>
-          </a:p>
-          <a:p>
-            <a:pPr marL="0" indent="0">
-              <a:buNone/>
-            </a:pPr>
-            <a:r>
-              <a:rPr lang="en-US" altLang="ja-JP" dirty="0" smtClean="0"/>
-              <a:t>- </a:t>
-            </a:r>
-            <a:r>
-              <a:rPr lang="ja-JP" altLang="en-US" dirty="0"/>
-              <a:t>当たり判定のルールなどをまず明記</a:t>
-            </a:r>
-            <a:br>
-              <a:rPr lang="ja-JP" altLang="en-US" dirty="0"/>
-            </a:br>
-            <a:r>
-              <a:rPr lang="en-US" altLang="ja-JP" dirty="0"/>
-              <a:t>- </a:t>
-            </a:r>
-            <a:r>
-              <a:rPr lang="ja-JP" altLang="en-US" dirty="0"/>
-              <a:t>オリジナルでなくてもよい（目コピ歓迎）</a:t>
-            </a:r>
-            <a:br>
-              <a:rPr lang="ja-JP" altLang="en-US" dirty="0"/>
-            </a:br>
-            <a:r>
-              <a:rPr lang="ja-JP" altLang="en-US" dirty="0"/>
-              <a:t>　</a:t>
-            </a:r>
-            <a:r>
-              <a:rPr lang="en-US" altLang="ja-JP" dirty="0"/>
-              <a:t>- </a:t>
-            </a:r>
-            <a:r>
-              <a:rPr lang="ja-JP" altLang="en-US" dirty="0"/>
-              <a:t>たとえば</a:t>
-            </a:r>
-            <a:r>
-              <a:rPr lang="en-US" altLang="ja-JP" dirty="0"/>
-              <a:t>…</a:t>
-            </a:r>
-            <a:r>
-              <a:rPr lang="ja-JP" altLang="en-US" dirty="0"/>
-              <a:t>「</a:t>
-            </a:r>
-            <a:r>
-              <a:rPr lang="en-US" altLang="ja-JP" dirty="0"/>
-              <a:t>2048</a:t>
-            </a:r>
-            <a:r>
-              <a:rPr lang="ja-JP" altLang="en-US" dirty="0"/>
-              <a:t>」とか「クッキークリッカー」</a:t>
-            </a:r>
-            <a:br>
-              <a:rPr lang="ja-JP" altLang="en-US" dirty="0"/>
-            </a:br>
-            <a:r>
-              <a:rPr lang="ja-JP" altLang="en-US" dirty="0"/>
-              <a:t>　</a:t>
-            </a:r>
-            <a:r>
-              <a:rPr lang="en-US" altLang="ja-JP" dirty="0"/>
-              <a:t>- </a:t>
-            </a:r>
-            <a:r>
-              <a:rPr lang="ja-JP" altLang="en-US" dirty="0"/>
-              <a:t>グラフィックに凝りすぎない。アスキーアートでもよい</a:t>
-            </a:r>
-            <a:br>
-              <a:rPr lang="ja-JP" altLang="en-US" dirty="0"/>
-            </a:br>
-            <a:r>
-              <a:rPr lang="ja-JP" altLang="en-US" dirty="0"/>
-              <a:t>　</a:t>
-            </a:r>
-            <a:r>
-              <a:rPr lang="en-US" altLang="ja-JP" dirty="0"/>
-              <a:t>- </a:t>
-            </a:r>
-            <a:r>
-              <a:rPr lang="ja-JP" altLang="en-US" dirty="0"/>
-              <a:t>画像素材、音素材を使った場合は、ライセンスか</a:t>
-            </a:r>
-            <a:r>
-              <a:rPr lang="en-US" altLang="ja-JP" dirty="0"/>
-              <a:t>URL</a:t>
-            </a:r>
-            <a:r>
-              <a:rPr lang="ja-JP" altLang="en-US" dirty="0"/>
-              <a:t>を明記</a:t>
-            </a:r>
-            <a:br>
-              <a:rPr lang="ja-JP" altLang="en-US" dirty="0"/>
-            </a:br>
-            <a:r>
-              <a:rPr lang="en-US" altLang="ja-JP" dirty="0"/>
-              <a:t>- </a:t>
-            </a:r>
-            <a:r>
-              <a:rPr lang="ja-JP" altLang="en-US" dirty="0"/>
-              <a:t>提出できるのは</a:t>
-            </a:r>
-            <a:r>
-              <a:rPr lang="en-US" altLang="ja-JP" dirty="0"/>
-              <a:t>URL</a:t>
-            </a:r>
-            <a:r>
-              <a:rPr lang="ja-JP" altLang="en-US" dirty="0"/>
-              <a:t>が</a:t>
-            </a:r>
-            <a:r>
-              <a:rPr lang="en-US" altLang="ja-JP" dirty="0"/>
-              <a:t>2</a:t>
-            </a:r>
-            <a:r>
-              <a:rPr lang="ja-JP" altLang="en-US" dirty="0"/>
-              <a:t>つだけ。</a:t>
-            </a:r>
-            <a:br>
-              <a:rPr lang="ja-JP" altLang="en-US" dirty="0"/>
-            </a:br>
-            <a:r>
-              <a:rPr lang="en-US" altLang="ja-JP" dirty="0"/>
-              <a:t>1. </a:t>
-            </a:r>
-            <a:r>
-              <a:rPr lang="ja-JP" altLang="en-US" dirty="0"/>
-              <a:t>動画の</a:t>
-            </a:r>
-            <a:r>
-              <a:rPr lang="en-US" altLang="ja-JP" dirty="0"/>
-              <a:t>URL(</a:t>
-            </a:r>
-            <a:r>
-              <a:rPr lang="en-US" altLang="ja-JP" dirty="0" err="1"/>
-              <a:t>Youtube,nicovideo</a:t>
-            </a:r>
-            <a:r>
-              <a:rPr lang="en-US" altLang="ja-JP" dirty="0"/>
-              <a:t>, mp4</a:t>
-            </a:r>
-            <a:r>
-              <a:rPr lang="ja-JP" altLang="en-US" dirty="0"/>
-              <a:t>などの</a:t>
-            </a:r>
-            <a:r>
-              <a:rPr lang="en-US" altLang="ja-JP" dirty="0"/>
-              <a:t>file) , </a:t>
-            </a:r>
-            <a:br>
-              <a:rPr lang="en-US" altLang="ja-JP" dirty="0"/>
-            </a:br>
-            <a:r>
-              <a:rPr lang="en-US" altLang="ja-JP" dirty="0"/>
-              <a:t>2. </a:t>
-            </a:r>
-            <a:r>
-              <a:rPr lang="ja-JP" altLang="en-US" dirty="0"/>
-              <a:t>ソースや</a:t>
-            </a:r>
-            <a:r>
-              <a:rPr lang="en-US" altLang="ja-JP" dirty="0"/>
-              <a:t>PowerPoint</a:t>
-            </a:r>
-            <a:r>
-              <a:rPr lang="ja-JP" altLang="en-US" dirty="0"/>
-              <a:t>資料等の</a:t>
-            </a:r>
-            <a:r>
-              <a:rPr lang="en-US" altLang="ja-JP" dirty="0"/>
-              <a:t>ZIP</a:t>
-            </a:r>
-            <a:r>
-              <a:rPr lang="ja-JP" altLang="en-US" dirty="0"/>
-              <a:t>圧縮を</a:t>
-            </a:r>
-            <a:r>
-              <a:rPr lang="en-US" altLang="ja-JP" dirty="0"/>
-              <a:t>URL</a:t>
-            </a:r>
-            <a:r>
-              <a:rPr lang="ja-JP" altLang="en-US" dirty="0"/>
-              <a:t>で</a:t>
-            </a:r>
-            <a:r>
-              <a:rPr lang="ja-JP" altLang="en-US" dirty="0" smtClean="0"/>
-              <a:t>。</a:t>
-            </a:r>
-            <a:endParaRPr kumimoji="1" lang="ja-JP" altLang="en-US" dirty="0"/>
-          </a:p>
-        </p:txBody>
-      </p:sp>
-      <p:sp>
-        <p:nvSpPr>
-          <p:cNvPr id="3" name="タイトル 2"/>
-          <p:cNvSpPr>
-            <a:spLocks noGrp="1"/>
-          </p:cNvSpPr>
-          <p:nvPr>
-            <p:ph type="title"/>
-          </p:nvPr>
-        </p:nvSpPr>
-        <p:spPr/>
-        <p:txBody>
-          <a:bodyPr/>
-          <a:lstStyle/>
-          <a:p>
-            <a:r>
-              <a:rPr lang="ja-JP" altLang="en-US" dirty="0"/>
-              <a:t>第</a:t>
-            </a:r>
-            <a:r>
-              <a:rPr lang="en-US" altLang="ja-JP" dirty="0"/>
-              <a:t>10</a:t>
-            </a:r>
-            <a:r>
-              <a:rPr lang="ja-JP" altLang="en-US" dirty="0"/>
-              <a:t>回課題 応用</a:t>
-            </a:r>
-            <a:endParaRPr kumimoji="1" lang="ja-JP" altLang="en-US" dirty="0"/>
-          </a:p>
-        </p:txBody>
-      </p:sp>
-    </p:spTree>
-    <p:extLst>
-      <p:ext uri="{BB962C8B-B14F-4D97-AF65-F5344CB8AC3E}">
-        <p14:creationId xmlns:p14="http://schemas.microsoft.com/office/powerpoint/2010/main" val="3950376182"/>
-      </p:ext>
-    </p:extLst>
-  </p:cSld>
-  <p:clrMapOvr>
-    <a:masterClrMapping/>
-  </p:clrMapOvr>
-</p:sld>
-</file>
-
-<file path=ppt/slides/slide20.xml><?xml version="1.0" encoding="utf-8"?>
+<file path=ppt/slides/slide23.xml><?xml version="1.0" encoding="utf-8"?>
 <p:sld xmlns:a="http://schemas.openxmlformats.org/drawingml/2006/main" xmlns:r="http://schemas.openxmlformats.org/officeDocument/2006/relationships" xmlns:p="http://schemas.openxmlformats.org/presentationml/2006/main">
   <p:cSld>
     <p:spTree>
@@ -19319,6 +20135,180 @@
   <p:clrMapOvr>
     <a:masterClrMapping/>
   </p:clrMapOvr>
+  <p:timing>
+    <p:tnLst>
+      <p:par>
+        <p:cTn id="1" dur="indefinite" restart="never" nodeType="tmRoot"/>
+      </p:par>
+    </p:tnLst>
+  </p:timing>
+</p:sld>
+</file>
+
+<file path=ppt/slides/slide24.xml><?xml version="1.0" encoding="utf-8"?>
+<p:sld xmlns:a="http://schemas.openxmlformats.org/drawingml/2006/main" xmlns:r="http://schemas.openxmlformats.org/officeDocument/2006/relationships" xmlns:p="http://schemas.openxmlformats.org/presentationml/2006/main">
+  <p:cSld>
+    <p:spTree>
+      <p:nvGrpSpPr>
+        <p:cNvPr id="1" name=""/>
+        <p:cNvGrpSpPr/>
+        <p:nvPr/>
+      </p:nvGrpSpPr>
+      <p:grpSpPr>
+        <a:xfrm>
+          <a:off x="0" y="0"/>
+          <a:ext cx="0" cy="0"/>
+          <a:chOff x="0" y="0"/>
+          <a:chExt cx="0" cy="0"/>
+        </a:xfrm>
+      </p:grpSpPr>
+      <p:sp>
+        <p:nvSpPr>
+          <p:cNvPr id="2" name="コンテンツ プレースホルダー 1"/>
+          <p:cNvSpPr>
+            <a:spLocks noGrp="1"/>
+          </p:cNvSpPr>
+          <p:nvPr>
+            <p:ph idx="1"/>
+          </p:nvPr>
+        </p:nvSpPr>
+        <p:spPr/>
+        <p:txBody>
+          <a:bodyPr>
+            <a:normAutofit/>
+          </a:bodyPr>
+          <a:lstStyle/>
+          <a:p>
+            <a:r>
+              <a:rPr kumimoji="1" lang="ja-JP" altLang="en-US" dirty="0" smtClean="0"/>
+              <a:t>前回と同じ提出形式</a:t>
+            </a:r>
+            <a:endParaRPr kumimoji="1" lang="en-US" altLang="ja-JP" dirty="0" smtClean="0"/>
+          </a:p>
+          <a:p>
+            <a:r>
+              <a:rPr lang="ja-JP" altLang="en-US" dirty="0" smtClean="0"/>
+              <a:t>がんばれる</a:t>
+            </a:r>
+            <a:r>
+              <a:rPr lang="ja-JP" altLang="en-US" dirty="0"/>
+              <a:t>人</a:t>
+            </a:r>
+            <a:r>
+              <a:rPr lang="ja-JP" altLang="en-US" dirty="0" smtClean="0"/>
+              <a:t>は・・・</a:t>
+            </a:r>
+            <a:endParaRPr kumimoji="1" lang="en-US" altLang="ja-JP" dirty="0" smtClean="0"/>
+          </a:p>
+          <a:p>
+            <a:pPr lvl="1"/>
+            <a:r>
+              <a:rPr kumimoji="1" lang="ja-JP" altLang="en-US" dirty="0" smtClean="0"/>
+              <a:t>ファイルのロード</a:t>
+            </a:r>
+            <a:endParaRPr kumimoji="1" lang="en-US" altLang="ja-JP" dirty="0" smtClean="0"/>
+          </a:p>
+          <a:p>
+            <a:pPr lvl="1"/>
+            <a:r>
+              <a:rPr lang="ja-JP" altLang="en-US" dirty="0" smtClean="0"/>
+              <a:t>コリジョン</a:t>
+            </a:r>
+            <a:endParaRPr lang="en-US" altLang="ja-JP" dirty="0" smtClean="0"/>
+          </a:p>
+          <a:p>
+            <a:pPr lvl="1"/>
+            <a:r>
+              <a:rPr lang="ja-JP" altLang="en-US" dirty="0" smtClean="0"/>
+              <a:t>得点とハイスコア</a:t>
+            </a:r>
+            <a:endParaRPr lang="en-US" altLang="ja-JP" dirty="0" smtClean="0"/>
+          </a:p>
+          <a:p>
+            <a:pPr lvl="1"/>
+            <a:r>
+              <a:rPr kumimoji="1" lang="ja-JP" altLang="en-US" dirty="0" smtClean="0"/>
+              <a:t>シーン遷移</a:t>
+            </a:r>
+            <a:endParaRPr lang="en-US" altLang="ja-JP" dirty="0"/>
+          </a:p>
+          <a:p>
+            <a:pPr lvl="1"/>
+            <a:r>
+              <a:rPr kumimoji="1" lang="ja-JP" altLang="en-US" dirty="0" smtClean="0"/>
+              <a:t>ネットワーク対応・・・！？</a:t>
+            </a:r>
+            <a:endParaRPr kumimoji="1" lang="en-US" altLang="ja-JP" dirty="0" smtClean="0"/>
+          </a:p>
+          <a:p>
+            <a:endParaRPr lang="en-US" altLang="ja-JP" dirty="0"/>
+          </a:p>
+          <a:p>
+            <a:r>
+              <a:rPr lang="ja-JP" altLang="en-US" dirty="0" smtClean="0"/>
+              <a:t>資料はこちら</a:t>
+            </a:r>
+            <a:r>
+              <a:rPr lang="en-US" altLang="ja-JP" dirty="0" smtClean="0"/>
+              <a:t/>
+            </a:r>
+            <a:br>
+              <a:rPr lang="en-US" altLang="ja-JP" dirty="0" smtClean="0"/>
+            </a:br>
+            <a:r>
+              <a:rPr lang="en-US" altLang="ja-JP" dirty="0" smtClean="0"/>
+              <a:t>https</a:t>
+            </a:r>
+            <a:r>
+              <a:rPr lang="en-US" altLang="ja-JP" dirty="0"/>
+              <a:t>://github.com/kaitas/ShiraiLabOpen/tree/master/GamePro/GameEngine</a:t>
+            </a:r>
+            <a:endParaRPr kumimoji="1" lang="ja-JP" altLang="en-US" dirty="0"/>
+          </a:p>
+        </p:txBody>
+      </p:sp>
+      <p:sp>
+        <p:nvSpPr>
+          <p:cNvPr id="3" name="タイトル 2"/>
+          <p:cNvSpPr>
+            <a:spLocks noGrp="1"/>
+          </p:cNvSpPr>
+          <p:nvPr>
+            <p:ph type="title"/>
+          </p:nvPr>
+        </p:nvSpPr>
+        <p:spPr/>
+        <p:txBody>
+          <a:bodyPr>
+            <a:normAutofit/>
+          </a:bodyPr>
+          <a:lstStyle/>
+          <a:p>
+            <a:r>
+              <a:rPr kumimoji="1" lang="ja-JP" altLang="en-US" sz="4000" dirty="0" smtClean="0"/>
+              <a:t>とにかく応用！自分を前進させる</a:t>
+            </a:r>
+            <a:endParaRPr kumimoji="1" lang="ja-JP" altLang="en-US" sz="4000" dirty="0"/>
+          </a:p>
+        </p:txBody>
+      </p:sp>
+    </p:spTree>
+    <p:extLst>
+      <p:ext uri="{BB962C8B-B14F-4D97-AF65-F5344CB8AC3E}">
+        <p14:creationId xmlns:p14="http://schemas.microsoft.com/office/powerpoint/2010/main" val="3380794193"/>
+      </p:ext>
+    </p:extLst>
+  </p:cSld>
+  <p:clrMapOvr>
+    <a:masterClrMapping/>
+  </p:clrMapOvr>
+  <p:timing>
+    <p:tnLst>
+      <p:par>
+        <p:cTn id="1" dur="indefinite" restart="never" nodeType="tmRoot"/>
+      </p:par>
+    </p:tnLst>
+  </p:timing>
 </p:sld>
 </file>
 
@@ -19607,14 +20597,56 @@
             </a:br>
             <a:r>
               <a:rPr lang="ja-JP" altLang="en-US" dirty="0"/>
-              <a:t>・応用として「ゲームが作れるか？」</a:t>
+              <a:t>・応用として「ゲームが作れるか？</a:t>
+            </a:r>
+            <a:r>
+              <a:rPr lang="ja-JP" altLang="en-US" dirty="0" smtClean="0"/>
+              <a:t>」　→ </a:t>
+            </a:r>
+            <a:r>
+              <a:rPr lang="ja-JP" altLang="en-US" dirty="0"/>
+              <a:t>　</a:t>
+            </a:r>
+            <a:r>
+              <a:rPr lang="ja-JP" altLang="en-US" sz="4000" dirty="0" smtClean="0"/>
+              <a:t>巨大なものを作ろうとしすぎる！</a:t>
+            </a:r>
+            <a:r>
+              <a:rPr lang="ja-JP" altLang="en-US" dirty="0"/>
+              <a:t/>
             </a:r>
             <a:br>
               <a:rPr lang="ja-JP" altLang="en-US" dirty="0"/>
             </a:br>
             <a:r>
               <a:rPr lang="ja-JP" altLang="en-US" dirty="0"/>
-              <a:t>・時間内に作れるか？</a:t>
+              <a:t>・時間内に作れるか</a:t>
+            </a:r>
+            <a:r>
+              <a:rPr lang="ja-JP" altLang="en-US" dirty="0" smtClean="0"/>
+              <a:t>？　　　　　　　　　→　やれれば、やれるほど、やりたいことが増えてくる！</a:t>
+            </a:r>
+            <a:endParaRPr lang="en-US" altLang="ja-JP" dirty="0" smtClean="0"/>
+          </a:p>
+          <a:p>
+            <a:pPr marL="0" indent="0">
+              <a:buNone/>
+            </a:pPr>
+            <a:r>
+              <a:rPr lang="en-US" altLang="ja-JP" dirty="0"/>
+              <a:t>	</a:t>
+            </a:r>
+            <a:r>
+              <a:rPr lang="en-US" altLang="ja-JP" dirty="0" smtClean="0"/>
+              <a:t>		</a:t>
+            </a:r>
+            <a:r>
+              <a:rPr lang="ja-JP" altLang="en-US" dirty="0" smtClean="0"/>
+              <a:t>　　　　→　何が終わりなのか、自分でもわからない！！</a:t>
+            </a:r>
+            <a:r>
+              <a:rPr lang="ja-JP" altLang="en-US" dirty="0"/>
+              <a:t/>
             </a:r>
             <a:br>
               <a:rPr lang="ja-JP" altLang="en-US" dirty="0"/>
@@ -19900,6 +20932,13 @@
   <p:clrMapOvr>
     <a:masterClrMapping/>
   </p:clrMapOvr>
+  <p:timing>
+    <p:tnLst>
+      <p:par>
+        <p:cTn id="1" dur="indefinite" restart="never" nodeType="tmRoot"/>
+      </p:par>
+    </p:tnLst>
+  </p:timing>
 </p:sld>
 </file>
 
@@ -20026,6 +21065,13 @@
   <p:clrMapOvr>
     <a:masterClrMapping/>
   </p:clrMapOvr>
+  <p:timing>
+    <p:tnLst>
+      <p:par>
+        <p:cTn id="1" dur="indefinite" restart="never" nodeType="tmRoot"/>
+      </p:par>
+    </p:tnLst>
+  </p:timing>
 </p:sld>
 </file>
 
@@ -20129,6 +21175,13 @@
   <p:clrMapOvr>
     <a:masterClrMapping/>
   </p:clrMapOvr>
+  <p:timing>
+    <p:tnLst>
+      <p:par>
+        <p:cTn id="1" dur="indefinite" restart="never" nodeType="tmRoot"/>
+      </p:par>
+    </p:tnLst>
+  </p:timing>
 </p:sld>
 </file>
 
@@ -20247,6 +21300,13 @@
   <p:clrMapOvr>
     <a:masterClrMapping/>
   </p:clrMapOvr>
+  <p:timing>
+    <p:tnLst>
+      <p:par>
+        <p:cTn id="1" dur="indefinite" restart="never" nodeType="tmRoot"/>
+      </p:par>
+    </p:tnLst>
+  </p:timing>
 </p:sld>
 </file>
 
@@ -20361,6 +21421,13 @@
   <p:clrMapOvr>
     <a:masterClrMapping/>
   </p:clrMapOvr>
+  <p:timing>
+    <p:tnLst>
+      <p:par>
+        <p:cTn id="1" dur="indefinite" restart="never" nodeType="tmRoot"/>
+      </p:par>
+    </p:tnLst>
+  </p:timing>
 </p:sld>
 </file>
 
@@ -20469,6 +21536,13 @@
   <p:clrMapOvr>
     <a:masterClrMapping/>
   </p:clrMapOvr>
+  <p:timing>
+    <p:tnLst>
+      <p:par>
+        <p:cTn id="1" dur="indefinite" restart="never" nodeType="tmRoot"/>
+      </p:par>
+    </p:tnLst>
+  </p:timing>
 </p:sld>
 </file>
 
@@ -20722,6 +21796,13 @@
   <p:clrMapOvr>
     <a:masterClrMapping/>
   </p:clrMapOvr>
+  <p:timing>
+    <p:tnLst>
+      <p:par>
+        <p:cTn id="1" dur="indefinite" restart="never" nodeType="tmRoot"/>
+      </p:par>
+    </p:tnLst>
+  </p:timing>
 </p:sld>
 </file>
 

--- a/GamePro/GameEngine/GamePro20150628.pptx
+++ b/GamePro/GameEngine/GamePro20150628.pptx
@@ -5,33 +5,34 @@
     <p:sldMasterId id="2147483660" r:id="rId1"/>
   </p:sldMasterIdLst>
   <p:notesMasterIdLst>
-    <p:notesMasterId r:id="rId26"/>
+    <p:notesMasterId r:id="rId27"/>
   </p:notesMasterIdLst>
   <p:sldIdLst>
     <p:sldId id="256" r:id="rId2"/>
-    <p:sldId id="257" r:id="rId3"/>
-    <p:sldId id="275" r:id="rId4"/>
-    <p:sldId id="258" r:id="rId5"/>
-    <p:sldId id="260" r:id="rId6"/>
-    <p:sldId id="262" r:id="rId7"/>
-    <p:sldId id="263" r:id="rId8"/>
-    <p:sldId id="264" r:id="rId9"/>
-    <p:sldId id="267" r:id="rId10"/>
-    <p:sldId id="266" r:id="rId11"/>
-    <p:sldId id="278" r:id="rId12"/>
-    <p:sldId id="269" r:id="rId13"/>
-    <p:sldId id="268" r:id="rId14"/>
-    <p:sldId id="270" r:id="rId15"/>
-    <p:sldId id="271" r:id="rId16"/>
-    <p:sldId id="272" r:id="rId17"/>
-    <p:sldId id="279" r:id="rId18"/>
-    <p:sldId id="280" r:id="rId19"/>
-    <p:sldId id="273" r:id="rId20"/>
-    <p:sldId id="265" r:id="rId21"/>
-    <p:sldId id="274" r:id="rId22"/>
-    <p:sldId id="276" r:id="rId23"/>
-    <p:sldId id="277" r:id="rId24"/>
-    <p:sldId id="281" r:id="rId25"/>
+    <p:sldId id="282" r:id="rId3"/>
+    <p:sldId id="257" r:id="rId4"/>
+    <p:sldId id="275" r:id="rId5"/>
+    <p:sldId id="258" r:id="rId6"/>
+    <p:sldId id="260" r:id="rId7"/>
+    <p:sldId id="262" r:id="rId8"/>
+    <p:sldId id="263" r:id="rId9"/>
+    <p:sldId id="264" r:id="rId10"/>
+    <p:sldId id="267" r:id="rId11"/>
+    <p:sldId id="266" r:id="rId12"/>
+    <p:sldId id="278" r:id="rId13"/>
+    <p:sldId id="269" r:id="rId14"/>
+    <p:sldId id="268" r:id="rId15"/>
+    <p:sldId id="270" r:id="rId16"/>
+    <p:sldId id="271" r:id="rId17"/>
+    <p:sldId id="272" r:id="rId18"/>
+    <p:sldId id="279" r:id="rId19"/>
+    <p:sldId id="280" r:id="rId20"/>
+    <p:sldId id="273" r:id="rId21"/>
+    <p:sldId id="265" r:id="rId22"/>
+    <p:sldId id="274" r:id="rId23"/>
+    <p:sldId id="276" r:id="rId24"/>
+    <p:sldId id="277" r:id="rId25"/>
+    <p:sldId id="281" r:id="rId26"/>
   </p:sldIdLst>
   <p:sldSz cx="9144000" cy="6858000" type="screen4x3"/>
   <p:notesSz cx="6858000" cy="9144000"/>
@@ -136,6 +137,7 @@
         <p14:section name="既定のセクション" id="{9FEEDFAC-5A73-4BB0-B65D-596D661FEEC7}">
           <p14:sldIdLst>
             <p14:sldId id="256"/>
+            <p14:sldId id="282"/>
             <p14:sldId id="257"/>
             <p14:sldId id="275"/>
             <p14:sldId id="258"/>
@@ -628,7 +630,7 @@
           <a:p>
             <a:fld id="{E03FE885-361D-0544-AA0D-DDF147C9C156}" type="slidenum">
               <a:rPr kumimoji="1" lang="ja-JP" altLang="en-US" smtClean="0"/>
-              <a:t>3</a:t>
+              <a:t>4</a:t>
             </a:fld>
             <a:endParaRPr kumimoji="1" lang="ja-JP" altLang="en-US"/>
           </a:p>
@@ -712,7 +714,7 @@
           <a:p>
             <a:fld id="{E03FE885-361D-0544-AA0D-DDF147C9C156}" type="slidenum">
               <a:rPr kumimoji="1" lang="ja-JP" altLang="en-US" smtClean="0"/>
-              <a:t>6</a:t>
+              <a:t>7</a:t>
             </a:fld>
             <a:endParaRPr kumimoji="1" lang="ja-JP" altLang="en-US"/>
           </a:p>
@@ -796,7 +798,7 @@
           <a:p>
             <a:fld id="{E03FE885-361D-0544-AA0D-DDF147C9C156}" type="slidenum">
               <a:rPr kumimoji="1" lang="ja-JP" altLang="en-US" smtClean="0"/>
-              <a:t>9</a:t>
+              <a:t>10</a:t>
             </a:fld>
             <a:endParaRPr kumimoji="1" lang="ja-JP" altLang="en-US"/>
           </a:p>
@@ -900,7 +902,7 @@
           <a:p>
             <a:fld id="{E03FE885-361D-0544-AA0D-DDF147C9C156}" type="slidenum">
               <a:rPr kumimoji="1" lang="ja-JP" altLang="en-US" smtClean="0"/>
-              <a:t>10</a:t>
+              <a:t>11</a:t>
             </a:fld>
             <a:endParaRPr kumimoji="1" lang="ja-JP" altLang="en-US"/>
           </a:p>
@@ -984,7 +986,7 @@
           <a:p>
             <a:fld id="{E03FE885-361D-0544-AA0D-DDF147C9C156}" type="slidenum">
               <a:rPr kumimoji="1" lang="ja-JP" altLang="en-US" smtClean="0"/>
-              <a:t>17</a:t>
+              <a:t>18</a:t>
             </a:fld>
             <a:endParaRPr kumimoji="1" lang="ja-JP" altLang="en-US"/>
           </a:p>
@@ -1068,7 +1070,7 @@
           <a:p>
             <a:fld id="{E03FE885-361D-0544-AA0D-DDF147C9C156}" type="slidenum">
               <a:rPr kumimoji="1" lang="ja-JP" altLang="en-US" smtClean="0"/>
-              <a:t>18</a:t>
+              <a:t>19</a:t>
             </a:fld>
             <a:endParaRPr kumimoji="1" lang="ja-JP" altLang="en-US"/>
           </a:p>
@@ -1156,7 +1158,7 @@
           <a:p>
             <a:fld id="{E03FE885-361D-0544-AA0D-DDF147C9C156}" type="slidenum">
               <a:rPr kumimoji="1" lang="ja-JP" altLang="en-US" smtClean="0"/>
-              <a:t>20</a:t>
+              <a:t>21</a:t>
             </a:fld>
             <a:endParaRPr kumimoji="1" lang="ja-JP" altLang="en-US"/>
           </a:p>
@@ -1240,7 +1242,7 @@
           <a:p>
             <a:fld id="{E03FE885-361D-0544-AA0D-DDF147C9C156}" type="slidenum">
               <a:rPr kumimoji="1" lang="ja-JP" altLang="en-US" smtClean="0"/>
-              <a:t>22</a:t>
+              <a:t>23</a:t>
             </a:fld>
             <a:endParaRPr kumimoji="1" lang="ja-JP" altLang="en-US"/>
           </a:p>
@@ -16393,8 +16395,16 @@
               <a:rPr kumimoji="1" lang="en-US" altLang="ja-JP" dirty="0" smtClean="0"/>
             </a:br>
             <a:r>
+              <a:rPr kumimoji="1" lang="en-US" altLang="ja-JP" dirty="0" smtClean="0"/>
+              <a:t> - </a:t>
+            </a:r>
+            <a:r>
               <a:rPr lang="ja-JP" altLang="en-US" dirty="0" smtClean="0"/>
-              <a:t>応用編</a:t>
+              <a:t>応用編 </a:t>
+            </a:r>
+            <a:r>
+              <a:rPr lang="en-US" altLang="ja-JP" dirty="0" smtClean="0"/>
+              <a:t>-</a:t>
             </a:r>
             <a:endParaRPr kumimoji="1" lang="ja-JP" altLang="en-US" dirty="0"/>
           </a:p>
@@ -16412,8 +16422,17 @@
         </p:nvSpPr>
         <p:spPr/>
         <p:txBody>
-          <a:bodyPr/>
+          <a:bodyPr>
+            <a:normAutofit lnSpcReduction="10000"/>
+          </a:bodyPr>
           <a:lstStyle/>
+          <a:p>
+            <a:r>
+              <a:rPr kumimoji="1" lang="ja-JP" altLang="en-US" dirty="0" smtClean="0"/>
+              <a:t>神奈川工科大学 情報メディア学科</a:t>
+            </a:r>
+            <a:endParaRPr kumimoji="1" lang="en-US" altLang="ja-JP" dirty="0" smtClean="0"/>
+          </a:p>
           <a:p>
             <a:r>
               <a:rPr kumimoji="1" lang="ja-JP" altLang="en-US" dirty="0" smtClean="0"/>
@@ -16472,68 +16491,55 @@
         </p:nvSpPr>
         <p:spPr/>
         <p:txBody>
-          <a:bodyPr>
-            <a:normAutofit fontScale="92500" lnSpcReduction="20000"/>
-          </a:bodyPr>
+          <a:bodyPr/>
           <a:lstStyle/>
           <a:p>
             <a:r>
-              <a:rPr kumimoji="1" lang="en-US" altLang="ja-JP" dirty="0" smtClean="0"/>
-              <a:t>Audacity</a:t>
-            </a:r>
-            <a:r>
-              <a:rPr kumimoji="1" lang="ja-JP" altLang="en-US" dirty="0" smtClean="0"/>
-              <a:t>を使って</a:t>
-            </a:r>
-            <a:r>
-              <a:rPr kumimoji="1" lang="en-US" altLang="ja-JP" dirty="0" smtClean="0"/>
-              <a:t>MP3</a:t>
-            </a:r>
-            <a:r>
-              <a:rPr kumimoji="1" lang="ja-JP" altLang="en-US" dirty="0" smtClean="0"/>
-              <a:t>ファイルから</a:t>
-            </a:r>
-            <a:r>
-              <a:rPr kumimoji="1" lang="en-US" altLang="ja-JP" dirty="0" smtClean="0"/>
-              <a:t>WAV</a:t>
-            </a:r>
-            <a:r>
-              <a:rPr kumimoji="1" lang="ja-JP" altLang="en-US" dirty="0" smtClean="0"/>
-              <a:t>に変換</a:t>
-            </a:r>
-            <a:endParaRPr kumimoji="1" lang="en-US" altLang="ja-JP" dirty="0" smtClean="0"/>
-          </a:p>
-          <a:p>
+              <a:rPr lang="en-US" altLang="ja-JP" dirty="0"/>
+              <a:t>Pictures</a:t>
+            </a:r>
+            <a:r>
+              <a:rPr lang="ja-JP" altLang="en-US" dirty="0"/>
+              <a:t>フォルダ</a:t>
+            </a:r>
+            <a:r>
+              <a:rPr lang="ja-JP" altLang="en-US" dirty="0" smtClean="0"/>
+              <a:t>に希望の</a:t>
+            </a:r>
             <a:r>
               <a:rPr lang="en-US" altLang="ja-JP" dirty="0" smtClean="0"/>
-              <a:t>XACT</a:t>
+              <a:t>JPEG(PNG</a:t>
             </a:r>
             <a:r>
               <a:rPr lang="ja-JP" altLang="en-US" dirty="0" smtClean="0"/>
-              <a:t>を使って新しいバンクを作成</a:t>
-            </a:r>
-            <a:endParaRPr lang="en-US" altLang="ja-JP" dirty="0" smtClean="0"/>
-          </a:p>
-          <a:p>
-            <a:r>
-              <a:rPr kumimoji="1" lang="ja-JP" altLang="en-US" dirty="0" smtClean="0"/>
-              <a:t>ソースコード</a:t>
-            </a:r>
-            <a:r>
-              <a:rPr kumimoji="1" lang="en-US" altLang="ja-JP" dirty="0" smtClean="0"/>
-              <a:t>(</a:t>
-            </a:r>
-            <a:r>
-              <a:rPr kumimoji="1" lang="en-US" altLang="ja-JP" dirty="0" err="1" smtClean="0"/>
-              <a:t>constants.h</a:t>
-            </a:r>
-            <a:r>
-              <a:rPr kumimoji="1" lang="en-US" altLang="ja-JP" dirty="0" smtClean="0"/>
+              <a:t>でも可</a:t>
+            </a:r>
+            <a:r>
+              <a:rPr lang="en-US" altLang="ja-JP" dirty="0" smtClean="0"/>
               <a:t>)</a:t>
             </a:r>
             <a:r>
-              <a:rPr kumimoji="1" lang="ja-JP" altLang="en-US" dirty="0" smtClean="0"/>
-              <a:t>に追記</a:t>
+              <a:rPr lang="ja-JP" altLang="en-US" dirty="0" smtClean="0"/>
+              <a:t>ファイルを置く</a:t>
+            </a:r>
+            <a:endParaRPr lang="ja-JP" altLang="en-US" dirty="0"/>
+          </a:p>
+          <a:p>
+            <a:r>
+              <a:rPr lang="ja-JP" altLang="en-US" dirty="0" smtClean="0"/>
+              <a:t>タイトル画像の代わりに</a:t>
+            </a:r>
+            <a:r>
+              <a:rPr lang="en-US" altLang="ja-JP" dirty="0" smtClean="0"/>
+              <a:t>JPEG</a:t>
+            </a:r>
+            <a:r>
+              <a:rPr lang="ja-JP" altLang="en-US" dirty="0" smtClean="0"/>
+              <a:t>表示</a:t>
+            </a:r>
+            <a:r>
+              <a:rPr lang="en-US" altLang="ja-JP" dirty="0" err="1" smtClean="0"/>
+              <a:t>Constants.h</a:t>
             </a:r>
             <a:endParaRPr kumimoji="1" lang="en-US" altLang="ja-JP" dirty="0" smtClean="0"/>
           </a:p>
@@ -16543,7 +16549,7 @@
             </a:pPr>
             <a:r>
               <a:rPr lang="en-US" altLang="ja-JP" b="1" dirty="0"/>
-              <a:t>// audio files required by audio.cpp</a:t>
+              <a:t>// graphic images</a:t>
             </a:r>
             <a:endParaRPr lang="en-US" altLang="ja-JP" dirty="0"/>
           </a:p>
@@ -16552,183 +16558,21 @@
               <a:buNone/>
             </a:pPr>
             <a:r>
-              <a:rPr lang="en-US" altLang="ja-JP" b="1" dirty="0"/>
-              <a:t>// WAVE_BANK must be location of .</a:t>
-            </a:r>
-            <a:r>
-              <a:rPr lang="en-US" altLang="ja-JP" b="1" dirty="0" err="1"/>
-              <a:t>xwb</a:t>
-            </a:r>
-            <a:r>
-              <a:rPr lang="en-US" altLang="ja-JP" b="1" dirty="0"/>
-              <a:t> file.</a:t>
-            </a:r>
-            <a:endParaRPr lang="en-US" altLang="ja-JP" dirty="0"/>
+              <a:rPr lang="fr-FR" altLang="ja-JP" b="1" dirty="0"/>
+              <a:t>//const char MENU_IMAGE[] =     "pictures\\menu.png";      // menu texture</a:t>
+            </a:r>
+            <a:endParaRPr lang="fr-FR" altLang="ja-JP" dirty="0"/>
           </a:p>
           <a:p>
             <a:pPr marL="0" indent="0">
               <a:buNone/>
             </a:pPr>
             <a:r>
-              <a:rPr lang="en-US" altLang="ja-JP" dirty="0" err="1"/>
-              <a:t>const</a:t>
-            </a:r>
-            <a:r>
-              <a:rPr lang="en-US" altLang="ja-JP" dirty="0"/>
-              <a:t> char WAVE_BANK[]  = "audio\\Win\\Wave </a:t>
-            </a:r>
-            <a:r>
-              <a:rPr lang="en-US" altLang="ja-JP" dirty="0" err="1"/>
-              <a:t>Bank.xwb</a:t>
-            </a:r>
-            <a:r>
-              <a:rPr lang="en-US" altLang="ja-JP" dirty="0"/>
-              <a:t>";</a:t>
-            </a:r>
-          </a:p>
-          <a:p>
-            <a:pPr marL="0" indent="0">
-              <a:buNone/>
-            </a:pPr>
-            <a:r>
-              <a:rPr lang="en-US" altLang="ja-JP" b="1" dirty="0"/>
-              <a:t>// SOUND_BANK must be location of .</a:t>
-            </a:r>
-            <a:r>
-              <a:rPr lang="en-US" altLang="ja-JP" b="1" dirty="0" err="1"/>
-              <a:t>xsb</a:t>
-            </a:r>
-            <a:r>
-              <a:rPr lang="en-US" altLang="ja-JP" b="1" dirty="0"/>
-              <a:t> file.</a:t>
-            </a:r>
-            <a:endParaRPr lang="en-US" altLang="ja-JP" dirty="0"/>
-          </a:p>
-          <a:p>
-            <a:pPr marL="0" indent="0">
-              <a:buNone/>
-            </a:pPr>
-            <a:r>
-              <a:rPr lang="en-US" altLang="ja-JP" dirty="0" err="1"/>
-              <a:t>const</a:t>
-            </a:r>
-            <a:r>
-              <a:rPr lang="en-US" altLang="ja-JP" dirty="0"/>
-              <a:t> char SOUND_BANK[] = "audio\\Win\\Sound </a:t>
-            </a:r>
-            <a:r>
-              <a:rPr lang="en-US" altLang="ja-JP" dirty="0" err="1"/>
-              <a:t>Bank.xsb</a:t>
-            </a:r>
-            <a:r>
-              <a:rPr lang="en-US" altLang="ja-JP" dirty="0"/>
-              <a:t>";</a:t>
-            </a:r>
-          </a:p>
-          <a:p>
-            <a:pPr marL="0" indent="0">
-              <a:buNone/>
-            </a:pPr>
-            <a:endParaRPr lang="ja-JP" altLang="en-US" dirty="0"/>
-          </a:p>
-          <a:p>
-            <a:pPr marL="0" indent="0">
-              <a:buNone/>
-            </a:pPr>
-            <a:r>
-              <a:rPr lang="en-US" altLang="ja-JP" b="1" dirty="0"/>
-              <a:t>// audio cues</a:t>
-            </a:r>
-            <a:endParaRPr lang="en-US" altLang="ja-JP" dirty="0"/>
-          </a:p>
-          <a:p>
-            <a:pPr marL="0" indent="0">
-              <a:buNone/>
-            </a:pPr>
-            <a:r>
-              <a:rPr lang="en-US" altLang="ja-JP" dirty="0" err="1"/>
-              <a:t>const</a:t>
-            </a:r>
-            <a:r>
-              <a:rPr lang="en-US" altLang="ja-JP" dirty="0"/>
-              <a:t> char BGM[] = "</a:t>
-            </a:r>
-            <a:r>
-              <a:rPr lang="en-US" altLang="ja-JP" dirty="0" err="1"/>
-              <a:t>marcus_kellis_theme</a:t>
-            </a:r>
-            <a:r>
-              <a:rPr lang="en-US" altLang="ja-JP" dirty="0"/>
-              <a:t>"; </a:t>
-            </a:r>
-            <a:r>
-              <a:rPr lang="en-US" altLang="ja-JP" b="1" dirty="0"/>
-              <a:t>//</a:t>
-            </a:r>
-            <a:r>
-              <a:rPr lang="en-US" altLang="ja-JP" b="1" dirty="0" err="1"/>
-              <a:t>marcus_kellis_theme</a:t>
-            </a:r>
-            <a:endParaRPr lang="en-US" altLang="ja-JP" dirty="0"/>
-          </a:p>
-          <a:p>
-            <a:pPr marL="0" indent="0">
-              <a:buNone/>
-            </a:pPr>
-            <a:endParaRPr lang="ja-JP" altLang="en-US" dirty="0"/>
-          </a:p>
-          <a:p>
-            <a:r>
-              <a:rPr lang="ja-JP" altLang="en-US" dirty="0" smtClean="0"/>
-              <a:t>なおここでは</a:t>
-            </a:r>
-            <a:r>
-              <a:rPr lang="en-US" altLang="ja-JP" dirty="0" smtClean="0"/>
-              <a:t>“</a:t>
-            </a:r>
-            <a:r>
-              <a:rPr lang="en-US" altLang="ja-JP" dirty="0" err="1" smtClean="0"/>
-              <a:t>marcus_kellis_theme</a:t>
-            </a:r>
-            <a:r>
-              <a:rPr lang="en-US" altLang="ja-JP" dirty="0" smtClean="0"/>
-              <a:t>” </a:t>
-            </a:r>
-            <a:r>
-              <a:rPr lang="ja-JP" altLang="en-US" dirty="0" smtClean="0"/>
-              <a:t>を利用</a:t>
-            </a:r>
-            <a:r>
-              <a:rPr lang="en-US" altLang="ja-JP" dirty="0" smtClean="0"/>
-              <a:t/>
-            </a:r>
-            <a:br>
-              <a:rPr lang="en-US" altLang="ja-JP" dirty="0" smtClean="0"/>
-            </a:br>
-            <a:r>
-              <a:rPr lang="en-US" altLang="ja-JP" sz="2000" dirty="0" smtClean="0"/>
-              <a:t>Dance Like There's Marcus </a:t>
-            </a:r>
-            <a:r>
-              <a:rPr lang="en-US" altLang="ja-JP" sz="2000" dirty="0" err="1" smtClean="0"/>
-              <a:t>Kellis</a:t>
-            </a:r>
-            <a:r>
-              <a:rPr lang="en-US" altLang="ja-JP" sz="2000" dirty="0" smtClean="0"/>
-              <a:t> In Your Pants </a:t>
-            </a:r>
-            <a:r>
-              <a:rPr lang="en-US" altLang="ja-JP" sz="2000" dirty="0" err="1" smtClean="0"/>
-              <a:t>Themesong</a:t>
-            </a:r>
-            <a:r>
-              <a:rPr lang="en-US" altLang="ja-JP" sz="2000" dirty="0" smtClean="0"/>
-              <a:t>, Future Boy</a:t>
-            </a:r>
-            <a:endParaRPr lang="ja-JP" altLang="en-US" sz="2000" dirty="0" smtClean="0"/>
-          </a:p>
-          <a:p>
-            <a:pPr lvl="1"/>
+              <a:rPr lang="fr-FR" altLang="ja-JP" dirty="0"/>
+              <a:t>const char MENU_IMAGE[] =     "pictures\\LV2015akiL.jpg";     </a:t>
+            </a:r>
+          </a:p>
+          <a:p>
             <a:endParaRPr kumimoji="1" lang="ja-JP" altLang="en-US" dirty="0"/>
           </a:p>
         </p:txBody>
@@ -16749,21 +16593,119 @@
           <a:lstStyle/>
           <a:p>
             <a:r>
+              <a:rPr kumimoji="1" lang="ja-JP" altLang="en-US" dirty="0" smtClean="0"/>
+              <a:t>まずは</a:t>
+            </a:r>
+            <a:r>
               <a:rPr kumimoji="1" lang="en-US" altLang="ja-JP" dirty="0" smtClean="0"/>
-              <a:t>BGM</a:t>
+              <a:t>JPEG</a:t>
             </a:r>
             <a:r>
               <a:rPr kumimoji="1" lang="ja-JP" altLang="en-US" dirty="0" smtClean="0"/>
-              <a:t>等の取り込み</a:t>
+              <a:t>ファイルを読込表示</a:t>
             </a:r>
             <a:endParaRPr kumimoji="1" lang="ja-JP" altLang="en-US" dirty="0"/>
+          </a:p>
+        </p:txBody>
+      </p:sp>
+      <p:pic>
+        <p:nvPicPr>
+          <p:cNvPr id="4" name="図 3"/>
+          <p:cNvPicPr>
+            <a:picLocks noChangeAspect="1"/>
+          </p:cNvPicPr>
+          <p:nvPr/>
+        </p:nvPicPr>
+        <p:blipFill>
+          <a:blip r:embed="rId3"/>
+          <a:stretch>
+            <a:fillRect/>
+          </a:stretch>
+        </p:blipFill>
+        <p:spPr>
+          <a:xfrm>
+            <a:off x="5940152" y="4365104"/>
+            <a:ext cx="2867922" cy="2297882"/>
+          </a:xfrm>
+          <a:prstGeom prst="rect">
+            <a:avLst/>
+          </a:prstGeom>
+        </p:spPr>
+      </p:pic>
+      <p:pic>
+        <p:nvPicPr>
+          <p:cNvPr id="5" name="図 4"/>
+          <p:cNvPicPr>
+            <a:picLocks noChangeAspect="1"/>
+          </p:cNvPicPr>
+          <p:nvPr/>
+        </p:nvPicPr>
+        <p:blipFill>
+          <a:blip r:embed="rId4" cstate="print">
+            <a:extLst>
+              <a:ext uri="{28A0092B-C50C-407E-A947-70E740481C1C}">
+                <a14:useLocalDpi xmlns:a14="http://schemas.microsoft.com/office/drawing/2010/main" val="0"/>
+              </a:ext>
+            </a:extLst>
+          </a:blip>
+          <a:stretch>
+            <a:fillRect/>
+          </a:stretch>
+        </p:blipFill>
+        <p:spPr>
+          <a:xfrm>
+            <a:off x="755576" y="4386271"/>
+            <a:ext cx="3347864" cy="2231910"/>
+          </a:xfrm>
+          <a:prstGeom prst="rect">
+            <a:avLst/>
+          </a:prstGeom>
+        </p:spPr>
+      </p:pic>
+      <p:sp>
+        <p:nvSpPr>
+          <p:cNvPr id="6" name="下矢印 5"/>
+          <p:cNvSpPr/>
+          <p:nvPr/>
+        </p:nvSpPr>
+        <p:spPr>
+          <a:xfrm rot="16200000">
+            <a:off x="4649955" y="5229200"/>
+            <a:ext cx="648072" cy="792087"/>
+          </a:xfrm>
+          <a:prstGeom prst="downArrow">
+            <a:avLst/>
+          </a:prstGeom>
+        </p:spPr>
+        <p:style>
+          <a:lnRef idx="2">
+            <a:schemeClr val="accent1">
+              <a:shade val="50000"/>
+            </a:schemeClr>
+          </a:lnRef>
+          <a:fillRef idx="1">
+            <a:schemeClr val="accent1"/>
+          </a:fillRef>
+          <a:effectRef idx="0">
+            <a:schemeClr val="accent1"/>
+          </a:effectRef>
+          <a:fontRef idx="minor">
+            <a:schemeClr val="lt1"/>
+          </a:fontRef>
+        </p:style>
+        <p:txBody>
+          <a:bodyPr rtlCol="0" anchor="ctr"/>
+          <a:lstStyle/>
+          <a:p>
+            <a:pPr algn="ctr"/>
+            <a:endParaRPr kumimoji="1" lang="ja-JP" altLang="en-US"/>
           </a:p>
         </p:txBody>
       </p:sp>
     </p:spTree>
     <p:extLst>
       <p:ext uri="{BB962C8B-B14F-4D97-AF65-F5344CB8AC3E}">
-        <p14:creationId xmlns:p14="http://schemas.microsoft.com/office/powerpoint/2010/main" val="1350164744"/>
+        <p14:creationId xmlns:p14="http://schemas.microsoft.com/office/powerpoint/2010/main" val="3052917078"/>
       </p:ext>
     </p:extLst>
   </p:cSld>
@@ -16809,6 +16751,343 @@
         </p:nvSpPr>
         <p:spPr/>
         <p:txBody>
+          <a:bodyPr>
+            <a:normAutofit fontScale="92500" lnSpcReduction="20000"/>
+          </a:bodyPr>
+          <a:lstStyle/>
+          <a:p>
+            <a:r>
+              <a:rPr kumimoji="1" lang="en-US" altLang="ja-JP" dirty="0" smtClean="0"/>
+              <a:t>Audacity</a:t>
+            </a:r>
+            <a:r>
+              <a:rPr kumimoji="1" lang="ja-JP" altLang="en-US" dirty="0" smtClean="0"/>
+              <a:t>を使って</a:t>
+            </a:r>
+            <a:r>
+              <a:rPr kumimoji="1" lang="en-US" altLang="ja-JP" dirty="0" smtClean="0"/>
+              <a:t>MP3</a:t>
+            </a:r>
+            <a:r>
+              <a:rPr kumimoji="1" lang="ja-JP" altLang="en-US" dirty="0" smtClean="0"/>
+              <a:t>ファイルから</a:t>
+            </a:r>
+            <a:r>
+              <a:rPr kumimoji="1" lang="en-US" altLang="ja-JP" dirty="0" smtClean="0"/>
+              <a:t>WAV</a:t>
+            </a:r>
+            <a:r>
+              <a:rPr kumimoji="1" lang="ja-JP" altLang="en-US" dirty="0" smtClean="0"/>
+              <a:t>に変換</a:t>
+            </a:r>
+            <a:endParaRPr kumimoji="1" lang="en-US" altLang="ja-JP" dirty="0" smtClean="0"/>
+          </a:p>
+          <a:p>
+            <a:r>
+              <a:rPr lang="en-US" altLang="ja-JP" dirty="0" smtClean="0"/>
+              <a:t>XACT</a:t>
+            </a:r>
+            <a:r>
+              <a:rPr lang="ja-JP" altLang="en-US" dirty="0" smtClean="0"/>
+              <a:t>を使って新しいバンクを作成</a:t>
+            </a:r>
+            <a:endParaRPr lang="en-US" altLang="ja-JP" dirty="0" smtClean="0"/>
+          </a:p>
+          <a:p>
+            <a:r>
+              <a:rPr kumimoji="1" lang="ja-JP" altLang="en-US" dirty="0" smtClean="0"/>
+              <a:t>ソースコード</a:t>
+            </a:r>
+            <a:r>
+              <a:rPr kumimoji="1" lang="en-US" altLang="ja-JP" dirty="0" smtClean="0"/>
+              <a:t>(</a:t>
+            </a:r>
+            <a:r>
+              <a:rPr kumimoji="1" lang="en-US" altLang="ja-JP" dirty="0" err="1" smtClean="0"/>
+              <a:t>constants.h</a:t>
+            </a:r>
+            <a:r>
+              <a:rPr kumimoji="1" lang="en-US" altLang="ja-JP" dirty="0" smtClean="0"/>
+              <a:t>)</a:t>
+            </a:r>
+            <a:r>
+              <a:rPr kumimoji="1" lang="ja-JP" altLang="en-US" dirty="0" smtClean="0"/>
+              <a:t>に追記</a:t>
+            </a:r>
+            <a:endParaRPr kumimoji="1" lang="en-US" altLang="ja-JP" dirty="0" smtClean="0"/>
+          </a:p>
+          <a:p>
+            <a:pPr marL="0" indent="0">
+              <a:buNone/>
+            </a:pPr>
+            <a:r>
+              <a:rPr lang="en-US" altLang="ja-JP" b="1" dirty="0"/>
+              <a:t>// audio files required by audio.cpp</a:t>
+            </a:r>
+            <a:endParaRPr lang="en-US" altLang="ja-JP" dirty="0"/>
+          </a:p>
+          <a:p>
+            <a:pPr marL="0" indent="0">
+              <a:buNone/>
+            </a:pPr>
+            <a:r>
+              <a:rPr lang="en-US" altLang="ja-JP" b="1" dirty="0"/>
+              <a:t>// WAVE_BANK must be location of .</a:t>
+            </a:r>
+            <a:r>
+              <a:rPr lang="en-US" altLang="ja-JP" b="1" dirty="0" err="1"/>
+              <a:t>xwb</a:t>
+            </a:r>
+            <a:r>
+              <a:rPr lang="en-US" altLang="ja-JP" b="1" dirty="0"/>
+              <a:t> file.</a:t>
+            </a:r>
+            <a:endParaRPr lang="en-US" altLang="ja-JP" dirty="0"/>
+          </a:p>
+          <a:p>
+            <a:pPr marL="0" indent="0">
+              <a:buNone/>
+            </a:pPr>
+            <a:r>
+              <a:rPr lang="en-US" altLang="ja-JP" dirty="0" err="1"/>
+              <a:t>const</a:t>
+            </a:r>
+            <a:r>
+              <a:rPr lang="en-US" altLang="ja-JP" dirty="0"/>
+              <a:t> char WAVE_BANK[]  = "audio\\Win\\Wave </a:t>
+            </a:r>
+            <a:r>
+              <a:rPr lang="en-US" altLang="ja-JP" dirty="0" err="1"/>
+              <a:t>Bank.xwb</a:t>
+            </a:r>
+            <a:r>
+              <a:rPr lang="en-US" altLang="ja-JP" dirty="0"/>
+              <a:t>";</a:t>
+            </a:r>
+          </a:p>
+          <a:p>
+            <a:pPr marL="0" indent="0">
+              <a:buNone/>
+            </a:pPr>
+            <a:r>
+              <a:rPr lang="en-US" altLang="ja-JP" b="1" dirty="0"/>
+              <a:t>// SOUND_BANK must be location of .</a:t>
+            </a:r>
+            <a:r>
+              <a:rPr lang="en-US" altLang="ja-JP" b="1" dirty="0" err="1"/>
+              <a:t>xsb</a:t>
+            </a:r>
+            <a:r>
+              <a:rPr lang="en-US" altLang="ja-JP" b="1" dirty="0"/>
+              <a:t> file.</a:t>
+            </a:r>
+            <a:endParaRPr lang="en-US" altLang="ja-JP" dirty="0"/>
+          </a:p>
+          <a:p>
+            <a:pPr marL="0" indent="0">
+              <a:buNone/>
+            </a:pPr>
+            <a:r>
+              <a:rPr lang="en-US" altLang="ja-JP" dirty="0" err="1"/>
+              <a:t>const</a:t>
+            </a:r>
+            <a:r>
+              <a:rPr lang="en-US" altLang="ja-JP" dirty="0"/>
+              <a:t> char SOUND_BANK[] = "audio\\Win\\Sound </a:t>
+            </a:r>
+            <a:r>
+              <a:rPr lang="en-US" altLang="ja-JP" dirty="0" err="1"/>
+              <a:t>Bank.xsb</a:t>
+            </a:r>
+            <a:r>
+              <a:rPr lang="en-US" altLang="ja-JP" dirty="0"/>
+              <a:t>";</a:t>
+            </a:r>
+          </a:p>
+          <a:p>
+            <a:pPr marL="0" indent="0">
+              <a:buNone/>
+            </a:pPr>
+            <a:endParaRPr lang="ja-JP" altLang="en-US" dirty="0"/>
+          </a:p>
+          <a:p>
+            <a:pPr marL="0" indent="0">
+              <a:buNone/>
+            </a:pPr>
+            <a:r>
+              <a:rPr lang="en-US" altLang="ja-JP" b="1" dirty="0"/>
+              <a:t>// audio cues</a:t>
+            </a:r>
+            <a:endParaRPr lang="en-US" altLang="ja-JP" dirty="0"/>
+          </a:p>
+          <a:p>
+            <a:pPr marL="0" indent="0">
+              <a:buNone/>
+            </a:pPr>
+            <a:r>
+              <a:rPr lang="en-US" altLang="ja-JP" dirty="0" err="1"/>
+              <a:t>const</a:t>
+            </a:r>
+            <a:r>
+              <a:rPr lang="en-US" altLang="ja-JP" dirty="0"/>
+              <a:t> char BGM[] = "</a:t>
+            </a:r>
+            <a:r>
+              <a:rPr lang="en-US" altLang="ja-JP" dirty="0" err="1"/>
+              <a:t>marcus_kellis_theme</a:t>
+            </a:r>
+            <a:r>
+              <a:rPr lang="en-US" altLang="ja-JP" dirty="0"/>
+              <a:t>"; </a:t>
+            </a:r>
+            <a:r>
+              <a:rPr lang="en-US" altLang="ja-JP" b="1" dirty="0"/>
+              <a:t>//</a:t>
+            </a:r>
+            <a:r>
+              <a:rPr lang="en-US" altLang="ja-JP" b="1" dirty="0" err="1"/>
+              <a:t>marcus_kellis_theme</a:t>
+            </a:r>
+            <a:endParaRPr lang="en-US" altLang="ja-JP" dirty="0"/>
+          </a:p>
+          <a:p>
+            <a:pPr marL="0" indent="0">
+              <a:buNone/>
+            </a:pPr>
+            <a:endParaRPr lang="ja-JP" altLang="en-US" dirty="0"/>
+          </a:p>
+          <a:p>
+            <a:r>
+              <a:rPr lang="ja-JP" altLang="en-US" dirty="0" smtClean="0"/>
+              <a:t>なおここでは</a:t>
+            </a:r>
+            <a:r>
+              <a:rPr lang="en-US" altLang="ja-JP" dirty="0" smtClean="0"/>
+              <a:t>“</a:t>
+            </a:r>
+            <a:r>
+              <a:rPr lang="en-US" altLang="ja-JP" dirty="0" err="1" smtClean="0"/>
+              <a:t>marcus_kellis_theme</a:t>
+            </a:r>
+            <a:r>
+              <a:rPr lang="en-US" altLang="ja-JP" dirty="0" smtClean="0"/>
+              <a:t>” </a:t>
+            </a:r>
+            <a:r>
+              <a:rPr lang="ja-JP" altLang="en-US" dirty="0" smtClean="0"/>
+              <a:t>を利用</a:t>
+            </a:r>
+            <a:r>
+              <a:rPr lang="en-US" altLang="ja-JP" dirty="0" smtClean="0"/>
+              <a:t/>
+            </a:r>
+            <a:br>
+              <a:rPr lang="en-US" altLang="ja-JP" dirty="0" smtClean="0"/>
+            </a:br>
+            <a:r>
+              <a:rPr lang="en-US" altLang="ja-JP" sz="2000" dirty="0" smtClean="0"/>
+              <a:t>Dance Like There's Marcus </a:t>
+            </a:r>
+            <a:r>
+              <a:rPr lang="en-US" altLang="ja-JP" sz="2000" dirty="0" err="1" smtClean="0"/>
+              <a:t>Kellis</a:t>
+            </a:r>
+            <a:r>
+              <a:rPr lang="en-US" altLang="ja-JP" sz="2000" dirty="0" smtClean="0"/>
+              <a:t> In Your Pants </a:t>
+            </a:r>
+            <a:r>
+              <a:rPr lang="en-US" altLang="ja-JP" sz="2000" dirty="0" err="1" smtClean="0"/>
+              <a:t>Themesong</a:t>
+            </a:r>
+            <a:r>
+              <a:rPr lang="en-US" altLang="ja-JP" sz="2000" dirty="0" smtClean="0"/>
+              <a:t>, Future Boy</a:t>
+            </a:r>
+            <a:endParaRPr lang="ja-JP" altLang="en-US" sz="2000" dirty="0" smtClean="0"/>
+          </a:p>
+          <a:p>
+            <a:pPr lvl="1"/>
+            <a:endParaRPr kumimoji="1" lang="ja-JP" altLang="en-US" dirty="0"/>
+          </a:p>
+        </p:txBody>
+      </p:sp>
+      <p:sp>
+        <p:nvSpPr>
+          <p:cNvPr id="3" name="タイトル 2"/>
+          <p:cNvSpPr>
+            <a:spLocks noGrp="1"/>
+          </p:cNvSpPr>
+          <p:nvPr>
+            <p:ph type="title"/>
+          </p:nvPr>
+        </p:nvSpPr>
+        <p:spPr/>
+        <p:txBody>
+          <a:bodyPr/>
+          <a:lstStyle/>
+          <a:p>
+            <a:r>
+              <a:rPr kumimoji="1" lang="en-US" altLang="ja-JP" dirty="0" smtClean="0"/>
+              <a:t>BGM</a:t>
+            </a:r>
+            <a:r>
+              <a:rPr kumimoji="1" lang="ja-JP" altLang="en-US" dirty="0" smtClean="0"/>
+              <a:t>等の取り込み</a:t>
+            </a:r>
+            <a:endParaRPr kumimoji="1" lang="ja-JP" altLang="en-US" dirty="0"/>
+          </a:p>
+        </p:txBody>
+      </p:sp>
+    </p:spTree>
+    <p:extLst>
+      <p:ext uri="{BB962C8B-B14F-4D97-AF65-F5344CB8AC3E}">
+        <p14:creationId xmlns:p14="http://schemas.microsoft.com/office/powerpoint/2010/main" val="1350164744"/>
+      </p:ext>
+    </p:extLst>
+  </p:cSld>
+  <p:clrMapOvr>
+    <a:masterClrMapping/>
+  </p:clrMapOvr>
+  <p:timing>
+    <p:tnLst>
+      <p:par>
+        <p:cTn id="1" dur="indefinite" restart="never" nodeType="tmRoot"/>
+      </p:par>
+    </p:tnLst>
+  </p:timing>
+</p:sld>
+</file>
+
+<file path=ppt/slides/slide12.xml><?xml version="1.0" encoding="utf-8"?>
+<p:sld xmlns:a="http://schemas.openxmlformats.org/drawingml/2006/main" xmlns:r="http://schemas.openxmlformats.org/officeDocument/2006/relationships" xmlns:p="http://schemas.openxmlformats.org/presentationml/2006/main">
+  <p:cSld>
+    <p:spTree>
+      <p:nvGrpSpPr>
+        <p:cNvPr id="1" name=""/>
+        <p:cNvGrpSpPr/>
+        <p:nvPr/>
+      </p:nvGrpSpPr>
+      <p:grpSpPr>
+        <a:xfrm>
+          <a:off x="0" y="0"/>
+          <a:ext cx="0" cy="0"/>
+          <a:chOff x="0" y="0"/>
+          <a:chExt cx="0" cy="0"/>
+        </a:xfrm>
+      </p:grpSpPr>
+      <p:sp>
+        <p:nvSpPr>
+          <p:cNvPr id="2" name="コンテンツ プレースホルダー 1"/>
+          <p:cNvSpPr>
+            <a:spLocks noGrp="1"/>
+          </p:cNvSpPr>
+          <p:nvPr>
+            <p:ph idx="1"/>
+          </p:nvPr>
+        </p:nvSpPr>
+        <p:spPr/>
+        <p:txBody>
           <a:bodyPr/>
           <a:lstStyle/>
           <a:p>
@@ -16859,6 +17138,149 @@
           </a:prstGeom>
         </p:spPr>
       </p:pic>
+      <p:sp>
+        <p:nvSpPr>
+          <p:cNvPr id="5" name="下矢印 4"/>
+          <p:cNvSpPr/>
+          <p:nvPr/>
+        </p:nvSpPr>
+        <p:spPr>
+          <a:xfrm>
+            <a:off x="3275856" y="2060848"/>
+            <a:ext cx="576064" cy="720080"/>
+          </a:xfrm>
+          <a:prstGeom prst="downArrow">
+            <a:avLst/>
+          </a:prstGeom>
+        </p:spPr>
+        <p:style>
+          <a:lnRef idx="2">
+            <a:schemeClr val="accent1">
+              <a:shade val="50000"/>
+            </a:schemeClr>
+          </a:lnRef>
+          <a:fillRef idx="1">
+            <a:schemeClr val="accent1"/>
+          </a:fillRef>
+          <a:effectRef idx="0">
+            <a:schemeClr val="accent1"/>
+          </a:effectRef>
+          <a:fontRef idx="minor">
+            <a:schemeClr val="lt1"/>
+          </a:fontRef>
+        </p:style>
+        <p:txBody>
+          <a:bodyPr rtlCol="0" anchor="ctr"/>
+          <a:lstStyle/>
+          <a:p>
+            <a:pPr algn="ctr"/>
+            <a:endParaRPr kumimoji="1" lang="ja-JP" altLang="en-US"/>
+          </a:p>
+        </p:txBody>
+      </p:sp>
+      <p:sp>
+        <p:nvSpPr>
+          <p:cNvPr id="6" name="下矢印 5"/>
+          <p:cNvSpPr/>
+          <p:nvPr/>
+        </p:nvSpPr>
+        <p:spPr>
+          <a:xfrm>
+            <a:off x="4250822" y="3014929"/>
+            <a:ext cx="576064" cy="720080"/>
+          </a:xfrm>
+          <a:prstGeom prst="downArrow">
+            <a:avLst/>
+          </a:prstGeom>
+        </p:spPr>
+        <p:style>
+          <a:lnRef idx="2">
+            <a:schemeClr val="accent1">
+              <a:shade val="50000"/>
+            </a:schemeClr>
+          </a:lnRef>
+          <a:fillRef idx="1">
+            <a:schemeClr val="accent1"/>
+          </a:fillRef>
+          <a:effectRef idx="0">
+            <a:schemeClr val="accent1"/>
+          </a:effectRef>
+          <a:fontRef idx="minor">
+            <a:schemeClr val="lt1"/>
+          </a:fontRef>
+        </p:style>
+        <p:txBody>
+          <a:bodyPr rtlCol="0" anchor="ctr"/>
+          <a:lstStyle/>
+          <a:p>
+            <a:pPr algn="ctr"/>
+            <a:endParaRPr kumimoji="1" lang="ja-JP" altLang="en-US"/>
+          </a:p>
+        </p:txBody>
+      </p:sp>
+      <p:sp>
+        <p:nvSpPr>
+          <p:cNvPr id="7" name="テキスト ボックス 6"/>
+          <p:cNvSpPr txBox="1"/>
+          <p:nvPr/>
+        </p:nvSpPr>
+        <p:spPr>
+          <a:xfrm>
+            <a:off x="2199495" y="620688"/>
+            <a:ext cx="6764993" cy="584775"/>
+          </a:xfrm>
+          <a:prstGeom prst="rect">
+            <a:avLst/>
+          </a:prstGeom>
+        </p:spPr>
+        <p:style>
+          <a:lnRef idx="1">
+            <a:schemeClr val="accent1"/>
+          </a:lnRef>
+          <a:fillRef idx="2">
+            <a:schemeClr val="accent1"/>
+          </a:fillRef>
+          <a:effectRef idx="1">
+            <a:schemeClr val="accent1"/>
+          </a:effectRef>
+          <a:fontRef idx="minor">
+            <a:schemeClr val="dk1"/>
+          </a:fontRef>
+        </p:style>
+        <p:txBody>
+          <a:bodyPr wrap="none" rtlCol="0">
+            <a:spAutoFit/>
+          </a:bodyPr>
+          <a:lstStyle/>
+          <a:p>
+            <a:r>
+              <a:rPr kumimoji="1" lang="en-US" altLang="ja-JP" sz="3200" dirty="0" smtClean="0"/>
+              <a:t>WAV</a:t>
+            </a:r>
+            <a:r>
+              <a:rPr kumimoji="1" lang="ja-JP" altLang="en-US" sz="3200" dirty="0" smtClean="0"/>
+              <a:t>ファイルを</a:t>
+            </a:r>
+            <a:r>
+              <a:rPr kumimoji="1" lang="en-US" altLang="ja-JP" sz="3200" dirty="0" smtClean="0"/>
+              <a:t>3</a:t>
+            </a:r>
+            <a:r>
+              <a:rPr kumimoji="1" lang="ja-JP" altLang="en-US" sz="3200" dirty="0" smtClean="0"/>
+              <a:t>回ドラッグして</a:t>
+            </a:r>
+            <a:r>
+              <a:rPr kumimoji="1" lang="en-US" altLang="ja-JP" sz="3200" dirty="0" smtClean="0"/>
+              <a:t>Cue</a:t>
+            </a:r>
+            <a:r>
+              <a:rPr kumimoji="1" lang="ja-JP" altLang="en-US" sz="3200" dirty="0" smtClean="0"/>
+              <a:t>へ！</a:t>
+            </a:r>
+            <a:endParaRPr kumimoji="1" lang="ja-JP" altLang="en-US" sz="3200" dirty="0"/>
+          </a:p>
+        </p:txBody>
+      </p:sp>
     </p:spTree>
     <p:extLst>
       <p:ext uri="{BB962C8B-B14F-4D97-AF65-F5344CB8AC3E}">
@@ -16879,7 +17301,7 @@
 </p:sld>
 </file>
 
-<file path=ppt/slides/slide12.xml><?xml version="1.0" encoding="utf-8"?>
+<file path=ppt/slides/slide13.xml><?xml version="1.0" encoding="utf-8"?>
 <p:sld xmlns:a="http://schemas.openxmlformats.org/drawingml/2006/main" xmlns:r="http://schemas.openxmlformats.org/officeDocument/2006/relationships" xmlns:p="http://schemas.openxmlformats.org/presentationml/2006/main">
   <p:cSld>
     <p:spTree>
@@ -17070,7 +17492,7 @@
 </p:sld>
 </file>
 
-<file path=ppt/slides/slide13.xml><?xml version="1.0" encoding="utf-8"?>
+<file path=ppt/slides/slide14.xml><?xml version="1.0" encoding="utf-8"?>
 <p:sld xmlns:a="http://schemas.openxmlformats.org/drawingml/2006/main" xmlns:r="http://schemas.openxmlformats.org/officeDocument/2006/relationships" xmlns:p="http://schemas.openxmlformats.org/presentationml/2006/main">
   <p:cSld>
     <p:spTree>
@@ -17384,7 +17806,7 @@
 </p:sld>
 </file>
 
-<file path=ppt/slides/slide14.xml><?xml version="1.0" encoding="utf-8"?>
+<file path=ppt/slides/slide15.xml><?xml version="1.0" encoding="utf-8"?>
 <p:sld xmlns:a="http://schemas.openxmlformats.org/drawingml/2006/main" xmlns:r="http://schemas.openxmlformats.org/officeDocument/2006/relationships" xmlns:p="http://schemas.openxmlformats.org/presentationml/2006/main">
   <p:cSld>
     <p:spTree>
@@ -17585,7 +18007,7 @@
 </p:sld>
 </file>
 
-<file path=ppt/slides/slide15.xml><?xml version="1.0" encoding="utf-8"?>
+<file path=ppt/slides/slide16.xml><?xml version="1.0" encoding="utf-8"?>
 <p:sld xmlns:a="http://schemas.openxmlformats.org/drawingml/2006/main" xmlns:r="http://schemas.openxmlformats.org/officeDocument/2006/relationships" xmlns:p="http://schemas.openxmlformats.org/presentationml/2006/main">
   <p:cSld>
     <p:spTree>
@@ -17928,7 +18350,7 @@
 </p:sld>
 </file>
 
-<file path=ppt/slides/slide16.xml><?xml version="1.0" encoding="utf-8"?>
+<file path=ppt/slides/slide17.xml><?xml version="1.0" encoding="utf-8"?>
 <p:sld xmlns:a="http://schemas.openxmlformats.org/drawingml/2006/main" xmlns:r="http://schemas.openxmlformats.org/officeDocument/2006/relationships" xmlns:p="http://schemas.openxmlformats.org/presentationml/2006/main">
   <p:cSld>
     <p:spTree>
@@ -18130,7 +18552,7 @@
 </p:sld>
 </file>
 
-<file path=ppt/slides/slide17.xml><?xml version="1.0" encoding="utf-8"?>
+<file path=ppt/slides/slide18.xml><?xml version="1.0" encoding="utf-8"?>
 <p:sld xmlns:a="http://schemas.openxmlformats.org/drawingml/2006/main" xmlns:r="http://schemas.openxmlformats.org/officeDocument/2006/relationships" xmlns:p="http://schemas.openxmlformats.org/presentationml/2006/main">
   <p:cSld>
     <p:spTree>
@@ -18353,208 +18775,6 @@
 </p:sld>
 </file>
 
-<file path=ppt/slides/slide18.xml><?xml version="1.0" encoding="utf-8"?>
-<p:sld xmlns:a="http://schemas.openxmlformats.org/drawingml/2006/main" xmlns:r="http://schemas.openxmlformats.org/officeDocument/2006/relationships" xmlns:p="http://schemas.openxmlformats.org/presentationml/2006/main">
-  <p:cSld>
-    <p:spTree>
-      <p:nvGrpSpPr>
-        <p:cNvPr id="1" name=""/>
-        <p:cNvGrpSpPr/>
-        <p:nvPr/>
-      </p:nvGrpSpPr>
-      <p:grpSpPr>
-        <a:xfrm>
-          <a:off x="0" y="0"/>
-          <a:ext cx="0" cy="0"/>
-          <a:chOff x="0" y="0"/>
-          <a:chExt cx="0" cy="0"/>
-        </a:xfrm>
-      </p:grpSpPr>
-      <p:sp>
-        <p:nvSpPr>
-          <p:cNvPr id="2" name="コンテンツ プレースホルダー 1"/>
-          <p:cNvSpPr>
-            <a:spLocks noGrp="1"/>
-          </p:cNvSpPr>
-          <p:nvPr>
-            <p:ph idx="1"/>
-          </p:nvPr>
-        </p:nvSpPr>
-        <p:spPr/>
-        <p:txBody>
-          <a:bodyPr/>
-          <a:lstStyle/>
-          <a:p>
-            <a:r>
-              <a:rPr lang="en-US" altLang="ja-JP" dirty="0" err="1" smtClean="0"/>
-              <a:t>CreateThis</a:t>
-            </a:r>
-            <a:r>
-              <a:rPr lang="en-US" altLang="ja-JP" dirty="0" smtClean="0"/>
-              <a:t>::</a:t>
-            </a:r>
-            <a:br>
-              <a:rPr lang="en-US" altLang="ja-JP" dirty="0" smtClean="0"/>
-            </a:br>
-            <a:r>
-              <a:rPr lang="en-US" altLang="ja-JP" dirty="0" smtClean="0"/>
-              <a:t>initialize(HWND </a:t>
-            </a:r>
-            <a:r>
-              <a:rPr lang="en-US" altLang="ja-JP" dirty="0" err="1"/>
-              <a:t>hwnd</a:t>
-            </a:r>
-            <a:r>
-              <a:rPr lang="en-US" altLang="ja-JP" dirty="0"/>
-              <a:t>)</a:t>
-            </a:r>
-          </a:p>
-          <a:p>
-            <a:pPr marL="0" indent="0">
-              <a:buNone/>
-            </a:pPr>
-            <a:r>
-              <a:rPr kumimoji="1" lang="ja-JP" altLang="en-US" dirty="0" smtClean="0"/>
-              <a:t>にロード、初期化を追加</a:t>
-            </a:r>
-            <a:endParaRPr kumimoji="1" lang="en-US" altLang="ja-JP" dirty="0" smtClean="0"/>
-          </a:p>
-          <a:p>
-            <a:r>
-              <a:rPr kumimoji="1" lang="en-US" altLang="ja-JP" dirty="0" smtClean="0"/>
-              <a:t>Update()</a:t>
-            </a:r>
-          </a:p>
-          <a:p>
-            <a:endParaRPr kumimoji="1" lang="en-US" altLang="ja-JP" dirty="0" smtClean="0"/>
-          </a:p>
-          <a:p>
-            <a:r>
-              <a:rPr kumimoji="1" lang="en-US" altLang="ja-JP" dirty="0" smtClean="0"/>
-              <a:t>Render()</a:t>
-            </a:r>
-            <a:r>
-              <a:rPr kumimoji="1" lang="ja-JP" altLang="en-US" dirty="0" smtClean="0"/>
-              <a:t>に追加</a:t>
-            </a:r>
-            <a:endParaRPr kumimoji="1" lang="en-US" altLang="ja-JP" dirty="0" smtClean="0"/>
-          </a:p>
-          <a:p>
-            <a:endParaRPr kumimoji="1" lang="ja-JP" altLang="en-US" dirty="0"/>
-          </a:p>
-        </p:txBody>
-      </p:sp>
-      <p:sp>
-        <p:nvSpPr>
-          <p:cNvPr id="3" name="タイトル 2"/>
-          <p:cNvSpPr>
-            <a:spLocks noGrp="1"/>
-          </p:cNvSpPr>
-          <p:nvPr>
-            <p:ph type="title"/>
-          </p:nvPr>
-        </p:nvSpPr>
-        <p:spPr/>
-        <p:txBody>
-          <a:bodyPr/>
-          <a:lstStyle/>
-          <a:p>
-            <a:endParaRPr kumimoji="1" lang="ja-JP" altLang="en-US"/>
-          </a:p>
-        </p:txBody>
-      </p:sp>
-      <p:pic>
-        <p:nvPicPr>
-          <p:cNvPr id="4" name="図 3"/>
-          <p:cNvPicPr>
-            <a:picLocks noChangeAspect="1"/>
-          </p:cNvPicPr>
-          <p:nvPr/>
-        </p:nvPicPr>
-        <p:blipFill>
-          <a:blip r:embed="rId3"/>
-          <a:stretch>
-            <a:fillRect/>
-          </a:stretch>
-        </p:blipFill>
-        <p:spPr>
-          <a:xfrm>
-            <a:off x="3359491" y="2671166"/>
-            <a:ext cx="5608044" cy="3782169"/>
-          </a:xfrm>
-          <a:prstGeom prst="rect">
-            <a:avLst/>
-          </a:prstGeom>
-        </p:spPr>
-      </p:pic>
-      <p:pic>
-        <p:nvPicPr>
-          <p:cNvPr id="5" name="図 4"/>
-          <p:cNvPicPr>
-            <a:picLocks noChangeAspect="1"/>
-          </p:cNvPicPr>
-          <p:nvPr/>
-        </p:nvPicPr>
-        <p:blipFill>
-          <a:blip r:embed="rId4"/>
-          <a:stretch>
-            <a:fillRect/>
-          </a:stretch>
-        </p:blipFill>
-        <p:spPr>
-          <a:xfrm>
-            <a:off x="3465461" y="1666800"/>
-            <a:ext cx="5396104" cy="1723684"/>
-          </a:xfrm>
-          <a:prstGeom prst="rect">
-            <a:avLst/>
-          </a:prstGeom>
-        </p:spPr>
-      </p:pic>
-      <p:pic>
-        <p:nvPicPr>
-          <p:cNvPr id="6" name="図 5"/>
-          <p:cNvPicPr>
-            <a:picLocks noChangeAspect="1"/>
-          </p:cNvPicPr>
-          <p:nvPr/>
-        </p:nvPicPr>
-        <p:blipFill>
-          <a:blip r:embed="rId5"/>
-          <a:stretch>
-            <a:fillRect/>
-          </a:stretch>
-        </p:blipFill>
-        <p:spPr>
-          <a:xfrm>
-            <a:off x="179172" y="4672182"/>
-            <a:ext cx="3286290" cy="2060479"/>
-          </a:xfrm>
-          <a:prstGeom prst="rect">
-            <a:avLst/>
-          </a:prstGeom>
-        </p:spPr>
-      </p:pic>
-    </p:spTree>
-    <p:extLst>
-      <p:ext uri="{BB962C8B-B14F-4D97-AF65-F5344CB8AC3E}">
-        <p14:creationId xmlns:p14="http://schemas.microsoft.com/office/powerpoint/2010/main" val="2656093204"/>
-      </p:ext>
-    </p:extLst>
-  </p:cSld>
-  <p:clrMapOvr>
-    <a:masterClrMapping/>
-  </p:clrMapOvr>
-  <p:timing>
-    <p:tnLst>
-      <p:par>
-        <p:cTn id="1" dur="indefinite" restart="never" nodeType="tmRoot"/>
-      </p:par>
-    </p:tnLst>
-  </p:timing>
-</p:sld>
-</file>
-
 <file path=ppt/slides/slide19.xml><?xml version="1.0" encoding="utf-8"?>
 <p:sld xmlns:a="http://schemas.openxmlformats.org/drawingml/2006/main" xmlns:r="http://schemas.openxmlformats.org/officeDocument/2006/relationships" xmlns:p="http://schemas.openxmlformats.org/presentationml/2006/main">
   <p:cSld>
@@ -18582,93 +18802,108 @@
             <p:ph idx="1"/>
           </p:nvPr>
         </p:nvSpPr>
-        <p:spPr/>
+        <p:spPr>
+          <a:xfrm>
+            <a:off x="211665" y="980728"/>
+            <a:ext cx="8723376" cy="5472607"/>
+          </a:xfrm>
+        </p:spPr>
         <p:txBody>
           <a:bodyPr/>
           <a:lstStyle/>
           <a:p>
             <a:r>
+              <a:rPr lang="en-US" altLang="ja-JP" dirty="0" err="1" smtClean="0"/>
+              <a:t>CreateThis</a:t>
+            </a:r>
+            <a:r>
+              <a:rPr lang="en-US" altLang="ja-JP" dirty="0" smtClean="0"/>
+              <a:t>::initialize(HWND </a:t>
+            </a:r>
+            <a:r>
+              <a:rPr lang="en-US" altLang="ja-JP" dirty="0" err="1"/>
+              <a:t>hwnd</a:t>
+            </a:r>
+            <a:r>
+              <a:rPr lang="en-US" altLang="ja-JP" dirty="0" smtClean="0"/>
+              <a:t>) </a:t>
+            </a:r>
+            <a:r>
               <a:rPr kumimoji="1" lang="ja-JP" altLang="en-US" dirty="0" smtClean="0"/>
-              <a:t>せめてゲームっぽいスプライト表示したい</a:t>
+              <a:t>に</a:t>
+            </a:r>
+            <a:r>
+              <a:rPr kumimoji="1" lang="ja-JP" altLang="en-US" dirty="0" smtClean="0"/>
+              <a:t>ロード、初期化を追加</a:t>
             </a:r>
             <a:endParaRPr kumimoji="1" lang="en-US" altLang="ja-JP" dirty="0" smtClean="0"/>
           </a:p>
           <a:p>
             <a:r>
+              <a:rPr kumimoji="1" lang="en-US" altLang="ja-JP" dirty="0" smtClean="0"/>
+              <a:t>Update</a:t>
+            </a:r>
+            <a:r>
+              <a:rPr kumimoji="1" lang="en-US" altLang="ja-JP" dirty="0" smtClean="0"/>
+              <a:t>()</a:t>
+            </a:r>
+            <a:r>
               <a:rPr kumimoji="1" lang="ja-JP" altLang="en-US" dirty="0" smtClean="0"/>
-              <a:t>音を鳴らせるようになったのでオトゲーにしたい</a:t>
+              <a:t>に</a:t>
+            </a:r>
+            <a:r>
+              <a:rPr kumimoji="1" lang="en-US" altLang="ja-JP" dirty="0" smtClean="0"/>
+              <a:t/>
+            </a:r>
+            <a:br>
+              <a:rPr kumimoji="1" lang="en-US" altLang="ja-JP" dirty="0" smtClean="0"/>
+            </a:br>
+            <a:r>
+              <a:rPr kumimoji="1" lang="ja-JP" altLang="en-US" dirty="0" smtClean="0"/>
+              <a:t>キーボードイベントを</a:t>
+            </a:r>
+            <a:r>
+              <a:rPr kumimoji="1" lang="en-US" altLang="ja-JP" dirty="0" smtClean="0"/>
+              <a:t/>
+            </a:r>
+            <a:br>
+              <a:rPr kumimoji="1" lang="en-US" altLang="ja-JP" dirty="0" smtClean="0"/>
+            </a:br>
+            <a:r>
+              <a:rPr kumimoji="1" lang="ja-JP" altLang="en-US" dirty="0" smtClean="0"/>
+              <a:t>追加する</a:t>
             </a:r>
             <a:endParaRPr kumimoji="1" lang="en-US" altLang="ja-JP" dirty="0" smtClean="0"/>
           </a:p>
           <a:p>
             <a:r>
-              <a:rPr lang="ja-JP" altLang="en-US" dirty="0" smtClean="0"/>
-              <a:t>スクロールとかシューティングゲームっぽいことをしたい</a:t>
-            </a:r>
-            <a:endParaRPr lang="en-US" altLang="ja-JP" dirty="0" smtClean="0"/>
-          </a:p>
-          <a:p>
+              <a:rPr kumimoji="1" lang="en-US" altLang="ja-JP" dirty="0" smtClean="0"/>
+              <a:t>Render()</a:t>
+            </a:r>
             <a:r>
               <a:rPr kumimoji="1" lang="ja-JP" altLang="en-US" dirty="0" smtClean="0"/>
-              <a:t>あまり</a:t>
-            </a:r>
-            <a:r>
-              <a:rPr kumimoji="1" lang="ja-JP" altLang="en-US" dirty="0"/>
-              <a:t>複雑</a:t>
-            </a:r>
+              <a:t>に</a:t>
+            </a:r>
+            <a:r>
+              <a:rPr kumimoji="1" lang="en-US" altLang="ja-JP" dirty="0" smtClean="0"/>
+              <a:t/>
+            </a:r>
+            <a:br>
+              <a:rPr kumimoji="1" lang="en-US" altLang="ja-JP" dirty="0" smtClean="0"/>
+            </a:br>
             <a:r>
               <a:rPr kumimoji="1" lang="ja-JP" altLang="en-US" dirty="0" smtClean="0"/>
-              <a:t>なことをしたくない</a:t>
+              <a:t>追加</a:t>
+            </a:r>
+            <a:r>
+              <a:rPr kumimoji="1" lang="en-US" altLang="ja-JP" dirty="0" smtClean="0"/>
+              <a:t>draw()</a:t>
+            </a:r>
+            <a:r>
+              <a:rPr kumimoji="1" lang="ja-JP" altLang="en-US" dirty="0" smtClean="0"/>
+              <a:t>を追加</a:t>
             </a:r>
             <a:endParaRPr kumimoji="1" lang="en-US" altLang="ja-JP" dirty="0" smtClean="0"/>
-          </a:p>
-          <a:p>
-            <a:r>
-              <a:rPr kumimoji="1" lang="ja-JP" altLang="en-US" dirty="0" smtClean="0"/>
-              <a:t>せめてスコアファイルぐらい読めないとゲームにならないか</a:t>
-            </a:r>
-            <a:r>
-              <a:rPr kumimoji="1" lang="ja-JP" altLang="en-US" dirty="0" smtClean="0"/>
-              <a:t>も</a:t>
-            </a:r>
-            <a:endParaRPr kumimoji="1" lang="en-US" altLang="ja-JP" dirty="0" smtClean="0"/>
-          </a:p>
-          <a:p>
-            <a:r>
-              <a:rPr lang="en-US" altLang="ja-JP" sz="2000" dirty="0"/>
-              <a:t>Processing</a:t>
-            </a:r>
-            <a:r>
-              <a:rPr lang="ja-JP" altLang="en-US" sz="2000" dirty="0"/>
-              <a:t>をつかってスコア作成</a:t>
-            </a:r>
-            <a:endParaRPr lang="en-US" altLang="ja-JP" sz="2000" dirty="0"/>
-          </a:p>
-          <a:p>
-            <a:pPr lvl="1"/>
-            <a:r>
-              <a:rPr lang="en-US" altLang="ja-JP" sz="1800" dirty="0" err="1"/>
-              <a:t>Example:minim</a:t>
-            </a:r>
-            <a:r>
-              <a:rPr lang="en-US" altLang="ja-JP" sz="1800" dirty="0"/>
-              <a:t>: </a:t>
-            </a:r>
-            <a:r>
-              <a:rPr lang="en-US" altLang="ja-JP" sz="1800" dirty="0" err="1"/>
-              <a:t>FrequencyEnergy</a:t>
-            </a:r>
-            <a:r>
-              <a:rPr lang="en-US" altLang="ja-JP" sz="1800" dirty="0"/>
-              <a:t> </a:t>
-            </a:r>
-          </a:p>
-          <a:p>
-            <a:pPr lvl="1"/>
-            <a:r>
-              <a:rPr lang="en-US" altLang="ja-JP" dirty="0"/>
-              <a:t>I/O:SaveFile2</a:t>
-            </a:r>
           </a:p>
           <a:p>
             <a:endParaRPr kumimoji="1" lang="ja-JP" altLang="en-US" dirty="0"/>
@@ -18692,24 +18927,127 @@
           <a:p>
             <a:r>
               <a:rPr kumimoji="1" lang="ja-JP" altLang="en-US" dirty="0" smtClean="0"/>
-              <a:t>ここで再度</a:t>
-            </a:r>
-            <a:r>
-              <a:rPr kumimoji="1" lang="en-US" altLang="ja-JP" dirty="0" smtClean="0"/>
-              <a:t>,</a:t>
-            </a:r>
-            <a:r>
-              <a:rPr kumimoji="1" lang="ja-JP" altLang="en-US" dirty="0" smtClean="0"/>
-              <a:t>仕様について考える</a:t>
+              <a:t>インタラクションを追加する</a:t>
             </a:r>
             <a:endParaRPr kumimoji="1" lang="ja-JP" altLang="en-US" dirty="0"/>
           </a:p>
         </p:txBody>
       </p:sp>
+      <p:pic>
+        <p:nvPicPr>
+          <p:cNvPr id="4" name="図 3"/>
+          <p:cNvPicPr>
+            <a:picLocks noChangeAspect="1"/>
+          </p:cNvPicPr>
+          <p:nvPr/>
+        </p:nvPicPr>
+        <p:blipFill rotWithShape="1">
+          <a:blip r:embed="rId3"/>
+          <a:srcRect t="20851"/>
+          <a:stretch/>
+        </p:blipFill>
+        <p:spPr>
+          <a:xfrm>
+            <a:off x="211665" y="3552490"/>
+            <a:ext cx="5608044" cy="2993529"/>
+          </a:xfrm>
+          <a:prstGeom prst="rect">
+            <a:avLst/>
+          </a:prstGeom>
+        </p:spPr>
+        <p:style>
+          <a:lnRef idx="2">
+            <a:schemeClr val="accent1"/>
+          </a:lnRef>
+          <a:fillRef idx="1">
+            <a:schemeClr val="lt1"/>
+          </a:fillRef>
+          <a:effectRef idx="0">
+            <a:schemeClr val="accent1"/>
+          </a:effectRef>
+          <a:fontRef idx="minor">
+            <a:schemeClr val="dk1"/>
+          </a:fontRef>
+        </p:style>
+      </p:pic>
+      <p:pic>
+        <p:nvPicPr>
+          <p:cNvPr id="5" name="図 4"/>
+          <p:cNvPicPr>
+            <a:picLocks noChangeAspect="1"/>
+          </p:cNvPicPr>
+          <p:nvPr/>
+        </p:nvPicPr>
+        <p:blipFill rotWithShape="1">
+          <a:blip r:embed="rId4"/>
+          <a:srcRect t="34327"/>
+          <a:stretch/>
+        </p:blipFill>
+        <p:spPr>
+          <a:xfrm>
+            <a:off x="3480292" y="1444284"/>
+            <a:ext cx="5396104" cy="1131988"/>
+          </a:xfrm>
+          <a:prstGeom prst="rect">
+            <a:avLst/>
+          </a:prstGeom>
+        </p:spPr>
+        <p:style>
+          <a:lnRef idx="2">
+            <a:schemeClr val="accent1"/>
+          </a:lnRef>
+          <a:fillRef idx="1">
+            <a:schemeClr val="lt1"/>
+          </a:fillRef>
+          <a:effectRef idx="0">
+            <a:schemeClr val="accent1"/>
+          </a:effectRef>
+          <a:fontRef idx="minor">
+            <a:schemeClr val="dk1"/>
+          </a:fontRef>
+        </p:style>
+      </p:pic>
+      <p:pic>
+        <p:nvPicPr>
+          <p:cNvPr id="6" name="図 5"/>
+          <p:cNvPicPr>
+            <a:picLocks noChangeAspect="1"/>
+          </p:cNvPicPr>
+          <p:nvPr/>
+        </p:nvPicPr>
+        <p:blipFill rotWithShape="1">
+          <a:blip r:embed="rId5"/>
+          <a:srcRect t="20062"/>
+          <a:stretch/>
+        </p:blipFill>
+        <p:spPr>
+          <a:xfrm>
+            <a:off x="3483980" y="2655285"/>
+            <a:ext cx="5359067" cy="2685983"/>
+          </a:xfrm>
+          <a:prstGeom prst="rect">
+            <a:avLst/>
+          </a:prstGeom>
+        </p:spPr>
+        <p:style>
+          <a:lnRef idx="2">
+            <a:schemeClr val="accent1"/>
+          </a:lnRef>
+          <a:fillRef idx="1">
+            <a:schemeClr val="lt1"/>
+          </a:fillRef>
+          <a:effectRef idx="0">
+            <a:schemeClr val="accent1"/>
+          </a:effectRef>
+          <a:fontRef idx="minor">
+            <a:schemeClr val="dk1"/>
+          </a:fontRef>
+        </p:style>
+      </p:pic>
     </p:spTree>
     <p:extLst>
       <p:ext uri="{BB962C8B-B14F-4D97-AF65-F5344CB8AC3E}">
-        <p14:creationId xmlns:p14="http://schemas.microsoft.com/office/powerpoint/2010/main" val="4221015346"/>
+        <p14:creationId xmlns:p14="http://schemas.microsoft.com/office/powerpoint/2010/main" val="2656093204"/>
       </p:ext>
     </p:extLst>
   </p:cSld>
@@ -18753,336 +19091,166 @@
             <p:ph idx="1"/>
           </p:nvPr>
         </p:nvSpPr>
-        <p:spPr>
-          <a:xfrm>
-            <a:off x="211665" y="1567982"/>
-            <a:ext cx="8697659" cy="5290018"/>
-          </a:xfrm>
-        </p:spPr>
+        <p:spPr/>
         <p:txBody>
-          <a:bodyPr>
-            <a:normAutofit fontScale="85000" lnSpcReduction="20000"/>
-          </a:bodyPr>
+          <a:bodyPr/>
           <a:lstStyle/>
           <a:p>
-            <a:pPr marL="0" indent="0">
-              <a:buNone/>
-            </a:pPr>
-            <a:r>
-              <a:rPr lang="ja-JP" altLang="en-US" sz="2800" dirty="0" smtClean="0"/>
-              <a:t>いま</a:t>
-            </a:r>
-            <a:r>
-              <a:rPr lang="ja-JP" altLang="en-US" sz="2800" dirty="0"/>
-              <a:t>までのゲームエンジンの知識を</a:t>
-            </a:r>
-            <a:r>
-              <a:rPr lang="ja-JP" altLang="en-US" sz="2800" dirty="0" smtClean="0"/>
-              <a:t>使ってゲーム</a:t>
-            </a:r>
-            <a:r>
-              <a:rPr lang="ja-JP" altLang="en-US" sz="2800" dirty="0"/>
-              <a:t>を作ってみよう</a:t>
-            </a:r>
+            <a:r>
+              <a:rPr lang="ja-JP" altLang="en-US" dirty="0" smtClean="0"/>
+              <a:t>就職活動でグループワークがあったりする</a:t>
+            </a:r>
+            <a:endParaRPr lang="en-US" altLang="ja-JP" dirty="0" smtClean="0"/>
+          </a:p>
+          <a:p>
+            <a:pPr lvl="1"/>
+            <a:r>
+              <a:rPr kumimoji="1" lang="ja-JP" altLang="en-US" dirty="0" smtClean="0"/>
+              <a:t>課題「この中でうちの会社に一番向いて</a:t>
+            </a:r>
+            <a:r>
+              <a:rPr kumimoji="1" lang="ja-JP" altLang="en-US" dirty="0" err="1" smtClean="0"/>
+              <a:t>そうな</a:t>
+            </a:r>
+            <a:r>
+              <a:rPr kumimoji="1" lang="ja-JP" altLang="en-US" dirty="0" smtClean="0"/>
+              <a:t>人を推薦して」</a:t>
+            </a:r>
+            <a:endParaRPr kumimoji="1" lang="en-US" altLang="ja-JP" dirty="0" smtClean="0"/>
+          </a:p>
+          <a:p>
+            <a:pPr lvl="1"/>
+            <a:r>
+              <a:rPr kumimoji="1" lang="ja-JP" altLang="en-US" dirty="0" smtClean="0"/>
+              <a:t>協調性だけでは絶対に残れない高度な課題！</a:t>
+            </a:r>
+            <a:endParaRPr kumimoji="1" lang="en-US" altLang="ja-JP" dirty="0" smtClean="0"/>
+          </a:p>
+          <a:p>
+            <a:endParaRPr lang="en-US" altLang="ja-JP" dirty="0"/>
+          </a:p>
+          <a:p>
+            <a:r>
+              <a:rPr kumimoji="1" lang="ja-JP" altLang="en-US" dirty="0" smtClean="0"/>
+              <a:t>「自己効力感」</a:t>
+            </a:r>
+            <a:endParaRPr kumimoji="1" lang="en-US" altLang="ja-JP" dirty="0" smtClean="0"/>
+          </a:p>
+          <a:p>
+            <a:pPr lvl="1"/>
             <a:r>
               <a:rPr lang="ja-JP" altLang="en-US" dirty="0"/>
+              <a:t>自分</a:t>
+            </a:r>
+            <a:r>
+              <a:rPr lang="ja-JP" altLang="en-US" dirty="0" smtClean="0"/>
+              <a:t>の</a:t>
+            </a:r>
+            <a:r>
+              <a:rPr lang="ja-JP" altLang="en-US" dirty="0"/>
+              <a:t>人生</a:t>
+            </a:r>
+            <a:r>
+              <a:rPr lang="ja-JP" altLang="en-US" dirty="0" smtClean="0"/>
+              <a:t>にどれだけ</a:t>
+            </a:r>
+            <a:r>
+              <a:rPr lang="ja-JP" altLang="en-US" dirty="0"/>
+              <a:t>コミット</a:t>
+            </a:r>
+            <a:r>
+              <a:rPr lang="ja-JP" altLang="en-US" dirty="0" smtClean="0"/>
+              <a:t>できるか？（</a:t>
+            </a:r>
+            <a:r>
+              <a:rPr lang="en-US" altLang="ja-JP" dirty="0" smtClean="0"/>
+              <a:t>Commit=</a:t>
+            </a:r>
+            <a:r>
+              <a:rPr lang="ja-JP" altLang="en-US" dirty="0" smtClean="0"/>
+              <a:t>貢献）</a:t>
+            </a:r>
+            <a:endParaRPr lang="en-US" altLang="ja-JP" dirty="0" smtClean="0"/>
+          </a:p>
+          <a:p>
+            <a:pPr lvl="1"/>
+            <a:r>
+              <a:rPr kumimoji="1" lang="ja-JP" altLang="en-US" dirty="0"/>
+              <a:t>事故など</a:t>
+            </a:r>
+            <a:r>
+              <a:rPr kumimoji="1" lang="ja-JP" altLang="en-US" dirty="0" smtClean="0"/>
+              <a:t>の不可抗力ではなく、自分の人生に自分で寄与する力</a:t>
+            </a:r>
+            <a:endParaRPr kumimoji="1" lang="en-US" altLang="ja-JP" dirty="0" smtClean="0"/>
+          </a:p>
+          <a:p>
+            <a:pPr lvl="1"/>
+            <a:r>
+              <a:rPr lang="ja-JP" altLang="en-US" dirty="0" smtClean="0"/>
+              <a:t>ゼロ</a:t>
+            </a:r>
+            <a:r>
+              <a:rPr lang="en-US" altLang="ja-JP" dirty="0" smtClean="0"/>
+              <a:t>(0)</a:t>
+            </a:r>
+            <a:r>
+              <a:rPr lang="ja-JP" altLang="en-US" dirty="0" smtClean="0"/>
+              <a:t>をイチ</a:t>
+            </a:r>
+            <a:r>
+              <a:rPr lang="en-US" altLang="ja-JP" dirty="0" smtClean="0"/>
+              <a:t>(1) </a:t>
+            </a:r>
+            <a:r>
+              <a:rPr lang="ja-JP" altLang="en-US" dirty="0" smtClean="0"/>
+              <a:t>にすることの積み上げであり、</a:t>
+            </a:r>
+            <a:r>
+              <a:rPr lang="en-US" altLang="ja-JP" dirty="0" smtClean="0"/>
               <a:t/>
             </a:r>
             <a:br>
-              <a:rPr lang="ja-JP" altLang="en-US" dirty="0"/>
+              <a:rPr lang="en-US" altLang="ja-JP" dirty="0" smtClean="0"/>
             </a:br>
             <a:r>
-              <a:rPr lang="ja-JP" altLang="en-US" dirty="0"/>
-              <a:t>・オリジナルでなくてかまいません</a:t>
-            </a:r>
-            <a:br>
-              <a:rPr lang="ja-JP" altLang="en-US" dirty="0"/>
-            </a:br>
-            <a:r>
-              <a:rPr lang="ja-JP" altLang="en-US" dirty="0"/>
-              <a:t>・プログラムを提出しなくてよい</a:t>
-            </a:r>
-            <a:br>
-              <a:rPr lang="ja-JP" altLang="en-US" dirty="0"/>
-            </a:br>
-            <a:r>
-              <a:rPr lang="ja-JP" altLang="en-US" dirty="0"/>
-              <a:t>・</a:t>
-            </a:r>
-            <a:r>
-              <a:rPr lang="en-US" altLang="ja-JP" dirty="0"/>
-              <a:t>UGC</a:t>
-            </a:r>
-            <a:r>
-              <a:rPr lang="ja-JP" altLang="en-US" dirty="0"/>
-              <a:t>奨励プログラムを使いこなそう</a:t>
-            </a:r>
-            <a:br>
-              <a:rPr lang="ja-JP" altLang="en-US" dirty="0"/>
-            </a:br>
-            <a:r>
-              <a:rPr lang="en-US" altLang="ja-JP" dirty="0">
-                <a:hlinkClick r:id="rId2"/>
-              </a:rPr>
-              <a:t>http://open.channel.or.jp/</a:t>
-            </a:r>
-            <a:r>
-              <a:rPr lang="ja-JP" altLang="en-US" dirty="0"/>
-              <a:t/>
-            </a:r>
-            <a:br>
-              <a:rPr lang="ja-JP" altLang="en-US" dirty="0"/>
-            </a:br>
+              <a:rPr lang="ja-JP" altLang="en-US" dirty="0" smtClean="0"/>
+              <a:t>ある日突然ジュウ</a:t>
+            </a:r>
+            <a:r>
+              <a:rPr lang="en-US" altLang="ja-JP" dirty="0" smtClean="0"/>
+              <a:t>(10)</a:t>
+            </a:r>
+            <a:r>
+              <a:rPr lang="ja-JP" altLang="en-US" dirty="0" smtClean="0"/>
+              <a:t>になったりしない</a:t>
+            </a:r>
             <a:endParaRPr lang="en-US" altLang="ja-JP" dirty="0" smtClean="0"/>
           </a:p>
           <a:p>
-            <a:pPr marL="0" indent="0">
-              <a:buNone/>
-            </a:pPr>
-            <a:r>
-              <a:rPr lang="en-US" altLang="ja-JP" dirty="0" smtClean="0"/>
-              <a:t>1</a:t>
-            </a:r>
-            <a:r>
-              <a:rPr lang="en-US" altLang="ja-JP" dirty="0"/>
-              <a:t>. PowerPoint</a:t>
-            </a:r>
-            <a:r>
-              <a:rPr lang="ja-JP" altLang="en-US" dirty="0"/>
-              <a:t>で仕様を書く</a:t>
-            </a:r>
-            <a:br>
-              <a:rPr lang="ja-JP" altLang="en-US" dirty="0"/>
-            </a:br>
-            <a:r>
-              <a:rPr lang="en-US" altLang="ja-JP" dirty="0"/>
-              <a:t>2. </a:t>
-            </a:r>
-            <a:r>
-              <a:rPr lang="ja-JP" altLang="en-US" dirty="0"/>
-              <a:t>今までの知識技術を使って実装してみる</a:t>
-            </a:r>
-            <a:br>
-              <a:rPr lang="ja-JP" altLang="en-US" dirty="0"/>
-            </a:br>
-            <a:r>
-              <a:rPr lang="en-US" altLang="ja-JP" dirty="0"/>
-              <a:t>3. </a:t>
-            </a:r>
-            <a:r>
-              <a:rPr lang="ja-JP" altLang="en-US" dirty="0"/>
-              <a:t>動画にして公開できるようにがんばってみる</a:t>
-            </a:r>
-          </a:p>
-          <a:p>
-            <a:pPr marL="0" indent="0">
-              <a:buNone/>
-            </a:pPr>
-            <a:r>
-              <a:rPr lang="ja-JP" altLang="en-US" dirty="0"/>
-              <a:t>以上の期限が</a:t>
-            </a:r>
-            <a:r>
-              <a:rPr lang="en-US" altLang="ja-JP" dirty="0"/>
-              <a:t>1</a:t>
-            </a:r>
-            <a:r>
-              <a:rPr lang="ja-JP" altLang="en-US" dirty="0"/>
-              <a:t>週間</a:t>
-            </a:r>
-            <a:br>
-              <a:rPr lang="ja-JP" altLang="en-US" dirty="0"/>
-            </a:br>
-            <a:endParaRPr lang="en-US" altLang="ja-JP" dirty="0" smtClean="0"/>
-          </a:p>
-          <a:p>
-            <a:pPr marL="0" indent="0">
-              <a:buNone/>
-            </a:pPr>
-            <a:r>
-              <a:rPr lang="en-US" altLang="ja-JP" dirty="0" smtClean="0"/>
-              <a:t>- </a:t>
-            </a:r>
-            <a:r>
-              <a:rPr lang="ja-JP" altLang="en-US" dirty="0"/>
-              <a:t>当たり判定のルールなどをまず明記</a:t>
-            </a:r>
-            <a:br>
-              <a:rPr lang="ja-JP" altLang="en-US" dirty="0"/>
-            </a:br>
-            <a:r>
-              <a:rPr lang="en-US" altLang="ja-JP" dirty="0"/>
-              <a:t>- </a:t>
-            </a:r>
-            <a:r>
-              <a:rPr lang="ja-JP" altLang="en-US" dirty="0"/>
-              <a:t>オリジナルでなくてもよい（目コピ歓迎）</a:t>
-            </a:r>
-            <a:br>
-              <a:rPr lang="ja-JP" altLang="en-US" dirty="0"/>
-            </a:br>
-            <a:r>
-              <a:rPr lang="ja-JP" altLang="en-US" dirty="0"/>
-              <a:t>　</a:t>
-            </a:r>
-            <a:r>
-              <a:rPr lang="en-US" altLang="ja-JP" dirty="0"/>
-              <a:t>- </a:t>
-            </a:r>
-            <a:r>
-              <a:rPr lang="ja-JP" altLang="en-US" dirty="0"/>
-              <a:t>たとえば</a:t>
-            </a:r>
-            <a:r>
-              <a:rPr lang="en-US" altLang="ja-JP" dirty="0"/>
-              <a:t>…</a:t>
-            </a:r>
-            <a:r>
-              <a:rPr lang="ja-JP" altLang="en-US" dirty="0"/>
-              <a:t>「</a:t>
-            </a:r>
-            <a:r>
-              <a:rPr lang="en-US" altLang="ja-JP" dirty="0"/>
-              <a:t>2048</a:t>
-            </a:r>
-            <a:r>
-              <a:rPr lang="ja-JP" altLang="en-US" dirty="0"/>
-              <a:t>」とか「クッキークリッカー」</a:t>
-            </a:r>
-            <a:br>
-              <a:rPr lang="ja-JP" altLang="en-US" dirty="0"/>
-            </a:br>
-            <a:r>
-              <a:rPr lang="ja-JP" altLang="en-US" dirty="0"/>
-              <a:t>　</a:t>
-            </a:r>
-            <a:r>
-              <a:rPr lang="en-US" altLang="ja-JP" dirty="0"/>
-              <a:t>- </a:t>
-            </a:r>
-            <a:r>
-              <a:rPr lang="ja-JP" altLang="en-US" dirty="0"/>
-              <a:t>グラフィックに凝りすぎない。アスキーアートでもよい</a:t>
-            </a:r>
-            <a:br>
-              <a:rPr lang="ja-JP" altLang="en-US" dirty="0"/>
-            </a:br>
-            <a:r>
-              <a:rPr lang="ja-JP" altLang="en-US" dirty="0"/>
-              <a:t>　</a:t>
-            </a:r>
-            <a:r>
-              <a:rPr lang="en-US" altLang="ja-JP" dirty="0"/>
-              <a:t>- </a:t>
-            </a:r>
-            <a:r>
-              <a:rPr lang="ja-JP" altLang="en-US" dirty="0"/>
-              <a:t>画像素材、音素材を使った場合は、ライセンスか</a:t>
-            </a:r>
-            <a:r>
-              <a:rPr lang="en-US" altLang="ja-JP" dirty="0"/>
-              <a:t>URL</a:t>
-            </a:r>
-            <a:r>
-              <a:rPr lang="ja-JP" altLang="en-US" dirty="0"/>
-              <a:t>を明記</a:t>
-            </a:r>
-            <a:br>
-              <a:rPr lang="ja-JP" altLang="en-US" dirty="0"/>
-            </a:br>
-            <a:r>
-              <a:rPr lang="en-US" altLang="ja-JP" dirty="0"/>
-              <a:t>- </a:t>
-            </a:r>
-            <a:r>
-              <a:rPr lang="ja-JP" altLang="en-US" dirty="0"/>
-              <a:t>提出できるのは</a:t>
-            </a:r>
-            <a:r>
-              <a:rPr lang="en-US" altLang="ja-JP" dirty="0"/>
-              <a:t>URL</a:t>
-            </a:r>
-            <a:r>
-              <a:rPr lang="ja-JP" altLang="en-US" dirty="0"/>
-              <a:t>が</a:t>
-            </a:r>
-            <a:r>
-              <a:rPr lang="en-US" altLang="ja-JP" dirty="0"/>
-              <a:t>2</a:t>
-            </a:r>
-            <a:r>
-              <a:rPr lang="ja-JP" altLang="en-US" dirty="0"/>
-              <a:t>つだけ。</a:t>
-            </a:r>
-            <a:br>
-              <a:rPr lang="ja-JP" altLang="en-US" dirty="0"/>
-            </a:br>
-            <a:r>
-              <a:rPr lang="en-US" altLang="ja-JP" dirty="0"/>
-              <a:t>1. </a:t>
-            </a:r>
-            <a:r>
-              <a:rPr lang="ja-JP" altLang="en-US" dirty="0"/>
-              <a:t>動画の</a:t>
-            </a:r>
-            <a:r>
-              <a:rPr lang="en-US" altLang="ja-JP" dirty="0"/>
-              <a:t>URL(</a:t>
-            </a:r>
-            <a:r>
-              <a:rPr lang="en-US" altLang="ja-JP" dirty="0" err="1"/>
-              <a:t>Youtube,nicovideo</a:t>
-            </a:r>
-            <a:r>
-              <a:rPr lang="en-US" altLang="ja-JP" dirty="0"/>
-              <a:t>, mp4</a:t>
-            </a:r>
-            <a:r>
-              <a:rPr lang="ja-JP" altLang="en-US" dirty="0"/>
-              <a:t>などの</a:t>
-            </a:r>
-            <a:r>
-              <a:rPr lang="en-US" altLang="ja-JP" dirty="0"/>
-              <a:t>file) , </a:t>
-            </a:r>
-            <a:br>
-              <a:rPr lang="en-US" altLang="ja-JP" dirty="0"/>
-            </a:br>
-            <a:r>
-              <a:rPr lang="en-US" altLang="ja-JP" dirty="0"/>
-              <a:t>2. </a:t>
-            </a:r>
-            <a:r>
-              <a:rPr lang="ja-JP" altLang="en-US" dirty="0"/>
-              <a:t>ソースや</a:t>
-            </a:r>
-            <a:r>
-              <a:rPr lang="en-US" altLang="ja-JP" dirty="0"/>
-              <a:t>PowerPoint</a:t>
-            </a:r>
-            <a:r>
-              <a:rPr lang="ja-JP" altLang="en-US" dirty="0"/>
-              <a:t>資料等の</a:t>
-            </a:r>
-            <a:r>
-              <a:rPr lang="en-US" altLang="ja-JP" dirty="0"/>
-              <a:t>ZIP</a:t>
-            </a:r>
-            <a:r>
-              <a:rPr lang="ja-JP" altLang="en-US" dirty="0"/>
-              <a:t>圧縮を</a:t>
-            </a:r>
-            <a:r>
-              <a:rPr lang="en-US" altLang="ja-JP" dirty="0"/>
-              <a:t>URL</a:t>
-            </a:r>
-            <a:r>
-              <a:rPr lang="ja-JP" altLang="en-US" dirty="0"/>
-              <a:t>で</a:t>
-            </a:r>
-            <a:r>
-              <a:rPr lang="ja-JP" altLang="en-US" dirty="0" smtClean="0"/>
-              <a:t>。</a:t>
+            <a:pPr lvl="1"/>
+            <a:r>
+              <a:rPr kumimoji="1" lang="ja-JP" altLang="en-US" dirty="0"/>
+              <a:t>ゼロ</a:t>
+            </a:r>
+            <a:r>
+              <a:rPr kumimoji="1" lang="ja-JP" altLang="en-US" dirty="0" smtClean="0"/>
+              <a:t>をイチにすることがこの時期（</a:t>
+            </a:r>
+            <a:r>
+              <a:rPr kumimoji="1" lang="en-US" altLang="ja-JP" dirty="0" smtClean="0"/>
+              <a:t>3</a:t>
+            </a:r>
+            <a:r>
+              <a:rPr kumimoji="1" lang="ja-JP" altLang="en-US" dirty="0" smtClean="0"/>
+              <a:t>年生）でどれだけ大変か！</a:t>
+            </a:r>
+            <a:endParaRPr kumimoji="1" lang="en-US" altLang="ja-JP" dirty="0" smtClean="0"/>
+          </a:p>
+          <a:p>
+            <a:r>
+              <a:rPr kumimoji="1" lang="ja-JP" altLang="en-US" dirty="0" smtClean="0"/>
+              <a:t>協調性も大事だが、やれることを増やしていこう</a:t>
             </a:r>
             <a:endParaRPr kumimoji="1" lang="ja-JP" altLang="en-US" dirty="0"/>
           </a:p>
@@ -19104,16 +19272,24 @@
           <a:lstStyle/>
           <a:p>
             <a:r>
-              <a:rPr lang="ja-JP" altLang="en-US" dirty="0"/>
-              <a:t>第</a:t>
-            </a:r>
-            <a:r>
-              <a:rPr lang="en-US" altLang="ja-JP" dirty="0"/>
-              <a:t>10</a:t>
-            </a:r>
-            <a:r>
-              <a:rPr lang="ja-JP" altLang="en-US" dirty="0"/>
-              <a:t>回課題 応用</a:t>
+              <a:rPr kumimoji="1" lang="en-US" altLang="ja-JP" dirty="0" smtClean="0"/>
+              <a:t>“</a:t>
+            </a:r>
+            <a:r>
+              <a:rPr kumimoji="1" lang="ja-JP" altLang="en-US" dirty="0" smtClean="0"/>
+              <a:t>自己効力感</a:t>
+            </a:r>
+            <a:r>
+              <a:rPr kumimoji="1" lang="en-US" altLang="ja-JP" dirty="0" smtClean="0"/>
+              <a:t>”</a:t>
+            </a:r>
+            <a:r>
+              <a:rPr kumimoji="1" lang="ja-JP" altLang="en-US" dirty="0" err="1" smtClean="0"/>
+              <a:t>を向</a:t>
+            </a:r>
+            <a:r>
+              <a:rPr kumimoji="1" lang="ja-JP" altLang="en-US" dirty="0" smtClean="0"/>
+              <a:t>上させよう</a:t>
             </a:r>
             <a:endParaRPr kumimoji="1" lang="ja-JP" altLang="en-US" dirty="0"/>
           </a:p>
@@ -19122,7 +19298,231 @@
     </p:spTree>
     <p:extLst>
       <p:ext uri="{BB962C8B-B14F-4D97-AF65-F5344CB8AC3E}">
-        <p14:creationId xmlns:p14="http://schemas.microsoft.com/office/powerpoint/2010/main" val="3950376182"/>
+        <p14:creationId xmlns:p14="http://schemas.microsoft.com/office/powerpoint/2010/main" val="3073038286"/>
+      </p:ext>
+    </p:extLst>
+  </p:cSld>
+  <p:clrMapOvr>
+    <a:masterClrMapping/>
+  </p:clrMapOvr>
+</p:sld>
+</file>
+
+<file path=ppt/slides/slide20.xml><?xml version="1.0" encoding="utf-8"?>
+<p:sld xmlns:a="http://schemas.openxmlformats.org/drawingml/2006/main" xmlns:r="http://schemas.openxmlformats.org/officeDocument/2006/relationships" xmlns:p="http://schemas.openxmlformats.org/presentationml/2006/main">
+  <p:cSld>
+    <p:spTree>
+      <p:nvGrpSpPr>
+        <p:cNvPr id="1" name=""/>
+        <p:cNvGrpSpPr/>
+        <p:nvPr/>
+      </p:nvGrpSpPr>
+      <p:grpSpPr>
+        <a:xfrm>
+          <a:off x="0" y="0"/>
+          <a:ext cx="0" cy="0"/>
+          <a:chOff x="0" y="0"/>
+          <a:chExt cx="0" cy="0"/>
+        </a:xfrm>
+      </p:grpSpPr>
+      <p:sp>
+        <p:nvSpPr>
+          <p:cNvPr id="2" name="コンテンツ プレースホルダー 1"/>
+          <p:cNvSpPr>
+            <a:spLocks noGrp="1"/>
+          </p:cNvSpPr>
+          <p:nvPr>
+            <p:ph idx="1"/>
+          </p:nvPr>
+        </p:nvSpPr>
+        <p:spPr/>
+        <p:txBody>
+          <a:bodyPr/>
+          <a:lstStyle/>
+          <a:p>
+            <a:r>
+              <a:rPr kumimoji="1" lang="ja-JP" altLang="en-US" dirty="0" smtClean="0"/>
+              <a:t>せめてゲームっぽいスプライト表示したい</a:t>
+            </a:r>
+            <a:endParaRPr kumimoji="1" lang="en-US" altLang="ja-JP" dirty="0" smtClean="0"/>
+          </a:p>
+          <a:p>
+            <a:r>
+              <a:rPr kumimoji="1" lang="ja-JP" altLang="en-US" dirty="0" smtClean="0"/>
+              <a:t>音を鳴らせるようになったのでオトゲーにしたい</a:t>
+            </a:r>
+            <a:endParaRPr kumimoji="1" lang="en-US" altLang="ja-JP" dirty="0" smtClean="0"/>
+          </a:p>
+          <a:p>
+            <a:r>
+              <a:rPr lang="ja-JP" altLang="en-US" dirty="0" smtClean="0"/>
+              <a:t>スクロールとかシューティングゲームっぽいことをしたい</a:t>
+            </a:r>
+            <a:endParaRPr lang="en-US" altLang="ja-JP" dirty="0" smtClean="0"/>
+          </a:p>
+          <a:p>
+            <a:r>
+              <a:rPr kumimoji="1" lang="ja-JP" altLang="en-US" dirty="0" smtClean="0"/>
+              <a:t>あまり</a:t>
+            </a:r>
+            <a:r>
+              <a:rPr kumimoji="1" lang="ja-JP" altLang="en-US" dirty="0"/>
+              <a:t>複雑</a:t>
+            </a:r>
+            <a:r>
+              <a:rPr kumimoji="1" lang="ja-JP" altLang="en-US" dirty="0" smtClean="0"/>
+              <a:t>なことをしたくない</a:t>
+            </a:r>
+            <a:endParaRPr kumimoji="1" lang="en-US" altLang="ja-JP" dirty="0" smtClean="0"/>
+          </a:p>
+          <a:p>
+            <a:r>
+              <a:rPr kumimoji="1" lang="ja-JP" altLang="en-US" dirty="0" smtClean="0"/>
+              <a:t>せめてスコアファイルぐらい読めないとゲームにならないかも</a:t>
+            </a:r>
+            <a:endParaRPr kumimoji="1" lang="en-US" altLang="ja-JP" dirty="0" smtClean="0"/>
+          </a:p>
+          <a:p>
+            <a:r>
+              <a:rPr lang="ja-JP" altLang="en-US" sz="2000" dirty="0" smtClean="0"/>
+              <a:t>参考：</a:t>
+            </a:r>
+            <a:r>
+              <a:rPr lang="en-US" altLang="ja-JP" sz="2000" dirty="0" smtClean="0"/>
+              <a:t>Processing</a:t>
+            </a:r>
+            <a:r>
+              <a:rPr lang="ja-JP" altLang="en-US" sz="2000" dirty="0"/>
+              <a:t>を</a:t>
+            </a:r>
+            <a:r>
+              <a:rPr lang="ja-JP" altLang="en-US" sz="2000" dirty="0" smtClean="0"/>
+              <a:t>つかって</a:t>
+            </a:r>
+            <a:r>
+              <a:rPr lang="en-US" altLang="ja-JP" sz="2000" dirty="0" smtClean="0"/>
+              <a:t>mp3</a:t>
+            </a:r>
+            <a:r>
+              <a:rPr lang="ja-JP" altLang="en-US" sz="2000" dirty="0" smtClean="0"/>
+              <a:t>ファイルからスコア</a:t>
+            </a:r>
+            <a:r>
+              <a:rPr lang="ja-JP" altLang="en-US" sz="2000" dirty="0"/>
+              <a:t>作成</a:t>
+            </a:r>
+            <a:endParaRPr lang="en-US" altLang="ja-JP" sz="2000" dirty="0"/>
+          </a:p>
+          <a:p>
+            <a:pPr lvl="1"/>
+            <a:r>
+              <a:rPr lang="en-US" altLang="ja-JP" sz="2400" dirty="0" err="1"/>
+              <a:t>Example:minim</a:t>
+            </a:r>
+            <a:r>
+              <a:rPr lang="en-US" altLang="ja-JP" sz="2400" dirty="0"/>
+              <a:t>: </a:t>
+            </a:r>
+            <a:r>
+              <a:rPr lang="en-US" altLang="ja-JP" sz="2400" dirty="0" err="1"/>
+              <a:t>FrequencyEnergy</a:t>
+            </a:r>
+            <a:r>
+              <a:rPr lang="en-US" altLang="ja-JP" sz="2400" dirty="0"/>
+              <a:t> </a:t>
+            </a:r>
+          </a:p>
+          <a:p>
+            <a:pPr lvl="1"/>
+            <a:r>
+              <a:rPr lang="en-US" altLang="ja-JP" sz="2400" dirty="0"/>
+              <a:t>I/O:SaveFile2</a:t>
+            </a:r>
+          </a:p>
+          <a:p>
+            <a:pPr lvl="1"/>
+            <a:r>
+              <a:rPr kumimoji="1" lang="en-US" altLang="ja-JP" dirty="0" smtClean="0"/>
+              <a:t>mp3</a:t>
+            </a:r>
+            <a:r>
+              <a:rPr kumimoji="1" lang="ja-JP" altLang="en-US" dirty="0" smtClean="0"/>
+              <a:t>ファイルを再生しながら、</a:t>
+            </a:r>
+            <a:r>
+              <a:rPr kumimoji="1" lang="en-US" altLang="ja-JP" dirty="0" smtClean="0"/>
+              <a:t>Kick, Snare, Hat</a:t>
+            </a:r>
+            <a:r>
+              <a:rPr kumimoji="1" lang="ja-JP" altLang="en-US" dirty="0" smtClean="0"/>
+              <a:t>の打楽器データを生成</a:t>
+            </a:r>
+            <a:endParaRPr kumimoji="1" lang="en-US" altLang="ja-JP" dirty="0" smtClean="0"/>
+          </a:p>
+          <a:p>
+            <a:pPr lvl="1"/>
+            <a:r>
+              <a:rPr lang="en-US" altLang="ja-JP" dirty="0" smtClean="0"/>
+              <a:t>CSV</a:t>
+            </a:r>
+            <a:r>
+              <a:rPr lang="ja-JP" altLang="en-US" dirty="0" smtClean="0"/>
+              <a:t>ファイルに書き出し → テキストエディタや</a:t>
+            </a:r>
+            <a:r>
+              <a:rPr lang="en-US" altLang="ja-JP" dirty="0" smtClean="0"/>
+              <a:t>Excel</a:t>
+            </a:r>
+            <a:r>
+              <a:rPr lang="ja-JP" altLang="en-US" dirty="0" smtClean="0"/>
+              <a:t>で修正</a:t>
+            </a:r>
+            <a:endParaRPr lang="en-US" altLang="ja-JP" dirty="0" smtClean="0"/>
+          </a:p>
+          <a:p>
+            <a:r>
+              <a:rPr kumimoji="1" lang="ja-JP" altLang="en-US" dirty="0" smtClean="0"/>
+              <a:t>以下来週の予告！</a:t>
+            </a:r>
+            <a:endParaRPr kumimoji="1" lang="ja-JP" altLang="en-US" dirty="0"/>
+          </a:p>
+        </p:txBody>
+      </p:sp>
+      <p:sp>
+        <p:nvSpPr>
+          <p:cNvPr id="3" name="タイトル 2"/>
+          <p:cNvSpPr>
+            <a:spLocks noGrp="1"/>
+          </p:cNvSpPr>
+          <p:nvPr>
+            <p:ph type="title"/>
+          </p:nvPr>
+        </p:nvSpPr>
+        <p:spPr/>
+        <p:txBody>
+          <a:bodyPr/>
+          <a:lstStyle/>
+          <a:p>
+            <a:r>
+              <a:rPr kumimoji="1" lang="ja-JP" altLang="en-US" dirty="0" smtClean="0"/>
+              <a:t>ここで再度</a:t>
+            </a:r>
+            <a:r>
+              <a:rPr kumimoji="1" lang="en-US" altLang="ja-JP" dirty="0" smtClean="0"/>
+              <a:t>,</a:t>
+            </a:r>
+            <a:r>
+              <a:rPr kumimoji="1" lang="ja-JP" altLang="en-US" dirty="0" smtClean="0"/>
+              <a:t>仕様について考える</a:t>
+            </a:r>
+            <a:endParaRPr kumimoji="1" lang="ja-JP" altLang="en-US" dirty="0"/>
+          </a:p>
+        </p:txBody>
+      </p:sp>
+    </p:spTree>
+    <p:extLst>
+      <p:ext uri="{BB962C8B-B14F-4D97-AF65-F5344CB8AC3E}">
+        <p14:creationId xmlns:p14="http://schemas.microsoft.com/office/powerpoint/2010/main" val="4221015346"/>
       </p:ext>
     </p:extLst>
   </p:cSld>
@@ -19139,7 +19539,7 @@
 </p:sld>
 </file>
 
-<file path=ppt/slides/slide20.xml><?xml version="1.0" encoding="utf-8"?>
+<file path=ppt/slides/slide21.xml><?xml version="1.0" encoding="utf-8"?>
 <p:sld xmlns:a="http://schemas.openxmlformats.org/drawingml/2006/main" xmlns:r="http://schemas.openxmlformats.org/officeDocument/2006/relationships" xmlns:p="http://schemas.openxmlformats.org/presentationml/2006/main">
   <p:cSld>
     <p:spTree>
@@ -19386,7 +19786,7 @@
 </p:sld>
 </file>
 
-<file path=ppt/slides/slide21.xml><?xml version="1.0" encoding="utf-8"?>
+<file path=ppt/slides/slide22.xml><?xml version="1.0" encoding="utf-8"?>
 <p:sld xmlns:a="http://schemas.openxmlformats.org/drawingml/2006/main" xmlns:r="http://schemas.openxmlformats.org/officeDocument/2006/relationships" xmlns:p="http://schemas.openxmlformats.org/presentationml/2006/main">
   <p:cSld>
     <p:spTree>
@@ -19563,7 +19963,7 @@
 </p:sld>
 </file>
 
-<file path=ppt/slides/slide22.xml><?xml version="1.0" encoding="utf-8"?>
+<file path=ppt/slides/slide23.xml><?xml version="1.0" encoding="utf-8"?>
 <p:sld xmlns:a="http://schemas.openxmlformats.org/drawingml/2006/main" xmlns:r="http://schemas.openxmlformats.org/officeDocument/2006/relationships" xmlns:p="http://schemas.openxmlformats.org/presentationml/2006/main">
   <p:cSld>
     <p:spTree>
@@ -19838,7 +20238,7 @@
 </p:sld>
 </file>
 
-<file path=ppt/slides/slide23.xml><?xml version="1.0" encoding="utf-8"?>
+<file path=ppt/slides/slide24.xml><?xml version="1.0" encoding="utf-8"?>
 <p:sld xmlns:a="http://schemas.openxmlformats.org/drawingml/2006/main" xmlns:r="http://schemas.openxmlformats.org/officeDocument/2006/relationships" xmlns:p="http://schemas.openxmlformats.org/presentationml/2006/main">
   <p:cSld>
     <p:spTree>
@@ -20145,7 +20545,7 @@
 </p:sld>
 </file>
 
-<file path=ppt/slides/slide24.xml><?xml version="1.0" encoding="utf-8"?>
+<file path=ppt/slides/slide25.xml><?xml version="1.0" encoding="utf-8"?>
 <p:sld xmlns:a="http://schemas.openxmlformats.org/drawingml/2006/main" xmlns:r="http://schemas.openxmlformats.org/officeDocument/2006/relationships" xmlns:p="http://schemas.openxmlformats.org/presentationml/2006/main">
   <p:cSld>
     <p:spTree>
@@ -20175,13 +20575,89 @@
         <p:spPr/>
         <p:txBody>
           <a:bodyPr>
-            <a:normAutofit/>
+            <a:normAutofit fontScale="92500"/>
           </a:bodyPr>
           <a:lstStyle/>
           <a:p>
             <a:r>
               <a:rPr kumimoji="1" lang="ja-JP" altLang="en-US" dirty="0" smtClean="0"/>
-              <a:t>前回と同じ提出形式</a:t>
+              <a:t>前回と同じ提出</a:t>
+            </a:r>
+            <a:r>
+              <a:rPr kumimoji="1" lang="ja-JP" altLang="en-US" dirty="0" smtClean="0"/>
+              <a:t>形式</a:t>
+            </a:r>
+            <a:endParaRPr kumimoji="1" lang="en-US" altLang="ja-JP" dirty="0" smtClean="0"/>
+          </a:p>
+          <a:p>
+            <a:pPr lvl="1"/>
+            <a:r>
+              <a:rPr kumimoji="1" lang="ja-JP" altLang="en-US" dirty="0" smtClean="0"/>
+              <a:t>動画：横位置</a:t>
+            </a:r>
+            <a:r>
+              <a:rPr kumimoji="1" lang="en-US" altLang="ja-JP" dirty="0" smtClean="0"/>
+              <a:t>, </a:t>
+            </a:r>
+            <a:r>
+              <a:rPr kumimoji="1" lang="ja-JP" altLang="en-US" dirty="0" smtClean="0"/>
+              <a:t>学籍番号</a:t>
+            </a:r>
+            <a:r>
+              <a:rPr kumimoji="1" lang="en-US" altLang="ja-JP" dirty="0" smtClean="0"/>
+              <a:t>+11.mp4</a:t>
+            </a:r>
+            <a:endParaRPr lang="en-US" altLang="ja-JP" dirty="0" smtClean="0"/>
+          </a:p>
+          <a:p>
+            <a:pPr lvl="1"/>
+            <a:r>
+              <a:rPr lang="ja-JP" altLang="en-US" dirty="0" smtClean="0"/>
+              <a:t>資料</a:t>
+            </a:r>
+            <a:r>
+              <a:rPr lang="en-US" altLang="ja-JP" dirty="0" smtClean="0"/>
+              <a:t>ZIP</a:t>
+            </a:r>
+            <a:r>
+              <a:rPr lang="ja-JP" altLang="en-US" dirty="0" smtClean="0"/>
+              <a:t>：</a:t>
+            </a:r>
+            <a:r>
+              <a:rPr lang="en-US" altLang="ja-JP" dirty="0" smtClean="0"/>
+              <a:t>PowerPoint</a:t>
+            </a:r>
+            <a:r>
+              <a:rPr lang="ja-JP" altLang="en-US" dirty="0" smtClean="0"/>
+              <a:t>仕様／作業メモ／スクリーンショット</a:t>
+            </a:r>
+            <a:r>
+              <a:rPr lang="en-US" altLang="ja-JP" dirty="0" smtClean="0"/>
+              <a:t>, </a:t>
+            </a:r>
+            <a:r>
+              <a:rPr lang="ja-JP" altLang="en-US" dirty="0" smtClean="0"/>
+              <a:t>ソース</a:t>
+            </a:r>
+            <a:endParaRPr lang="en-US" altLang="ja-JP" dirty="0"/>
+          </a:p>
+          <a:p>
+            <a:pPr lvl="1"/>
+            <a:r>
+              <a:rPr kumimoji="1" lang="en-US" altLang="ja-JP" dirty="0" smtClean="0"/>
+              <a:t>Dropbox</a:t>
+            </a:r>
+            <a:r>
+              <a:rPr kumimoji="1" lang="ja-JP" altLang="en-US" dirty="0" smtClean="0"/>
+              <a:t>がお勧めです（更新できるという意味でも</a:t>
+            </a:r>
+            <a:r>
+              <a:rPr kumimoji="1" lang="en-US" altLang="ja-JP" dirty="0" smtClean="0"/>
+              <a:t>…</a:t>
+            </a:r>
+            <a:r>
+              <a:rPr kumimoji="1" lang="ja-JP" altLang="en-US" dirty="0" smtClean="0"/>
+              <a:t>）</a:t>
             </a:r>
             <a:endParaRPr kumimoji="1" lang="en-US" altLang="ja-JP" dirty="0" smtClean="0"/>
           </a:p>
@@ -20245,8 +20721,12 @@
           </a:p>
           <a:p>
             <a:r>
+              <a:rPr lang="ja-JP" altLang="en-US" smtClean="0"/>
+              <a:t>資料・ソースは</a:t>
+            </a:r>
+            <a:r>
               <a:rPr lang="ja-JP" altLang="en-US" dirty="0" smtClean="0"/>
-              <a:t>資料はこちら</a:t>
+              <a:t>こちら</a:t>
             </a:r>
             <a:r>
               <a:rPr lang="en-US" altLang="ja-JP" dirty="0" smtClean="0"/>
@@ -20256,13 +20736,26 @@
               <a:rPr lang="en-US" altLang="ja-JP" dirty="0" smtClean="0"/>
             </a:br>
             <a:r>
-              <a:rPr lang="en-US" altLang="ja-JP" dirty="0" smtClean="0"/>
+              <a:rPr lang="en-US" altLang="ja-JP" sz="2200" dirty="0" smtClean="0">
+                <a:hlinkClick r:id="rId2"/>
+              </a:rPr>
               <a:t>https</a:t>
             </a:r>
             <a:r>
-              <a:rPr lang="en-US" altLang="ja-JP" dirty="0"/>
-              <a:t>://github.com/kaitas/ShiraiLabOpen/tree/master/GamePro/GameEngine</a:t>
-            </a:r>
+              <a:rPr lang="en-US" altLang="ja-JP" sz="2200" dirty="0">
+                <a:hlinkClick r:id="rId2"/>
+              </a:rPr>
+              <a:t>://</a:t>
+            </a:r>
+            <a:r>
+              <a:rPr lang="en-US" altLang="ja-JP" sz="2200" dirty="0" smtClean="0">
+                <a:hlinkClick r:id="rId2"/>
+              </a:rPr>
+              <a:t>github.com/kaitas/ShiraiLabOpen/tree/master/GamePro/GameEngine</a:t>
+            </a:r>
+            <a:endParaRPr lang="en-US" altLang="ja-JP" sz="2200" dirty="0" smtClean="0"/>
+          </a:p>
+          <a:p>
             <a:endParaRPr kumimoji="1" lang="ja-JP" altLang="en-US" dirty="0"/>
           </a:p>
         </p:txBody>
@@ -20313,6 +20806,419 @@
 </file>
 
 <file path=ppt/slides/slide3.xml><?xml version="1.0" encoding="utf-8"?>
+<p:sld xmlns:a="http://schemas.openxmlformats.org/drawingml/2006/main" xmlns:r="http://schemas.openxmlformats.org/officeDocument/2006/relationships" xmlns:p="http://schemas.openxmlformats.org/presentationml/2006/main">
+  <p:cSld>
+    <p:spTree>
+      <p:nvGrpSpPr>
+        <p:cNvPr id="1" name=""/>
+        <p:cNvGrpSpPr/>
+        <p:nvPr/>
+      </p:nvGrpSpPr>
+      <p:grpSpPr>
+        <a:xfrm>
+          <a:off x="0" y="0"/>
+          <a:ext cx="0" cy="0"/>
+          <a:chOff x="0" y="0"/>
+          <a:chExt cx="0" cy="0"/>
+        </a:xfrm>
+      </p:grpSpPr>
+      <p:sp>
+        <p:nvSpPr>
+          <p:cNvPr id="2" name="コンテンツ プレースホルダー 1"/>
+          <p:cNvSpPr>
+            <a:spLocks noGrp="1"/>
+          </p:cNvSpPr>
+          <p:nvPr>
+            <p:ph idx="1"/>
+          </p:nvPr>
+        </p:nvSpPr>
+        <p:spPr>
+          <a:xfrm>
+            <a:off x="211665" y="1567982"/>
+            <a:ext cx="8697659" cy="5290018"/>
+          </a:xfrm>
+        </p:spPr>
+        <p:txBody>
+          <a:bodyPr>
+            <a:normAutofit fontScale="85000" lnSpcReduction="20000"/>
+          </a:bodyPr>
+          <a:lstStyle/>
+          <a:p>
+            <a:pPr marL="0" indent="0">
+              <a:buNone/>
+            </a:pPr>
+            <a:r>
+              <a:rPr lang="ja-JP" altLang="en-US" sz="2800" dirty="0" smtClean="0"/>
+              <a:t>いま</a:t>
+            </a:r>
+            <a:r>
+              <a:rPr lang="ja-JP" altLang="en-US" sz="2800" dirty="0"/>
+              <a:t>までのゲームエンジンの知識を</a:t>
+            </a:r>
+            <a:r>
+              <a:rPr lang="ja-JP" altLang="en-US" sz="2800" dirty="0" smtClean="0"/>
+              <a:t>使ってゲーム</a:t>
+            </a:r>
+            <a:r>
+              <a:rPr lang="ja-JP" altLang="en-US" sz="2800" dirty="0"/>
+              <a:t>を作ってみよう</a:t>
+            </a:r>
+            <a:r>
+              <a:rPr lang="ja-JP" altLang="en-US" dirty="0"/>
+              <a:t/>
+            </a:r>
+            <a:br>
+              <a:rPr lang="ja-JP" altLang="en-US" dirty="0"/>
+            </a:br>
+            <a:r>
+              <a:rPr lang="ja-JP" altLang="en-US" dirty="0"/>
+              <a:t>・オリジナルでなくてかまいません</a:t>
+            </a:r>
+            <a:br>
+              <a:rPr lang="ja-JP" altLang="en-US" dirty="0"/>
+            </a:br>
+            <a:r>
+              <a:rPr lang="ja-JP" altLang="en-US" dirty="0"/>
+              <a:t>・プログラムを提出しなくてよい</a:t>
+            </a:r>
+            <a:br>
+              <a:rPr lang="ja-JP" altLang="en-US" dirty="0"/>
+            </a:br>
+            <a:r>
+              <a:rPr lang="ja-JP" altLang="en-US" dirty="0"/>
+              <a:t>・</a:t>
+            </a:r>
+            <a:r>
+              <a:rPr lang="en-US" altLang="ja-JP" dirty="0"/>
+              <a:t>UGC</a:t>
+            </a:r>
+            <a:r>
+              <a:rPr lang="ja-JP" altLang="en-US" dirty="0"/>
+              <a:t>奨励プログラムを使いこなそう</a:t>
+            </a:r>
+            <a:br>
+              <a:rPr lang="ja-JP" altLang="en-US" dirty="0"/>
+            </a:br>
+            <a:r>
+              <a:rPr lang="en-US" altLang="ja-JP" dirty="0">
+                <a:hlinkClick r:id="rId2"/>
+              </a:rPr>
+              <a:t>http://open.channel.or.jp/</a:t>
+            </a:r>
+            <a:r>
+              <a:rPr lang="ja-JP" altLang="en-US" dirty="0"/>
+              <a:t/>
+            </a:r>
+            <a:br>
+              <a:rPr lang="ja-JP" altLang="en-US" dirty="0"/>
+            </a:br>
+            <a:endParaRPr lang="en-US" altLang="ja-JP" dirty="0" smtClean="0"/>
+          </a:p>
+          <a:p>
+            <a:pPr marL="0" indent="0">
+              <a:buNone/>
+            </a:pPr>
+            <a:r>
+              <a:rPr lang="en-US" altLang="ja-JP" dirty="0" smtClean="0"/>
+              <a:t>1</a:t>
+            </a:r>
+            <a:r>
+              <a:rPr lang="en-US" altLang="ja-JP" dirty="0"/>
+              <a:t>. PowerPoint</a:t>
+            </a:r>
+            <a:r>
+              <a:rPr lang="ja-JP" altLang="en-US" dirty="0"/>
+              <a:t>で仕様を書く</a:t>
+            </a:r>
+            <a:br>
+              <a:rPr lang="ja-JP" altLang="en-US" dirty="0"/>
+            </a:br>
+            <a:r>
+              <a:rPr lang="en-US" altLang="ja-JP" dirty="0"/>
+              <a:t>2. </a:t>
+            </a:r>
+            <a:r>
+              <a:rPr lang="ja-JP" altLang="en-US" dirty="0"/>
+              <a:t>今までの知識技術を使って実装してみる</a:t>
+            </a:r>
+            <a:br>
+              <a:rPr lang="ja-JP" altLang="en-US" dirty="0"/>
+            </a:br>
+            <a:r>
+              <a:rPr lang="en-US" altLang="ja-JP" dirty="0"/>
+              <a:t>3. </a:t>
+            </a:r>
+            <a:r>
+              <a:rPr lang="ja-JP" altLang="en-US" dirty="0"/>
+              <a:t>動画にして公開できるようにがんばってみる</a:t>
+            </a:r>
+          </a:p>
+          <a:p>
+            <a:pPr marL="0" indent="0">
+              <a:buNone/>
+            </a:pPr>
+            <a:r>
+              <a:rPr lang="ja-JP" altLang="en-US" dirty="0"/>
+              <a:t>以上の期限が</a:t>
+            </a:r>
+            <a:r>
+              <a:rPr lang="en-US" altLang="ja-JP" dirty="0"/>
+              <a:t>1</a:t>
+            </a:r>
+            <a:r>
+              <a:rPr lang="ja-JP" altLang="en-US" dirty="0"/>
+              <a:t>週間</a:t>
+            </a:r>
+            <a:br>
+              <a:rPr lang="ja-JP" altLang="en-US" dirty="0"/>
+            </a:br>
+            <a:endParaRPr lang="en-US" altLang="ja-JP" dirty="0" smtClean="0"/>
+          </a:p>
+          <a:p>
+            <a:pPr marL="0" indent="0">
+              <a:buNone/>
+            </a:pPr>
+            <a:r>
+              <a:rPr lang="en-US" altLang="ja-JP" dirty="0" smtClean="0"/>
+              <a:t>- </a:t>
+            </a:r>
+            <a:r>
+              <a:rPr lang="ja-JP" altLang="en-US" dirty="0"/>
+              <a:t>当たり判定のルールなどをまず明記</a:t>
+            </a:r>
+            <a:br>
+              <a:rPr lang="ja-JP" altLang="en-US" dirty="0"/>
+            </a:br>
+            <a:r>
+              <a:rPr lang="en-US" altLang="ja-JP" dirty="0"/>
+              <a:t>- </a:t>
+            </a:r>
+            <a:r>
+              <a:rPr lang="ja-JP" altLang="en-US" dirty="0"/>
+              <a:t>オリジナルでなくてもよい（目コピ歓迎）</a:t>
+            </a:r>
+            <a:br>
+              <a:rPr lang="ja-JP" altLang="en-US" dirty="0"/>
+            </a:br>
+            <a:r>
+              <a:rPr lang="ja-JP" altLang="en-US" dirty="0"/>
+              <a:t>　</a:t>
+            </a:r>
+            <a:r>
+              <a:rPr lang="en-US" altLang="ja-JP" dirty="0"/>
+              <a:t>- </a:t>
+            </a:r>
+            <a:r>
+              <a:rPr lang="ja-JP" altLang="en-US" dirty="0"/>
+              <a:t>たとえば</a:t>
+            </a:r>
+            <a:r>
+              <a:rPr lang="en-US" altLang="ja-JP" dirty="0"/>
+              <a:t>…</a:t>
+            </a:r>
+            <a:r>
+              <a:rPr lang="ja-JP" altLang="en-US" dirty="0"/>
+              <a:t>「</a:t>
+            </a:r>
+            <a:r>
+              <a:rPr lang="en-US" altLang="ja-JP" dirty="0"/>
+              <a:t>2048</a:t>
+            </a:r>
+            <a:r>
+              <a:rPr lang="ja-JP" altLang="en-US" dirty="0"/>
+              <a:t>」とか「クッキークリッカー」</a:t>
+            </a:r>
+            <a:br>
+              <a:rPr lang="ja-JP" altLang="en-US" dirty="0"/>
+            </a:br>
+            <a:r>
+              <a:rPr lang="ja-JP" altLang="en-US" dirty="0"/>
+              <a:t>　</a:t>
+            </a:r>
+            <a:r>
+              <a:rPr lang="en-US" altLang="ja-JP" dirty="0"/>
+              <a:t>- </a:t>
+            </a:r>
+            <a:r>
+              <a:rPr lang="ja-JP" altLang="en-US" dirty="0"/>
+              <a:t>グラフィックに凝りすぎない。アスキーアートでもよい</a:t>
+            </a:r>
+            <a:br>
+              <a:rPr lang="ja-JP" altLang="en-US" dirty="0"/>
+            </a:br>
+            <a:r>
+              <a:rPr lang="ja-JP" altLang="en-US" dirty="0"/>
+              <a:t>　</a:t>
+            </a:r>
+            <a:r>
+              <a:rPr lang="en-US" altLang="ja-JP" dirty="0"/>
+              <a:t>- </a:t>
+            </a:r>
+            <a:r>
+              <a:rPr lang="ja-JP" altLang="en-US" dirty="0"/>
+              <a:t>画像素材、音素材を使った場合は、ライセンスか</a:t>
+            </a:r>
+            <a:r>
+              <a:rPr lang="en-US" altLang="ja-JP" dirty="0"/>
+              <a:t>URL</a:t>
+            </a:r>
+            <a:r>
+              <a:rPr lang="ja-JP" altLang="en-US" dirty="0"/>
+              <a:t>を明記</a:t>
+            </a:r>
+            <a:br>
+              <a:rPr lang="ja-JP" altLang="en-US" dirty="0"/>
+            </a:br>
+            <a:r>
+              <a:rPr lang="en-US" altLang="ja-JP" dirty="0"/>
+              <a:t>- </a:t>
+            </a:r>
+            <a:r>
+              <a:rPr lang="ja-JP" altLang="en-US" dirty="0"/>
+              <a:t>提出できるのは</a:t>
+            </a:r>
+            <a:r>
+              <a:rPr lang="en-US" altLang="ja-JP" dirty="0"/>
+              <a:t>URL</a:t>
+            </a:r>
+            <a:r>
+              <a:rPr lang="ja-JP" altLang="en-US" dirty="0"/>
+              <a:t>が</a:t>
+            </a:r>
+            <a:r>
+              <a:rPr lang="en-US" altLang="ja-JP" dirty="0"/>
+              <a:t>2</a:t>
+            </a:r>
+            <a:r>
+              <a:rPr lang="ja-JP" altLang="en-US" dirty="0"/>
+              <a:t>つだけ。</a:t>
+            </a:r>
+            <a:br>
+              <a:rPr lang="ja-JP" altLang="en-US" dirty="0"/>
+            </a:br>
+            <a:r>
+              <a:rPr lang="en-US" altLang="ja-JP" dirty="0"/>
+              <a:t>1. </a:t>
+            </a:r>
+            <a:r>
+              <a:rPr lang="ja-JP" altLang="en-US" dirty="0"/>
+              <a:t>動画の</a:t>
+            </a:r>
+            <a:r>
+              <a:rPr lang="en-US" altLang="ja-JP" dirty="0"/>
+              <a:t>URL(</a:t>
+            </a:r>
+            <a:r>
+              <a:rPr lang="en-US" altLang="ja-JP" dirty="0" err="1"/>
+              <a:t>Youtube,nicovideo</a:t>
+            </a:r>
+            <a:r>
+              <a:rPr lang="en-US" altLang="ja-JP" dirty="0"/>
+              <a:t>, mp4</a:t>
+            </a:r>
+            <a:r>
+              <a:rPr lang="ja-JP" altLang="en-US" dirty="0"/>
+              <a:t>などの</a:t>
+            </a:r>
+            <a:r>
+              <a:rPr lang="en-US" altLang="ja-JP" dirty="0"/>
+              <a:t>file) , </a:t>
+            </a:r>
+            <a:br>
+              <a:rPr lang="en-US" altLang="ja-JP" dirty="0"/>
+            </a:br>
+            <a:r>
+              <a:rPr lang="en-US" altLang="ja-JP" dirty="0"/>
+              <a:t>2. </a:t>
+            </a:r>
+            <a:r>
+              <a:rPr lang="ja-JP" altLang="en-US" dirty="0"/>
+              <a:t>ソースや</a:t>
+            </a:r>
+            <a:r>
+              <a:rPr lang="en-US" altLang="ja-JP" dirty="0"/>
+              <a:t>PowerPoint</a:t>
+            </a:r>
+            <a:r>
+              <a:rPr lang="ja-JP" altLang="en-US" dirty="0"/>
+              <a:t>資料等の</a:t>
+            </a:r>
+            <a:r>
+              <a:rPr lang="en-US" altLang="ja-JP" dirty="0"/>
+              <a:t>ZIP</a:t>
+            </a:r>
+            <a:r>
+              <a:rPr lang="ja-JP" altLang="en-US" dirty="0"/>
+              <a:t>圧縮を</a:t>
+            </a:r>
+            <a:r>
+              <a:rPr lang="en-US" altLang="ja-JP" dirty="0"/>
+              <a:t>URL</a:t>
+            </a:r>
+            <a:r>
+              <a:rPr lang="ja-JP" altLang="en-US" dirty="0"/>
+              <a:t>で</a:t>
+            </a:r>
+            <a:r>
+              <a:rPr lang="ja-JP" altLang="en-US" dirty="0" smtClean="0"/>
+              <a:t>。</a:t>
+            </a:r>
+            <a:endParaRPr kumimoji="1" lang="ja-JP" altLang="en-US" dirty="0"/>
+          </a:p>
+        </p:txBody>
+      </p:sp>
+      <p:sp>
+        <p:nvSpPr>
+          <p:cNvPr id="3" name="タイトル 2"/>
+          <p:cNvSpPr>
+            <a:spLocks noGrp="1"/>
+          </p:cNvSpPr>
+          <p:nvPr>
+            <p:ph type="title"/>
+          </p:nvPr>
+        </p:nvSpPr>
+        <p:spPr/>
+        <p:txBody>
+          <a:bodyPr/>
+          <a:lstStyle/>
+          <a:p>
+            <a:r>
+              <a:rPr lang="ja-JP" altLang="en-US" dirty="0"/>
+              <a:t>第</a:t>
+            </a:r>
+            <a:r>
+              <a:rPr lang="en-US" altLang="ja-JP" dirty="0"/>
+              <a:t>10</a:t>
+            </a:r>
+            <a:r>
+              <a:rPr lang="ja-JP" altLang="en-US" dirty="0"/>
+              <a:t>回課題 応用</a:t>
+            </a:r>
+            <a:endParaRPr kumimoji="1" lang="ja-JP" altLang="en-US" dirty="0"/>
+          </a:p>
+        </p:txBody>
+      </p:sp>
+    </p:spTree>
+    <p:extLst>
+      <p:ext uri="{BB962C8B-B14F-4D97-AF65-F5344CB8AC3E}">
+        <p14:creationId xmlns:p14="http://schemas.microsoft.com/office/powerpoint/2010/main" val="3950376182"/>
+      </p:ext>
+    </p:extLst>
+  </p:cSld>
+  <p:clrMapOvr>
+    <a:masterClrMapping/>
+  </p:clrMapOvr>
+  <p:timing>
+    <p:tnLst>
+      <p:par>
+        <p:cTn id="1" dur="indefinite" restart="never" nodeType="tmRoot"/>
+      </p:par>
+    </p:tnLst>
+  </p:timing>
+</p:sld>
+</file>
+
+<file path=ppt/slides/slide4.xml><?xml version="1.0" encoding="utf-8"?>
 <p:sld xmlns:a="http://schemas.openxmlformats.org/drawingml/2006/main" xmlns:r="http://schemas.openxmlformats.org/officeDocument/2006/relationships" xmlns:p="http://schemas.openxmlformats.org/presentationml/2006/main">
   <p:cSld>
     <p:spTree>
@@ -20942,7 +21848,7 @@
 </p:sld>
 </file>
 
-<file path=ppt/slides/slide4.xml><?xml version="1.0" encoding="utf-8"?>
+<file path=ppt/slides/slide5.xml><?xml version="1.0" encoding="utf-8"?>
 <p:sld xmlns:a="http://schemas.openxmlformats.org/drawingml/2006/main" xmlns:r="http://schemas.openxmlformats.org/officeDocument/2006/relationships" xmlns:p="http://schemas.openxmlformats.org/presentationml/2006/main">
   <p:cSld>
     <p:spTree>
@@ -20999,6 +21905,75 @@
             <a:r>
               <a:rPr kumimoji="1" lang="ja-JP" altLang="en-US" dirty="0" smtClean="0"/>
               <a:t>ライセンス</a:t>
+            </a:r>
+            <a:endParaRPr kumimoji="1" lang="en-US" altLang="ja-JP" dirty="0" smtClean="0"/>
+          </a:p>
+          <a:p>
+            <a:r>
+              <a:rPr lang="ja-JP" altLang="en-US" dirty="0" smtClean="0"/>
+              <a:t>なんか英語出るだけ</a:t>
+            </a:r>
+            <a:endParaRPr lang="en-US" altLang="ja-JP" dirty="0" smtClean="0"/>
+          </a:p>
+          <a:p>
+            <a:endParaRPr kumimoji="1" lang="en-US" altLang="ja-JP" dirty="0"/>
+          </a:p>
+          <a:p>
+            <a:r>
+              <a:rPr lang="en-US" altLang="ja-JP" dirty="0" smtClean="0"/>
+              <a:t>Pictures</a:t>
+            </a:r>
+            <a:r>
+              <a:rPr lang="ja-JP" altLang="en-US" dirty="0" smtClean="0"/>
+              <a:t>フォルダ</a:t>
+            </a:r>
+            <a:endParaRPr lang="en-US" altLang="ja-JP" dirty="0" smtClean="0"/>
+          </a:p>
+          <a:p>
+            <a:r>
+              <a:rPr kumimoji="1" lang="en-US" altLang="ja-JP" dirty="0" smtClean="0"/>
+              <a:t>Audio</a:t>
+            </a:r>
+            <a:r>
+              <a:rPr kumimoji="1" lang="ja-JP" altLang="en-US" dirty="0" smtClean="0"/>
+              <a:t>フォルダ</a:t>
+            </a:r>
+            <a:endParaRPr kumimoji="1" lang="en-US" altLang="ja-JP" dirty="0" smtClean="0"/>
+          </a:p>
+          <a:p>
+            <a:endParaRPr lang="en-US" altLang="ja-JP" dirty="0"/>
+          </a:p>
+          <a:p>
+            <a:r>
+              <a:rPr kumimoji="1" lang="en-US" altLang="ja-JP" dirty="0" smtClean="0"/>
+              <a:t>.</a:t>
+            </a:r>
+            <a:r>
+              <a:rPr kumimoji="1" lang="en-US" altLang="ja-JP" dirty="0" err="1" smtClean="0"/>
+              <a:t>sln</a:t>
+            </a:r>
+            <a:r>
+              <a:rPr kumimoji="1" lang="ja-JP" altLang="en-US" dirty="0" smtClean="0"/>
+              <a:t>ファイルを</a:t>
+            </a:r>
+            <a:r>
+              <a:rPr kumimoji="1" lang="en-US" altLang="ja-JP" dirty="0" smtClean="0"/>
+              <a:t/>
+            </a:r>
+            <a:br>
+              <a:rPr kumimoji="1" lang="en-US" altLang="ja-JP" dirty="0" smtClean="0"/>
+            </a:br>
+            <a:r>
+              <a:rPr kumimoji="1" lang="ja-JP" altLang="en-US" dirty="0" smtClean="0"/>
+              <a:t>開いて</a:t>
+            </a:r>
+            <a:r>
+              <a:rPr kumimoji="1" lang="en-US" altLang="ja-JP" dirty="0" smtClean="0"/>
+              <a:t>VC</a:t>
+            </a:r>
+            <a:r>
+              <a:rPr lang="ja-JP" altLang="en-US" dirty="0"/>
+              <a:t>起動</a:t>
             </a:r>
             <a:endParaRPr kumimoji="1" lang="ja-JP" altLang="en-US" dirty="0"/>
           </a:p>
@@ -21075,7 +22050,7 @@
 </p:sld>
 </file>
 
-<file path=ppt/slides/slide5.xml><?xml version="1.0" encoding="utf-8"?>
+<file path=ppt/slides/slide6.xml><?xml version="1.0" encoding="utf-8"?>
 <p:sld xmlns:a="http://schemas.openxmlformats.org/drawingml/2006/main" xmlns:r="http://schemas.openxmlformats.org/officeDocument/2006/relationships" xmlns:p="http://schemas.openxmlformats.org/presentationml/2006/main">
   <p:cSld>
     <p:spTree>
@@ -21092,6 +22067,30 @@
           <a:chExt cx="0" cy="0"/>
         </a:xfrm>
       </p:grpSpPr>
+      <p:pic>
+        <p:nvPicPr>
+          <p:cNvPr id="4" name="図 3"/>
+          <p:cNvPicPr>
+            <a:picLocks noChangeAspect="1"/>
+          </p:cNvPicPr>
+          <p:nvPr/>
+        </p:nvPicPr>
+        <p:blipFill>
+          <a:blip r:embed="rId2"/>
+          <a:stretch>
+            <a:fillRect/>
+          </a:stretch>
+        </p:blipFill>
+        <p:spPr>
+          <a:xfrm>
+            <a:off x="-19962" y="1563340"/>
+            <a:ext cx="9093851" cy="4667423"/>
+          </a:xfrm>
+          <a:prstGeom prst="rect">
+            <a:avLst/>
+          </a:prstGeom>
+        </p:spPr>
+      </p:pic>
       <p:sp>
         <p:nvSpPr>
           <p:cNvPr id="2" name="コンテンツ プレースホルダー 1"/>
@@ -21102,14 +22101,68 @@
             <p:ph idx="1"/>
           </p:nvPr>
         </p:nvSpPr>
-        <p:spPr/>
+        <p:spPr>
+          <a:xfrm>
+            <a:off x="211665" y="1124744"/>
+            <a:ext cx="8723376" cy="5544616"/>
+          </a:xfrm>
+        </p:spPr>
         <p:txBody>
-          <a:bodyPr/>
+          <a:bodyPr>
+            <a:normAutofit fontScale="92500" lnSpcReduction="10000"/>
+          </a:bodyPr>
           <a:lstStyle/>
           <a:p>
             <a:r>
-              <a:rPr lang="en-US" altLang="ja-JP" dirty="0" err="1"/>
+              <a:rPr lang="ja-JP" altLang="en-US" dirty="0" smtClean="0"/>
+              <a:t>ソリューションエクスプローラで「クラスダイアグラム」表示</a:t>
+            </a:r>
+            <a:endParaRPr lang="en-US" altLang="ja-JP" dirty="0" smtClean="0"/>
+          </a:p>
+          <a:p>
+            <a:endParaRPr lang="en-US" altLang="ja-JP" dirty="0" smtClean="0"/>
+          </a:p>
+          <a:p>
+            <a:endParaRPr lang="en-US" altLang="ja-JP" dirty="0"/>
+          </a:p>
+          <a:p>
+            <a:endParaRPr lang="en-US" altLang="ja-JP" dirty="0" smtClean="0"/>
+          </a:p>
+          <a:p>
+            <a:endParaRPr lang="en-US" altLang="ja-JP" dirty="0"/>
+          </a:p>
+          <a:p>
+            <a:endParaRPr lang="en-US" altLang="ja-JP" dirty="0" smtClean="0"/>
+          </a:p>
+          <a:p>
+            <a:endParaRPr lang="en-US" altLang="ja-JP" dirty="0"/>
+          </a:p>
+          <a:p>
+            <a:endParaRPr lang="en-US" altLang="ja-JP" dirty="0" smtClean="0"/>
+          </a:p>
+          <a:p>
+            <a:endParaRPr lang="en-US" altLang="ja-JP" dirty="0"/>
+          </a:p>
+          <a:p>
+            <a:endParaRPr lang="en-US" altLang="ja-JP" dirty="0" smtClean="0"/>
+          </a:p>
+          <a:p>
+            <a:endParaRPr lang="en-US" altLang="ja-JP" dirty="0"/>
+          </a:p>
+          <a:p>
+            <a:endParaRPr lang="en-US" altLang="ja-JP" dirty="0" smtClean="0"/>
+          </a:p>
+          <a:p>
+            <a:endParaRPr lang="en-US" altLang="ja-JP" dirty="0" smtClean="0"/>
+          </a:p>
+          <a:p>
+            <a:r>
+              <a:rPr lang="en-US" altLang="ja-JP" dirty="0" err="1" smtClean="0"/>
               <a:t>createThisClass</a:t>
+            </a:r>
+            <a:r>
+              <a:rPr lang="ja-JP" altLang="en-US" dirty="0" smtClean="0"/>
+              <a:t>がアプリ</a:t>
             </a:r>
             <a:endParaRPr lang="en-US" altLang="ja-JP" dirty="0"/>
           </a:p>
@@ -21141,30 +22194,6 @@
           </a:p>
         </p:txBody>
       </p:sp>
-      <p:pic>
-        <p:nvPicPr>
-          <p:cNvPr id="4" name="図 3"/>
-          <p:cNvPicPr>
-            <a:picLocks noChangeAspect="1"/>
-          </p:cNvPicPr>
-          <p:nvPr/>
-        </p:nvPicPr>
-        <p:blipFill>
-          <a:blip r:embed="rId2"/>
-          <a:stretch>
-            <a:fillRect/>
-          </a:stretch>
-        </p:blipFill>
-        <p:spPr>
-          <a:xfrm>
-            <a:off x="13781" y="2060848"/>
-            <a:ext cx="9093851" cy="4667423"/>
-          </a:xfrm>
-          <a:prstGeom prst="rect">
-            <a:avLst/>
-          </a:prstGeom>
-        </p:spPr>
-      </p:pic>
     </p:spTree>
     <p:extLst>
       <p:ext uri="{BB962C8B-B14F-4D97-AF65-F5344CB8AC3E}">
@@ -21185,7 +22214,7 @@
 </p:sld>
 </file>
 
-<file path=ppt/slides/slide6.xml><?xml version="1.0" encoding="utf-8"?>
+<file path=ppt/slides/slide7.xml><?xml version="1.0" encoding="utf-8"?>
 <p:sld xmlns:a="http://schemas.openxmlformats.org/drawingml/2006/main" xmlns:r="http://schemas.openxmlformats.org/officeDocument/2006/relationships" xmlns:p="http://schemas.openxmlformats.org/presentationml/2006/main">
   <p:cSld>
     <p:spTree>
@@ -21310,7 +22339,7 @@
 </p:sld>
 </file>
 
-<file path=ppt/slides/slide7.xml><?xml version="1.0" encoding="utf-8"?>
+<file path=ppt/slides/slide8.xml><?xml version="1.0" encoding="utf-8"?>
 <p:sld xmlns:a="http://schemas.openxmlformats.org/drawingml/2006/main" xmlns:r="http://schemas.openxmlformats.org/officeDocument/2006/relationships" xmlns:p="http://schemas.openxmlformats.org/presentationml/2006/main">
   <p:cSld>
     <p:spTree>
@@ -21431,121 +22460,6 @@
 </p:sld>
 </file>
 
-<file path=ppt/slides/slide8.xml><?xml version="1.0" encoding="utf-8"?>
-<p:sld xmlns:a="http://schemas.openxmlformats.org/drawingml/2006/main" xmlns:r="http://schemas.openxmlformats.org/officeDocument/2006/relationships" xmlns:p="http://schemas.openxmlformats.org/presentationml/2006/main">
-  <p:cSld>
-    <p:spTree>
-      <p:nvGrpSpPr>
-        <p:cNvPr id="1" name=""/>
-        <p:cNvGrpSpPr/>
-        <p:nvPr/>
-      </p:nvGrpSpPr>
-      <p:grpSpPr>
-        <a:xfrm>
-          <a:off x="0" y="0"/>
-          <a:ext cx="0" cy="0"/>
-          <a:chOff x="0" y="0"/>
-          <a:chExt cx="0" cy="0"/>
-        </a:xfrm>
-      </p:grpSpPr>
-      <p:sp>
-        <p:nvSpPr>
-          <p:cNvPr id="2" name="コンテンツ プレースホルダー 1"/>
-          <p:cNvSpPr>
-            <a:spLocks noGrp="1"/>
-          </p:cNvSpPr>
-          <p:nvPr>
-            <p:ph idx="1"/>
-          </p:nvPr>
-        </p:nvSpPr>
-        <p:spPr/>
-        <p:txBody>
-          <a:bodyPr/>
-          <a:lstStyle/>
-          <a:p>
-            <a:r>
-              <a:rPr kumimoji="1" lang="ja-JP" altLang="en-US" dirty="0" smtClean="0"/>
-              <a:t>自由にスプライト表示したい</a:t>
-            </a:r>
-            <a:endParaRPr kumimoji="1" lang="en-US" altLang="ja-JP" dirty="0" smtClean="0"/>
-          </a:p>
-          <a:p>
-            <a:r>
-              <a:rPr kumimoji="1" lang="ja-JP" altLang="en-US" dirty="0" smtClean="0"/>
-              <a:t>音を鳴らしたい</a:t>
-            </a:r>
-            <a:endParaRPr kumimoji="1" lang="en-US" altLang="ja-JP" dirty="0" smtClean="0"/>
-          </a:p>
-          <a:p>
-            <a:r>
-              <a:rPr lang="ja-JP" altLang="en-US" dirty="0" smtClean="0"/>
-              <a:t>スクロールとかシューティングゲームっぽいことをしたい</a:t>
-            </a:r>
-            <a:endParaRPr lang="en-US" altLang="ja-JP" dirty="0" smtClean="0"/>
-          </a:p>
-          <a:p>
-            <a:r>
-              <a:rPr kumimoji="1" lang="ja-JP" altLang="en-US" dirty="0" smtClean="0"/>
-              <a:t>あまり</a:t>
-            </a:r>
-            <a:r>
-              <a:rPr kumimoji="1" lang="ja-JP" altLang="en-US" dirty="0"/>
-              <a:t>複雑</a:t>
-            </a:r>
-            <a:r>
-              <a:rPr kumimoji="1" lang="ja-JP" altLang="en-US" dirty="0" smtClean="0"/>
-              <a:t>なことをしたくな</a:t>
-            </a:r>
-            <a:r>
-              <a:rPr kumimoji="1" lang="ja-JP" altLang="en-US" dirty="0"/>
-              <a:t>い</a:t>
-            </a:r>
-          </a:p>
-        </p:txBody>
-      </p:sp>
-      <p:sp>
-        <p:nvSpPr>
-          <p:cNvPr id="3" name="タイトル 2"/>
-          <p:cNvSpPr>
-            <a:spLocks noGrp="1"/>
-          </p:cNvSpPr>
-          <p:nvPr>
-            <p:ph type="title"/>
-          </p:nvPr>
-        </p:nvSpPr>
-        <p:spPr/>
-        <p:txBody>
-          <a:bodyPr/>
-          <a:lstStyle/>
-          <a:p>
-            <a:r>
-              <a:rPr kumimoji="1" lang="ja-JP" altLang="en-US" dirty="0" smtClean="0"/>
-              <a:t>やりたいことを もんやり 列挙</a:t>
-            </a:r>
-            <a:endParaRPr kumimoji="1" lang="ja-JP" altLang="en-US" dirty="0"/>
-          </a:p>
-        </p:txBody>
-      </p:sp>
-    </p:spTree>
-    <p:extLst>
-      <p:ext uri="{BB962C8B-B14F-4D97-AF65-F5344CB8AC3E}">
-        <p14:creationId xmlns:p14="http://schemas.microsoft.com/office/powerpoint/2010/main" val="1764702169"/>
-      </p:ext>
-    </p:extLst>
-  </p:cSld>
-  <p:clrMapOvr>
-    <a:masterClrMapping/>
-  </p:clrMapOvr>
-  <p:timing>
-    <p:tnLst>
-      <p:par>
-        <p:cTn id="1" dur="indefinite" restart="never" nodeType="tmRoot"/>
-      </p:par>
-    </p:tnLst>
-  </p:timing>
-</p:sld>
-</file>
-
 <file path=ppt/slides/slide9.xml><?xml version="1.0" encoding="utf-8"?>
 <p:sld xmlns:a="http://schemas.openxmlformats.org/drawingml/2006/main" xmlns:r="http://schemas.openxmlformats.org/officeDocument/2006/relationships" xmlns:p="http://schemas.openxmlformats.org/presentationml/2006/main">
   <p:cSld>
@@ -21575,89 +22489,78 @@
         </p:nvSpPr>
         <p:spPr/>
         <p:txBody>
-          <a:bodyPr/>
+          <a:bodyPr>
+            <a:normAutofit/>
+          </a:bodyPr>
           <a:lstStyle/>
           <a:p>
             <a:r>
-              <a:rPr lang="en-US" altLang="ja-JP" dirty="0"/>
-              <a:t>Pictures</a:t>
-            </a:r>
-            <a:r>
-              <a:rPr lang="ja-JP" altLang="en-US" dirty="0"/>
-              <a:t>フォルダ</a:t>
-            </a:r>
-            <a:r>
-              <a:rPr lang="ja-JP" altLang="en-US" dirty="0" smtClean="0"/>
-              <a:t>に希望の</a:t>
-            </a:r>
-            <a:r>
-              <a:rPr lang="en-US" altLang="ja-JP" dirty="0" smtClean="0"/>
-              <a:t>JPEG(PNG</a:t>
-            </a:r>
-            <a:r>
-              <a:rPr lang="ja-JP" altLang="en-US" dirty="0" smtClean="0"/>
-              <a:t>でも可</a:t>
-            </a:r>
-            <a:r>
-              <a:rPr lang="en-US" altLang="ja-JP" dirty="0" smtClean="0"/>
-              <a:t>)</a:t>
-            </a:r>
-            <a:r>
-              <a:rPr lang="ja-JP" altLang="en-US" dirty="0" smtClean="0"/>
-              <a:t>ファイルを置く</a:t>
-            </a:r>
-            <a:endParaRPr lang="ja-JP" altLang="en-US" dirty="0"/>
-          </a:p>
-          <a:p>
-            <a:r>
-              <a:rPr lang="ja-JP" altLang="en-US" dirty="0" smtClean="0"/>
-              <a:t>タイトル画像の代わりに</a:t>
-            </a:r>
-            <a:r>
-              <a:rPr lang="en-US" altLang="ja-JP" dirty="0" smtClean="0"/>
-              <a:t>JPEG</a:t>
-            </a:r>
-            <a:r>
-              <a:rPr lang="ja-JP" altLang="en-US" dirty="0" smtClean="0"/>
-              <a:t>表示</a:t>
-            </a:r>
-            <a:r>
-              <a:rPr lang="en-US" altLang="ja-JP" dirty="0" err="1" smtClean="0"/>
-              <a:t>Constants.h</a:t>
-            </a:r>
-            <a:endParaRPr kumimoji="1" lang="en-US" altLang="ja-JP" dirty="0" smtClean="0"/>
-          </a:p>
-          <a:p>
-            <a:pPr marL="0" indent="0">
-              <a:buNone/>
-            </a:pPr>
-            <a:r>
-              <a:rPr lang="en-US" altLang="ja-JP" b="1" dirty="0"/>
-              <a:t>// graphic images</a:t>
-            </a:r>
-            <a:endParaRPr lang="en-US" altLang="ja-JP" dirty="0"/>
-          </a:p>
-          <a:p>
-            <a:pPr marL="0" indent="0">
-              <a:buNone/>
-            </a:pPr>
-            <a:r>
-              <a:rPr lang="fr-FR" altLang="ja-JP" b="1" dirty="0"/>
-              <a:t>//const char MENU_IMAGE[] =     "pictures\\menu.png";      // menu texture</a:t>
-            </a:r>
-            <a:endParaRPr lang="fr-FR" altLang="ja-JP" dirty="0"/>
-          </a:p>
-          <a:p>
-            <a:pPr marL="0" indent="0">
-              <a:buNone/>
-            </a:pPr>
-            <a:r>
-              <a:rPr lang="fr-FR" altLang="ja-JP" dirty="0"/>
-              <a:t>const char MENU_IMAGE[] =     "pictures\\LV2015akiL.jpg";     </a:t>
-            </a:r>
-          </a:p>
-          <a:p>
-            <a:endParaRPr kumimoji="1" lang="ja-JP" altLang="en-US" dirty="0"/>
+              <a:rPr kumimoji="1" lang="ja-JP" altLang="en-US" sz="4800" dirty="0" smtClean="0">
+                <a:latin typeface="たぬき油性マジック" panose="02000600000000000000" pitchFamily="2" charset="-128"/>
+                <a:ea typeface="たぬき油性マジック" panose="02000600000000000000" pitchFamily="2" charset="-128"/>
+              </a:rPr>
+              <a:t>自由にスプライト表示したい</a:t>
+            </a:r>
+            <a:endParaRPr kumimoji="1" lang="en-US" altLang="ja-JP" sz="4800" dirty="0" smtClean="0">
+              <a:latin typeface="たぬき油性マジック" panose="02000600000000000000" pitchFamily="2" charset="-128"/>
+              <a:ea typeface="たぬき油性マジック" panose="02000600000000000000" pitchFamily="2" charset="-128"/>
+            </a:endParaRPr>
+          </a:p>
+          <a:p>
+            <a:r>
+              <a:rPr kumimoji="1" lang="ja-JP" altLang="en-US" sz="4800" dirty="0" smtClean="0">
+                <a:latin typeface="たぬき油性マジック" panose="02000600000000000000" pitchFamily="2" charset="-128"/>
+                <a:ea typeface="たぬき油性マジック" panose="02000600000000000000" pitchFamily="2" charset="-128"/>
+              </a:rPr>
+              <a:t>音を鳴らしたい</a:t>
+            </a:r>
+            <a:endParaRPr kumimoji="1" lang="en-US" altLang="ja-JP" sz="4800" dirty="0" smtClean="0">
+              <a:latin typeface="たぬき油性マジック" panose="02000600000000000000" pitchFamily="2" charset="-128"/>
+              <a:ea typeface="たぬき油性マジック" panose="02000600000000000000" pitchFamily="2" charset="-128"/>
+            </a:endParaRPr>
+          </a:p>
+          <a:p>
+            <a:r>
+              <a:rPr lang="ja-JP" altLang="en-US" sz="4800" dirty="0" smtClean="0">
+                <a:latin typeface="たぬき油性マジック" panose="02000600000000000000" pitchFamily="2" charset="-128"/>
+                <a:ea typeface="たぬき油性マジック" panose="02000600000000000000" pitchFamily="2" charset="-128"/>
+              </a:rPr>
+              <a:t>スクロールとかシューティングゲームっぽいことをしたい</a:t>
+            </a:r>
+            <a:endParaRPr lang="en-US" altLang="ja-JP" sz="4800" dirty="0" smtClean="0">
+              <a:latin typeface="たぬき油性マジック" panose="02000600000000000000" pitchFamily="2" charset="-128"/>
+              <a:ea typeface="たぬき油性マジック" panose="02000600000000000000" pitchFamily="2" charset="-128"/>
+            </a:endParaRPr>
+          </a:p>
+          <a:p>
+            <a:r>
+              <a:rPr kumimoji="1" lang="ja-JP" altLang="en-US" sz="4800" dirty="0" smtClean="0">
+                <a:latin typeface="たぬき油性マジック" panose="02000600000000000000" pitchFamily="2" charset="-128"/>
+                <a:ea typeface="たぬき油性マジック" panose="02000600000000000000" pitchFamily="2" charset="-128"/>
+              </a:rPr>
+              <a:t>あまり</a:t>
+            </a:r>
+            <a:r>
+              <a:rPr kumimoji="1" lang="ja-JP" altLang="en-US" sz="4800" dirty="0">
+                <a:latin typeface="たぬき油性マジック" panose="02000600000000000000" pitchFamily="2" charset="-128"/>
+                <a:ea typeface="たぬき油性マジック" panose="02000600000000000000" pitchFamily="2" charset="-128"/>
+              </a:rPr>
+              <a:t>複雑</a:t>
+            </a:r>
+            <a:r>
+              <a:rPr kumimoji="1" lang="ja-JP" altLang="en-US" sz="4800" dirty="0" smtClean="0">
+                <a:latin typeface="たぬき油性マジック" panose="02000600000000000000" pitchFamily="2" charset="-128"/>
+                <a:ea typeface="たぬき油性マジック" panose="02000600000000000000" pitchFamily="2" charset="-128"/>
+              </a:rPr>
+              <a:t>なことをしたくな</a:t>
+            </a:r>
+            <a:r>
+              <a:rPr kumimoji="1" lang="ja-JP" altLang="en-US" sz="4800" dirty="0">
+                <a:latin typeface="たぬき油性マジック" panose="02000600000000000000" pitchFamily="2" charset="-128"/>
+                <a:ea typeface="たぬき油性マジック" panose="02000600000000000000" pitchFamily="2" charset="-128"/>
+              </a:rPr>
+              <a:t>い</a:t>
+            </a:r>
           </a:p>
         </p:txBody>
       </p:sp>
@@ -21678,118 +22581,16 @@
           <a:p>
             <a:r>
               <a:rPr kumimoji="1" lang="ja-JP" altLang="en-US" dirty="0" smtClean="0"/>
-              <a:t>まずは</a:t>
-            </a:r>
-            <a:r>
-              <a:rPr kumimoji="1" lang="en-US" altLang="ja-JP" dirty="0" smtClean="0"/>
-              <a:t>JPEG</a:t>
-            </a:r>
-            <a:r>
-              <a:rPr kumimoji="1" lang="ja-JP" altLang="en-US" dirty="0" smtClean="0"/>
-              <a:t>ファイルを読込表示</a:t>
+              <a:t>やりたいことを もんやり 列挙</a:t>
             </a:r>
             <a:endParaRPr kumimoji="1" lang="ja-JP" altLang="en-US" dirty="0"/>
-          </a:p>
-        </p:txBody>
-      </p:sp>
-      <p:pic>
-        <p:nvPicPr>
-          <p:cNvPr id="4" name="図 3"/>
-          <p:cNvPicPr>
-            <a:picLocks noChangeAspect="1"/>
-          </p:cNvPicPr>
-          <p:nvPr/>
-        </p:nvPicPr>
-        <p:blipFill>
-          <a:blip r:embed="rId3"/>
-          <a:stretch>
-            <a:fillRect/>
-          </a:stretch>
-        </p:blipFill>
-        <p:spPr>
-          <a:xfrm>
-            <a:off x="5940152" y="4365104"/>
-            <a:ext cx="2867922" cy="2297882"/>
-          </a:xfrm>
-          <a:prstGeom prst="rect">
-            <a:avLst/>
-          </a:prstGeom>
-        </p:spPr>
-      </p:pic>
-      <p:pic>
-        <p:nvPicPr>
-          <p:cNvPr id="5" name="図 4"/>
-          <p:cNvPicPr>
-            <a:picLocks noChangeAspect="1"/>
-          </p:cNvPicPr>
-          <p:nvPr/>
-        </p:nvPicPr>
-        <p:blipFill>
-          <a:blip r:embed="rId4" cstate="print">
-            <a:extLst>
-              <a:ext uri="{28A0092B-C50C-407E-A947-70E740481C1C}">
-                <a14:useLocalDpi xmlns:a14="http://schemas.microsoft.com/office/drawing/2010/main" val="0"/>
-              </a:ext>
-            </a:extLst>
-          </a:blip>
-          <a:stretch>
-            <a:fillRect/>
-          </a:stretch>
-        </p:blipFill>
-        <p:spPr>
-          <a:xfrm>
-            <a:off x="755576" y="4386271"/>
-            <a:ext cx="3347864" cy="2231910"/>
-          </a:xfrm>
-          <a:prstGeom prst="rect">
-            <a:avLst/>
-          </a:prstGeom>
-        </p:spPr>
-      </p:pic>
-      <p:sp>
-        <p:nvSpPr>
-          <p:cNvPr id="6" name="下矢印 5"/>
-          <p:cNvSpPr/>
-          <p:nvPr/>
-        </p:nvSpPr>
-        <p:spPr>
-          <a:xfrm rot="16200000">
-            <a:off x="4649955" y="5229200"/>
-            <a:ext cx="648072" cy="792087"/>
-          </a:xfrm>
-          <a:prstGeom prst="downArrow">
-            <a:avLst/>
-          </a:prstGeom>
-        </p:spPr>
-        <p:style>
-          <a:lnRef idx="2">
-            <a:schemeClr val="accent1">
-              <a:shade val="50000"/>
-            </a:schemeClr>
-          </a:lnRef>
-          <a:fillRef idx="1">
-            <a:schemeClr val="accent1"/>
-          </a:fillRef>
-          <a:effectRef idx="0">
-            <a:schemeClr val="accent1"/>
-          </a:effectRef>
-          <a:fontRef idx="minor">
-            <a:schemeClr val="lt1"/>
-          </a:fontRef>
-        </p:style>
-        <p:txBody>
-          <a:bodyPr rtlCol="0" anchor="ctr"/>
-          <a:lstStyle/>
-          <a:p>
-            <a:pPr algn="ctr"/>
-            <a:endParaRPr kumimoji="1" lang="ja-JP" altLang="en-US"/>
           </a:p>
         </p:txBody>
       </p:sp>
     </p:spTree>
     <p:extLst>
       <p:ext uri="{BB962C8B-B14F-4D97-AF65-F5344CB8AC3E}">
-        <p14:creationId xmlns:p14="http://schemas.microsoft.com/office/powerpoint/2010/main" val="3052917078"/>
+        <p14:creationId xmlns:p14="http://schemas.microsoft.com/office/powerpoint/2010/main" val="1764702169"/>
       </p:ext>
     </p:extLst>
   </p:cSld>
